--- a/Proyectos Funcion - PRODUCCIÓN.pptx
+++ b/Proyectos Funcion - PRODUCCIÓN.pptx
@@ -5,42 +5,44 @@
     <p:sldMasterId id="2147483658" r:id="rId1"/>
   </p:sldMasterIdLst>
   <p:notesMasterIdLst>
-    <p:notesMasterId r:id="rId6"/>
+    <p:notesMasterId r:id="rId8"/>
   </p:notesMasterIdLst>
   <p:sldIdLst>
     <p:sldId id="256" r:id="rId2"/>
     <p:sldId id="266" r:id="rId3"/>
-    <p:sldId id="267" r:id="rId4"/>
-    <p:sldId id="257" r:id="rId5"/>
+    <p:sldId id="268" r:id="rId4"/>
+    <p:sldId id="267" r:id="rId5"/>
+    <p:sldId id="269" r:id="rId6"/>
+    <p:sldId id="257" r:id="rId7"/>
   </p:sldIdLst>
   <p:sldSz cx="9144000" cy="5143500" type="screen16x9"/>
   <p:notesSz cx="6858000" cy="9144000"/>
   <p:embeddedFontLst>
     <p:embeddedFont>
       <p:font typeface="Arial Narrow" panose="020B0606020202030204" pitchFamily="34" charset="0"/>
-      <p:regular r:id="rId7"/>
-      <p:bold r:id="rId8"/>
-      <p:italic r:id="rId9"/>
-      <p:boldItalic r:id="rId10"/>
+      <p:regular r:id="rId9"/>
+      <p:bold r:id="rId10"/>
+      <p:italic r:id="rId11"/>
+      <p:boldItalic r:id="rId12"/>
     </p:embeddedFont>
     <p:embeddedFont>
       <p:font typeface="Calibri" panose="020F0502020204030204" pitchFamily="34" charset="0"/>
-      <p:regular r:id="rId11"/>
-      <p:bold r:id="rId12"/>
-      <p:italic r:id="rId13"/>
-      <p:boldItalic r:id="rId14"/>
+      <p:regular r:id="rId13"/>
+      <p:bold r:id="rId14"/>
+      <p:italic r:id="rId15"/>
+      <p:boldItalic r:id="rId16"/>
     </p:embeddedFont>
     <p:embeddedFont>
       <p:font typeface="Lato Black" panose="020B0604020202020204" charset="0"/>
-      <p:bold r:id="rId15"/>
-      <p:boldItalic r:id="rId16"/>
+      <p:bold r:id="rId17"/>
+      <p:boldItalic r:id="rId18"/>
     </p:embeddedFont>
     <p:embeddedFont>
       <p:font typeface="Lato Light" panose="020B0604020202020204" charset="0"/>
-      <p:regular r:id="rId17"/>
-      <p:bold r:id="rId18"/>
-      <p:italic r:id="rId19"/>
-      <p:boldItalic r:id="rId20"/>
+      <p:regular r:id="rId19"/>
+      <p:bold r:id="rId20"/>
+      <p:italic r:id="rId21"/>
+      <p:boldItalic r:id="rId22"/>
     </p:embeddedFont>
   </p:embeddedFontLst>
   <p:defaultTextStyle>
@@ -4532,10 +4534,10 @@
       </p:sp>
       <p:graphicFrame>
         <p:nvGraphicFramePr>
-          <p:cNvPr id="2" name="Tabla 1">
+          <p:cNvPr id="4" name="Tabla 3">
             <a:extLst>
               <a:ext uri="{FF2B5EF4-FFF2-40B4-BE49-F238E27FC236}">
-                <a16:creationId xmlns:a16="http://schemas.microsoft.com/office/drawing/2014/main" id="{A4465241-21E8-4B56-869A-C4671844DDAB}"/>
+                <a16:creationId xmlns:a16="http://schemas.microsoft.com/office/drawing/2014/main" id="{ECA5CC4D-BBD4-4FC3-B093-12525FF06839}"/>
               </a:ext>
             </a:extLst>
           </p:cNvPr>
@@ -4545,14 +4547,14 @@
           <p:nvPr>
             <p:extLst>
               <p:ext uri="{D42A27DB-BD31-4B8C-83A1-F6EECF244321}">
-                <p14:modId xmlns:p14="http://schemas.microsoft.com/office/powerpoint/2010/main" val="80976671"/>
+                <p14:modId xmlns:p14="http://schemas.microsoft.com/office/powerpoint/2010/main" val="4109700909"/>
               </p:ext>
             </p:extLst>
           </p:nvPr>
         </p:nvGraphicFramePr>
         <p:xfrm>
-          <a:off x="507845" y="927749"/>
-          <a:ext cx="7922056" cy="3869568"/>
+          <a:off x="507847" y="1261471"/>
+          <a:ext cx="7922058" cy="3350576"/>
         </p:xfrm>
         <a:graphic>
           <a:graphicData uri="http://schemas.openxmlformats.org/drawingml/2006/table">
@@ -4561,64 +4563,78 @@
                 <a:tableStyleId>{B296C3B7-51D5-40FC-B7EA-EAF5845D4BE8}</a:tableStyleId>
               </a:tblPr>
               <a:tblGrid>
-                <a:gridCol w="677581">
+                <a:gridCol w="533024">
                   <a:extLst>
                     <a:ext uri="{9D8B030D-6E8A-4147-A177-3AD203B41FA5}">
-                      <a16:colId xmlns:a16="http://schemas.microsoft.com/office/drawing/2014/main" val="330299476"/>
+                      <a16:colId xmlns:a16="http://schemas.microsoft.com/office/drawing/2014/main" val="3300454707"/>
                     </a:ext>
                   </a:extLst>
                 </a:gridCol>
-                <a:gridCol w="872386">
+                <a:gridCol w="686267">
                   <a:extLst>
                     <a:ext uri="{9D8B030D-6E8A-4147-A177-3AD203B41FA5}">
-                      <a16:colId xmlns:a16="http://schemas.microsoft.com/office/drawing/2014/main" val="4227491169"/>
+                      <a16:colId xmlns:a16="http://schemas.microsoft.com/office/drawing/2014/main" val="2866352394"/>
                     </a:ext>
                   </a:extLst>
                 </a:gridCol>
-                <a:gridCol w="677581">
+                <a:gridCol w="533024">
                   <a:extLst>
                     <a:ext uri="{9D8B030D-6E8A-4147-A177-3AD203B41FA5}">
-                      <a16:colId xmlns:a16="http://schemas.microsoft.com/office/drawing/2014/main" val="615782607"/>
+                      <a16:colId xmlns:a16="http://schemas.microsoft.com/office/drawing/2014/main" val="3624716480"/>
                     </a:ext>
                   </a:extLst>
                 </a:gridCol>
-                <a:gridCol w="2055331">
+                <a:gridCol w="712919">
                   <a:extLst>
                     <a:ext uri="{9D8B030D-6E8A-4147-A177-3AD203B41FA5}">
-                      <a16:colId xmlns:a16="http://schemas.microsoft.com/office/drawing/2014/main" val="2672996359"/>
+                      <a16:colId xmlns:a16="http://schemas.microsoft.com/office/drawing/2014/main" val="681924180"/>
                     </a:ext>
                   </a:extLst>
                 </a:gridCol>
-                <a:gridCol w="756633">
+                <a:gridCol w="1616837">
                   <a:extLst>
                     <a:ext uri="{9D8B030D-6E8A-4147-A177-3AD203B41FA5}">
-                      <a16:colId xmlns:a16="http://schemas.microsoft.com/office/drawing/2014/main" val="739492714"/>
+                      <a16:colId xmlns:a16="http://schemas.microsoft.com/office/drawing/2014/main" val="3638742105"/>
                     </a:ext>
                   </a:extLst>
                 </a:gridCol>
-                <a:gridCol w="872386">
+                <a:gridCol w="595210">
                   <a:extLst>
                     <a:ext uri="{9D8B030D-6E8A-4147-A177-3AD203B41FA5}">
-                      <a16:colId xmlns:a16="http://schemas.microsoft.com/office/drawing/2014/main" val="1676228402"/>
+                      <a16:colId xmlns:a16="http://schemas.microsoft.com/office/drawing/2014/main" val="2291599566"/>
                     </a:ext>
                   </a:extLst>
                 </a:gridCol>
-                <a:gridCol w="1072836">
+                <a:gridCol w="686267">
                   <a:extLst>
                     <a:ext uri="{9D8B030D-6E8A-4147-A177-3AD203B41FA5}">
-                      <a16:colId xmlns:a16="http://schemas.microsoft.com/office/drawing/2014/main" val="839643407"/>
+                      <a16:colId xmlns:a16="http://schemas.microsoft.com/office/drawing/2014/main" val="3775668474"/>
                     </a:ext>
                   </a:extLst>
                 </a:gridCol>
-                <a:gridCol w="937322">
+                <a:gridCol w="843953">
                   <a:extLst>
                     <a:ext uri="{9D8B030D-6E8A-4147-A177-3AD203B41FA5}">
-                      <a16:colId xmlns:a16="http://schemas.microsoft.com/office/drawing/2014/main" val="3951591802"/>
+                      <a16:colId xmlns:a16="http://schemas.microsoft.com/office/drawing/2014/main" val="3200249208"/>
+                    </a:ext>
+                  </a:extLst>
+                </a:gridCol>
+                <a:gridCol w="737348">
+                  <a:extLst>
+                    <a:ext uri="{9D8B030D-6E8A-4147-A177-3AD203B41FA5}">
+                      <a16:colId xmlns:a16="http://schemas.microsoft.com/office/drawing/2014/main" val="1406055724"/>
+                    </a:ext>
+                  </a:extLst>
+                </a:gridCol>
+                <a:gridCol w="977209">
+                  <a:extLst>
+                    <a:ext uri="{9D8B030D-6E8A-4147-A177-3AD203B41FA5}">
+                      <a16:colId xmlns:a16="http://schemas.microsoft.com/office/drawing/2014/main" val="1736740086"/>
                     </a:ext>
                   </a:extLst>
                 </a:gridCol>
               </a:tblGrid>
-              <a:tr h="480182">
+              <a:tr h="664726">
                 <a:tc>
                   <a:txBody>
                     <a:bodyPr/>
@@ -4640,7 +4656,7 @@
                       </a:endParaRPr>
                     </a:p>
                   </a:txBody>
-                  <a:tcPr marL="5405" marR="5405" marT="5405" marB="0" anchor="ctr"/>
+                  <a:tcPr marL="5079" marR="5079" marT="5079" marB="0" anchor="ctr"/>
                 </a:tc>
                 <a:tc>
                   <a:txBody>
@@ -4663,7 +4679,7 @@
                       </a:endParaRPr>
                     </a:p>
                   </a:txBody>
-                  <a:tcPr marL="5405" marR="5405" marT="5405" marB="0" anchor="ctr"/>
+                  <a:tcPr marL="5079" marR="5079" marT="5079" marB="0" anchor="ctr"/>
                 </a:tc>
                 <a:tc>
                   <a:txBody>
@@ -4686,7 +4702,7 @@
                       </a:endParaRPr>
                     </a:p>
                   </a:txBody>
-                  <a:tcPr marL="5405" marR="5405" marT="5405" marB="0" anchor="ctr"/>
+                  <a:tcPr marL="5079" marR="5079" marT="5079" marB="0" anchor="ctr"/>
                 </a:tc>
                 <a:tc>
                   <a:txBody>
@@ -4698,6 +4714,29 @@
                         <a:rPr lang="es-PE" sz="800" b="1" u="none" strike="noStrike" dirty="0">
                           <a:effectLst/>
                         </a:rPr>
+                        <a:t>FUNCIÓN</a:t>
+                      </a:r>
+                      <a:endParaRPr lang="es-PE" sz="800" b="1" i="0" u="none" strike="noStrike" dirty="0">
+                        <a:solidFill>
+                          <a:srgbClr val="000000"/>
+                        </a:solidFill>
+                        <a:effectLst/>
+                        <a:latin typeface="Arial Narrow" panose="020B0606020202030204" pitchFamily="34" charset="0"/>
+                      </a:endParaRPr>
+                    </a:p>
+                  </a:txBody>
+                  <a:tcPr marL="5079" marR="5079" marT="5079" marB="0" anchor="ctr"/>
+                </a:tc>
+                <a:tc>
+                  <a:txBody>
+                    <a:bodyPr/>
+                    <a:lstStyle/>
+                    <a:p>
+                      <a:pPr algn="ctr" rtl="0" fontAlgn="ctr"/>
+                      <a:r>
+                        <a:rPr lang="es-PE" sz="800" b="1" u="none" strike="noStrike" dirty="0">
+                          <a:effectLst/>
+                        </a:rPr>
                         <a:t>NOMBRE DEL PROYECTO DE INVERSIÓN</a:t>
                       </a:r>
                       <a:endParaRPr lang="es-PE" sz="800" b="1" i="0" u="none" strike="noStrike" dirty="0">
@@ -4709,7 +4748,7 @@
                       </a:endParaRPr>
                     </a:p>
                   </a:txBody>
-                  <a:tcPr marL="5405" marR="5405" marT="5405" marB="0" anchor="ctr"/>
+                  <a:tcPr marL="5079" marR="5079" marT="5079" marB="0" anchor="ctr"/>
                 </a:tc>
                 <a:tc>
                   <a:txBody>
@@ -4732,7 +4771,7 @@
                       </a:endParaRPr>
                     </a:p>
                   </a:txBody>
-                  <a:tcPr marL="5405" marR="5405" marT="5405" marB="0" anchor="ctr"/>
+                  <a:tcPr marL="5079" marR="5079" marT="5079" marB="0" anchor="ctr"/>
                 </a:tc>
                 <a:tc>
                   <a:txBody>
@@ -4755,7 +4794,7 @@
                       </a:endParaRPr>
                     </a:p>
                   </a:txBody>
-                  <a:tcPr marL="5405" marR="5405" marT="5405" marB="0" anchor="ctr"/>
+                  <a:tcPr marL="5079" marR="5079" marT="5079" marB="0" anchor="ctr"/>
                 </a:tc>
                 <a:tc>
                   <a:txBody>
@@ -4778,7 +4817,7 @@
                       </a:endParaRPr>
                     </a:p>
                   </a:txBody>
-                  <a:tcPr marL="5405" marR="5405" marT="5405" marB="0" anchor="ctr"/>
+                  <a:tcPr marL="5079" marR="5079" marT="5079" marB="0" anchor="ctr"/>
                 </a:tc>
                 <a:tc>
                   <a:txBody>
@@ -4801,15 +4840,38 @@
                       </a:endParaRPr>
                     </a:p>
                   </a:txBody>
-                  <a:tcPr marL="5405" marR="5405" marT="5405" marB="0" anchor="ctr"/>
+                  <a:tcPr marL="5079" marR="5079" marT="5079" marB="0" anchor="ctr"/>
+                </a:tc>
+                <a:tc>
+                  <a:txBody>
+                    <a:bodyPr/>
+                    <a:lstStyle/>
+                    <a:p>
+                      <a:pPr algn="ctr" rtl="0" fontAlgn="ctr"/>
+                      <a:r>
+                        <a:rPr lang="es-PE" sz="800" b="1" u="none" strike="noStrike" dirty="0">
+                          <a:effectLst/>
+                        </a:rPr>
+                        <a:t>OBSERVACIONES</a:t>
+                      </a:r>
+                      <a:endParaRPr lang="es-PE" sz="800" b="1" i="0" u="none" strike="noStrike" dirty="0">
+                        <a:solidFill>
+                          <a:srgbClr val="000000"/>
+                        </a:solidFill>
+                        <a:effectLst/>
+                        <a:latin typeface="Arial Narrow" panose="020B0606020202030204" pitchFamily="34" charset="0"/>
+                      </a:endParaRPr>
+                    </a:p>
+                  </a:txBody>
+                  <a:tcPr marL="5079" marR="5079" marT="5079" marB="0" anchor="ctr"/>
                 </a:tc>
                 <a:extLst>
                   <a:ext uri="{0D108BD9-81ED-4DB2-BD59-A6C34878D82A}">
-                    <a16:rowId xmlns:a16="http://schemas.microsoft.com/office/drawing/2014/main" val="3897104824"/>
+                    <a16:rowId xmlns:a16="http://schemas.microsoft.com/office/drawing/2014/main" val="1369303929"/>
                   </a:ext>
                 </a:extLst>
               </a:tr>
-              <a:tr h="752719">
+              <a:tr h="1042002">
                 <a:tc>
                   <a:txBody>
                     <a:bodyPr/>
@@ -4831,7 +4893,7 @@
                       </a:endParaRPr>
                     </a:p>
                   </a:txBody>
-                  <a:tcPr marL="5405" marR="5405" marT="5405" marB="0" anchor="ctr"/>
+                  <a:tcPr marL="5079" marR="5079" marT="5079" marB="0" anchor="ctr"/>
                 </a:tc>
                 <a:tc>
                   <a:txBody>
@@ -4854,7 +4916,7 @@
                       </a:endParaRPr>
                     </a:p>
                   </a:txBody>
-                  <a:tcPr marL="5405" marR="5405" marT="5405" marB="0" anchor="ctr"/>
+                  <a:tcPr marL="5079" marR="5079" marT="5079" marB="0" anchor="ctr"/>
                 </a:tc>
                 <a:tc>
                   <a:txBody>
@@ -4877,7 +4939,30 @@
                       </a:endParaRPr>
                     </a:p>
                   </a:txBody>
-                  <a:tcPr marL="5405" marR="5405" marT="5405" marB="0" anchor="ctr"/>
+                  <a:tcPr marL="5079" marR="5079" marT="5079" marB="0" anchor="ctr"/>
+                </a:tc>
+                <a:tc>
+                  <a:txBody>
+                    <a:bodyPr/>
+                    <a:lstStyle/>
+                    <a:p>
+                      <a:pPr algn="ctr" rtl="0" fontAlgn="ctr"/>
+                      <a:r>
+                        <a:rPr lang="es-PE" sz="800" u="none" strike="noStrike" dirty="0">
+                          <a:effectLst/>
+                        </a:rPr>
+                        <a:t>PLANEAMIENTO GESTIÓN Y RESERVA DE LA CONTINGENCIA</a:t>
+                      </a:r>
+                      <a:endParaRPr lang="es-PE" sz="800" b="0" i="0" u="none" strike="noStrike" dirty="0">
+                        <a:solidFill>
+                          <a:srgbClr val="000000"/>
+                        </a:solidFill>
+                        <a:effectLst/>
+                        <a:latin typeface="Arial Narrow" panose="020B0606020202030204" pitchFamily="34" charset="0"/>
+                      </a:endParaRPr>
+                    </a:p>
+                  </a:txBody>
+                  <a:tcPr marL="5079" marR="5079" marT="5079" marB="0" anchor="ctr"/>
                 </a:tc>
                 <a:tc>
                   <a:txBody>
@@ -4886,11 +4971,34 @@
                     <a:p>
                       <a:pPr algn="just" rtl="0" fontAlgn="ctr"/>
                       <a:r>
-                        <a:rPr lang="es-PE" sz="800" u="none" strike="noStrike">
+                        <a:rPr lang="es-PE" sz="800" u="none" strike="noStrike" dirty="0">
                           <a:effectLst/>
                         </a:rPr>
                         <a:t>“MEJORAMIENTO DE LA COMPETITIVIDAD DE LA CADENA PRODUCTIVA DE LACTEOS EN 62 COMUNIDADES DE 22 DISTRITOS DE LAS PROVINCIAS DE ANDAHUAYLAS Y CHINCHEROS, REGION APURIMAC”.</a:t>
                       </a:r>
+                      <a:endParaRPr lang="es-PE" sz="800" b="0" i="0" u="none" strike="noStrike" dirty="0">
+                        <a:solidFill>
+                          <a:srgbClr val="000000"/>
+                        </a:solidFill>
+                        <a:effectLst/>
+                        <a:latin typeface="Arial Narrow" panose="020B0606020202030204" pitchFamily="34" charset="0"/>
+                      </a:endParaRPr>
+                    </a:p>
+                  </a:txBody>
+                  <a:tcPr marL="5079" marR="5079" marT="5079" marB="0" anchor="ctr"/>
+                </a:tc>
+                <a:tc>
+                  <a:txBody>
+                    <a:bodyPr/>
+                    <a:lstStyle/>
+                    <a:p>
+                      <a:pPr algn="l" rtl="0" fontAlgn="ctr"/>
+                      <a:r>
+                        <a:rPr lang="es-PE" sz="800" u="none" strike="noStrike">
+                          <a:effectLst/>
+                        </a:rPr>
+                        <a:t>s/. 88,689.82</a:t>
+                      </a:r>
                       <a:endParaRPr lang="es-PE" sz="800" b="0" i="0" u="none" strike="noStrike">
                         <a:solidFill>
                           <a:srgbClr val="000000"/>
@@ -4900,7 +5008,30 @@
                       </a:endParaRPr>
                     </a:p>
                   </a:txBody>
-                  <a:tcPr marL="5405" marR="5405" marT="5405" marB="0" anchor="ctr"/>
+                  <a:tcPr marL="5079" marR="5079" marT="5079" marB="0" anchor="ctr"/>
+                </a:tc>
+                <a:tc>
+                  <a:txBody>
+                    <a:bodyPr/>
+                    <a:lstStyle/>
+                    <a:p>
+                      <a:pPr algn="ctr" rtl="0" fontAlgn="ctr"/>
+                      <a:r>
+                        <a:rPr lang="es-PE" sz="800" u="none" strike="noStrike">
+                          <a:effectLst/>
+                        </a:rPr>
+                        <a:t>VIABLE</a:t>
+                      </a:r>
+                      <a:endParaRPr lang="es-PE" sz="800" b="0" i="0" u="none" strike="noStrike">
+                        <a:solidFill>
+                          <a:srgbClr val="000000"/>
+                        </a:solidFill>
+                        <a:effectLst/>
+                        <a:latin typeface="Arial Narrow" panose="020B0606020202030204" pitchFamily="34" charset="0"/>
+                      </a:endParaRPr>
+                    </a:p>
+                  </a:txBody>
+                  <a:tcPr marL="5079" marR="5079" marT="5079" marB="0" anchor="ctr"/>
                 </a:tc>
                 <a:tc>
                   <a:txBody>
@@ -4912,7 +5043,7 @@
                         <a:rPr lang="es-PE" sz="800" u="none" strike="noStrike">
                           <a:effectLst/>
                         </a:rPr>
-                        <a:t>s/. 88,689.82</a:t>
+                        <a:t>62 COMUNIDADES DE 22 DISTRITOS DE LAS PROVINCIAS DE ANDAHUAYLAS Y CHINCHEROS,</a:t>
                       </a:r>
                       <a:endParaRPr lang="es-PE" sz="800" b="0" i="0" u="none" strike="noStrike">
                         <a:solidFill>
@@ -4923,19 +5054,19 @@
                       </a:endParaRPr>
                     </a:p>
                   </a:txBody>
-                  <a:tcPr marL="5405" marR="5405" marT="5405" marB="0" anchor="ctr"/>
-                </a:tc>
-                <a:tc>
-                  <a:txBody>
-                    <a:bodyPr/>
-                    <a:lstStyle/>
-                    <a:p>
-                      <a:pPr algn="ctr" rtl="0" fontAlgn="ctr"/>
-                      <a:r>
-                        <a:rPr lang="es-PE" sz="800" u="none" strike="noStrike">
-                          <a:effectLst/>
-                        </a:rPr>
-                        <a:t>VIABLE</a:t>
+                  <a:tcPr marL="5079" marR="5079" marT="5079" marB="0" anchor="ctr"/>
+                </a:tc>
+                <a:tc>
+                  <a:txBody>
+                    <a:bodyPr/>
+                    <a:lstStyle/>
+                    <a:p>
+                      <a:pPr algn="ctr" rtl="0" fontAlgn="ctr"/>
+                      <a:r>
+                        <a:rPr lang="es-PE" sz="800" u="none" strike="noStrike">
+                          <a:effectLst/>
+                        </a:rPr>
+                        <a:t>2021</a:t>
                       </a:r>
                       <a:endParaRPr lang="es-PE" sz="800" b="0" i="0" u="none" strike="noStrike">
                         <a:solidFill>
@@ -4946,19 +5077,19 @@
                       </a:endParaRPr>
                     </a:p>
                   </a:txBody>
-                  <a:tcPr marL="5405" marR="5405" marT="5405" marB="0" anchor="ctr"/>
-                </a:tc>
-                <a:tc>
-                  <a:txBody>
-                    <a:bodyPr/>
-                    <a:lstStyle/>
-                    <a:p>
-                      <a:pPr algn="l" rtl="0" fontAlgn="ctr"/>
-                      <a:r>
-                        <a:rPr lang="es-PE" sz="800" u="none" strike="noStrike">
-                          <a:effectLst/>
-                        </a:rPr>
-                        <a:t>62 COMUNIDADES DE 22 DISTRITOS DE LAS PROVINCIAS DE ANDAHUAYLAS Y CHINCHEROS,</a:t>
+                  <a:tcPr marL="5079" marR="5079" marT="5079" marB="0" anchor="ctr"/>
+                </a:tc>
+                <a:tc>
+                  <a:txBody>
+                    <a:bodyPr/>
+                    <a:lstStyle/>
+                    <a:p>
+                      <a:pPr algn="ctr" fontAlgn="ctr"/>
+                      <a:r>
+                        <a:rPr lang="es-PE" sz="800" u="none" strike="noStrike">
+                          <a:effectLst/>
+                        </a:rPr>
+                        <a:t>-</a:t>
                       </a:r>
                       <a:endParaRPr lang="es-PE" sz="800" b="0" i="0" u="none" strike="noStrike">
                         <a:solidFill>
@@ -4969,38 +5100,15 @@
                       </a:endParaRPr>
                     </a:p>
                   </a:txBody>
-                  <a:tcPr marL="5405" marR="5405" marT="5405" marB="0" anchor="ctr"/>
-                </a:tc>
-                <a:tc>
-                  <a:txBody>
-                    <a:bodyPr/>
-                    <a:lstStyle/>
-                    <a:p>
-                      <a:pPr algn="ctr" rtl="0" fontAlgn="ctr"/>
-                      <a:r>
-                        <a:rPr lang="es-PE" sz="800" u="none" strike="noStrike">
-                          <a:effectLst/>
-                        </a:rPr>
-                        <a:t>2021</a:t>
-                      </a:r>
-                      <a:endParaRPr lang="es-PE" sz="800" b="0" i="0" u="none" strike="noStrike">
-                        <a:solidFill>
-                          <a:srgbClr val="000000"/>
-                        </a:solidFill>
-                        <a:effectLst/>
-                        <a:latin typeface="Arial Narrow" panose="020B0606020202030204" pitchFamily="34" charset="0"/>
-                      </a:endParaRPr>
-                    </a:p>
-                  </a:txBody>
-                  <a:tcPr marL="5405" marR="5405" marT="5405" marB="0" anchor="ctr"/>
+                  <a:tcPr marL="5079" marR="5079" marT="5079" marB="0" anchor="ctr"/>
                 </a:tc>
                 <a:extLst>
                   <a:ext uri="{0D108BD9-81ED-4DB2-BD59-A6C34878D82A}">
-                    <a16:rowId xmlns:a16="http://schemas.microsoft.com/office/drawing/2014/main" val="2826679302"/>
+                    <a16:rowId xmlns:a16="http://schemas.microsoft.com/office/drawing/2014/main" val="1148360611"/>
                   </a:ext>
                 </a:extLst>
               </a:tr>
-              <a:tr h="609961">
+              <a:tr h="844381">
                 <a:tc>
                   <a:txBody>
                     <a:bodyPr/>
@@ -5008,10 +5116,102 @@
                     <a:p>
                       <a:pPr algn="ctr" fontAlgn="ctr"/>
                       <a:r>
+                        <a:rPr lang="es-PE" sz="800" u="none" strike="noStrike">
+                          <a:effectLst/>
+                        </a:rPr>
+                        <a:t>2</a:t>
+                      </a:r>
+                      <a:endParaRPr lang="es-PE" sz="800" b="0" i="0" u="none" strike="noStrike">
+                        <a:solidFill>
+                          <a:srgbClr val="000000"/>
+                        </a:solidFill>
+                        <a:effectLst/>
+                        <a:latin typeface="Arial Narrow" panose="020B0606020202030204" pitchFamily="34" charset="0"/>
+                      </a:endParaRPr>
+                    </a:p>
+                  </a:txBody>
+                  <a:tcPr marL="5079" marR="5079" marT="5079" marB="0" anchor="ctr"/>
+                </a:tc>
+                <a:tc>
+                  <a:txBody>
+                    <a:bodyPr/>
+                    <a:lstStyle/>
+                    <a:p>
+                      <a:pPr algn="ctr" rtl="0" fontAlgn="ctr"/>
+                      <a:r>
+                        <a:rPr lang="es-PE" sz="800" u="none" strike="noStrike">
+                          <a:effectLst/>
+                        </a:rPr>
+                        <a:t>2457746</a:t>
+                      </a:r>
+                      <a:endParaRPr lang="es-PE" sz="800" b="0" i="0" u="none" strike="noStrike">
+                        <a:solidFill>
+                          <a:srgbClr val="000000"/>
+                        </a:solidFill>
+                        <a:effectLst/>
+                        <a:latin typeface="Arial Narrow" panose="020B0606020202030204" pitchFamily="34" charset="0"/>
+                      </a:endParaRPr>
+                    </a:p>
+                  </a:txBody>
+                  <a:tcPr marL="5079" marR="5079" marT="5079" marB="0" anchor="ctr"/>
+                </a:tc>
+                <a:tc>
+                  <a:txBody>
+                    <a:bodyPr/>
+                    <a:lstStyle/>
+                    <a:p>
+                      <a:pPr algn="ctr" rtl="0" fontAlgn="ctr"/>
+                      <a:r>
+                        <a:rPr lang="es-PE" sz="800" u="none" strike="noStrike">
+                          <a:effectLst/>
+                        </a:rPr>
+                        <a:t>-</a:t>
+                      </a:r>
+                      <a:endParaRPr lang="es-PE" sz="800" b="0" i="0" u="none" strike="noStrike">
+                        <a:solidFill>
+                          <a:srgbClr val="000000"/>
+                        </a:solidFill>
+                        <a:effectLst/>
+                        <a:latin typeface="Arial Narrow" panose="020B0606020202030204" pitchFamily="34" charset="0"/>
+                      </a:endParaRPr>
+                    </a:p>
+                  </a:txBody>
+                  <a:tcPr marL="5079" marR="5079" marT="5079" marB="0" anchor="ctr"/>
+                </a:tc>
+                <a:tc>
+                  <a:txBody>
+                    <a:bodyPr/>
+                    <a:lstStyle/>
+                    <a:p>
+                      <a:pPr algn="ctr" rtl="0" fontAlgn="ctr"/>
+                      <a:r>
+                        <a:rPr lang="es-PE" sz="800" u="none" strike="noStrike">
+                          <a:effectLst/>
+                        </a:rPr>
+                        <a:t>AMBIENTE</a:t>
+                      </a:r>
+                      <a:endParaRPr lang="es-PE" sz="800" b="0" i="0" u="none" strike="noStrike">
+                        <a:solidFill>
+                          <a:srgbClr val="000000"/>
+                        </a:solidFill>
+                        <a:effectLst/>
+                        <a:latin typeface="Arial Narrow" panose="020B0606020202030204" pitchFamily="34" charset="0"/>
+                      </a:endParaRPr>
+                    </a:p>
+                  </a:txBody>
+                  <a:tcPr marL="5079" marR="5079" marT="5079" marB="0" anchor="ctr"/>
+                </a:tc>
+                <a:tc>
+                  <a:txBody>
+                    <a:bodyPr/>
+                    <a:lstStyle/>
+                    <a:p>
+                      <a:pPr algn="just" rtl="0" fontAlgn="ctr"/>
+                      <a:r>
                         <a:rPr lang="es-PE" sz="800" u="none" strike="noStrike" dirty="0">
                           <a:effectLst/>
                         </a:rPr>
-                        <a:t>2</a:t>
+                        <a:t>“MEJORAMIENTO DE LOS SERVICIOS DE INFORMACIÓN Y REGULACIÓN PARA EL ORDENAMIENTO TERRITORIAL PARA LAS 7 PROVINCIAS DE LA REGION APURIMAC".</a:t>
                       </a:r>
                       <a:endParaRPr lang="es-PE" sz="800" b="0" i="0" u="none" strike="noStrike" dirty="0">
                         <a:solidFill>
@@ -5022,19 +5222,19 @@
                       </a:endParaRPr>
                     </a:p>
                   </a:txBody>
-                  <a:tcPr marL="5405" marR="5405" marT="5405" marB="0" anchor="ctr"/>
-                </a:tc>
-                <a:tc>
-                  <a:txBody>
-                    <a:bodyPr/>
-                    <a:lstStyle/>
-                    <a:p>
-                      <a:pPr algn="ctr" rtl="0" fontAlgn="ctr"/>
-                      <a:r>
-                        <a:rPr lang="es-PE" sz="800" u="none" strike="noStrike">
-                          <a:effectLst/>
-                        </a:rPr>
-                        <a:t>2457746</a:t>
+                  <a:tcPr marL="5079" marR="5079" marT="5079" marB="0" anchor="ctr"/>
+                </a:tc>
+                <a:tc>
+                  <a:txBody>
+                    <a:bodyPr/>
+                    <a:lstStyle/>
+                    <a:p>
+                      <a:pPr algn="l" rtl="0" fontAlgn="ctr"/>
+                      <a:r>
+                        <a:rPr lang="es-PE" sz="800" u="none" strike="noStrike">
+                          <a:effectLst/>
+                        </a:rPr>
+                        <a:t>S/.3,583,745.32</a:t>
                       </a:r>
                       <a:endParaRPr lang="es-PE" sz="800" b="0" i="0" u="none" strike="noStrike">
                         <a:solidFill>
@@ -5045,14 +5245,83 @@
                       </a:endParaRPr>
                     </a:p>
                   </a:txBody>
-                  <a:tcPr marL="5405" marR="5405" marT="5405" marB="0" anchor="ctr"/>
-                </a:tc>
-                <a:tc>
-                  <a:txBody>
-                    <a:bodyPr/>
-                    <a:lstStyle/>
-                    <a:p>
-                      <a:pPr algn="ctr" rtl="0" fontAlgn="ctr"/>
+                  <a:tcPr marL="5079" marR="5079" marT="5079" marB="0" anchor="ctr"/>
+                </a:tc>
+                <a:tc>
+                  <a:txBody>
+                    <a:bodyPr/>
+                    <a:lstStyle/>
+                    <a:p>
+                      <a:pPr algn="ctr" rtl="0" fontAlgn="ctr"/>
+                      <a:r>
+                        <a:rPr lang="es-PE" sz="800" u="none" strike="noStrike">
+                          <a:effectLst/>
+                        </a:rPr>
+                        <a:t>VIABLE</a:t>
+                      </a:r>
+                      <a:endParaRPr lang="es-PE" sz="800" b="0" i="0" u="none" strike="noStrike">
+                        <a:solidFill>
+                          <a:srgbClr val="000000"/>
+                        </a:solidFill>
+                        <a:effectLst/>
+                        <a:latin typeface="Arial Narrow" panose="020B0606020202030204" pitchFamily="34" charset="0"/>
+                      </a:endParaRPr>
+                    </a:p>
+                  </a:txBody>
+                  <a:tcPr marL="5079" marR="5079" marT="5079" marB="0" anchor="ctr"/>
+                </a:tc>
+                <a:tc>
+                  <a:txBody>
+                    <a:bodyPr/>
+                    <a:lstStyle/>
+                    <a:p>
+                      <a:pPr algn="l" rtl="0" fontAlgn="ctr"/>
+                      <a:r>
+                        <a:rPr lang="es-PE" sz="800" u="none" strike="noStrike">
+                          <a:effectLst/>
+                        </a:rPr>
+                        <a:t>LAS 07 PROVINCIAS DE LA REGIÓN APURÍMAC</a:t>
+                      </a:r>
+                      <a:endParaRPr lang="es-PE" sz="800" b="0" i="0" u="none" strike="noStrike">
+                        <a:solidFill>
+                          <a:srgbClr val="000000"/>
+                        </a:solidFill>
+                        <a:effectLst/>
+                        <a:latin typeface="Arial Narrow" panose="020B0606020202030204" pitchFamily="34" charset="0"/>
+                      </a:endParaRPr>
+                    </a:p>
+                  </a:txBody>
+                  <a:tcPr marL="5079" marR="5079" marT="5079" marB="0" anchor="ctr"/>
+                </a:tc>
+                <a:tc>
+                  <a:txBody>
+                    <a:bodyPr/>
+                    <a:lstStyle/>
+                    <a:p>
+                      <a:pPr algn="ctr" rtl="0" fontAlgn="ctr"/>
+                      <a:r>
+                        <a:rPr lang="es-PE" sz="800" u="none" strike="noStrike">
+                          <a:effectLst/>
+                        </a:rPr>
+                        <a:t>2020</a:t>
+                      </a:r>
+                      <a:endParaRPr lang="es-PE" sz="800" b="0" i="0" u="none" strike="noStrike">
+                        <a:solidFill>
+                          <a:srgbClr val="000000"/>
+                        </a:solidFill>
+                        <a:effectLst/>
+                        <a:latin typeface="Arial Narrow" panose="020B0606020202030204" pitchFamily="34" charset="0"/>
+                      </a:endParaRPr>
+                    </a:p>
+                  </a:txBody>
+                  <a:tcPr marL="5079" marR="5079" marT="5079" marB="0" anchor="ctr"/>
+                </a:tc>
+                <a:tc>
+                  <a:txBody>
+                    <a:bodyPr/>
+                    <a:lstStyle/>
+                    <a:p>
+                      <a:pPr algn="ctr" fontAlgn="ctr"/>
                       <a:r>
                         <a:rPr lang="es-PE" sz="800" u="none" strike="noStrike">
                           <a:effectLst/>
@@ -5068,130 +5337,15 @@
                       </a:endParaRPr>
                     </a:p>
                   </a:txBody>
-                  <a:tcPr marL="5405" marR="5405" marT="5405" marB="0" anchor="ctr"/>
-                </a:tc>
-                <a:tc>
-                  <a:txBody>
-                    <a:bodyPr/>
-                    <a:lstStyle/>
-                    <a:p>
-                      <a:pPr algn="just" rtl="0" fontAlgn="ctr"/>
-                      <a:r>
-                        <a:rPr lang="es-PE" sz="800" u="none" strike="noStrike" dirty="0">
-                          <a:effectLst/>
-                        </a:rPr>
-                        <a:t>“MEJORAMIENTO DE LOS SERVICIOS DE INFORMACIÓN Y REGULACIÓN PARA EL ORDENAMIENTO TERRITORIAL PARA LAS 7 PROVINCIAS DE LA REGION APURIMAC".</a:t>
-                      </a:r>
-                      <a:endParaRPr lang="es-PE" sz="800" b="0" i="0" u="none" strike="noStrike" dirty="0">
-                        <a:solidFill>
-                          <a:srgbClr val="000000"/>
-                        </a:solidFill>
-                        <a:effectLst/>
-                        <a:latin typeface="Arial Narrow" panose="020B0606020202030204" pitchFamily="34" charset="0"/>
-                      </a:endParaRPr>
-                    </a:p>
-                  </a:txBody>
-                  <a:tcPr marL="5405" marR="5405" marT="5405" marB="0" anchor="ctr"/>
-                </a:tc>
-                <a:tc>
-                  <a:txBody>
-                    <a:bodyPr/>
-                    <a:lstStyle/>
-                    <a:p>
-                      <a:pPr algn="l" rtl="0" fontAlgn="ctr"/>
-                      <a:r>
-                        <a:rPr lang="es-PE" sz="800" u="none" strike="noStrike">
-                          <a:effectLst/>
-                        </a:rPr>
-                        <a:t>S/.3,583,745.32</a:t>
-                      </a:r>
-                      <a:endParaRPr lang="es-PE" sz="800" b="0" i="0" u="none" strike="noStrike">
-                        <a:solidFill>
-                          <a:srgbClr val="000000"/>
-                        </a:solidFill>
-                        <a:effectLst/>
-                        <a:latin typeface="Arial Narrow" panose="020B0606020202030204" pitchFamily="34" charset="0"/>
-                      </a:endParaRPr>
-                    </a:p>
-                  </a:txBody>
-                  <a:tcPr marL="5405" marR="5405" marT="5405" marB="0" anchor="ctr"/>
-                </a:tc>
-                <a:tc>
-                  <a:txBody>
-                    <a:bodyPr/>
-                    <a:lstStyle/>
-                    <a:p>
-                      <a:pPr algn="ctr" rtl="0" fontAlgn="ctr"/>
-                      <a:r>
-                        <a:rPr lang="es-PE" sz="800" u="none" strike="noStrike">
-                          <a:effectLst/>
-                        </a:rPr>
-                        <a:t>VIABLE</a:t>
-                      </a:r>
-                      <a:endParaRPr lang="es-PE" sz="800" b="0" i="0" u="none" strike="noStrike">
-                        <a:solidFill>
-                          <a:srgbClr val="000000"/>
-                        </a:solidFill>
-                        <a:effectLst/>
-                        <a:latin typeface="Arial Narrow" panose="020B0606020202030204" pitchFamily="34" charset="0"/>
-                      </a:endParaRPr>
-                    </a:p>
-                  </a:txBody>
-                  <a:tcPr marL="5405" marR="5405" marT="5405" marB="0" anchor="ctr"/>
-                </a:tc>
-                <a:tc>
-                  <a:txBody>
-                    <a:bodyPr/>
-                    <a:lstStyle/>
-                    <a:p>
-                      <a:pPr algn="l" rtl="0" fontAlgn="ctr"/>
-                      <a:r>
-                        <a:rPr lang="es-PE" sz="800" u="none" strike="noStrike">
-                          <a:effectLst/>
-                        </a:rPr>
-                        <a:t>07 PROVINCIAS DE LA REGIÓN APURÍMAC</a:t>
-                      </a:r>
-                      <a:endParaRPr lang="es-PE" sz="800" b="0" i="0" u="none" strike="noStrike">
-                        <a:solidFill>
-                          <a:srgbClr val="000000"/>
-                        </a:solidFill>
-                        <a:effectLst/>
-                        <a:latin typeface="Arial Narrow" panose="020B0606020202030204" pitchFamily="34" charset="0"/>
-                      </a:endParaRPr>
-                    </a:p>
-                  </a:txBody>
-                  <a:tcPr marL="5405" marR="5405" marT="5405" marB="0" anchor="ctr"/>
-                </a:tc>
-                <a:tc>
-                  <a:txBody>
-                    <a:bodyPr/>
-                    <a:lstStyle/>
-                    <a:p>
-                      <a:pPr algn="ctr" rtl="0" fontAlgn="ctr"/>
-                      <a:r>
-                        <a:rPr lang="es-PE" sz="800" u="none" strike="noStrike">
-                          <a:effectLst/>
-                        </a:rPr>
-                        <a:t>2020</a:t>
-                      </a:r>
-                      <a:endParaRPr lang="es-PE" sz="800" b="0" i="0" u="none" strike="noStrike">
-                        <a:solidFill>
-                          <a:srgbClr val="000000"/>
-                        </a:solidFill>
-                        <a:effectLst/>
-                        <a:latin typeface="Arial Narrow" panose="020B0606020202030204" pitchFamily="34" charset="0"/>
-                      </a:endParaRPr>
-                    </a:p>
-                  </a:txBody>
-                  <a:tcPr marL="5405" marR="5405" marT="5405" marB="0" anchor="ctr"/>
+                  <a:tcPr marL="5079" marR="5079" marT="5079" marB="0" anchor="ctr"/>
                 </a:tc>
                 <a:extLst>
                   <a:ext uri="{0D108BD9-81ED-4DB2-BD59-A6C34878D82A}">
-                    <a16:rowId xmlns:a16="http://schemas.microsoft.com/office/drawing/2014/main" val="2294981680"/>
+                    <a16:rowId xmlns:a16="http://schemas.microsoft.com/office/drawing/2014/main" val="1078547925"/>
                   </a:ext>
                 </a:extLst>
               </a:tr>
-              <a:tr h="577517">
+              <a:tr h="799467">
                 <a:tc>
                   <a:txBody>
                     <a:bodyPr/>
@@ -5213,7 +5367,7 @@
                       </a:endParaRPr>
                     </a:p>
                   </a:txBody>
-                  <a:tcPr marL="5405" marR="5405" marT="5405" marB="0" anchor="ctr"/>
+                  <a:tcPr marL="5079" marR="5079" marT="5079" marB="0" anchor="ctr"/>
                 </a:tc>
                 <a:tc>
                   <a:txBody>
@@ -5236,7 +5390,7 @@
                       </a:endParaRPr>
                     </a:p>
                   </a:txBody>
-                  <a:tcPr marL="5405" marR="5405" marT="5405" marB="0" anchor="ctr"/>
+                  <a:tcPr marL="5079" marR="5079" marT="5079" marB="0" anchor="ctr"/>
                 </a:tc>
                 <a:tc>
                   <a:txBody>
@@ -5259,7 +5413,30 @@
                       </a:endParaRPr>
                     </a:p>
                   </a:txBody>
-                  <a:tcPr marL="5405" marR="5405" marT="5405" marB="0" anchor="ctr"/>
+                  <a:tcPr marL="5079" marR="5079" marT="5079" marB="0" anchor="ctr"/>
+                </a:tc>
+                <a:tc>
+                  <a:txBody>
+                    <a:bodyPr/>
+                    <a:lstStyle/>
+                    <a:p>
+                      <a:pPr algn="ctr" rtl="0" fontAlgn="ctr"/>
+                      <a:r>
+                        <a:rPr lang="es-PE" sz="800" u="none" strike="noStrike">
+                          <a:effectLst/>
+                        </a:rPr>
+                        <a:t>PLANEAMIENTO GESTIÓN Y RESERVA DE LA CONTINGENCIA</a:t>
+                      </a:r>
+                      <a:endParaRPr lang="es-PE" sz="800" b="0" i="0" u="none" strike="noStrike">
+                        <a:solidFill>
+                          <a:srgbClr val="000000"/>
+                        </a:solidFill>
+                        <a:effectLst/>
+                        <a:latin typeface="Arial Narrow" panose="020B0606020202030204" pitchFamily="34" charset="0"/>
+                      </a:endParaRPr>
+                    </a:p>
+                  </a:txBody>
+                  <a:tcPr marL="5079" marR="5079" marT="5079" marB="0" anchor="ctr"/>
                 </a:tc>
                 <a:tc>
                   <a:txBody>
@@ -5268,10 +5445,125 @@
                     <a:p>
                       <a:pPr algn="just" rtl="0" fontAlgn="ctr"/>
                       <a:r>
+                        <a:rPr lang="es-PE" sz="800" u="none" strike="noStrike">
+                          <a:effectLst/>
+                        </a:rPr>
+                        <a:t>“MEJORAMIENTO DE LA COMPETITIVIDAD DE LA CADENA DE VALOR DE LA PAPA EN 50 DISTRITOS DE LAS 7 PROVINCIAS DE LA REGIÓN APURÍMAC”.  </a:t>
+                      </a:r>
+                      <a:endParaRPr lang="es-PE" sz="800" b="0" i="0" u="none" strike="noStrike">
+                        <a:solidFill>
+                          <a:srgbClr val="000000"/>
+                        </a:solidFill>
+                        <a:effectLst/>
+                        <a:latin typeface="Arial Narrow" panose="020B0606020202030204" pitchFamily="34" charset="0"/>
+                      </a:endParaRPr>
+                    </a:p>
+                  </a:txBody>
+                  <a:tcPr marL="5079" marR="5079" marT="5079" marB="0" anchor="ctr"/>
+                </a:tc>
+                <a:tc>
+                  <a:txBody>
+                    <a:bodyPr/>
+                    <a:lstStyle/>
+                    <a:p>
+                      <a:pPr algn="l" rtl="0" fontAlgn="ctr"/>
+                      <a:r>
+                        <a:rPr lang="es-PE" sz="800" u="none" strike="noStrike">
+                          <a:effectLst/>
+                        </a:rPr>
+                        <a:t>S/.31,603,109.84</a:t>
+                      </a:r>
+                      <a:endParaRPr lang="es-PE" sz="800" b="0" i="0" u="none" strike="noStrike">
+                        <a:solidFill>
+                          <a:srgbClr val="000000"/>
+                        </a:solidFill>
+                        <a:effectLst/>
+                        <a:latin typeface="Arial Narrow" panose="020B0606020202030204" pitchFamily="34" charset="0"/>
+                      </a:endParaRPr>
+                    </a:p>
+                  </a:txBody>
+                  <a:tcPr marL="5079" marR="5079" marT="5079" marB="0" anchor="ctr"/>
+                </a:tc>
+                <a:tc>
+                  <a:txBody>
+                    <a:bodyPr/>
+                    <a:lstStyle/>
+                    <a:p>
+                      <a:pPr algn="ctr" rtl="0" fontAlgn="ctr"/>
+                      <a:r>
+                        <a:rPr lang="es-PE" sz="800" u="none" strike="noStrike">
+                          <a:effectLst/>
+                        </a:rPr>
+                        <a:t>VIABLE</a:t>
+                      </a:r>
+                      <a:endParaRPr lang="es-PE" sz="800" b="0" i="0" u="none" strike="noStrike">
+                        <a:solidFill>
+                          <a:srgbClr val="000000"/>
+                        </a:solidFill>
+                        <a:effectLst/>
+                        <a:latin typeface="Arial Narrow" panose="020B0606020202030204" pitchFamily="34" charset="0"/>
+                      </a:endParaRPr>
+                    </a:p>
+                  </a:txBody>
+                  <a:tcPr marL="5079" marR="5079" marT="5079" marB="0" anchor="ctr"/>
+                </a:tc>
+                <a:tc>
+                  <a:txBody>
+                    <a:bodyPr/>
+                    <a:lstStyle/>
+                    <a:p>
+                      <a:pPr algn="l" rtl="0" fontAlgn="ctr"/>
+                      <a:r>
+                        <a:rPr lang="es-PE" sz="800" u="none" strike="noStrike">
+                          <a:effectLst/>
+                        </a:rPr>
+                        <a:t>50 DISTRITOS DE LAS 07 PROVINCIAS DE LA REGIÓN APURÍMAC</a:t>
+                      </a:r>
+                      <a:endParaRPr lang="es-PE" sz="800" b="0" i="0" u="none" strike="noStrike">
+                        <a:solidFill>
+                          <a:srgbClr val="000000"/>
+                        </a:solidFill>
+                        <a:effectLst/>
+                        <a:latin typeface="Arial Narrow" panose="020B0606020202030204" pitchFamily="34" charset="0"/>
+                      </a:endParaRPr>
+                    </a:p>
+                  </a:txBody>
+                  <a:tcPr marL="5079" marR="5079" marT="5079" marB="0" anchor="ctr"/>
+                </a:tc>
+                <a:tc>
+                  <a:txBody>
+                    <a:bodyPr/>
+                    <a:lstStyle/>
+                    <a:p>
+                      <a:pPr algn="ctr" rtl="0" fontAlgn="ctr"/>
+                      <a:r>
+                        <a:rPr lang="es-PE" sz="800" u="none" strike="noStrike">
+                          <a:effectLst/>
+                        </a:rPr>
+                        <a:t>2021</a:t>
+                      </a:r>
+                      <a:endParaRPr lang="es-PE" sz="800" b="0" i="0" u="none" strike="noStrike">
+                        <a:solidFill>
+                          <a:srgbClr val="000000"/>
+                        </a:solidFill>
+                        <a:effectLst/>
+                        <a:latin typeface="Arial Narrow" panose="020B0606020202030204" pitchFamily="34" charset="0"/>
+                      </a:endParaRPr>
+                    </a:p>
+                  </a:txBody>
+                  <a:tcPr marL="5079" marR="5079" marT="5079" marB="0" anchor="ctr"/>
+                </a:tc>
+                <a:tc>
+                  <a:txBody>
+                    <a:bodyPr/>
+                    <a:lstStyle/>
+                    <a:p>
+                      <a:pPr algn="ctr" fontAlgn="ctr"/>
+                      <a:r>
                         <a:rPr lang="es-PE" sz="800" u="none" strike="noStrike" dirty="0">
                           <a:effectLst/>
                         </a:rPr>
-                        <a:t>“MEJORAMIENTO DE LA COMPETITIVIDAD DE LA CADENA DE VALOR DE LA PAPA EN 50 DISTRITOS DE LAS 7 PROVINCIAS DE LA REGIÓN APURÍMAC”.  </a:t>
+                        <a:t>-</a:t>
                       </a:r>
                       <a:endParaRPr lang="es-PE" sz="800" b="0" i="0" u="none" strike="noStrike" dirty="0">
                         <a:solidFill>
@@ -5282,507 +5574,11 @@
                       </a:endParaRPr>
                     </a:p>
                   </a:txBody>
-                  <a:tcPr marL="5405" marR="5405" marT="5405" marB="0" anchor="ctr"/>
-                </a:tc>
-                <a:tc>
-                  <a:txBody>
-                    <a:bodyPr/>
-                    <a:lstStyle/>
-                    <a:p>
-                      <a:pPr algn="l" rtl="0" fontAlgn="ctr"/>
-                      <a:r>
-                        <a:rPr lang="es-PE" sz="800" u="none" strike="noStrike">
-                          <a:effectLst/>
-                        </a:rPr>
-                        <a:t>S/.31,603,109.84</a:t>
-                      </a:r>
-                      <a:endParaRPr lang="es-PE" sz="800" b="0" i="0" u="none" strike="noStrike">
-                        <a:solidFill>
-                          <a:srgbClr val="000000"/>
-                        </a:solidFill>
-                        <a:effectLst/>
-                        <a:latin typeface="Arial Narrow" panose="020B0606020202030204" pitchFamily="34" charset="0"/>
-                      </a:endParaRPr>
-                    </a:p>
-                  </a:txBody>
-                  <a:tcPr marL="5405" marR="5405" marT="5405" marB="0" anchor="ctr"/>
-                </a:tc>
-                <a:tc>
-                  <a:txBody>
-                    <a:bodyPr/>
-                    <a:lstStyle/>
-                    <a:p>
-                      <a:pPr algn="ctr" rtl="0" fontAlgn="ctr"/>
-                      <a:r>
-                        <a:rPr lang="es-PE" sz="800" u="none" strike="noStrike">
-                          <a:effectLst/>
-                        </a:rPr>
-                        <a:t>VIABLE</a:t>
-                      </a:r>
-                      <a:endParaRPr lang="es-PE" sz="800" b="0" i="0" u="none" strike="noStrike">
-                        <a:solidFill>
-                          <a:srgbClr val="000000"/>
-                        </a:solidFill>
-                        <a:effectLst/>
-                        <a:latin typeface="Arial Narrow" panose="020B0606020202030204" pitchFamily="34" charset="0"/>
-                      </a:endParaRPr>
-                    </a:p>
-                  </a:txBody>
-                  <a:tcPr marL="5405" marR="5405" marT="5405" marB="0" anchor="ctr"/>
-                </a:tc>
-                <a:tc>
-                  <a:txBody>
-                    <a:bodyPr/>
-                    <a:lstStyle/>
-                    <a:p>
-                      <a:pPr algn="l" rtl="0" fontAlgn="ctr"/>
-                      <a:r>
-                        <a:rPr lang="es-PE" sz="800" u="none" strike="noStrike">
-                          <a:effectLst/>
-                        </a:rPr>
-                        <a:t>50 DISTRITOS DE LAS 07 PROVINCIAS DE LA REGIÓN APURÍMAC</a:t>
-                      </a:r>
-                      <a:endParaRPr lang="es-PE" sz="800" b="0" i="0" u="none" strike="noStrike">
-                        <a:solidFill>
-                          <a:srgbClr val="000000"/>
-                        </a:solidFill>
-                        <a:effectLst/>
-                        <a:latin typeface="Arial Narrow" panose="020B0606020202030204" pitchFamily="34" charset="0"/>
-                      </a:endParaRPr>
-                    </a:p>
-                  </a:txBody>
-                  <a:tcPr marL="5405" marR="5405" marT="5405" marB="0" anchor="ctr"/>
-                </a:tc>
-                <a:tc>
-                  <a:txBody>
-                    <a:bodyPr/>
-                    <a:lstStyle/>
-                    <a:p>
-                      <a:pPr algn="ctr" rtl="0" fontAlgn="ctr"/>
-                      <a:r>
-                        <a:rPr lang="es-PE" sz="800" u="none" strike="noStrike">
-                          <a:effectLst/>
-                        </a:rPr>
-                        <a:t>2021</a:t>
-                      </a:r>
-                      <a:endParaRPr lang="es-PE" sz="800" b="0" i="0" u="none" strike="noStrike">
-                        <a:solidFill>
-                          <a:srgbClr val="000000"/>
-                        </a:solidFill>
-                        <a:effectLst/>
-                        <a:latin typeface="Arial Narrow" panose="020B0606020202030204" pitchFamily="34" charset="0"/>
-                      </a:endParaRPr>
-                    </a:p>
-                  </a:txBody>
-                  <a:tcPr marL="5405" marR="5405" marT="5405" marB="0" anchor="ctr"/>
+                  <a:tcPr marL="5079" marR="5079" marT="5079" marB="0" anchor="ctr"/>
                 </a:tc>
                 <a:extLst>
                   <a:ext uri="{0D108BD9-81ED-4DB2-BD59-A6C34878D82A}">
-                    <a16:rowId xmlns:a16="http://schemas.microsoft.com/office/drawing/2014/main" val="2760013480"/>
-                  </a:ext>
-                </a:extLst>
-              </a:tr>
-              <a:tr h="445569">
-                <a:tc>
-                  <a:txBody>
-                    <a:bodyPr/>
-                    <a:lstStyle/>
-                    <a:p>
-                      <a:pPr algn="ctr" fontAlgn="ctr"/>
-                      <a:r>
-                        <a:rPr lang="es-PE" sz="800" u="none" strike="noStrike">
-                          <a:effectLst/>
-                        </a:rPr>
-                        <a:t>4</a:t>
-                      </a:r>
-                      <a:endParaRPr lang="es-PE" sz="800" b="0" i="0" u="none" strike="noStrike">
-                        <a:solidFill>
-                          <a:srgbClr val="000000"/>
-                        </a:solidFill>
-                        <a:effectLst/>
-                        <a:latin typeface="Arial Narrow" panose="020B0606020202030204" pitchFamily="34" charset="0"/>
-                      </a:endParaRPr>
-                    </a:p>
-                  </a:txBody>
-                  <a:tcPr marL="5405" marR="5405" marT="5405" marB="0" anchor="ctr"/>
-                </a:tc>
-                <a:tc>
-                  <a:txBody>
-                    <a:bodyPr/>
-                    <a:lstStyle/>
-                    <a:p>
-                      <a:pPr algn="ctr" rtl="0" fontAlgn="ctr"/>
-                      <a:r>
-                        <a:rPr lang="es-PE" sz="800" u="none" strike="noStrike">
-                          <a:effectLst/>
-                        </a:rPr>
-                        <a:t>2471009</a:t>
-                      </a:r>
-                      <a:endParaRPr lang="es-PE" sz="800" b="0" i="0" u="none" strike="noStrike">
-                        <a:solidFill>
-                          <a:srgbClr val="000000"/>
-                        </a:solidFill>
-                        <a:effectLst/>
-                        <a:latin typeface="Arial Narrow" panose="020B0606020202030204" pitchFamily="34" charset="0"/>
-                      </a:endParaRPr>
-                    </a:p>
-                  </a:txBody>
-                  <a:tcPr marL="5405" marR="5405" marT="5405" marB="0" anchor="ctr"/>
-                </a:tc>
-                <a:tc>
-                  <a:txBody>
-                    <a:bodyPr/>
-                    <a:lstStyle/>
-                    <a:p>
-                      <a:pPr algn="ctr" rtl="0" fontAlgn="ctr"/>
-                      <a:r>
-                        <a:rPr lang="es-PE" sz="800" u="none" strike="noStrike">
-                          <a:effectLst/>
-                        </a:rPr>
-                        <a:t>-</a:t>
-                      </a:r>
-                      <a:endParaRPr lang="es-PE" sz="800" b="0" i="0" u="none" strike="noStrike">
-                        <a:solidFill>
-                          <a:srgbClr val="000000"/>
-                        </a:solidFill>
-                        <a:effectLst/>
-                        <a:latin typeface="Arial Narrow" panose="020B0606020202030204" pitchFamily="34" charset="0"/>
-                      </a:endParaRPr>
-                    </a:p>
-                  </a:txBody>
-                  <a:tcPr marL="5405" marR="5405" marT="5405" marB="0" anchor="ctr"/>
-                </a:tc>
-                <a:tc>
-                  <a:txBody>
-                    <a:bodyPr/>
-                    <a:lstStyle/>
-                    <a:p>
-                      <a:pPr algn="just" fontAlgn="ctr"/>
-                      <a:r>
-                        <a:rPr lang="es-PE" sz="800" u="none" strike="noStrike">
-                          <a:effectLst/>
-                        </a:rPr>
-                        <a:t>“MEJORAMIENTO DE LA COMPETITIVIDAD DE LA CADENA PRODUCTIVA DE LA MIEL DE ABEJAS EN LAS 7 PROVINCIAS DEL DEPARTAMENTO DE APURIMAC”.</a:t>
-                      </a:r>
-                      <a:endParaRPr lang="es-PE" sz="800" b="0" i="0" u="none" strike="noStrike">
-                        <a:solidFill>
-                          <a:srgbClr val="000000"/>
-                        </a:solidFill>
-                        <a:effectLst/>
-                        <a:latin typeface="Arial Narrow" panose="020B0606020202030204" pitchFamily="34" charset="0"/>
-                      </a:endParaRPr>
-                    </a:p>
-                  </a:txBody>
-                  <a:tcPr marL="5405" marR="5405" marT="5405" marB="0" anchor="ctr"/>
-                </a:tc>
-                <a:tc>
-                  <a:txBody>
-                    <a:bodyPr/>
-                    <a:lstStyle/>
-                    <a:p>
-                      <a:pPr algn="l" rtl="0" fontAlgn="ctr"/>
-                      <a:r>
-                        <a:rPr lang="es-PE" sz="800" u="none" strike="noStrike">
-                          <a:effectLst/>
-                        </a:rPr>
-                        <a:t>S/.12,533,519.83</a:t>
-                      </a:r>
-                      <a:endParaRPr lang="es-PE" sz="800" b="0" i="0" u="none" strike="noStrike">
-                        <a:solidFill>
-                          <a:srgbClr val="000000"/>
-                        </a:solidFill>
-                        <a:effectLst/>
-                        <a:latin typeface="Arial Narrow" panose="020B0606020202030204" pitchFamily="34" charset="0"/>
-                      </a:endParaRPr>
-                    </a:p>
-                  </a:txBody>
-                  <a:tcPr marL="5405" marR="5405" marT="5405" marB="0" anchor="ctr"/>
-                </a:tc>
-                <a:tc>
-                  <a:txBody>
-                    <a:bodyPr/>
-                    <a:lstStyle/>
-                    <a:p>
-                      <a:pPr algn="ctr" rtl="0" fontAlgn="ctr"/>
-                      <a:r>
-                        <a:rPr lang="es-PE" sz="800" u="none" strike="noStrike">
-                          <a:effectLst/>
-                        </a:rPr>
-                        <a:t>VIABLE</a:t>
-                      </a:r>
-                      <a:endParaRPr lang="es-PE" sz="800" b="0" i="0" u="none" strike="noStrike">
-                        <a:solidFill>
-                          <a:srgbClr val="000000"/>
-                        </a:solidFill>
-                        <a:effectLst/>
-                        <a:latin typeface="Arial Narrow" panose="020B0606020202030204" pitchFamily="34" charset="0"/>
-                      </a:endParaRPr>
-                    </a:p>
-                  </a:txBody>
-                  <a:tcPr marL="5405" marR="5405" marT="5405" marB="0" anchor="ctr"/>
-                </a:tc>
-                <a:tc>
-                  <a:txBody>
-                    <a:bodyPr/>
-                    <a:lstStyle/>
-                    <a:p>
-                      <a:pPr algn="l" rtl="0" fontAlgn="ctr"/>
-                      <a:r>
-                        <a:rPr lang="es-PE" sz="800" u="none" strike="noStrike">
-                          <a:effectLst/>
-                        </a:rPr>
-                        <a:t>07 PROVINCIAS DE LA REGIÓN APURÍMAC</a:t>
-                      </a:r>
-                      <a:endParaRPr lang="es-PE" sz="800" b="0" i="0" u="none" strike="noStrike">
-                        <a:solidFill>
-                          <a:srgbClr val="000000"/>
-                        </a:solidFill>
-                        <a:effectLst/>
-                        <a:latin typeface="Arial Narrow" panose="020B0606020202030204" pitchFamily="34" charset="0"/>
-                      </a:endParaRPr>
-                    </a:p>
-                  </a:txBody>
-                  <a:tcPr marL="5405" marR="5405" marT="5405" marB="0" anchor="ctr"/>
-                </a:tc>
-                <a:tc>
-                  <a:txBody>
-                    <a:bodyPr/>
-                    <a:lstStyle/>
-                    <a:p>
-                      <a:pPr algn="ctr" rtl="0" fontAlgn="ctr"/>
-                      <a:r>
-                        <a:rPr lang="es-PE" sz="800" u="none" strike="noStrike">
-                          <a:effectLst/>
-                        </a:rPr>
-                        <a:t>2021</a:t>
-                      </a:r>
-                      <a:endParaRPr lang="es-PE" sz="800" b="0" i="0" u="none" strike="noStrike">
-                        <a:solidFill>
-                          <a:srgbClr val="000000"/>
-                        </a:solidFill>
-                        <a:effectLst/>
-                        <a:latin typeface="Arial Narrow" panose="020B0606020202030204" pitchFamily="34" charset="0"/>
-                      </a:endParaRPr>
-                    </a:p>
-                  </a:txBody>
-                  <a:tcPr marL="5405" marR="5405" marT="5405" marB="0" anchor="ctr"/>
-                </a:tc>
-                <a:extLst>
-                  <a:ext uri="{0D108BD9-81ED-4DB2-BD59-A6C34878D82A}">
-                    <a16:rowId xmlns:a16="http://schemas.microsoft.com/office/drawing/2014/main" val="3435359884"/>
-                  </a:ext>
-                </a:extLst>
-              </a:tr>
-              <a:tr h="791652">
-                <a:tc>
-                  <a:txBody>
-                    <a:bodyPr/>
-                    <a:lstStyle/>
-                    <a:p>
-                      <a:pPr algn="ctr" fontAlgn="ctr"/>
-                      <a:r>
-                        <a:rPr lang="es-PE" sz="800" u="none" strike="noStrike">
-                          <a:effectLst/>
-                        </a:rPr>
-                        <a:t>5</a:t>
-                      </a:r>
-                      <a:endParaRPr lang="es-PE" sz="800" b="0" i="0" u="none" strike="noStrike">
-                        <a:solidFill>
-                          <a:srgbClr val="000000"/>
-                        </a:solidFill>
-                        <a:effectLst/>
-                        <a:latin typeface="Arial Narrow" panose="020B0606020202030204" pitchFamily="34" charset="0"/>
-                      </a:endParaRPr>
-                    </a:p>
-                  </a:txBody>
-                  <a:tcPr marL="5405" marR="5405" marT="5405" marB="0" anchor="ctr"/>
-                </a:tc>
-                <a:tc>
-                  <a:txBody>
-                    <a:bodyPr/>
-                    <a:lstStyle/>
-                    <a:p>
-                      <a:pPr algn="ctr" rtl="0" fontAlgn="ctr"/>
-                      <a:r>
-                        <a:rPr lang="es-PE" sz="800" u="none" strike="noStrike">
-                          <a:effectLst/>
-                        </a:rPr>
-                        <a:t>2462401</a:t>
-                      </a:r>
-                      <a:endParaRPr lang="es-PE" sz="800" b="0" i="0" u="none" strike="noStrike">
-                        <a:solidFill>
-                          <a:srgbClr val="000000"/>
-                        </a:solidFill>
-                        <a:effectLst/>
-                        <a:latin typeface="Arial Narrow" panose="020B0606020202030204" pitchFamily="34" charset="0"/>
-                      </a:endParaRPr>
-                    </a:p>
-                  </a:txBody>
-                  <a:tcPr marL="5405" marR="5405" marT="5405" marB="0" anchor="ctr"/>
-                </a:tc>
-                <a:tc>
-                  <a:txBody>
-                    <a:bodyPr/>
-                    <a:lstStyle/>
-                    <a:p>
-                      <a:pPr algn="ctr" rtl="0" fontAlgn="ctr"/>
-                      <a:r>
-                        <a:rPr lang="es-PE" sz="800" u="none" strike="noStrike">
-                          <a:effectLst/>
-                        </a:rPr>
-                        <a:t>-</a:t>
-                      </a:r>
-                      <a:endParaRPr lang="es-PE" sz="800" b="0" i="0" u="none" strike="noStrike">
-                        <a:solidFill>
-                          <a:srgbClr val="000000"/>
-                        </a:solidFill>
-                        <a:effectLst/>
-                        <a:latin typeface="Arial Narrow" panose="020B0606020202030204" pitchFamily="34" charset="0"/>
-                      </a:endParaRPr>
-                    </a:p>
-                  </a:txBody>
-                  <a:tcPr marL="5405" marR="5405" marT="5405" marB="0" anchor="ctr"/>
-                </a:tc>
-                <a:tc>
-                  <a:txBody>
-                    <a:bodyPr/>
-                    <a:lstStyle/>
-                    <a:p>
-                      <a:pPr algn="just" fontAlgn="ctr"/>
-                      <a:r>
-                        <a:rPr lang="es-PE" sz="800" u="none" strike="noStrike">
-                          <a:effectLst/>
-                        </a:rPr>
-                        <a:t>“MEJORAMIENTO DE LA</a:t>
-                      </a:r>
-                      <a:br>
-                        <a:rPr lang="es-PE" sz="800" u="none" strike="noStrike">
-                          <a:effectLst/>
-                        </a:rPr>
-                      </a:br>
-                      <a:r>
-                        <a:rPr lang="es-PE" sz="800" u="none" strike="noStrike">
-                          <a:effectLst/>
-                        </a:rPr>
-                        <a:t>PRESTACIÓN DE SERVICIOS DE LA DIRECCIÓN REGIONAL DE TRABAJO Y PROMOCIÓN DEL EMPLEO EN LAS 7 PROVINCIAS DEL DEPARTAMENTO DE</a:t>
-                      </a:r>
-                      <a:br>
-                        <a:rPr lang="es-PE" sz="800" u="none" strike="noStrike">
-                          <a:effectLst/>
-                        </a:rPr>
-                      </a:br>
-                      <a:r>
-                        <a:rPr lang="es-PE" sz="800" u="none" strike="noStrike">
-                          <a:effectLst/>
-                        </a:rPr>
-                        <a:t>APURIMAC”.</a:t>
-                      </a:r>
-                      <a:endParaRPr lang="es-PE" sz="800" b="0" i="0" u="none" strike="noStrike">
-                        <a:solidFill>
-                          <a:srgbClr val="000000"/>
-                        </a:solidFill>
-                        <a:effectLst/>
-                        <a:latin typeface="Arial Narrow" panose="020B0606020202030204" pitchFamily="34" charset="0"/>
-                      </a:endParaRPr>
-                    </a:p>
-                  </a:txBody>
-                  <a:tcPr marL="5405" marR="5405" marT="5405" marB="0" anchor="ctr"/>
-                </a:tc>
-                <a:tc>
-                  <a:txBody>
-                    <a:bodyPr/>
-                    <a:lstStyle/>
-                    <a:p>
-                      <a:pPr algn="l" rtl="0" fontAlgn="ctr"/>
-                      <a:r>
-                        <a:rPr lang="es-PE" sz="800" u="none" strike="noStrike">
-                          <a:effectLst/>
-                        </a:rPr>
-                        <a:t>S/.3,839,134.33</a:t>
-                      </a:r>
-                      <a:endParaRPr lang="es-PE" sz="800" b="0" i="0" u="none" strike="noStrike">
-                        <a:solidFill>
-                          <a:srgbClr val="000000"/>
-                        </a:solidFill>
-                        <a:effectLst/>
-                        <a:latin typeface="Arial Narrow" panose="020B0606020202030204" pitchFamily="34" charset="0"/>
-                      </a:endParaRPr>
-                    </a:p>
-                  </a:txBody>
-                  <a:tcPr marL="5405" marR="5405" marT="5405" marB="0" anchor="ctr"/>
-                </a:tc>
-                <a:tc>
-                  <a:txBody>
-                    <a:bodyPr/>
-                    <a:lstStyle/>
-                    <a:p>
-                      <a:pPr algn="ctr" rtl="0" fontAlgn="ctr"/>
-                      <a:r>
-                        <a:rPr lang="es-PE" sz="800" u="none" strike="noStrike">
-                          <a:effectLst/>
-                        </a:rPr>
-                        <a:t>VIABLE</a:t>
-                      </a:r>
-                      <a:endParaRPr lang="es-PE" sz="800" b="0" i="0" u="none" strike="noStrike">
-                        <a:solidFill>
-                          <a:srgbClr val="000000"/>
-                        </a:solidFill>
-                        <a:effectLst/>
-                        <a:latin typeface="Arial Narrow" panose="020B0606020202030204" pitchFamily="34" charset="0"/>
-                      </a:endParaRPr>
-                    </a:p>
-                  </a:txBody>
-                  <a:tcPr marL="5405" marR="5405" marT="5405" marB="0" anchor="ctr"/>
-                </a:tc>
-                <a:tc>
-                  <a:txBody>
-                    <a:bodyPr/>
-                    <a:lstStyle/>
-                    <a:p>
-                      <a:pPr algn="l" rtl="0" fontAlgn="ctr"/>
-                      <a:r>
-                        <a:rPr lang="es-PE" sz="800" u="none" strike="noStrike">
-                          <a:effectLst/>
-                        </a:rPr>
-                        <a:t>07 PROVINCIAS DE LA REGIÓN APURÍMAC</a:t>
-                      </a:r>
-                      <a:endParaRPr lang="es-PE" sz="800" b="0" i="0" u="none" strike="noStrike">
-                        <a:solidFill>
-                          <a:srgbClr val="000000"/>
-                        </a:solidFill>
-                        <a:effectLst/>
-                        <a:latin typeface="Arial Narrow" panose="020B0606020202030204" pitchFamily="34" charset="0"/>
-                      </a:endParaRPr>
-                    </a:p>
-                  </a:txBody>
-                  <a:tcPr marL="5405" marR="5405" marT="5405" marB="0" anchor="ctr"/>
-                </a:tc>
-                <a:tc>
-                  <a:txBody>
-                    <a:bodyPr/>
-                    <a:lstStyle/>
-                    <a:p>
-                      <a:pPr algn="ctr" rtl="0" fontAlgn="ctr"/>
-                      <a:r>
-                        <a:rPr lang="es-PE" sz="800" u="none" strike="noStrike" dirty="0">
-                          <a:effectLst/>
-                        </a:rPr>
-                        <a:t>2021</a:t>
-                      </a:r>
-                      <a:endParaRPr lang="es-PE" sz="800" b="0" i="0" u="none" strike="noStrike" dirty="0">
-                        <a:solidFill>
-                          <a:srgbClr val="000000"/>
-                        </a:solidFill>
-                        <a:effectLst/>
-                        <a:latin typeface="Arial Narrow" panose="020B0606020202030204" pitchFamily="34" charset="0"/>
-                      </a:endParaRPr>
-                    </a:p>
-                  </a:txBody>
-                  <a:tcPr marL="5405" marR="5405" marT="5405" marB="0" anchor="ctr"/>
-                </a:tc>
-                <a:extLst>
-                  <a:ext uri="{0D108BD9-81ED-4DB2-BD59-A6C34878D82A}">
-                    <a16:rowId xmlns:a16="http://schemas.microsoft.com/office/drawing/2014/main" val="4245522729"/>
+                    <a16:rowId xmlns:a16="http://schemas.microsoft.com/office/drawing/2014/main" val="1347064562"/>
                   </a:ext>
                 </a:extLst>
               </a:tr>
@@ -5804,6 +5600,1644 @@
 </file>
 
 <file path=ppt/slides/slide3.xml><?xml version="1.0" encoding="utf-8"?>
+<p:sld xmlns:a="http://schemas.openxmlformats.org/drawingml/2006/main" xmlns:r="http://schemas.openxmlformats.org/officeDocument/2006/relationships" xmlns:p="http://schemas.openxmlformats.org/presentationml/2006/main">
+  <p:cSld>
+    <p:spTree>
+      <p:nvGrpSpPr>
+        <p:cNvPr id="1" name=""/>
+        <p:cNvGrpSpPr/>
+        <p:nvPr/>
+      </p:nvGrpSpPr>
+      <p:grpSpPr>
+        <a:xfrm>
+          <a:off x="0" y="0"/>
+          <a:ext cx="0" cy="0"/>
+          <a:chOff x="0" y="0"/>
+          <a:chExt cx="0" cy="0"/>
+        </a:xfrm>
+      </p:grpSpPr>
+      <p:sp>
+        <p:nvSpPr>
+          <p:cNvPr id="4" name="Google Shape;95;p13">
+            <a:extLst>
+              <a:ext uri="{FF2B5EF4-FFF2-40B4-BE49-F238E27FC236}">
+                <a16:creationId xmlns:a16="http://schemas.microsoft.com/office/drawing/2014/main" id="{3C5A7A13-AE8E-4BD3-BC65-D00C2035C21F}"/>
+              </a:ext>
+            </a:extLst>
+          </p:cNvPr>
+          <p:cNvSpPr txBox="1">
+            <a:spLocks/>
+          </p:cNvSpPr>
+          <p:nvPr/>
+        </p:nvSpPr>
+        <p:spPr>
+          <a:xfrm>
+            <a:off x="507847" y="347895"/>
+            <a:ext cx="7922056" cy="451505"/>
+          </a:xfrm>
+          <a:prstGeom prst="rect">
+            <a:avLst/>
+          </a:prstGeom>
+          <a:noFill/>
+          <a:ln>
+            <a:noFill/>
+          </a:ln>
+        </p:spPr>
+        <p:txBody>
+          <a:bodyPr spcFirstLastPara="1" wrap="square" lIns="0" tIns="0" rIns="0" bIns="0" anchor="b" anchorCtr="0">
+            <a:noAutofit/>
+          </a:bodyPr>
+          <a:lstStyle>
+            <a:defPPr marR="0" lvl="0" algn="l" rtl="0">
+              <a:lnSpc>
+                <a:spcPct val="100000"/>
+              </a:lnSpc>
+              <a:spcBef>
+                <a:spcPts val="0"/>
+              </a:spcBef>
+              <a:spcAft>
+                <a:spcPts val="0"/>
+              </a:spcAft>
+            </a:defPPr>
+            <a:lvl1pPr marR="0" lvl="0" algn="l" rtl="0">
+              <a:lnSpc>
+                <a:spcPct val="100000"/>
+              </a:lnSpc>
+              <a:spcBef>
+                <a:spcPts val="0"/>
+              </a:spcBef>
+              <a:spcAft>
+                <a:spcPts val="0"/>
+              </a:spcAft>
+              <a:buClr>
+                <a:schemeClr val="dk1"/>
+              </a:buClr>
+              <a:buSzPts val="5400"/>
+              <a:buFont typeface="Lato Black"/>
+              <a:buNone/>
+              <a:defRPr sz="5400" b="0" i="0" u="none" strike="noStrike" cap="none">
+                <a:solidFill>
+                  <a:schemeClr val="dk1"/>
+                </a:solidFill>
+                <a:latin typeface="Lato Black"/>
+                <a:ea typeface="Lato Black"/>
+                <a:cs typeface="Lato Black"/>
+                <a:sym typeface="Lato Black"/>
+              </a:defRPr>
+            </a:lvl1pPr>
+            <a:lvl2pPr marR="0" lvl="1" algn="l" rtl="0">
+              <a:lnSpc>
+                <a:spcPct val="100000"/>
+              </a:lnSpc>
+              <a:spcBef>
+                <a:spcPts val="0"/>
+              </a:spcBef>
+              <a:spcAft>
+                <a:spcPts val="0"/>
+              </a:spcAft>
+              <a:buClr>
+                <a:schemeClr val="dk1"/>
+              </a:buClr>
+              <a:buSzPts val="5400"/>
+              <a:buFont typeface="Lato Black"/>
+              <a:buNone/>
+              <a:defRPr sz="5400" b="0" i="0" u="none" strike="noStrike" cap="none">
+                <a:solidFill>
+                  <a:schemeClr val="dk1"/>
+                </a:solidFill>
+                <a:latin typeface="Lato Black"/>
+                <a:ea typeface="Lato Black"/>
+                <a:cs typeface="Lato Black"/>
+                <a:sym typeface="Lato Black"/>
+              </a:defRPr>
+            </a:lvl2pPr>
+            <a:lvl3pPr marR="0" lvl="2" algn="l" rtl="0">
+              <a:lnSpc>
+                <a:spcPct val="100000"/>
+              </a:lnSpc>
+              <a:spcBef>
+                <a:spcPts val="0"/>
+              </a:spcBef>
+              <a:spcAft>
+                <a:spcPts val="0"/>
+              </a:spcAft>
+              <a:buClr>
+                <a:schemeClr val="dk1"/>
+              </a:buClr>
+              <a:buSzPts val="5400"/>
+              <a:buFont typeface="Lato Black"/>
+              <a:buNone/>
+              <a:defRPr sz="5400" b="0" i="0" u="none" strike="noStrike" cap="none">
+                <a:solidFill>
+                  <a:schemeClr val="dk1"/>
+                </a:solidFill>
+                <a:latin typeface="Lato Black"/>
+                <a:ea typeface="Lato Black"/>
+                <a:cs typeface="Lato Black"/>
+                <a:sym typeface="Lato Black"/>
+              </a:defRPr>
+            </a:lvl3pPr>
+            <a:lvl4pPr marR="0" lvl="3" algn="l" rtl="0">
+              <a:lnSpc>
+                <a:spcPct val="100000"/>
+              </a:lnSpc>
+              <a:spcBef>
+                <a:spcPts val="0"/>
+              </a:spcBef>
+              <a:spcAft>
+                <a:spcPts val="0"/>
+              </a:spcAft>
+              <a:buClr>
+                <a:schemeClr val="dk1"/>
+              </a:buClr>
+              <a:buSzPts val="5400"/>
+              <a:buFont typeface="Lato Black"/>
+              <a:buNone/>
+              <a:defRPr sz="5400" b="0" i="0" u="none" strike="noStrike" cap="none">
+                <a:solidFill>
+                  <a:schemeClr val="dk1"/>
+                </a:solidFill>
+                <a:latin typeface="Lato Black"/>
+                <a:ea typeface="Lato Black"/>
+                <a:cs typeface="Lato Black"/>
+                <a:sym typeface="Lato Black"/>
+              </a:defRPr>
+            </a:lvl4pPr>
+            <a:lvl5pPr marR="0" lvl="4" algn="l" rtl="0">
+              <a:lnSpc>
+                <a:spcPct val="100000"/>
+              </a:lnSpc>
+              <a:spcBef>
+                <a:spcPts val="0"/>
+              </a:spcBef>
+              <a:spcAft>
+                <a:spcPts val="0"/>
+              </a:spcAft>
+              <a:buClr>
+                <a:schemeClr val="dk1"/>
+              </a:buClr>
+              <a:buSzPts val="5400"/>
+              <a:buFont typeface="Lato Black"/>
+              <a:buNone/>
+              <a:defRPr sz="5400" b="0" i="0" u="none" strike="noStrike" cap="none">
+                <a:solidFill>
+                  <a:schemeClr val="dk1"/>
+                </a:solidFill>
+                <a:latin typeface="Lato Black"/>
+                <a:ea typeface="Lato Black"/>
+                <a:cs typeface="Lato Black"/>
+                <a:sym typeface="Lato Black"/>
+              </a:defRPr>
+            </a:lvl5pPr>
+            <a:lvl6pPr marR="0" lvl="5" algn="l" rtl="0">
+              <a:lnSpc>
+                <a:spcPct val="100000"/>
+              </a:lnSpc>
+              <a:spcBef>
+                <a:spcPts val="0"/>
+              </a:spcBef>
+              <a:spcAft>
+                <a:spcPts val="0"/>
+              </a:spcAft>
+              <a:buClr>
+                <a:schemeClr val="dk1"/>
+              </a:buClr>
+              <a:buSzPts val="5400"/>
+              <a:buFont typeface="Lato Black"/>
+              <a:buNone/>
+              <a:defRPr sz="5400" b="0" i="0" u="none" strike="noStrike" cap="none">
+                <a:solidFill>
+                  <a:schemeClr val="dk1"/>
+                </a:solidFill>
+                <a:latin typeface="Lato Black"/>
+                <a:ea typeface="Lato Black"/>
+                <a:cs typeface="Lato Black"/>
+                <a:sym typeface="Lato Black"/>
+              </a:defRPr>
+            </a:lvl6pPr>
+            <a:lvl7pPr marR="0" lvl="6" algn="l" rtl="0">
+              <a:lnSpc>
+                <a:spcPct val="100000"/>
+              </a:lnSpc>
+              <a:spcBef>
+                <a:spcPts val="0"/>
+              </a:spcBef>
+              <a:spcAft>
+                <a:spcPts val="0"/>
+              </a:spcAft>
+              <a:buClr>
+                <a:schemeClr val="dk1"/>
+              </a:buClr>
+              <a:buSzPts val="5400"/>
+              <a:buFont typeface="Lato Black"/>
+              <a:buNone/>
+              <a:defRPr sz="5400" b="0" i="0" u="none" strike="noStrike" cap="none">
+                <a:solidFill>
+                  <a:schemeClr val="dk1"/>
+                </a:solidFill>
+                <a:latin typeface="Lato Black"/>
+                <a:ea typeface="Lato Black"/>
+                <a:cs typeface="Lato Black"/>
+                <a:sym typeface="Lato Black"/>
+              </a:defRPr>
+            </a:lvl7pPr>
+            <a:lvl8pPr marR="0" lvl="7" algn="l" rtl="0">
+              <a:lnSpc>
+                <a:spcPct val="100000"/>
+              </a:lnSpc>
+              <a:spcBef>
+                <a:spcPts val="0"/>
+              </a:spcBef>
+              <a:spcAft>
+                <a:spcPts val="0"/>
+              </a:spcAft>
+              <a:buClr>
+                <a:schemeClr val="dk1"/>
+              </a:buClr>
+              <a:buSzPts val="5400"/>
+              <a:buFont typeface="Lato Black"/>
+              <a:buNone/>
+              <a:defRPr sz="5400" b="0" i="0" u="none" strike="noStrike" cap="none">
+                <a:solidFill>
+                  <a:schemeClr val="dk1"/>
+                </a:solidFill>
+                <a:latin typeface="Lato Black"/>
+                <a:ea typeface="Lato Black"/>
+                <a:cs typeface="Lato Black"/>
+                <a:sym typeface="Lato Black"/>
+              </a:defRPr>
+            </a:lvl8pPr>
+            <a:lvl9pPr marR="0" lvl="8" algn="l" rtl="0">
+              <a:lnSpc>
+                <a:spcPct val="100000"/>
+              </a:lnSpc>
+              <a:spcBef>
+                <a:spcPts val="0"/>
+              </a:spcBef>
+              <a:spcAft>
+                <a:spcPts val="0"/>
+              </a:spcAft>
+              <a:buClr>
+                <a:schemeClr val="dk1"/>
+              </a:buClr>
+              <a:buSzPts val="5400"/>
+              <a:buFont typeface="Lato Black"/>
+              <a:buNone/>
+              <a:defRPr sz="5400" b="0" i="0" u="none" strike="noStrike" cap="none">
+                <a:solidFill>
+                  <a:schemeClr val="dk1"/>
+                </a:solidFill>
+                <a:latin typeface="Lato Black"/>
+                <a:ea typeface="Lato Black"/>
+                <a:cs typeface="Lato Black"/>
+                <a:sym typeface="Lato Black"/>
+              </a:defRPr>
+            </a:lvl9pPr>
+          </a:lstStyle>
+          <a:p>
+            <a:pPr algn="ctr"/>
+            <a:r>
+              <a:rPr lang="es-MX" sz="2800" dirty="0">
+                <a:effectLst>
+                  <a:outerShdw blurRad="38100" dist="38100" dir="2700000" algn="tl">
+                    <a:srgbClr val="000000">
+                      <a:alpha val="43137"/>
+                    </a:srgbClr>
+                  </a:outerShdw>
+                </a:effectLst>
+              </a:rPr>
+              <a:t>Proyectos de Inversión Formulados-2019</a:t>
+            </a:r>
+          </a:p>
+        </p:txBody>
+      </p:sp>
+      <p:graphicFrame>
+        <p:nvGraphicFramePr>
+          <p:cNvPr id="6" name="Tabla 5">
+            <a:extLst>
+              <a:ext uri="{FF2B5EF4-FFF2-40B4-BE49-F238E27FC236}">
+                <a16:creationId xmlns:a16="http://schemas.microsoft.com/office/drawing/2014/main" id="{7293120B-51A0-4155-AE37-132DA2F4033B}"/>
+              </a:ext>
+            </a:extLst>
+          </p:cNvPr>
+          <p:cNvGraphicFramePr>
+            <a:graphicFrameLocks noGrp="1"/>
+          </p:cNvGraphicFramePr>
+          <p:nvPr>
+            <p:extLst>
+              <p:ext uri="{D42A27DB-BD31-4B8C-83A1-F6EECF244321}">
+                <p14:modId xmlns:p14="http://schemas.microsoft.com/office/powerpoint/2010/main" val="593459227"/>
+              </p:ext>
+            </p:extLst>
+          </p:nvPr>
+        </p:nvGraphicFramePr>
+        <p:xfrm>
+          <a:off x="80093" y="799400"/>
+          <a:ext cx="8943767" cy="4251885"/>
+        </p:xfrm>
+        <a:graphic>
+          <a:graphicData uri="http://schemas.openxmlformats.org/drawingml/2006/table">
+            <a:tbl>
+              <a:tblPr>
+                <a:tableStyleId>{B296C3B7-51D5-40FC-B7EA-EAF5845D4BE8}</a:tableStyleId>
+              </a:tblPr>
+              <a:tblGrid>
+                <a:gridCol w="579314">
+                  <a:extLst>
+                    <a:ext uri="{9D8B030D-6E8A-4147-A177-3AD203B41FA5}">
+                      <a16:colId xmlns:a16="http://schemas.microsoft.com/office/drawing/2014/main" val="1874816563"/>
+                    </a:ext>
+                  </a:extLst>
+                </a:gridCol>
+                <a:gridCol w="745865">
+                  <a:extLst>
+                    <a:ext uri="{9D8B030D-6E8A-4147-A177-3AD203B41FA5}">
+                      <a16:colId xmlns:a16="http://schemas.microsoft.com/office/drawing/2014/main" val="4078304109"/>
+                    </a:ext>
+                  </a:extLst>
+                </a:gridCol>
+                <a:gridCol w="579314">
+                  <a:extLst>
+                    <a:ext uri="{9D8B030D-6E8A-4147-A177-3AD203B41FA5}">
+                      <a16:colId xmlns:a16="http://schemas.microsoft.com/office/drawing/2014/main" val="639958430"/>
+                    </a:ext>
+                  </a:extLst>
+                </a:gridCol>
+                <a:gridCol w="774831">
+                  <a:extLst>
+                    <a:ext uri="{9D8B030D-6E8A-4147-A177-3AD203B41FA5}">
+                      <a16:colId xmlns:a16="http://schemas.microsoft.com/office/drawing/2014/main" val="1226034246"/>
+                    </a:ext>
+                  </a:extLst>
+                </a:gridCol>
+                <a:gridCol w="1757250">
+                  <a:extLst>
+                    <a:ext uri="{9D8B030D-6E8A-4147-A177-3AD203B41FA5}">
+                      <a16:colId xmlns:a16="http://schemas.microsoft.com/office/drawing/2014/main" val="2458552788"/>
+                    </a:ext>
+                  </a:extLst>
+                </a:gridCol>
+                <a:gridCol w="646900">
+                  <a:extLst>
+                    <a:ext uri="{9D8B030D-6E8A-4147-A177-3AD203B41FA5}">
+                      <a16:colId xmlns:a16="http://schemas.microsoft.com/office/drawing/2014/main" val="30227510"/>
+                    </a:ext>
+                  </a:extLst>
+                </a:gridCol>
+                <a:gridCol w="745865">
+                  <a:extLst>
+                    <a:ext uri="{9D8B030D-6E8A-4147-A177-3AD203B41FA5}">
+                      <a16:colId xmlns:a16="http://schemas.microsoft.com/office/drawing/2014/main" val="1025716034"/>
+                    </a:ext>
+                  </a:extLst>
+                </a:gridCol>
+                <a:gridCol w="917246">
+                  <a:extLst>
+                    <a:ext uri="{9D8B030D-6E8A-4147-A177-3AD203B41FA5}">
+                      <a16:colId xmlns:a16="http://schemas.microsoft.com/office/drawing/2014/main" val="1116272985"/>
+                    </a:ext>
+                  </a:extLst>
+                </a:gridCol>
+                <a:gridCol w="801384">
+                  <a:extLst>
+                    <a:ext uri="{9D8B030D-6E8A-4147-A177-3AD203B41FA5}">
+                      <a16:colId xmlns:a16="http://schemas.microsoft.com/office/drawing/2014/main" val="3986314712"/>
+                    </a:ext>
+                  </a:extLst>
+                </a:gridCol>
+                <a:gridCol w="1395798">
+                  <a:extLst>
+                    <a:ext uri="{9D8B030D-6E8A-4147-A177-3AD203B41FA5}">
+                      <a16:colId xmlns:a16="http://schemas.microsoft.com/office/drawing/2014/main" val="953288859"/>
+                    </a:ext>
+                  </a:extLst>
+                </a:gridCol>
+              </a:tblGrid>
+              <a:tr h="452049">
+                <a:tc>
+                  <a:txBody>
+                    <a:bodyPr/>
+                    <a:lstStyle/>
+                    <a:p>
+                      <a:pPr algn="ctr" rtl="0" fontAlgn="ctr"/>
+                      <a:r>
+                        <a:rPr lang="es-PE" sz="800" b="1" u="none" strike="noStrike" dirty="0" err="1">
+                          <a:effectLst/>
+                        </a:rPr>
+                        <a:t>N°</a:t>
+                      </a:r>
+                      <a:endParaRPr lang="es-PE" sz="800" b="1" i="0" u="none" strike="noStrike" dirty="0">
+                        <a:solidFill>
+                          <a:srgbClr val="000000"/>
+                        </a:solidFill>
+                        <a:effectLst/>
+                        <a:latin typeface="Arial Narrow" panose="020B0606020202030204" pitchFamily="34" charset="0"/>
+                      </a:endParaRPr>
+                    </a:p>
+                  </a:txBody>
+                  <a:tcPr marL="5079" marR="5079" marT="5079" marB="0" anchor="ctr"/>
+                </a:tc>
+                <a:tc>
+                  <a:txBody>
+                    <a:bodyPr/>
+                    <a:lstStyle/>
+                    <a:p>
+                      <a:pPr algn="ctr" rtl="0" fontAlgn="ctr"/>
+                      <a:r>
+                        <a:rPr lang="es-PE" sz="800" b="1" u="none" strike="noStrike" dirty="0">
+                          <a:effectLst/>
+                        </a:rPr>
+                        <a:t>CUI</a:t>
+                      </a:r>
+                      <a:endParaRPr lang="es-PE" sz="800" b="1" i="0" u="none" strike="noStrike" dirty="0">
+                        <a:solidFill>
+                          <a:srgbClr val="000000"/>
+                        </a:solidFill>
+                        <a:effectLst/>
+                        <a:latin typeface="Arial Narrow" panose="020B0606020202030204" pitchFamily="34" charset="0"/>
+                      </a:endParaRPr>
+                    </a:p>
+                  </a:txBody>
+                  <a:tcPr marL="5079" marR="5079" marT="5079" marB="0" anchor="ctr"/>
+                </a:tc>
+                <a:tc>
+                  <a:txBody>
+                    <a:bodyPr/>
+                    <a:lstStyle/>
+                    <a:p>
+                      <a:pPr algn="ctr" rtl="0" fontAlgn="ctr"/>
+                      <a:r>
+                        <a:rPr lang="es-PE" sz="800" b="1" u="none" strike="noStrike" dirty="0">
+                          <a:effectLst/>
+                        </a:rPr>
+                        <a:t>CÓDIGO DE IDEA</a:t>
+                      </a:r>
+                      <a:endParaRPr lang="es-PE" sz="800" b="1" i="0" u="none" strike="noStrike" dirty="0">
+                        <a:solidFill>
+                          <a:srgbClr val="000000"/>
+                        </a:solidFill>
+                        <a:effectLst/>
+                        <a:latin typeface="Arial Narrow" panose="020B0606020202030204" pitchFamily="34" charset="0"/>
+                      </a:endParaRPr>
+                    </a:p>
+                  </a:txBody>
+                  <a:tcPr marL="5079" marR="5079" marT="5079" marB="0" anchor="ctr"/>
+                </a:tc>
+                <a:tc>
+                  <a:txBody>
+                    <a:bodyPr/>
+                    <a:lstStyle/>
+                    <a:p>
+                      <a:pPr algn="ctr" rtl="0" fontAlgn="ctr"/>
+                      <a:r>
+                        <a:rPr lang="es-PE" sz="800" b="1" u="none" strike="noStrike" dirty="0">
+                          <a:effectLst/>
+                        </a:rPr>
+                        <a:t>FUNCIÓN</a:t>
+                      </a:r>
+                      <a:endParaRPr lang="es-PE" sz="800" b="1" i="0" u="none" strike="noStrike" dirty="0">
+                        <a:solidFill>
+                          <a:srgbClr val="000000"/>
+                        </a:solidFill>
+                        <a:effectLst/>
+                        <a:latin typeface="Arial Narrow" panose="020B0606020202030204" pitchFamily="34" charset="0"/>
+                      </a:endParaRPr>
+                    </a:p>
+                  </a:txBody>
+                  <a:tcPr marL="5079" marR="5079" marT="5079" marB="0" anchor="ctr"/>
+                </a:tc>
+                <a:tc>
+                  <a:txBody>
+                    <a:bodyPr/>
+                    <a:lstStyle/>
+                    <a:p>
+                      <a:pPr algn="ctr" rtl="0" fontAlgn="ctr"/>
+                      <a:r>
+                        <a:rPr lang="es-PE" sz="800" b="1" u="none" strike="noStrike" dirty="0">
+                          <a:effectLst/>
+                        </a:rPr>
+                        <a:t>NOMBRE DEL PROYECTO DE INVERSIÓN</a:t>
+                      </a:r>
+                      <a:endParaRPr lang="es-PE" sz="800" b="1" i="0" u="none" strike="noStrike" dirty="0">
+                        <a:solidFill>
+                          <a:srgbClr val="000000"/>
+                        </a:solidFill>
+                        <a:effectLst/>
+                        <a:latin typeface="Arial Narrow" panose="020B0606020202030204" pitchFamily="34" charset="0"/>
+                      </a:endParaRPr>
+                    </a:p>
+                  </a:txBody>
+                  <a:tcPr marL="5079" marR="5079" marT="5079" marB="0" anchor="ctr"/>
+                </a:tc>
+                <a:tc>
+                  <a:txBody>
+                    <a:bodyPr/>
+                    <a:lstStyle/>
+                    <a:p>
+                      <a:pPr algn="ctr" rtl="0" fontAlgn="ctr"/>
+                      <a:r>
+                        <a:rPr lang="es-PE" sz="800" b="1" u="none" strike="noStrike" dirty="0">
+                          <a:effectLst/>
+                        </a:rPr>
+                        <a:t>MONTO DE INVERSIÓN</a:t>
+                      </a:r>
+                      <a:endParaRPr lang="es-PE" sz="800" b="1" i="0" u="none" strike="noStrike" dirty="0">
+                        <a:solidFill>
+                          <a:srgbClr val="000000"/>
+                        </a:solidFill>
+                        <a:effectLst/>
+                        <a:latin typeface="Arial Narrow" panose="020B0606020202030204" pitchFamily="34" charset="0"/>
+                      </a:endParaRPr>
+                    </a:p>
+                  </a:txBody>
+                  <a:tcPr marL="5079" marR="5079" marT="5079" marB="0" anchor="ctr"/>
+                </a:tc>
+                <a:tc>
+                  <a:txBody>
+                    <a:bodyPr/>
+                    <a:lstStyle/>
+                    <a:p>
+                      <a:pPr algn="ctr" rtl="0" fontAlgn="ctr"/>
+                      <a:r>
+                        <a:rPr lang="es-PE" sz="800" b="1" u="none" strike="noStrike" dirty="0">
+                          <a:effectLst/>
+                        </a:rPr>
+                        <a:t>ESTADO SITUACIONAL</a:t>
+                      </a:r>
+                      <a:endParaRPr lang="es-PE" sz="800" b="1" i="0" u="none" strike="noStrike" dirty="0">
+                        <a:solidFill>
+                          <a:srgbClr val="000000"/>
+                        </a:solidFill>
+                        <a:effectLst/>
+                        <a:latin typeface="Arial Narrow" panose="020B0606020202030204" pitchFamily="34" charset="0"/>
+                      </a:endParaRPr>
+                    </a:p>
+                  </a:txBody>
+                  <a:tcPr marL="5079" marR="5079" marT="5079" marB="0" anchor="ctr"/>
+                </a:tc>
+                <a:tc>
+                  <a:txBody>
+                    <a:bodyPr/>
+                    <a:lstStyle/>
+                    <a:p>
+                      <a:pPr algn="ctr" rtl="0" fontAlgn="ctr"/>
+                      <a:r>
+                        <a:rPr lang="es-PE" sz="800" b="1" u="none" strike="noStrike" dirty="0">
+                          <a:effectLst/>
+                        </a:rPr>
+                        <a:t>ALCANCE</a:t>
+                      </a:r>
+                      <a:endParaRPr lang="es-PE" sz="800" b="1" i="0" u="none" strike="noStrike" dirty="0">
+                        <a:solidFill>
+                          <a:srgbClr val="000000"/>
+                        </a:solidFill>
+                        <a:effectLst/>
+                        <a:latin typeface="Arial Narrow" panose="020B0606020202030204" pitchFamily="34" charset="0"/>
+                      </a:endParaRPr>
+                    </a:p>
+                  </a:txBody>
+                  <a:tcPr marL="5079" marR="5079" marT="5079" marB="0" anchor="ctr"/>
+                </a:tc>
+                <a:tc>
+                  <a:txBody>
+                    <a:bodyPr/>
+                    <a:lstStyle/>
+                    <a:p>
+                      <a:pPr algn="ctr" rtl="0" fontAlgn="ctr"/>
+                      <a:r>
+                        <a:rPr lang="es-PE" sz="800" b="1" u="none" strike="noStrike" dirty="0">
+                          <a:effectLst/>
+                        </a:rPr>
+                        <a:t>EJECUCIÓN FÍSICA PROYECTADA</a:t>
+                      </a:r>
+                      <a:endParaRPr lang="es-PE" sz="800" b="1" i="0" u="none" strike="noStrike" dirty="0">
+                        <a:solidFill>
+                          <a:srgbClr val="000000"/>
+                        </a:solidFill>
+                        <a:effectLst/>
+                        <a:latin typeface="Arial Narrow" panose="020B0606020202030204" pitchFamily="34" charset="0"/>
+                      </a:endParaRPr>
+                    </a:p>
+                  </a:txBody>
+                  <a:tcPr marL="5079" marR="5079" marT="5079" marB="0" anchor="ctr"/>
+                </a:tc>
+                <a:tc>
+                  <a:txBody>
+                    <a:bodyPr/>
+                    <a:lstStyle/>
+                    <a:p>
+                      <a:pPr algn="ctr" rtl="0" fontAlgn="ctr"/>
+                      <a:r>
+                        <a:rPr lang="es-PE" sz="800" b="1" u="none" strike="noStrike" dirty="0">
+                          <a:effectLst/>
+                        </a:rPr>
+                        <a:t>OBSERVACIONES</a:t>
+                      </a:r>
+                      <a:endParaRPr lang="es-PE" sz="800" b="1" i="0" u="none" strike="noStrike" dirty="0">
+                        <a:solidFill>
+                          <a:srgbClr val="000000"/>
+                        </a:solidFill>
+                        <a:effectLst/>
+                        <a:latin typeface="Arial Narrow" panose="020B0606020202030204" pitchFamily="34" charset="0"/>
+                      </a:endParaRPr>
+                    </a:p>
+                  </a:txBody>
+                  <a:tcPr marL="5079" marR="5079" marT="5079" marB="0" anchor="ctr"/>
+                </a:tc>
+                <a:extLst>
+                  <a:ext uri="{0D108BD9-81ED-4DB2-BD59-A6C34878D82A}">
+                    <a16:rowId xmlns:a16="http://schemas.microsoft.com/office/drawing/2014/main" val="3862072366"/>
+                  </a:ext>
+                </a:extLst>
+              </a:tr>
+              <a:tr h="345385">
+                <a:tc>
+                  <a:txBody>
+                    <a:bodyPr/>
+                    <a:lstStyle/>
+                    <a:p>
+                      <a:pPr algn="ctr" fontAlgn="ctr"/>
+                      <a:r>
+                        <a:rPr lang="es-PE" sz="800" u="none" strike="noStrike">
+                          <a:effectLst/>
+                        </a:rPr>
+                        <a:t>4</a:t>
+                      </a:r>
+                      <a:endParaRPr lang="es-PE" sz="800" b="0" i="0" u="none" strike="noStrike">
+                        <a:solidFill>
+                          <a:srgbClr val="000000"/>
+                        </a:solidFill>
+                        <a:effectLst/>
+                        <a:latin typeface="Arial Narrow" panose="020B0606020202030204" pitchFamily="34" charset="0"/>
+                      </a:endParaRPr>
+                    </a:p>
+                  </a:txBody>
+                  <a:tcPr marL="5079" marR="5079" marT="5079" marB="0" anchor="ctr"/>
+                </a:tc>
+                <a:tc>
+                  <a:txBody>
+                    <a:bodyPr/>
+                    <a:lstStyle/>
+                    <a:p>
+                      <a:pPr algn="ctr" rtl="0" fontAlgn="ctr"/>
+                      <a:r>
+                        <a:rPr lang="es-PE" sz="800" u="none" strike="noStrike">
+                          <a:effectLst/>
+                        </a:rPr>
+                        <a:t>2471009</a:t>
+                      </a:r>
+                      <a:endParaRPr lang="es-PE" sz="800" b="0" i="0" u="none" strike="noStrike">
+                        <a:solidFill>
+                          <a:srgbClr val="000000"/>
+                        </a:solidFill>
+                        <a:effectLst/>
+                        <a:latin typeface="Arial Narrow" panose="020B0606020202030204" pitchFamily="34" charset="0"/>
+                      </a:endParaRPr>
+                    </a:p>
+                  </a:txBody>
+                  <a:tcPr marL="5079" marR="5079" marT="5079" marB="0" anchor="ctr"/>
+                </a:tc>
+                <a:tc>
+                  <a:txBody>
+                    <a:bodyPr/>
+                    <a:lstStyle/>
+                    <a:p>
+                      <a:pPr algn="ctr" rtl="0" fontAlgn="ctr"/>
+                      <a:r>
+                        <a:rPr lang="es-PE" sz="800" u="none" strike="noStrike" dirty="0">
+                          <a:effectLst/>
+                        </a:rPr>
+                        <a:t>-</a:t>
+                      </a:r>
+                      <a:endParaRPr lang="es-PE" sz="800" b="0" i="0" u="none" strike="noStrike" dirty="0">
+                        <a:solidFill>
+                          <a:srgbClr val="000000"/>
+                        </a:solidFill>
+                        <a:effectLst/>
+                        <a:latin typeface="Arial Narrow" panose="020B0606020202030204" pitchFamily="34" charset="0"/>
+                      </a:endParaRPr>
+                    </a:p>
+                  </a:txBody>
+                  <a:tcPr marL="5079" marR="5079" marT="5079" marB="0" anchor="ctr"/>
+                </a:tc>
+                <a:tc>
+                  <a:txBody>
+                    <a:bodyPr/>
+                    <a:lstStyle/>
+                    <a:p>
+                      <a:pPr algn="ctr" rtl="0" fontAlgn="ctr"/>
+                      <a:r>
+                        <a:rPr lang="es-PE" sz="800" u="none" strike="noStrike">
+                          <a:effectLst/>
+                        </a:rPr>
+                        <a:t>PLANEAMIENTO GESTIÓN Y RESERVA DE LA CONTINGENCIA</a:t>
+                      </a:r>
+                      <a:endParaRPr lang="es-PE" sz="800" b="0" i="0" u="none" strike="noStrike">
+                        <a:solidFill>
+                          <a:srgbClr val="000000"/>
+                        </a:solidFill>
+                        <a:effectLst/>
+                        <a:latin typeface="Arial Narrow" panose="020B0606020202030204" pitchFamily="34" charset="0"/>
+                      </a:endParaRPr>
+                    </a:p>
+                  </a:txBody>
+                  <a:tcPr marL="5079" marR="5079" marT="5079" marB="0" anchor="ctr"/>
+                </a:tc>
+                <a:tc>
+                  <a:txBody>
+                    <a:bodyPr/>
+                    <a:lstStyle/>
+                    <a:p>
+                      <a:pPr algn="just" fontAlgn="ctr"/>
+                      <a:r>
+                        <a:rPr lang="es-PE" sz="800" u="none" strike="noStrike">
+                          <a:effectLst/>
+                        </a:rPr>
+                        <a:t>“MEJORAMIENTO DE LA COMPETITIVIDAD DE LA CADENA PRODUCTIVA DE LA MIEL DE ABEJAS EN LAS 7 PROVINCIAS DEL DEPARTAMENTO DE APURIMAC”.</a:t>
+                      </a:r>
+                      <a:endParaRPr lang="es-PE" sz="800" b="0" i="0" u="none" strike="noStrike">
+                        <a:solidFill>
+                          <a:srgbClr val="000000"/>
+                        </a:solidFill>
+                        <a:effectLst/>
+                        <a:latin typeface="Arial Narrow" panose="020B0606020202030204" pitchFamily="34" charset="0"/>
+                      </a:endParaRPr>
+                    </a:p>
+                  </a:txBody>
+                  <a:tcPr marL="5079" marR="5079" marT="5079" marB="0" anchor="ctr"/>
+                </a:tc>
+                <a:tc>
+                  <a:txBody>
+                    <a:bodyPr/>
+                    <a:lstStyle/>
+                    <a:p>
+                      <a:pPr algn="l" rtl="0" fontAlgn="ctr"/>
+                      <a:r>
+                        <a:rPr lang="es-PE" sz="800" u="none" strike="noStrike">
+                          <a:effectLst/>
+                        </a:rPr>
+                        <a:t>S/.12,533,519.83</a:t>
+                      </a:r>
+                      <a:endParaRPr lang="es-PE" sz="800" b="0" i="0" u="none" strike="noStrike">
+                        <a:solidFill>
+                          <a:srgbClr val="000000"/>
+                        </a:solidFill>
+                        <a:effectLst/>
+                        <a:latin typeface="Arial Narrow" panose="020B0606020202030204" pitchFamily="34" charset="0"/>
+                      </a:endParaRPr>
+                    </a:p>
+                  </a:txBody>
+                  <a:tcPr marL="5079" marR="5079" marT="5079" marB="0" anchor="ctr"/>
+                </a:tc>
+                <a:tc>
+                  <a:txBody>
+                    <a:bodyPr/>
+                    <a:lstStyle/>
+                    <a:p>
+                      <a:pPr algn="ctr" rtl="0" fontAlgn="ctr"/>
+                      <a:r>
+                        <a:rPr lang="es-PE" sz="800" u="none" strike="noStrike">
+                          <a:effectLst/>
+                        </a:rPr>
+                        <a:t>VIABLE</a:t>
+                      </a:r>
+                      <a:endParaRPr lang="es-PE" sz="800" b="0" i="0" u="none" strike="noStrike">
+                        <a:solidFill>
+                          <a:srgbClr val="000000"/>
+                        </a:solidFill>
+                        <a:effectLst/>
+                        <a:latin typeface="Arial Narrow" panose="020B0606020202030204" pitchFamily="34" charset="0"/>
+                      </a:endParaRPr>
+                    </a:p>
+                  </a:txBody>
+                  <a:tcPr marL="5079" marR="5079" marT="5079" marB="0" anchor="ctr"/>
+                </a:tc>
+                <a:tc>
+                  <a:txBody>
+                    <a:bodyPr/>
+                    <a:lstStyle/>
+                    <a:p>
+                      <a:pPr algn="l" rtl="0" fontAlgn="ctr"/>
+                      <a:r>
+                        <a:rPr lang="es-PE" sz="800" u="none" strike="noStrike">
+                          <a:effectLst/>
+                        </a:rPr>
+                        <a:t>LAS 07 PROVINCIAS DE LA REGIÓN APURÍMAC</a:t>
+                      </a:r>
+                      <a:endParaRPr lang="es-PE" sz="800" b="0" i="0" u="none" strike="noStrike">
+                        <a:solidFill>
+                          <a:srgbClr val="000000"/>
+                        </a:solidFill>
+                        <a:effectLst/>
+                        <a:latin typeface="Arial Narrow" panose="020B0606020202030204" pitchFamily="34" charset="0"/>
+                      </a:endParaRPr>
+                    </a:p>
+                  </a:txBody>
+                  <a:tcPr marL="5079" marR="5079" marT="5079" marB="0" anchor="ctr"/>
+                </a:tc>
+                <a:tc>
+                  <a:txBody>
+                    <a:bodyPr/>
+                    <a:lstStyle/>
+                    <a:p>
+                      <a:pPr algn="ctr" rtl="0" fontAlgn="ctr"/>
+                      <a:r>
+                        <a:rPr lang="es-PE" sz="800" u="none" strike="noStrike">
+                          <a:effectLst/>
+                        </a:rPr>
+                        <a:t>2021</a:t>
+                      </a:r>
+                      <a:endParaRPr lang="es-PE" sz="800" b="0" i="0" u="none" strike="noStrike">
+                        <a:solidFill>
+                          <a:srgbClr val="000000"/>
+                        </a:solidFill>
+                        <a:effectLst/>
+                        <a:latin typeface="Arial Narrow" panose="020B0606020202030204" pitchFamily="34" charset="0"/>
+                      </a:endParaRPr>
+                    </a:p>
+                  </a:txBody>
+                  <a:tcPr marL="5079" marR="5079" marT="5079" marB="0" anchor="ctr"/>
+                </a:tc>
+                <a:tc>
+                  <a:txBody>
+                    <a:bodyPr/>
+                    <a:lstStyle/>
+                    <a:p>
+                      <a:pPr algn="ctr" fontAlgn="ctr"/>
+                      <a:r>
+                        <a:rPr lang="es-PE" sz="800" u="none" strike="noStrike">
+                          <a:effectLst/>
+                        </a:rPr>
+                        <a:t>-</a:t>
+                      </a:r>
+                      <a:endParaRPr lang="es-PE" sz="800" b="0" i="0" u="none" strike="noStrike">
+                        <a:solidFill>
+                          <a:srgbClr val="000000"/>
+                        </a:solidFill>
+                        <a:effectLst/>
+                        <a:latin typeface="Arial Narrow" panose="020B0606020202030204" pitchFamily="34" charset="0"/>
+                      </a:endParaRPr>
+                    </a:p>
+                  </a:txBody>
+                  <a:tcPr marL="5079" marR="5079" marT="5079" marB="0" anchor="ctr"/>
+                </a:tc>
+                <a:extLst>
+                  <a:ext uri="{0D108BD9-81ED-4DB2-BD59-A6C34878D82A}">
+                    <a16:rowId xmlns:a16="http://schemas.microsoft.com/office/drawing/2014/main" val="4052893977"/>
+                  </a:ext>
+                </a:extLst>
+              </a:tr>
+              <a:tr h="619662">
+                <a:tc>
+                  <a:txBody>
+                    <a:bodyPr/>
+                    <a:lstStyle/>
+                    <a:p>
+                      <a:pPr algn="ctr" fontAlgn="ctr"/>
+                      <a:r>
+                        <a:rPr lang="es-PE" sz="800" u="none" strike="noStrike">
+                          <a:effectLst/>
+                        </a:rPr>
+                        <a:t>5</a:t>
+                      </a:r>
+                      <a:endParaRPr lang="es-PE" sz="800" b="0" i="0" u="none" strike="noStrike">
+                        <a:solidFill>
+                          <a:srgbClr val="000000"/>
+                        </a:solidFill>
+                        <a:effectLst/>
+                        <a:latin typeface="Arial Narrow" panose="020B0606020202030204" pitchFamily="34" charset="0"/>
+                      </a:endParaRPr>
+                    </a:p>
+                  </a:txBody>
+                  <a:tcPr marL="5079" marR="5079" marT="5079" marB="0" anchor="ctr"/>
+                </a:tc>
+                <a:tc>
+                  <a:txBody>
+                    <a:bodyPr/>
+                    <a:lstStyle/>
+                    <a:p>
+                      <a:pPr algn="ctr" rtl="0" fontAlgn="ctr"/>
+                      <a:r>
+                        <a:rPr lang="es-PE" sz="800" u="none" strike="noStrike">
+                          <a:effectLst/>
+                        </a:rPr>
+                        <a:t>2462401</a:t>
+                      </a:r>
+                      <a:endParaRPr lang="es-PE" sz="800" b="0" i="0" u="none" strike="noStrike">
+                        <a:solidFill>
+                          <a:srgbClr val="000000"/>
+                        </a:solidFill>
+                        <a:effectLst/>
+                        <a:latin typeface="Arial Narrow" panose="020B0606020202030204" pitchFamily="34" charset="0"/>
+                      </a:endParaRPr>
+                    </a:p>
+                  </a:txBody>
+                  <a:tcPr marL="5079" marR="5079" marT="5079" marB="0" anchor="ctr"/>
+                </a:tc>
+                <a:tc>
+                  <a:txBody>
+                    <a:bodyPr/>
+                    <a:lstStyle/>
+                    <a:p>
+                      <a:pPr algn="ctr" rtl="0" fontAlgn="ctr"/>
+                      <a:r>
+                        <a:rPr lang="es-PE" sz="800" u="none" strike="noStrike">
+                          <a:effectLst/>
+                        </a:rPr>
+                        <a:t>-</a:t>
+                      </a:r>
+                      <a:endParaRPr lang="es-PE" sz="800" b="0" i="0" u="none" strike="noStrike">
+                        <a:solidFill>
+                          <a:srgbClr val="000000"/>
+                        </a:solidFill>
+                        <a:effectLst/>
+                        <a:latin typeface="Arial Narrow" panose="020B0606020202030204" pitchFamily="34" charset="0"/>
+                      </a:endParaRPr>
+                    </a:p>
+                  </a:txBody>
+                  <a:tcPr marL="5079" marR="5079" marT="5079" marB="0" anchor="ctr"/>
+                </a:tc>
+                <a:tc>
+                  <a:txBody>
+                    <a:bodyPr/>
+                    <a:lstStyle/>
+                    <a:p>
+                      <a:pPr algn="ctr" rtl="0" fontAlgn="ctr"/>
+                      <a:r>
+                        <a:rPr lang="es-PE" sz="800" u="none" strike="noStrike">
+                          <a:effectLst/>
+                        </a:rPr>
+                        <a:t>PLANEAMIENTO GESTIÓN Y RESERVA DE LA CONTINGENCIA</a:t>
+                      </a:r>
+                      <a:endParaRPr lang="es-PE" sz="800" b="0" i="0" u="none" strike="noStrike">
+                        <a:solidFill>
+                          <a:srgbClr val="000000"/>
+                        </a:solidFill>
+                        <a:effectLst/>
+                        <a:latin typeface="Arial Narrow" panose="020B0606020202030204" pitchFamily="34" charset="0"/>
+                      </a:endParaRPr>
+                    </a:p>
+                  </a:txBody>
+                  <a:tcPr marL="5079" marR="5079" marT="5079" marB="0" anchor="ctr"/>
+                </a:tc>
+                <a:tc>
+                  <a:txBody>
+                    <a:bodyPr/>
+                    <a:lstStyle/>
+                    <a:p>
+                      <a:pPr algn="just" fontAlgn="ctr"/>
+                      <a:r>
+                        <a:rPr lang="es-PE" sz="800" u="none" strike="noStrike">
+                          <a:effectLst/>
+                        </a:rPr>
+                        <a:t>“MEJORAMIENTO DE LA</a:t>
+                      </a:r>
+                      <a:br>
+                        <a:rPr lang="es-PE" sz="800" u="none" strike="noStrike">
+                          <a:effectLst/>
+                        </a:rPr>
+                      </a:br>
+                      <a:r>
+                        <a:rPr lang="es-PE" sz="800" u="none" strike="noStrike">
+                          <a:effectLst/>
+                        </a:rPr>
+                        <a:t>PRESTACIÓN DE SERVICIOS DE LA DIRECCIÓN REGIONAL DE TRABAJO Y PROMOCIÓN DEL EMPLEO EN LAS 7 PROVINCIAS DEL DEPARTAMENTO DE</a:t>
+                      </a:r>
+                      <a:br>
+                        <a:rPr lang="es-PE" sz="800" u="none" strike="noStrike">
+                          <a:effectLst/>
+                        </a:rPr>
+                      </a:br>
+                      <a:r>
+                        <a:rPr lang="es-PE" sz="800" u="none" strike="noStrike">
+                          <a:effectLst/>
+                        </a:rPr>
+                        <a:t>APURIMAC”.</a:t>
+                      </a:r>
+                      <a:endParaRPr lang="es-PE" sz="800" b="0" i="0" u="none" strike="noStrike">
+                        <a:solidFill>
+                          <a:srgbClr val="000000"/>
+                        </a:solidFill>
+                        <a:effectLst/>
+                        <a:latin typeface="Arial Narrow" panose="020B0606020202030204" pitchFamily="34" charset="0"/>
+                      </a:endParaRPr>
+                    </a:p>
+                  </a:txBody>
+                  <a:tcPr marL="5079" marR="5079" marT="5079" marB="0" anchor="ctr"/>
+                </a:tc>
+                <a:tc>
+                  <a:txBody>
+                    <a:bodyPr/>
+                    <a:lstStyle/>
+                    <a:p>
+                      <a:pPr algn="l" rtl="0" fontAlgn="ctr"/>
+                      <a:r>
+                        <a:rPr lang="es-PE" sz="800" u="none" strike="noStrike">
+                          <a:effectLst/>
+                        </a:rPr>
+                        <a:t>S/.3,839,134.33</a:t>
+                      </a:r>
+                      <a:endParaRPr lang="es-PE" sz="800" b="0" i="0" u="none" strike="noStrike">
+                        <a:solidFill>
+                          <a:srgbClr val="000000"/>
+                        </a:solidFill>
+                        <a:effectLst/>
+                        <a:latin typeface="Arial Narrow" panose="020B0606020202030204" pitchFamily="34" charset="0"/>
+                      </a:endParaRPr>
+                    </a:p>
+                  </a:txBody>
+                  <a:tcPr marL="5079" marR="5079" marT="5079" marB="0" anchor="ctr"/>
+                </a:tc>
+                <a:tc>
+                  <a:txBody>
+                    <a:bodyPr/>
+                    <a:lstStyle/>
+                    <a:p>
+                      <a:pPr algn="ctr" rtl="0" fontAlgn="ctr"/>
+                      <a:r>
+                        <a:rPr lang="es-PE" sz="800" u="none" strike="noStrike">
+                          <a:effectLst/>
+                        </a:rPr>
+                        <a:t>VIABLE</a:t>
+                      </a:r>
+                      <a:endParaRPr lang="es-PE" sz="800" b="0" i="0" u="none" strike="noStrike">
+                        <a:solidFill>
+                          <a:srgbClr val="000000"/>
+                        </a:solidFill>
+                        <a:effectLst/>
+                        <a:latin typeface="Arial Narrow" panose="020B0606020202030204" pitchFamily="34" charset="0"/>
+                      </a:endParaRPr>
+                    </a:p>
+                  </a:txBody>
+                  <a:tcPr marL="5079" marR="5079" marT="5079" marB="0" anchor="ctr"/>
+                </a:tc>
+                <a:tc>
+                  <a:txBody>
+                    <a:bodyPr/>
+                    <a:lstStyle/>
+                    <a:p>
+                      <a:pPr algn="l" rtl="0" fontAlgn="ctr"/>
+                      <a:r>
+                        <a:rPr lang="es-PE" sz="800" u="none" strike="noStrike">
+                          <a:effectLst/>
+                        </a:rPr>
+                        <a:t>LAS 07 PROVINCIAS DE LA REGIÓN APURÍMAC</a:t>
+                      </a:r>
+                      <a:endParaRPr lang="es-PE" sz="800" b="0" i="0" u="none" strike="noStrike">
+                        <a:solidFill>
+                          <a:srgbClr val="000000"/>
+                        </a:solidFill>
+                        <a:effectLst/>
+                        <a:latin typeface="Arial Narrow" panose="020B0606020202030204" pitchFamily="34" charset="0"/>
+                      </a:endParaRPr>
+                    </a:p>
+                  </a:txBody>
+                  <a:tcPr marL="5079" marR="5079" marT="5079" marB="0" anchor="ctr"/>
+                </a:tc>
+                <a:tc>
+                  <a:txBody>
+                    <a:bodyPr/>
+                    <a:lstStyle/>
+                    <a:p>
+                      <a:pPr algn="ctr" rtl="0" fontAlgn="ctr"/>
+                      <a:r>
+                        <a:rPr lang="es-PE" sz="800" u="none" strike="noStrike">
+                          <a:effectLst/>
+                        </a:rPr>
+                        <a:t>2021</a:t>
+                      </a:r>
+                      <a:endParaRPr lang="es-PE" sz="800" b="0" i="0" u="none" strike="noStrike">
+                        <a:solidFill>
+                          <a:srgbClr val="000000"/>
+                        </a:solidFill>
+                        <a:effectLst/>
+                        <a:latin typeface="Arial Narrow" panose="020B0606020202030204" pitchFamily="34" charset="0"/>
+                      </a:endParaRPr>
+                    </a:p>
+                  </a:txBody>
+                  <a:tcPr marL="5079" marR="5079" marT="5079" marB="0" anchor="ctr"/>
+                </a:tc>
+                <a:tc>
+                  <a:txBody>
+                    <a:bodyPr/>
+                    <a:lstStyle/>
+                    <a:p>
+                      <a:pPr algn="ctr" fontAlgn="ctr"/>
+                      <a:r>
+                        <a:rPr lang="es-PE" sz="800" u="none" strike="noStrike">
+                          <a:effectLst/>
+                        </a:rPr>
+                        <a:t>-</a:t>
+                      </a:r>
+                      <a:endParaRPr lang="es-PE" sz="800" b="0" i="0" u="none" strike="noStrike">
+                        <a:solidFill>
+                          <a:srgbClr val="000000"/>
+                        </a:solidFill>
+                        <a:effectLst/>
+                        <a:latin typeface="Arial Narrow" panose="020B0606020202030204" pitchFamily="34" charset="0"/>
+                      </a:endParaRPr>
+                    </a:p>
+                  </a:txBody>
+                  <a:tcPr marL="5079" marR="5079" marT="5079" marB="0" anchor="ctr"/>
+                </a:tc>
+                <a:extLst>
+                  <a:ext uri="{0D108BD9-81ED-4DB2-BD59-A6C34878D82A}">
+                    <a16:rowId xmlns:a16="http://schemas.microsoft.com/office/drawing/2014/main" val="1168317701"/>
+                  </a:ext>
+                </a:extLst>
+              </a:tr>
+              <a:tr h="604425">
+                <a:tc>
+                  <a:txBody>
+                    <a:bodyPr/>
+                    <a:lstStyle/>
+                    <a:p>
+                      <a:pPr algn="ctr" fontAlgn="ctr"/>
+                      <a:r>
+                        <a:rPr lang="es-PE" sz="800" u="none" strike="noStrike">
+                          <a:effectLst/>
+                        </a:rPr>
+                        <a:t>6</a:t>
+                      </a:r>
+                      <a:endParaRPr lang="es-PE" sz="800" b="0" i="0" u="none" strike="noStrike">
+                        <a:solidFill>
+                          <a:srgbClr val="000000"/>
+                        </a:solidFill>
+                        <a:effectLst/>
+                        <a:latin typeface="Arial Narrow" panose="020B0606020202030204" pitchFamily="34" charset="0"/>
+                      </a:endParaRPr>
+                    </a:p>
+                  </a:txBody>
+                  <a:tcPr marL="5079" marR="5079" marT="5079" marB="0" anchor="ctr"/>
+                </a:tc>
+                <a:tc>
+                  <a:txBody>
+                    <a:bodyPr/>
+                    <a:lstStyle/>
+                    <a:p>
+                      <a:pPr algn="ctr" rtl="0" fontAlgn="ctr"/>
+                      <a:r>
+                        <a:rPr lang="es-PE" sz="800" u="none" strike="noStrike">
+                          <a:effectLst/>
+                        </a:rPr>
+                        <a:t>2469927</a:t>
+                      </a:r>
+                      <a:endParaRPr lang="es-PE" sz="800" b="0" i="0" u="none" strike="noStrike">
+                        <a:solidFill>
+                          <a:srgbClr val="000000"/>
+                        </a:solidFill>
+                        <a:effectLst/>
+                        <a:latin typeface="Arial Narrow" panose="020B0606020202030204" pitchFamily="34" charset="0"/>
+                      </a:endParaRPr>
+                    </a:p>
+                  </a:txBody>
+                  <a:tcPr marL="5079" marR="5079" marT="5079" marB="0" anchor="ctr"/>
+                </a:tc>
+                <a:tc>
+                  <a:txBody>
+                    <a:bodyPr/>
+                    <a:lstStyle/>
+                    <a:p>
+                      <a:pPr algn="ctr" rtl="0" fontAlgn="ctr"/>
+                      <a:r>
+                        <a:rPr lang="es-PE" sz="800" u="none" strike="noStrike">
+                          <a:effectLst/>
+                        </a:rPr>
+                        <a:t>-</a:t>
+                      </a:r>
+                      <a:endParaRPr lang="es-PE" sz="800" b="0" i="0" u="none" strike="noStrike">
+                        <a:solidFill>
+                          <a:srgbClr val="000000"/>
+                        </a:solidFill>
+                        <a:effectLst/>
+                        <a:latin typeface="Arial Narrow" panose="020B0606020202030204" pitchFamily="34" charset="0"/>
+                      </a:endParaRPr>
+                    </a:p>
+                  </a:txBody>
+                  <a:tcPr marL="5079" marR="5079" marT="5079" marB="0" anchor="ctr"/>
+                </a:tc>
+                <a:tc>
+                  <a:txBody>
+                    <a:bodyPr/>
+                    <a:lstStyle/>
+                    <a:p>
+                      <a:pPr algn="ctr" rtl="0" fontAlgn="ctr"/>
+                      <a:r>
+                        <a:rPr lang="es-PE" sz="800" u="none" strike="noStrike">
+                          <a:effectLst/>
+                        </a:rPr>
+                        <a:t>TURISMO</a:t>
+                      </a:r>
+                      <a:endParaRPr lang="es-PE" sz="800" b="0" i="0" u="none" strike="noStrike">
+                        <a:solidFill>
+                          <a:srgbClr val="000000"/>
+                        </a:solidFill>
+                        <a:effectLst/>
+                        <a:latin typeface="Arial Narrow" panose="020B0606020202030204" pitchFamily="34" charset="0"/>
+                      </a:endParaRPr>
+                    </a:p>
+                  </a:txBody>
+                  <a:tcPr marL="5079" marR="5079" marT="5079" marB="0" anchor="ctr"/>
+                </a:tc>
+                <a:tc>
+                  <a:txBody>
+                    <a:bodyPr/>
+                    <a:lstStyle/>
+                    <a:p>
+                      <a:pPr algn="just" fontAlgn="ctr"/>
+                      <a:r>
+                        <a:rPr lang="es-PE" sz="800" u="none" strike="noStrike">
+                          <a:effectLst/>
+                        </a:rPr>
+                        <a:t>MEJORAMIENTO SERVICIO PARA LA PRODUCTIVIDAD Y LA COMPETITIVIDAD DE LOS ARTESANOS DE LA LINEA ARTESANAL TEXTIL 7 PROVINCIAS DEL DEPARTAMENTO DE APURIMAC</a:t>
+                      </a:r>
+                      <a:endParaRPr lang="es-PE" sz="800" b="0" i="0" u="none" strike="noStrike">
+                        <a:solidFill>
+                          <a:srgbClr val="000000"/>
+                        </a:solidFill>
+                        <a:effectLst/>
+                        <a:latin typeface="Arial Narrow" panose="020B0606020202030204" pitchFamily="34" charset="0"/>
+                      </a:endParaRPr>
+                    </a:p>
+                  </a:txBody>
+                  <a:tcPr marL="5079" marR="5079" marT="5079" marB="0" anchor="ctr"/>
+                </a:tc>
+                <a:tc>
+                  <a:txBody>
+                    <a:bodyPr/>
+                    <a:lstStyle/>
+                    <a:p>
+                      <a:pPr algn="l" rtl="0" fontAlgn="ctr"/>
+                      <a:r>
+                        <a:rPr lang="es-PE" sz="800" u="none" strike="noStrike">
+                          <a:effectLst/>
+                        </a:rPr>
+                        <a:t>S/.2,966,681.12</a:t>
+                      </a:r>
+                      <a:endParaRPr lang="es-PE" sz="800" b="0" i="0" u="none" strike="noStrike">
+                        <a:solidFill>
+                          <a:srgbClr val="000000"/>
+                        </a:solidFill>
+                        <a:effectLst/>
+                        <a:latin typeface="Arial Narrow" panose="020B0606020202030204" pitchFamily="34" charset="0"/>
+                      </a:endParaRPr>
+                    </a:p>
+                  </a:txBody>
+                  <a:tcPr marL="5079" marR="5079" marT="5079" marB="0" anchor="ctr"/>
+                </a:tc>
+                <a:tc>
+                  <a:txBody>
+                    <a:bodyPr/>
+                    <a:lstStyle/>
+                    <a:p>
+                      <a:pPr algn="ctr" rtl="0" fontAlgn="ctr"/>
+                      <a:r>
+                        <a:rPr lang="es-PE" sz="800" u="none" strike="noStrike">
+                          <a:effectLst/>
+                        </a:rPr>
+                        <a:t>VIABLE</a:t>
+                      </a:r>
+                      <a:endParaRPr lang="es-PE" sz="800" b="0" i="0" u="none" strike="noStrike">
+                        <a:solidFill>
+                          <a:srgbClr val="000000"/>
+                        </a:solidFill>
+                        <a:effectLst/>
+                        <a:latin typeface="Arial Narrow" panose="020B0606020202030204" pitchFamily="34" charset="0"/>
+                      </a:endParaRPr>
+                    </a:p>
+                  </a:txBody>
+                  <a:tcPr marL="5079" marR="5079" marT="5079" marB="0" anchor="ctr"/>
+                </a:tc>
+                <a:tc>
+                  <a:txBody>
+                    <a:bodyPr/>
+                    <a:lstStyle/>
+                    <a:p>
+                      <a:pPr algn="l" rtl="0" fontAlgn="ctr"/>
+                      <a:r>
+                        <a:rPr lang="es-PE" sz="800" u="none" strike="noStrike">
+                          <a:effectLst/>
+                        </a:rPr>
+                        <a:t>LAS 07 PROVINCIAS DE LA REGIÓN APURÍMAC</a:t>
+                      </a:r>
+                      <a:endParaRPr lang="es-PE" sz="800" b="0" i="0" u="none" strike="noStrike">
+                        <a:solidFill>
+                          <a:srgbClr val="000000"/>
+                        </a:solidFill>
+                        <a:effectLst/>
+                        <a:latin typeface="Arial Narrow" panose="020B0606020202030204" pitchFamily="34" charset="0"/>
+                      </a:endParaRPr>
+                    </a:p>
+                  </a:txBody>
+                  <a:tcPr marL="5079" marR="5079" marT="5079" marB="0" anchor="ctr"/>
+                </a:tc>
+                <a:tc>
+                  <a:txBody>
+                    <a:bodyPr/>
+                    <a:lstStyle/>
+                    <a:p>
+                      <a:pPr algn="ctr" rtl="0" fontAlgn="ctr"/>
+                      <a:r>
+                        <a:rPr lang="es-PE" sz="800" u="none" strike="noStrike">
+                          <a:effectLst/>
+                        </a:rPr>
+                        <a:t>2020</a:t>
+                      </a:r>
+                      <a:endParaRPr lang="es-PE" sz="800" b="0" i="0" u="none" strike="noStrike">
+                        <a:solidFill>
+                          <a:srgbClr val="000000"/>
+                        </a:solidFill>
+                        <a:effectLst/>
+                        <a:latin typeface="Arial Narrow" panose="020B0606020202030204" pitchFamily="34" charset="0"/>
+                      </a:endParaRPr>
+                    </a:p>
+                  </a:txBody>
+                  <a:tcPr marL="5079" marR="5079" marT="5079" marB="0" anchor="ctr"/>
+                </a:tc>
+                <a:tc>
+                  <a:txBody>
+                    <a:bodyPr/>
+                    <a:lstStyle/>
+                    <a:p>
+                      <a:pPr algn="ctr" fontAlgn="ctr"/>
+                      <a:r>
+                        <a:rPr lang="es-PE" sz="800" u="none" strike="noStrike">
+                          <a:effectLst/>
+                        </a:rPr>
+                        <a:t>-</a:t>
+                      </a:r>
+                      <a:endParaRPr lang="es-PE" sz="800" b="0" i="0" u="none" strike="noStrike">
+                        <a:solidFill>
+                          <a:srgbClr val="000000"/>
+                        </a:solidFill>
+                        <a:effectLst/>
+                        <a:latin typeface="Arial Narrow" panose="020B0606020202030204" pitchFamily="34" charset="0"/>
+                      </a:endParaRPr>
+                    </a:p>
+                  </a:txBody>
+                  <a:tcPr marL="5079" marR="5079" marT="5079" marB="0" anchor="ctr"/>
+                </a:tc>
+                <a:extLst>
+                  <a:ext uri="{0D108BD9-81ED-4DB2-BD59-A6C34878D82A}">
+                    <a16:rowId xmlns:a16="http://schemas.microsoft.com/office/drawing/2014/main" val="2928929422"/>
+                  </a:ext>
+                </a:extLst>
+              </a:tr>
+              <a:tr h="959968">
+                <a:tc>
+                  <a:txBody>
+                    <a:bodyPr/>
+                    <a:lstStyle/>
+                    <a:p>
+                      <a:pPr algn="ctr" fontAlgn="ctr"/>
+                      <a:r>
+                        <a:rPr lang="es-PE" sz="800" u="none" strike="noStrike">
+                          <a:effectLst/>
+                        </a:rPr>
+                        <a:t>7</a:t>
+                      </a:r>
+                      <a:endParaRPr lang="es-PE" sz="800" b="0" i="0" u="none" strike="noStrike">
+                        <a:solidFill>
+                          <a:srgbClr val="000000"/>
+                        </a:solidFill>
+                        <a:effectLst/>
+                        <a:latin typeface="Arial Narrow" panose="020B0606020202030204" pitchFamily="34" charset="0"/>
+                      </a:endParaRPr>
+                    </a:p>
+                  </a:txBody>
+                  <a:tcPr marL="5079" marR="5079" marT="5079" marB="0" anchor="ctr"/>
+                </a:tc>
+                <a:tc>
+                  <a:txBody>
+                    <a:bodyPr/>
+                    <a:lstStyle/>
+                    <a:p>
+                      <a:pPr algn="ctr" rtl="0" fontAlgn="ctr"/>
+                      <a:r>
+                        <a:rPr lang="es-PE" sz="800" u="none" strike="noStrike">
+                          <a:effectLst/>
+                        </a:rPr>
+                        <a:t>-</a:t>
+                      </a:r>
+                      <a:endParaRPr lang="es-PE" sz="800" b="0" i="0" u="none" strike="noStrike">
+                        <a:solidFill>
+                          <a:srgbClr val="000000"/>
+                        </a:solidFill>
+                        <a:effectLst/>
+                        <a:latin typeface="Arial Narrow" panose="020B0606020202030204" pitchFamily="34" charset="0"/>
+                      </a:endParaRPr>
+                    </a:p>
+                  </a:txBody>
+                  <a:tcPr marL="5079" marR="5079" marT="5079" marB="0" anchor="ctr"/>
+                </a:tc>
+                <a:tc>
+                  <a:txBody>
+                    <a:bodyPr/>
+                    <a:lstStyle/>
+                    <a:p>
+                      <a:pPr algn="ctr" rtl="0" fontAlgn="ctr"/>
+                      <a:r>
+                        <a:rPr lang="es-PE" sz="800" u="none" strike="noStrike">
+                          <a:effectLst/>
+                        </a:rPr>
+                        <a:t>49521</a:t>
+                      </a:r>
+                      <a:endParaRPr lang="es-PE" sz="800" b="0" i="0" u="none" strike="noStrike">
+                        <a:solidFill>
+                          <a:srgbClr val="000000"/>
+                        </a:solidFill>
+                        <a:effectLst/>
+                        <a:latin typeface="Arial Narrow" panose="020B0606020202030204" pitchFamily="34" charset="0"/>
+                      </a:endParaRPr>
+                    </a:p>
+                  </a:txBody>
+                  <a:tcPr marL="5079" marR="5079" marT="5079" marB="0" anchor="ctr"/>
+                </a:tc>
+                <a:tc>
+                  <a:txBody>
+                    <a:bodyPr/>
+                    <a:lstStyle/>
+                    <a:p>
+                      <a:pPr algn="ctr" rtl="0" fontAlgn="ctr"/>
+                      <a:r>
+                        <a:rPr lang="es-PE" sz="800" u="none" strike="noStrike">
+                          <a:effectLst/>
+                        </a:rPr>
+                        <a:t>PLANEAMIENTO GESTIÓN Y RESERVA DE LA CONTINGENCIA</a:t>
+                      </a:r>
+                      <a:endParaRPr lang="es-PE" sz="800" b="0" i="0" u="none" strike="noStrike">
+                        <a:solidFill>
+                          <a:srgbClr val="000000"/>
+                        </a:solidFill>
+                        <a:effectLst/>
+                        <a:latin typeface="Arial Narrow" panose="020B0606020202030204" pitchFamily="34" charset="0"/>
+                      </a:endParaRPr>
+                    </a:p>
+                  </a:txBody>
+                  <a:tcPr marL="5079" marR="5079" marT="5079" marB="0" anchor="ctr"/>
+                </a:tc>
+                <a:tc>
+                  <a:txBody>
+                    <a:bodyPr/>
+                    <a:lstStyle/>
+                    <a:p>
+                      <a:pPr algn="just" fontAlgn="ctr"/>
+                      <a:r>
+                        <a:rPr lang="es-PE" sz="800" u="none" strike="noStrike">
+                          <a:effectLst/>
+                        </a:rPr>
+                        <a:t>“MEJORAMIENTO DE LOS SERVICIOS DE ASISTENCIA TÉCNICA Y PROMOCIÓN DE LA CADENA PRODUCTIVA DE LECHE DE CABRA EN 4 PROVINCIAS DEL DEPARTAMENTO DE APURIMAC”.</a:t>
+                      </a:r>
+                      <a:endParaRPr lang="es-PE" sz="800" b="0" i="0" u="none" strike="noStrike">
+                        <a:solidFill>
+                          <a:srgbClr val="000000"/>
+                        </a:solidFill>
+                        <a:effectLst/>
+                        <a:latin typeface="Arial Narrow" panose="020B0606020202030204" pitchFamily="34" charset="0"/>
+                      </a:endParaRPr>
+                    </a:p>
+                  </a:txBody>
+                  <a:tcPr marL="5079" marR="5079" marT="5079" marB="0" anchor="ctr"/>
+                </a:tc>
+                <a:tc>
+                  <a:txBody>
+                    <a:bodyPr/>
+                    <a:lstStyle/>
+                    <a:p>
+                      <a:pPr algn="l" rtl="0" fontAlgn="ctr"/>
+                      <a:r>
+                        <a:rPr lang="es-PE" sz="800" u="none" strike="noStrike">
+                          <a:effectLst/>
+                        </a:rPr>
+                        <a:t>S/.3,606,589.76</a:t>
+                      </a:r>
+                      <a:endParaRPr lang="es-PE" sz="800" b="0" i="0" u="none" strike="noStrike">
+                        <a:solidFill>
+                          <a:srgbClr val="000000"/>
+                        </a:solidFill>
+                        <a:effectLst/>
+                        <a:latin typeface="Arial Narrow" panose="020B0606020202030204" pitchFamily="34" charset="0"/>
+                      </a:endParaRPr>
+                    </a:p>
+                  </a:txBody>
+                  <a:tcPr marL="5079" marR="5079" marT="5079" marB="0" anchor="ctr"/>
+                </a:tc>
+                <a:tc>
+                  <a:txBody>
+                    <a:bodyPr/>
+                    <a:lstStyle/>
+                    <a:p>
+                      <a:pPr algn="ctr" rtl="0" fontAlgn="ctr"/>
+                      <a:r>
+                        <a:rPr lang="es-PE" sz="800" u="none" strike="noStrike">
+                          <a:effectLst/>
+                        </a:rPr>
+                        <a:t>FORMULACIÓN</a:t>
+                      </a:r>
+                      <a:endParaRPr lang="es-PE" sz="800" b="0" i="0" u="none" strike="noStrike">
+                        <a:solidFill>
+                          <a:srgbClr val="000000"/>
+                        </a:solidFill>
+                        <a:effectLst/>
+                        <a:latin typeface="Arial Narrow" panose="020B0606020202030204" pitchFamily="34" charset="0"/>
+                      </a:endParaRPr>
+                    </a:p>
+                  </a:txBody>
+                  <a:tcPr marL="5079" marR="5079" marT="5079" marB="0" anchor="ctr"/>
+                </a:tc>
+                <a:tc>
+                  <a:txBody>
+                    <a:bodyPr/>
+                    <a:lstStyle/>
+                    <a:p>
+                      <a:pPr algn="l" rtl="0" fontAlgn="ctr"/>
+                      <a:r>
+                        <a:rPr lang="es-PE" sz="800" u="none" strike="noStrike">
+                          <a:effectLst/>
+                        </a:rPr>
+                        <a:t>LAS PROVINCIAS DE AYMARAES, ABANCAY, ANDAHUAYLAS Y CHICNHEROS.</a:t>
+                      </a:r>
+                      <a:endParaRPr lang="es-PE" sz="800" b="0" i="0" u="none" strike="noStrike">
+                        <a:solidFill>
+                          <a:srgbClr val="000000"/>
+                        </a:solidFill>
+                        <a:effectLst/>
+                        <a:latin typeface="Arial Narrow" panose="020B0606020202030204" pitchFamily="34" charset="0"/>
+                      </a:endParaRPr>
+                    </a:p>
+                  </a:txBody>
+                  <a:tcPr marL="5079" marR="5079" marT="5079" marB="0" anchor="ctr"/>
+                </a:tc>
+                <a:tc>
+                  <a:txBody>
+                    <a:bodyPr/>
+                    <a:lstStyle/>
+                    <a:p>
+                      <a:pPr algn="ctr" rtl="0" fontAlgn="ctr"/>
+                      <a:r>
+                        <a:rPr lang="es-PE" sz="800" u="none" strike="noStrike">
+                          <a:effectLst/>
+                        </a:rPr>
+                        <a:t>2021</a:t>
+                      </a:r>
+                      <a:endParaRPr lang="es-PE" sz="800" b="0" i="0" u="none" strike="noStrike">
+                        <a:solidFill>
+                          <a:srgbClr val="000000"/>
+                        </a:solidFill>
+                        <a:effectLst/>
+                        <a:latin typeface="Arial Narrow" panose="020B0606020202030204" pitchFamily="34" charset="0"/>
+                      </a:endParaRPr>
+                    </a:p>
+                  </a:txBody>
+                  <a:tcPr marL="5079" marR="5079" marT="5079" marB="0" anchor="ctr"/>
+                </a:tc>
+                <a:tc>
+                  <a:txBody>
+                    <a:bodyPr/>
+                    <a:lstStyle/>
+                    <a:p>
+                      <a:pPr algn="just" fontAlgn="ctr"/>
+                      <a:r>
+                        <a:rPr lang="es-PE" sz="800" u="none" strike="noStrike" dirty="0">
+                          <a:effectLst/>
+                        </a:rPr>
+                        <a:t>El proyecto se concluyo al 100%. Pero se esta a la espera de la firma del convenio entre el Gobierno Regional de Apurímac y el INIA, para que facilite la sesión de uso del terreno de parte del INIA. El documento del convenio actualmente se encuentra en la sede central del INIA Lima </a:t>
+                      </a:r>
+                      <a:endParaRPr lang="es-PE" sz="800" b="0" i="0" u="none" strike="noStrike" dirty="0">
+                        <a:solidFill>
+                          <a:srgbClr val="000000"/>
+                        </a:solidFill>
+                        <a:effectLst/>
+                        <a:latin typeface="Arial Narrow" panose="020B0606020202030204" pitchFamily="34" charset="0"/>
+                      </a:endParaRPr>
+                    </a:p>
+                  </a:txBody>
+                  <a:tcPr marL="5079" marR="5079" marT="5079" marB="0" anchor="ctr"/>
+                </a:tc>
+                <a:extLst>
+                  <a:ext uri="{0D108BD9-81ED-4DB2-BD59-A6C34878D82A}">
+                    <a16:rowId xmlns:a16="http://schemas.microsoft.com/office/drawing/2014/main" val="2748645595"/>
+                  </a:ext>
+                </a:extLst>
+              </a:tr>
+            </a:tbl>
+          </a:graphicData>
+        </a:graphic>
+      </p:graphicFrame>
+    </p:spTree>
+    <p:extLst>
+      <p:ext uri="{BB962C8B-B14F-4D97-AF65-F5344CB8AC3E}">
+        <p14:creationId xmlns:p14="http://schemas.microsoft.com/office/powerpoint/2010/main" val="2893506265"/>
+      </p:ext>
+    </p:extLst>
+  </p:cSld>
+  <p:clrMapOvr>
+    <a:masterClrMapping/>
+  </p:clrMapOvr>
+</p:sld>
+</file>
+
+<file path=ppt/slides/slide4.xml><?xml version="1.0" encoding="utf-8"?>
 <p:sld xmlns:a="http://schemas.openxmlformats.org/drawingml/2006/main" xmlns:r="http://schemas.openxmlformats.org/officeDocument/2006/relationships" xmlns:p="http://schemas.openxmlformats.org/presentationml/2006/main">
   <p:cSld>
     <p:spTree>
@@ -6117,10 +7551,10 @@
       </p:sp>
       <p:graphicFrame>
         <p:nvGraphicFramePr>
-          <p:cNvPr id="3" name="Tabla 2">
+          <p:cNvPr id="2" name="Tabla 1">
             <a:extLst>
               <a:ext uri="{FF2B5EF4-FFF2-40B4-BE49-F238E27FC236}">
-                <a16:creationId xmlns:a16="http://schemas.microsoft.com/office/drawing/2014/main" id="{FD712B2D-EB79-4EE4-899D-7F36673F32F4}"/>
+                <a16:creationId xmlns:a16="http://schemas.microsoft.com/office/drawing/2014/main" id="{74BDBD29-9533-41C6-A672-DAD1CAA768CD}"/>
               </a:ext>
             </a:extLst>
           </p:cNvPr>
@@ -6130,14 +7564,14 @@
           <p:nvPr>
             <p:extLst>
               <p:ext uri="{D42A27DB-BD31-4B8C-83A1-F6EECF244321}">
-                <p14:modId xmlns:p14="http://schemas.microsoft.com/office/powerpoint/2010/main" val="1220247543"/>
+                <p14:modId xmlns:p14="http://schemas.microsoft.com/office/powerpoint/2010/main" val="2570444902"/>
               </p:ext>
             </p:extLst>
           </p:nvPr>
         </p:nvGraphicFramePr>
         <p:xfrm>
-          <a:off x="507847" y="1046163"/>
-          <a:ext cx="7922056" cy="3893550"/>
+          <a:off x="95310" y="1101091"/>
+          <a:ext cx="8747130" cy="3364117"/>
         </p:xfrm>
         <a:graphic>
           <a:graphicData uri="http://schemas.openxmlformats.org/drawingml/2006/table">
@@ -6146,64 +7580,78 @@
                 <a:tableStyleId>{B296C3B7-51D5-40FC-B7EA-EAF5845D4BE8}</a:tableStyleId>
               </a:tblPr>
               <a:tblGrid>
-                <a:gridCol w="677582">
+                <a:gridCol w="554822">
                   <a:extLst>
                     <a:ext uri="{9D8B030D-6E8A-4147-A177-3AD203B41FA5}">
-                      <a16:colId xmlns:a16="http://schemas.microsoft.com/office/drawing/2014/main" val="2957843639"/>
+                      <a16:colId xmlns:a16="http://schemas.microsoft.com/office/drawing/2014/main" val="2206328261"/>
                     </a:ext>
                   </a:extLst>
                 </a:gridCol>
-                <a:gridCol w="872386">
+                <a:gridCol w="714332">
                   <a:extLst>
                     <a:ext uri="{9D8B030D-6E8A-4147-A177-3AD203B41FA5}">
-                      <a16:colId xmlns:a16="http://schemas.microsoft.com/office/drawing/2014/main" val="136235467"/>
+                      <a16:colId xmlns:a16="http://schemas.microsoft.com/office/drawing/2014/main" val="937944395"/>
                     </a:ext>
                   </a:extLst>
                 </a:gridCol>
-                <a:gridCol w="677582">
+                <a:gridCol w="554822">
                   <a:extLst>
                     <a:ext uri="{9D8B030D-6E8A-4147-A177-3AD203B41FA5}">
-                      <a16:colId xmlns:a16="http://schemas.microsoft.com/office/drawing/2014/main" val="947015423"/>
+                      <a16:colId xmlns:a16="http://schemas.microsoft.com/office/drawing/2014/main" val="1535674311"/>
                     </a:ext>
                   </a:extLst>
                 </a:gridCol>
-                <a:gridCol w="2055330">
+                <a:gridCol w="742073">
                   <a:extLst>
                     <a:ext uri="{9D8B030D-6E8A-4147-A177-3AD203B41FA5}">
-                      <a16:colId xmlns:a16="http://schemas.microsoft.com/office/drawing/2014/main" val="88868210"/>
+                      <a16:colId xmlns:a16="http://schemas.microsoft.com/office/drawing/2014/main" val="296799343"/>
                     </a:ext>
                   </a:extLst>
                 </a:gridCol>
-                <a:gridCol w="756633">
+                <a:gridCol w="1490150">
                   <a:extLst>
                     <a:ext uri="{9D8B030D-6E8A-4147-A177-3AD203B41FA5}">
-                      <a16:colId xmlns:a16="http://schemas.microsoft.com/office/drawing/2014/main" val="1624433438"/>
+                      <a16:colId xmlns:a16="http://schemas.microsoft.com/office/drawing/2014/main" val="3924109350"/>
                     </a:ext>
                   </a:extLst>
                 </a:gridCol>
-                <a:gridCol w="872386">
+                <a:gridCol w="812357">
                   <a:extLst>
                     <a:ext uri="{9D8B030D-6E8A-4147-A177-3AD203B41FA5}">
-                      <a16:colId xmlns:a16="http://schemas.microsoft.com/office/drawing/2014/main" val="1308146116"/>
+                      <a16:colId xmlns:a16="http://schemas.microsoft.com/office/drawing/2014/main" val="3775724237"/>
                     </a:ext>
                   </a:extLst>
                 </a:gridCol>
-                <a:gridCol w="1072836">
+                <a:gridCol w="714332">
                   <a:extLst>
                     <a:ext uri="{9D8B030D-6E8A-4147-A177-3AD203B41FA5}">
-                      <a16:colId xmlns:a16="http://schemas.microsoft.com/office/drawing/2014/main" val="1173708136"/>
+                      <a16:colId xmlns:a16="http://schemas.microsoft.com/office/drawing/2014/main" val="3431862948"/>
                     </a:ext>
                   </a:extLst>
                 </a:gridCol>
-                <a:gridCol w="937321">
+                <a:gridCol w="878466">
                   <a:extLst>
                     <a:ext uri="{9D8B030D-6E8A-4147-A177-3AD203B41FA5}">
-                      <a16:colId xmlns:a16="http://schemas.microsoft.com/office/drawing/2014/main" val="1746161859"/>
+                      <a16:colId xmlns:a16="http://schemas.microsoft.com/office/drawing/2014/main" val="1350907981"/>
+                    </a:ext>
+                  </a:extLst>
+                </a:gridCol>
+                <a:gridCol w="767503">
+                  <a:extLst>
+                    <a:ext uri="{9D8B030D-6E8A-4147-A177-3AD203B41FA5}">
+                      <a16:colId xmlns:a16="http://schemas.microsoft.com/office/drawing/2014/main" val="921878909"/>
+                    </a:ext>
+                  </a:extLst>
+                </a:gridCol>
+                <a:gridCol w="1518273">
+                  <a:extLst>
+                    <a:ext uri="{9D8B030D-6E8A-4147-A177-3AD203B41FA5}">
+                      <a16:colId xmlns:a16="http://schemas.microsoft.com/office/drawing/2014/main" val="2264100452"/>
                     </a:ext>
                   </a:extLst>
                 </a:gridCol>
               </a:tblGrid>
-              <a:tr h="277497">
+              <a:tr h="424145">
                 <a:tc>
                   <a:txBody>
                     <a:bodyPr/>
@@ -6225,7 +7673,7 @@
                       </a:endParaRPr>
                     </a:p>
                   </a:txBody>
-                  <a:tcPr marL="5238" marR="5238" marT="5238" marB="0" anchor="ctr"/>
+                  <a:tcPr marL="5079" marR="5079" marT="5079" marB="0" anchor="ctr"/>
                 </a:tc>
                 <a:tc>
                   <a:txBody>
@@ -6248,7 +7696,7 @@
                       </a:endParaRPr>
                     </a:p>
                   </a:txBody>
-                  <a:tcPr marL="5238" marR="5238" marT="5238" marB="0" anchor="ctr"/>
+                  <a:tcPr marL="5079" marR="5079" marT="5079" marB="0" anchor="ctr"/>
                 </a:tc>
                 <a:tc>
                   <a:txBody>
@@ -6271,7 +7719,7 @@
                       </a:endParaRPr>
                     </a:p>
                   </a:txBody>
-                  <a:tcPr marL="5238" marR="5238" marT="5238" marB="0" anchor="ctr"/>
+                  <a:tcPr marL="5079" marR="5079" marT="5079" marB="0" anchor="ctr"/>
                 </a:tc>
                 <a:tc>
                   <a:txBody>
@@ -6283,6 +7731,29 @@
                         <a:rPr lang="es-PE" sz="800" b="1" u="none" strike="noStrike" dirty="0">
                           <a:effectLst/>
                         </a:rPr>
+                        <a:t>FUNCIÓN</a:t>
+                      </a:r>
+                      <a:endParaRPr lang="es-PE" sz="800" b="1" i="0" u="none" strike="noStrike" dirty="0">
+                        <a:solidFill>
+                          <a:srgbClr val="000000"/>
+                        </a:solidFill>
+                        <a:effectLst/>
+                        <a:latin typeface="Arial Narrow" panose="020B0606020202030204" pitchFamily="34" charset="0"/>
+                      </a:endParaRPr>
+                    </a:p>
+                  </a:txBody>
+                  <a:tcPr marL="5079" marR="5079" marT="5079" marB="0" anchor="ctr"/>
+                </a:tc>
+                <a:tc>
+                  <a:txBody>
+                    <a:bodyPr/>
+                    <a:lstStyle/>
+                    <a:p>
+                      <a:pPr algn="ctr" rtl="0" fontAlgn="ctr"/>
+                      <a:r>
+                        <a:rPr lang="es-PE" sz="800" b="1" u="none" strike="noStrike" dirty="0">
+                          <a:effectLst/>
+                        </a:rPr>
                         <a:t>NOMBRE DEL PROYECTO DE INVERSIÓN</a:t>
                       </a:r>
                       <a:endParaRPr lang="es-PE" sz="800" b="1" i="0" u="none" strike="noStrike" dirty="0">
@@ -6294,7 +7765,7 @@
                       </a:endParaRPr>
                     </a:p>
                   </a:txBody>
-                  <a:tcPr marL="5238" marR="5238" marT="5238" marB="0" anchor="ctr"/>
+                  <a:tcPr marL="5079" marR="5079" marT="5079" marB="0" anchor="ctr"/>
                 </a:tc>
                 <a:tc>
                   <a:txBody>
@@ -6317,7 +7788,7 @@
                       </a:endParaRPr>
                     </a:p>
                   </a:txBody>
-                  <a:tcPr marL="5238" marR="5238" marT="5238" marB="0" anchor="ctr"/>
+                  <a:tcPr marL="5079" marR="5079" marT="5079" marB="0" anchor="ctr"/>
                 </a:tc>
                 <a:tc>
                   <a:txBody>
@@ -6340,7 +7811,7 @@
                       </a:endParaRPr>
                     </a:p>
                   </a:txBody>
-                  <a:tcPr marL="5238" marR="5238" marT="5238" marB="0" anchor="ctr"/>
+                  <a:tcPr marL="5079" marR="5079" marT="5079" marB="0" anchor="ctr"/>
                 </a:tc>
                 <a:tc>
                   <a:txBody>
@@ -6363,7 +7834,7 @@
                       </a:endParaRPr>
                     </a:p>
                   </a:txBody>
-                  <a:tcPr marL="5238" marR="5238" marT="5238" marB="0" anchor="ctr"/>
+                  <a:tcPr marL="5079" marR="5079" marT="5079" marB="0" anchor="ctr"/>
                 </a:tc>
                 <a:tc>
                   <a:txBody>
@@ -6386,15 +7857,38 @@
                       </a:endParaRPr>
                     </a:p>
                   </a:txBody>
-                  <a:tcPr marL="5238" marR="5238" marT="5238" marB="0" anchor="ctr"/>
+                  <a:tcPr marL="5079" marR="5079" marT="5079" marB="0" anchor="ctr"/>
+                </a:tc>
+                <a:tc>
+                  <a:txBody>
+                    <a:bodyPr/>
+                    <a:lstStyle/>
+                    <a:p>
+                      <a:pPr algn="ctr" rtl="0" fontAlgn="ctr"/>
+                      <a:r>
+                        <a:rPr lang="es-PE" sz="800" b="1" u="none" strike="noStrike" dirty="0">
+                          <a:effectLst/>
+                        </a:rPr>
+                        <a:t>OBSERVACIONES</a:t>
+                      </a:r>
+                      <a:endParaRPr lang="es-PE" sz="800" b="1" i="0" u="none" strike="noStrike" dirty="0">
+                        <a:solidFill>
+                          <a:srgbClr val="000000"/>
+                        </a:solidFill>
+                        <a:effectLst/>
+                        <a:latin typeface="Arial Narrow" panose="020B0606020202030204" pitchFamily="34" charset="0"/>
+                      </a:endParaRPr>
+                    </a:p>
+                  </a:txBody>
+                  <a:tcPr marL="5079" marR="5079" marT="5079" marB="0" anchor="ctr"/>
                 </a:tc>
                 <a:extLst>
                   <a:ext uri="{0D108BD9-81ED-4DB2-BD59-A6C34878D82A}">
-                    <a16:rowId xmlns:a16="http://schemas.microsoft.com/office/drawing/2014/main" val="3648813531"/>
+                    <a16:rowId xmlns:a16="http://schemas.microsoft.com/office/drawing/2014/main" val="4259002323"/>
                   </a:ext>
                 </a:extLst>
               </a:tr>
-              <a:tr h="1051909">
+              <a:tr h="981927">
                 <a:tc>
                   <a:txBody>
                     <a:bodyPr/>
@@ -6402,10 +7896,56 @@
                     <a:p>
                       <a:pPr algn="ctr" fontAlgn="ctr"/>
                       <a:r>
-                        <a:rPr lang="es-PE" sz="800" u="none" strike="noStrike">
-                          <a:effectLst/>
-                        </a:rPr>
-                        <a:t>6</a:t>
+                        <a:rPr lang="es-PE" sz="800" u="none" strike="noStrike" dirty="0">
+                          <a:effectLst/>
+                        </a:rPr>
+                        <a:t>8</a:t>
+                      </a:r>
+                      <a:endParaRPr lang="es-PE" sz="800" b="0" i="0" u="none" strike="noStrike" dirty="0">
+                        <a:solidFill>
+                          <a:srgbClr val="000000"/>
+                        </a:solidFill>
+                        <a:effectLst/>
+                        <a:latin typeface="Arial Narrow" panose="020B0606020202030204" pitchFamily="34" charset="0"/>
+                      </a:endParaRPr>
+                    </a:p>
+                  </a:txBody>
+                  <a:tcPr marL="5079" marR="5079" marT="5079" marB="0" anchor="ctr"/>
+                </a:tc>
+                <a:tc>
+                  <a:txBody>
+                    <a:bodyPr/>
+                    <a:lstStyle/>
+                    <a:p>
+                      <a:pPr algn="ctr" rtl="0" fontAlgn="ctr"/>
+                      <a:r>
+                        <a:rPr lang="es-PE" sz="800" u="none" strike="noStrike" dirty="0">
+                          <a:effectLst/>
+                        </a:rPr>
+                        <a:t>-</a:t>
+                      </a:r>
+                      <a:endParaRPr lang="es-PE" sz="800" b="0" i="0" u="none" strike="noStrike" dirty="0">
+                        <a:solidFill>
+                          <a:srgbClr val="000000"/>
+                        </a:solidFill>
+                        <a:effectLst/>
+                        <a:latin typeface="Arial Narrow" panose="020B0606020202030204" pitchFamily="34" charset="0"/>
+                      </a:endParaRPr>
+                    </a:p>
+                  </a:txBody>
+                  <a:tcPr marL="5079" marR="5079" marT="5079" marB="0" anchor="ctr"/>
+                </a:tc>
+                <a:tc>
+                  <a:txBody>
+                    <a:bodyPr/>
+                    <a:lstStyle/>
+                    <a:p>
+                      <a:pPr algn="ctr" rtl="0" fontAlgn="ctr"/>
+                      <a:r>
+                        <a:rPr lang="es-PE" sz="800" u="none" strike="noStrike">
+                          <a:effectLst/>
+                        </a:rPr>
+                        <a:t>49512</a:t>
                       </a:r>
                       <a:endParaRPr lang="es-PE" sz="800" b="0" i="0" u="none" strike="noStrike">
                         <a:solidFill>
@@ -6416,19 +7956,19 @@
                       </a:endParaRPr>
                     </a:p>
                   </a:txBody>
-                  <a:tcPr marL="5238" marR="5238" marT="5238" marB="0" anchor="ctr"/>
-                </a:tc>
-                <a:tc>
-                  <a:txBody>
-                    <a:bodyPr/>
-                    <a:lstStyle/>
-                    <a:p>
-                      <a:pPr algn="ctr" rtl="0" fontAlgn="ctr"/>
-                      <a:r>
-                        <a:rPr lang="es-PE" sz="800" u="none" strike="noStrike">
-                          <a:effectLst/>
-                        </a:rPr>
-                        <a:t>-</a:t>
+                  <a:tcPr marL="5079" marR="5079" marT="5079" marB="0" anchor="ctr"/>
+                </a:tc>
+                <a:tc>
+                  <a:txBody>
+                    <a:bodyPr/>
+                    <a:lstStyle/>
+                    <a:p>
+                      <a:pPr algn="ctr" rtl="0" fontAlgn="ctr"/>
+                      <a:r>
+                        <a:rPr lang="es-PE" sz="800" u="none" strike="noStrike">
+                          <a:effectLst/>
+                        </a:rPr>
+                        <a:t>PLANEAMIENTO GESTIÓN Y RESERVA DE LA CONTINGENCIA</a:t>
                       </a:r>
                       <a:endParaRPr lang="es-PE" sz="800" b="0" i="0" u="none" strike="noStrike">
                         <a:solidFill>
@@ -6439,19 +7979,19 @@
                       </a:endParaRPr>
                     </a:p>
                   </a:txBody>
-                  <a:tcPr marL="5238" marR="5238" marT="5238" marB="0" anchor="ctr"/>
-                </a:tc>
-                <a:tc>
-                  <a:txBody>
-                    <a:bodyPr/>
-                    <a:lstStyle/>
-                    <a:p>
-                      <a:pPr algn="ctr" rtl="0" fontAlgn="ctr"/>
-                      <a:r>
-                        <a:rPr lang="es-PE" sz="800" u="none" strike="noStrike">
-                          <a:effectLst/>
-                        </a:rPr>
-                        <a:t>49488</a:t>
+                  <a:tcPr marL="5079" marR="5079" marT="5079" marB="0" anchor="ctr"/>
+                </a:tc>
+                <a:tc>
+                  <a:txBody>
+                    <a:bodyPr/>
+                    <a:lstStyle/>
+                    <a:p>
+                      <a:pPr algn="just" fontAlgn="ctr"/>
+                      <a:r>
+                        <a:rPr lang="es-PE" sz="800" u="none" strike="noStrike">
+                          <a:effectLst/>
+                        </a:rPr>
+                        <a:t>Inversión “MEJORAMIENTO DE LA PRESTACIÓN DE LOS SERVICIO DE LA DIRECCIÓN REGIONAL DE PESQUERÍA/DIREPRO EN 22 DISTRITOS DE LAS 7 PROVINCIAS DE LA REGIÓN APURÍMAC” </a:t>
                       </a:r>
                       <a:endParaRPr lang="es-PE" sz="800" b="0" i="0" u="none" strike="noStrike">
                         <a:solidFill>
@@ -6462,7 +8002,99 @@
                       </a:endParaRPr>
                     </a:p>
                   </a:txBody>
-                  <a:tcPr marL="5238" marR="5238" marT="5238" marB="0" anchor="ctr"/>
+                  <a:tcPr marL="5079" marR="5079" marT="5079" marB="0" anchor="ctr"/>
+                </a:tc>
+                <a:tc>
+                  <a:txBody>
+                    <a:bodyPr/>
+                    <a:lstStyle/>
+                    <a:p>
+                      <a:pPr algn="l" rtl="0" fontAlgn="ctr"/>
+                      <a:r>
+                        <a:rPr lang="es-PE" sz="800" u="none" strike="noStrike">
+                          <a:effectLst/>
+                        </a:rPr>
+                        <a:t>S/.3,433,062.38</a:t>
+                      </a:r>
+                      <a:endParaRPr lang="es-PE" sz="800" b="0" i="0" u="none" strike="noStrike">
+                        <a:solidFill>
+                          <a:srgbClr val="000000"/>
+                        </a:solidFill>
+                        <a:effectLst/>
+                        <a:latin typeface="Arial Narrow" panose="020B0606020202030204" pitchFamily="34" charset="0"/>
+                      </a:endParaRPr>
+                    </a:p>
+                  </a:txBody>
+                  <a:tcPr marL="5079" marR="5079" marT="5079" marB="0" anchor="ctr"/>
+                </a:tc>
+                <a:tc>
+                  <a:txBody>
+                    <a:bodyPr/>
+                    <a:lstStyle/>
+                    <a:p>
+                      <a:pPr algn="ctr" rtl="0" fontAlgn="ctr"/>
+                      <a:r>
+                        <a:rPr lang="es-PE" sz="800" u="none" strike="noStrike">
+                          <a:effectLst/>
+                        </a:rPr>
+                        <a:t>FORMULACIÓN</a:t>
+                      </a:r>
+                      <a:endParaRPr lang="es-PE" sz="800" b="0" i="0" u="none" strike="noStrike">
+                        <a:solidFill>
+                          <a:srgbClr val="000000"/>
+                        </a:solidFill>
+                        <a:effectLst/>
+                        <a:latin typeface="Arial Narrow" panose="020B0606020202030204" pitchFamily="34" charset="0"/>
+                      </a:endParaRPr>
+                    </a:p>
+                  </a:txBody>
+                  <a:tcPr marL="5079" marR="5079" marT="5079" marB="0" anchor="ctr"/>
+                </a:tc>
+                <a:tc>
+                  <a:txBody>
+                    <a:bodyPr/>
+                    <a:lstStyle/>
+                    <a:p>
+                      <a:pPr algn="l" rtl="0" fontAlgn="ctr"/>
+                      <a:r>
+                        <a:rPr lang="es-PE" sz="800" u="none" strike="noStrike">
+                          <a:effectLst/>
+                        </a:rPr>
+                        <a:t> 22 DISTRITOS DE LAS 7 PROVINCIAS DE LA REGIÓN APURÍMAC</a:t>
+                      </a:r>
+                      <a:endParaRPr lang="es-PE" sz="800" b="0" i="0" u="none" strike="noStrike">
+                        <a:solidFill>
+                          <a:srgbClr val="000000"/>
+                        </a:solidFill>
+                        <a:effectLst/>
+                        <a:latin typeface="Arial Narrow" panose="020B0606020202030204" pitchFamily="34" charset="0"/>
+                      </a:endParaRPr>
+                    </a:p>
+                  </a:txBody>
+                  <a:tcPr marL="5079" marR="5079" marT="5079" marB="0" anchor="ctr"/>
+                </a:tc>
+                <a:tc>
+                  <a:txBody>
+                    <a:bodyPr/>
+                    <a:lstStyle/>
+                    <a:p>
+                      <a:pPr algn="ctr" rtl="0" fontAlgn="ctr"/>
+                      <a:r>
+                        <a:rPr lang="es-PE" sz="800" u="none" strike="noStrike" dirty="0">
+                          <a:effectLst/>
+                        </a:rPr>
+                        <a:t>2021</a:t>
+                      </a:r>
+                      <a:endParaRPr lang="es-PE" sz="800" b="0" i="0" u="none" strike="noStrike" dirty="0">
+                        <a:solidFill>
+                          <a:srgbClr val="000000"/>
+                        </a:solidFill>
+                        <a:effectLst/>
+                        <a:latin typeface="Arial Narrow" panose="020B0606020202030204" pitchFamily="34" charset="0"/>
+                      </a:endParaRPr>
+                    </a:p>
+                  </a:txBody>
+                  <a:tcPr marL="5079" marR="5079" marT="5079" marB="0" anchor="ctr"/>
                 </a:tc>
                 <a:tc>
                   <a:txBody>
@@ -6471,33 +8103,10 @@
                     <a:p>
                       <a:pPr algn="just" fontAlgn="ctr"/>
                       <a:r>
-                        <a:rPr lang="es-PE" sz="800" u="none" strike="noStrike" dirty="0">
-                          <a:effectLst/>
-                        </a:rPr>
-                        <a:t>"MEJORAMIENTO Y CREACIÓN DE SERVICIOS TURÍSTICOS PÚBLICOS EN EL CAÑÓN DEL APURIMAC, DISTRITOS DE CURAHUASI, SAN PEDRO DE CACHORA, HUANIPACA, TAMBURCO Y ABANCAY - REGIÓN APURIMAC” </a:t>
-                      </a:r>
-                      <a:endParaRPr lang="es-PE" sz="800" b="0" i="0" u="none" strike="noStrike" dirty="0">
-                        <a:solidFill>
-                          <a:srgbClr val="000000"/>
-                        </a:solidFill>
-                        <a:effectLst/>
-                        <a:latin typeface="Arial Narrow" panose="020B0606020202030204" pitchFamily="34" charset="0"/>
-                      </a:endParaRPr>
-                    </a:p>
-                  </a:txBody>
-                  <a:tcPr marL="5238" marR="5238" marT="5238" marB="0" anchor="ctr"/>
-                </a:tc>
-                <a:tc>
-                  <a:txBody>
-                    <a:bodyPr/>
-                    <a:lstStyle/>
-                    <a:p>
-                      <a:pPr algn="l" rtl="0" fontAlgn="ctr"/>
-                      <a:r>
-                        <a:rPr lang="es-PE" sz="800" u="none" strike="noStrike">
-                          <a:effectLst/>
-                        </a:rPr>
-                        <a:t>S/.50,000,000.00</a:t>
+                        <a:rPr lang="es-PE" sz="800" u="none" strike="noStrike">
+                          <a:effectLst/>
+                        </a:rPr>
+                        <a:t>La formulación del Proyecto de Inversión se concluyó al 100%, se evaluó y actualmente se presento para su registro en el aplicativo informático del banco de proyectso del Invierte.pe para su registro y viabilización.</a:t>
                       </a:r>
                       <a:endParaRPr lang="es-PE" sz="800" b="0" i="0" u="none" strike="noStrike">
                         <a:solidFill>
@@ -6508,84 +8117,15 @@
                       </a:endParaRPr>
                     </a:p>
                   </a:txBody>
-                  <a:tcPr marL="5238" marR="5238" marT="5238" marB="0" anchor="ctr"/>
-                </a:tc>
-                <a:tc>
-                  <a:txBody>
-                    <a:bodyPr/>
-                    <a:lstStyle/>
-                    <a:p>
-                      <a:pPr algn="ctr" rtl="0" fontAlgn="ctr"/>
-                      <a:r>
-                        <a:rPr lang="es-PE" sz="800" u="none" strike="noStrike">
-                          <a:effectLst/>
-                        </a:rPr>
-                        <a:t>FORMULACIÓN</a:t>
-                      </a:r>
-                      <a:endParaRPr lang="es-PE" sz="800" b="0" i="0" u="none" strike="noStrike">
-                        <a:solidFill>
-                          <a:srgbClr val="000000"/>
-                        </a:solidFill>
-                        <a:effectLst/>
-                        <a:latin typeface="Arial Narrow" panose="020B0606020202030204" pitchFamily="34" charset="0"/>
-                      </a:endParaRPr>
-                    </a:p>
-                  </a:txBody>
-                  <a:tcPr marL="5238" marR="5238" marT="5238" marB="0" anchor="ctr"/>
-                </a:tc>
-                <a:tc>
-                  <a:txBody>
-                    <a:bodyPr/>
-                    <a:lstStyle/>
-                    <a:p>
-                      <a:pPr algn="just" rtl="0" fontAlgn="ctr"/>
-                      <a:r>
-                        <a:rPr lang="es-PE" sz="800" u="none" strike="noStrike">
-                          <a:effectLst/>
-                        </a:rPr>
-                        <a:t>DISTRITOS DE CURAHUASI, SAN PEDRO DE CACHORA, HUANIPACA, TAMBURCO Y ABANCAY DE LA PROVINCIA DE ABANCAY</a:t>
-                      </a:r>
-                      <a:endParaRPr lang="es-PE" sz="800" b="0" i="0" u="none" strike="noStrike">
-                        <a:solidFill>
-                          <a:srgbClr val="000000"/>
-                        </a:solidFill>
-                        <a:effectLst/>
-                        <a:latin typeface="Arial Narrow" panose="020B0606020202030204" pitchFamily="34" charset="0"/>
-                      </a:endParaRPr>
-                    </a:p>
-                  </a:txBody>
-                  <a:tcPr marL="5238" marR="5238" marT="5238" marB="0" anchor="ctr"/>
-                </a:tc>
-                <a:tc>
-                  <a:txBody>
-                    <a:bodyPr/>
-                    <a:lstStyle/>
-                    <a:p>
-                      <a:pPr algn="ctr" rtl="0" fontAlgn="ctr"/>
-                      <a:r>
-                        <a:rPr lang="es-PE" sz="800" u="none" strike="noStrike">
-                          <a:effectLst/>
-                        </a:rPr>
-                        <a:t>2021</a:t>
-                      </a:r>
-                      <a:endParaRPr lang="es-PE" sz="800" b="0" i="0" u="none" strike="noStrike">
-                        <a:solidFill>
-                          <a:srgbClr val="000000"/>
-                        </a:solidFill>
-                        <a:effectLst/>
-                        <a:latin typeface="Arial Narrow" panose="020B0606020202030204" pitchFamily="34" charset="0"/>
-                      </a:endParaRPr>
-                    </a:p>
-                  </a:txBody>
-                  <a:tcPr marL="5238" marR="5238" marT="5238" marB="0" anchor="ctr"/>
+                  <a:tcPr marL="5079" marR="5079" marT="5079" marB="0" anchor="ctr"/>
                 </a:tc>
                 <a:extLst>
                   <a:ext uri="{0D108BD9-81ED-4DB2-BD59-A6C34878D82A}">
-                    <a16:rowId xmlns:a16="http://schemas.microsoft.com/office/drawing/2014/main" val="3441649357"/>
+                    <a16:rowId xmlns:a16="http://schemas.microsoft.com/office/drawing/2014/main" val="3217481272"/>
                   </a:ext>
                 </a:extLst>
               </a:tr>
-              <a:tr h="806678">
+              <a:tr h="1958045">
                 <a:tc>
                   <a:txBody>
                     <a:bodyPr/>
@@ -6593,10 +8133,30 @@
                     <a:p>
                       <a:pPr algn="ctr" fontAlgn="ctr"/>
                       <a:r>
-                        <a:rPr lang="es-PE" sz="800" u="none" strike="noStrike">
-                          <a:effectLst/>
-                        </a:rPr>
-                        <a:t>7</a:t>
+                        <a:rPr lang="es-PE" sz="800" b="0" i="0" u="none" strike="noStrike" dirty="0">
+                          <a:solidFill>
+                            <a:srgbClr val="000000"/>
+                          </a:solidFill>
+                          <a:effectLst/>
+                          <a:latin typeface="Arial Narrow" panose="020B0606020202030204" pitchFamily="34" charset="0"/>
+                        </a:rPr>
+                        <a:t>9</a:t>
+                      </a:r>
+                    </a:p>
+                  </a:txBody>
+                  <a:tcPr marL="5079" marR="5079" marT="5079" marB="0" anchor="ctr"/>
+                </a:tc>
+                <a:tc>
+                  <a:txBody>
+                    <a:bodyPr/>
+                    <a:lstStyle/>
+                    <a:p>
+                      <a:pPr algn="ctr" rtl="0" fontAlgn="ctr"/>
+                      <a:r>
+                        <a:rPr lang="es-PE" sz="800" u="none" strike="noStrike">
+                          <a:effectLst/>
+                        </a:rPr>
+                        <a:t>-</a:t>
                       </a:r>
                       <a:endParaRPr lang="es-PE" sz="800" b="0" i="0" u="none" strike="noStrike">
                         <a:solidFill>
@@ -6607,19 +8167,19 @@
                       </a:endParaRPr>
                     </a:p>
                   </a:txBody>
-                  <a:tcPr marL="5238" marR="5238" marT="5238" marB="0" anchor="ctr"/>
-                </a:tc>
-                <a:tc>
-                  <a:txBody>
-                    <a:bodyPr/>
-                    <a:lstStyle/>
-                    <a:p>
-                      <a:pPr algn="ctr" rtl="0" fontAlgn="ctr"/>
-                      <a:r>
-                        <a:rPr lang="es-PE" sz="800" u="none" strike="noStrike">
-                          <a:effectLst/>
-                        </a:rPr>
-                        <a:t>-</a:t>
+                  <a:tcPr marL="5079" marR="5079" marT="5079" marB="0" anchor="ctr"/>
+                </a:tc>
+                <a:tc>
+                  <a:txBody>
+                    <a:bodyPr/>
+                    <a:lstStyle/>
+                    <a:p>
+                      <a:pPr algn="ctr" rtl="0" fontAlgn="ctr"/>
+                      <a:r>
+                        <a:rPr lang="es-PE" sz="800" u="none" strike="noStrike">
+                          <a:effectLst/>
+                        </a:rPr>
+                        <a:t>49546</a:t>
                       </a:r>
                       <a:endParaRPr lang="es-PE" sz="800" b="0" i="0" u="none" strike="noStrike">
                         <a:solidFill>
@@ -6630,19 +8190,19 @@
                       </a:endParaRPr>
                     </a:p>
                   </a:txBody>
-                  <a:tcPr marL="5238" marR="5238" marT="5238" marB="0" anchor="ctr"/>
-                </a:tc>
-                <a:tc>
-                  <a:txBody>
-                    <a:bodyPr/>
-                    <a:lstStyle/>
-                    <a:p>
-                      <a:pPr algn="ctr" rtl="0" fontAlgn="ctr"/>
-                      <a:r>
-                        <a:rPr lang="es-PE" sz="800" u="none" strike="noStrike">
-                          <a:effectLst/>
-                        </a:rPr>
-                        <a:t>49512</a:t>
+                  <a:tcPr marL="5079" marR="5079" marT="5079" marB="0" anchor="ctr"/>
+                </a:tc>
+                <a:tc>
+                  <a:txBody>
+                    <a:bodyPr/>
+                    <a:lstStyle/>
+                    <a:p>
+                      <a:pPr algn="ctr" rtl="0" fontAlgn="ctr"/>
+                      <a:r>
+                        <a:rPr lang="es-PE" sz="800" u="none" strike="noStrike">
+                          <a:effectLst/>
+                        </a:rPr>
+                        <a:t>PLANEAMIENTO GESTIÓN Y RESERVA DE LA CONTINGENCIA</a:t>
                       </a:r>
                       <a:endParaRPr lang="es-PE" sz="800" b="0" i="0" u="none" strike="noStrike">
                         <a:solidFill>
@@ -6653,7 +8213,7 @@
                       </a:endParaRPr>
                     </a:p>
                   </a:txBody>
-                  <a:tcPr marL="5238" marR="5238" marT="5238" marB="0" anchor="ctr"/>
+                  <a:tcPr marL="5079" marR="5079" marT="5079" marB="0" anchor="ctr"/>
                 </a:tc>
                 <a:tc>
                   <a:txBody>
@@ -6665,7 +8225,7 @@
                         <a:rPr lang="es-PE" sz="800" u="none" strike="noStrike">
                           <a:effectLst/>
                         </a:rPr>
-                        <a:t>Inversión “MEJORAMIENTO DE LA PRESTACIÓN DE LOS SERVICIO DE LA DIRECCIÓN REGIONAL DE PESQUERÍA/DIREPRO EN 22 DISTRITOS DE LAS 7 PROVINCIAS DE LA REGIÓN APURÍMAC” </a:t>
+                        <a:t>"MEJORAMIENTO Y AMPLIACIÓN DE LOS SERVICIOS DE LA DIRECCION REGIONAL DE LA PRODUCCION - DIRECCION DE INDUSTRIA, DE LA PROVINCIA DE ABANCAY DEL DEPARTAMENTO DE APURÍMAC"</a:t>
                       </a:r>
                       <a:endParaRPr lang="es-PE" sz="800" b="0" i="0" u="none" strike="noStrike">
                         <a:solidFill>
@@ -6676,7 +8236,7 @@
                       </a:endParaRPr>
                     </a:p>
                   </a:txBody>
-                  <a:tcPr marL="5238" marR="5238" marT="5238" marB="0" anchor="ctr"/>
+                  <a:tcPr marL="5079" marR="5079" marT="5079" marB="0" anchor="ctr"/>
                 </a:tc>
                 <a:tc>
                   <a:txBody>
@@ -6688,7 +8248,7 @@
                         <a:rPr lang="es-PE" sz="800" u="none" strike="noStrike">
                           <a:effectLst/>
                         </a:rPr>
-                        <a:t>S/.3,433,062.38</a:t>
+                        <a:t>S/.11,042,405.06</a:t>
                       </a:r>
                       <a:endParaRPr lang="es-PE" sz="800" b="0" i="0" u="none" strike="noStrike">
                         <a:solidFill>
@@ -6699,7 +8259,7 @@
                       </a:endParaRPr>
                     </a:p>
                   </a:txBody>
-                  <a:tcPr marL="5238" marR="5238" marT="5238" marB="0" anchor="ctr"/>
+                  <a:tcPr marL="5079" marR="5079" marT="5079" marB="0" anchor="ctr"/>
                 </a:tc>
                 <a:tc>
                   <a:txBody>
@@ -6722,7 +8282,7 @@
                       </a:endParaRPr>
                     </a:p>
                   </a:txBody>
-                  <a:tcPr marL="5238" marR="5238" marT="5238" marB="0" anchor="ctr"/>
+                  <a:tcPr marL="5079" marR="5079" marT="5079" marB="0" anchor="ctr"/>
                 </a:tc>
                 <a:tc>
                   <a:txBody>
@@ -6734,7 +8294,7 @@
                         <a:rPr lang="es-PE" sz="800" u="none" strike="noStrike">
                           <a:effectLst/>
                         </a:rPr>
-                        <a:t> 22 DISTRITOS DE LAS 7 PROVINCIAS DE LA REGIÓN APURÍMAC</a:t>
+                        <a:t>PROVINCIA DE ABANCAY</a:t>
                       </a:r>
                       <a:endParaRPr lang="es-PE" sz="800" b="0" i="0" u="none" strike="noStrike">
                         <a:solidFill>
@@ -6745,7 +8305,7 @@
                       </a:endParaRPr>
                     </a:p>
                   </a:txBody>
-                  <a:tcPr marL="5238" marR="5238" marT="5238" marB="0" anchor="ctr"/>
+                  <a:tcPr marL="5079" marR="5079" marT="5079" marB="0" anchor="ctr"/>
                 </a:tc>
                 <a:tc>
                   <a:txBody>
@@ -6768,393 +8328,34 @@
                       </a:endParaRPr>
                     </a:p>
                   </a:txBody>
-                  <a:tcPr marL="5238" marR="5238" marT="5238" marB="0" anchor="ctr"/>
+                  <a:tcPr marL="5079" marR="5079" marT="5079" marB="0" anchor="ctr"/>
+                </a:tc>
+                <a:tc>
+                  <a:txBody>
+                    <a:bodyPr/>
+                    <a:lstStyle/>
+                    <a:p>
+                      <a:pPr algn="just" fontAlgn="b"/>
+                      <a:r>
+                        <a:rPr lang="es-PE" sz="800" u="none" strike="noStrike" dirty="0">
+                          <a:effectLst/>
+                        </a:rPr>
+                        <a:t>La formulación del Proyecto de Inversión se concluyó al 100%, quedando pendiente la subsanación de algunas observaciones y la consolidación de documentos como el convenio entre el Gobierno Regional de Apurímac y la Dirección Regional de Educación Apurímac para la sesión de uso del terreno para la instalación de la planta de producción y procesamiento de la Espirulina en polvo.</a:t>
+                      </a:r>
+                      <a:endParaRPr lang="es-PE" sz="800" b="0" i="0" u="none" strike="noStrike" dirty="0">
+                        <a:solidFill>
+                          <a:srgbClr val="000000"/>
+                        </a:solidFill>
+                        <a:effectLst/>
+                        <a:latin typeface="Arial Narrow" panose="020B0606020202030204" pitchFamily="34" charset="0"/>
+                      </a:endParaRPr>
+                    </a:p>
+                  </a:txBody>
+                  <a:tcPr marL="5079" marR="5079" marT="5079" marB="0" anchor="b"/>
                 </a:tc>
                 <a:extLst>
                   <a:ext uri="{0D108BD9-81ED-4DB2-BD59-A6C34878D82A}">
-                    <a16:rowId xmlns:a16="http://schemas.microsoft.com/office/drawing/2014/main" val="126011062"/>
-                  </a:ext>
-                </a:extLst>
-              </a:tr>
-              <a:tr h="806678">
-                <a:tc>
-                  <a:txBody>
-                    <a:bodyPr/>
-                    <a:lstStyle/>
-                    <a:p>
-                      <a:pPr algn="ctr" fontAlgn="ctr"/>
-                      <a:r>
-                        <a:rPr lang="es-PE" sz="800" u="none" strike="noStrike">
-                          <a:effectLst/>
-                        </a:rPr>
-                        <a:t>8</a:t>
-                      </a:r>
-                      <a:endParaRPr lang="es-PE" sz="800" b="0" i="0" u="none" strike="noStrike">
-                        <a:solidFill>
-                          <a:srgbClr val="000000"/>
-                        </a:solidFill>
-                        <a:effectLst/>
-                        <a:latin typeface="Arial Narrow" panose="020B0606020202030204" pitchFamily="34" charset="0"/>
-                      </a:endParaRPr>
-                    </a:p>
-                  </a:txBody>
-                  <a:tcPr marL="5238" marR="5238" marT="5238" marB="0" anchor="ctr"/>
-                </a:tc>
-                <a:tc>
-                  <a:txBody>
-                    <a:bodyPr/>
-                    <a:lstStyle/>
-                    <a:p>
-                      <a:pPr algn="ctr" rtl="0" fontAlgn="ctr"/>
-                      <a:r>
-                        <a:rPr lang="es-PE" sz="800" u="none" strike="noStrike">
-                          <a:effectLst/>
-                        </a:rPr>
-                        <a:t>-</a:t>
-                      </a:r>
-                      <a:endParaRPr lang="es-PE" sz="800" b="0" i="0" u="none" strike="noStrike">
-                        <a:solidFill>
-                          <a:srgbClr val="000000"/>
-                        </a:solidFill>
-                        <a:effectLst/>
-                        <a:latin typeface="Arial Narrow" panose="020B0606020202030204" pitchFamily="34" charset="0"/>
-                      </a:endParaRPr>
-                    </a:p>
-                  </a:txBody>
-                  <a:tcPr marL="5238" marR="5238" marT="5238" marB="0" anchor="ctr"/>
-                </a:tc>
-                <a:tc>
-                  <a:txBody>
-                    <a:bodyPr/>
-                    <a:lstStyle/>
-                    <a:p>
-                      <a:pPr algn="ctr" rtl="0" fontAlgn="ctr"/>
-                      <a:r>
-                        <a:rPr lang="es-PE" sz="800" u="none" strike="noStrike">
-                          <a:effectLst/>
-                        </a:rPr>
-                        <a:t>49546</a:t>
-                      </a:r>
-                      <a:endParaRPr lang="es-PE" sz="800" b="0" i="0" u="none" strike="noStrike">
-                        <a:solidFill>
-                          <a:srgbClr val="000000"/>
-                        </a:solidFill>
-                        <a:effectLst/>
-                        <a:latin typeface="Arial Narrow" panose="020B0606020202030204" pitchFamily="34" charset="0"/>
-                      </a:endParaRPr>
-                    </a:p>
-                  </a:txBody>
-                  <a:tcPr marL="5238" marR="5238" marT="5238" marB="0" anchor="ctr"/>
-                </a:tc>
-                <a:tc>
-                  <a:txBody>
-                    <a:bodyPr/>
-                    <a:lstStyle/>
-                    <a:p>
-                      <a:pPr algn="just" fontAlgn="ctr"/>
-                      <a:r>
-                        <a:rPr lang="es-PE" sz="800" u="none" strike="noStrike">
-                          <a:effectLst/>
-                        </a:rPr>
-                        <a:t>"MEJORAMIENTO DE LOS SERVICIOS DE LA DIRECCION REGIONAL DE LA PRODUCCION - DIRECCION DE INDUSTRIA, DE LA PROVINCIA DE ABANCAY DEL DEPARTAMENTO DE APURÍMAC"</a:t>
-                      </a:r>
-                      <a:endParaRPr lang="es-PE" sz="800" b="0" i="0" u="none" strike="noStrike">
-                        <a:solidFill>
-                          <a:srgbClr val="000000"/>
-                        </a:solidFill>
-                        <a:effectLst/>
-                        <a:latin typeface="Arial Narrow" panose="020B0606020202030204" pitchFamily="34" charset="0"/>
-                      </a:endParaRPr>
-                    </a:p>
-                  </a:txBody>
-                  <a:tcPr marL="5238" marR="5238" marT="5238" marB="0" anchor="ctr"/>
-                </a:tc>
-                <a:tc>
-                  <a:txBody>
-                    <a:bodyPr/>
-                    <a:lstStyle/>
-                    <a:p>
-                      <a:pPr algn="l" rtl="0" fontAlgn="ctr"/>
-                      <a:r>
-                        <a:rPr lang="es-PE" sz="800" u="none" strike="noStrike">
-                          <a:effectLst/>
-                        </a:rPr>
-                        <a:t>S/.11,042,405.06</a:t>
-                      </a:r>
-                      <a:endParaRPr lang="es-PE" sz="800" b="0" i="0" u="none" strike="noStrike">
-                        <a:solidFill>
-                          <a:srgbClr val="000000"/>
-                        </a:solidFill>
-                        <a:effectLst/>
-                        <a:latin typeface="Arial Narrow" panose="020B0606020202030204" pitchFamily="34" charset="0"/>
-                      </a:endParaRPr>
-                    </a:p>
-                  </a:txBody>
-                  <a:tcPr marL="5238" marR="5238" marT="5238" marB="0" anchor="ctr"/>
-                </a:tc>
-                <a:tc>
-                  <a:txBody>
-                    <a:bodyPr/>
-                    <a:lstStyle/>
-                    <a:p>
-                      <a:pPr algn="ctr" rtl="0" fontAlgn="ctr"/>
-                      <a:r>
-                        <a:rPr lang="es-PE" sz="800" u="none" strike="noStrike">
-                          <a:effectLst/>
-                        </a:rPr>
-                        <a:t>FORMULACIÓN</a:t>
-                      </a:r>
-                      <a:endParaRPr lang="es-PE" sz="800" b="0" i="0" u="none" strike="noStrike">
-                        <a:solidFill>
-                          <a:srgbClr val="000000"/>
-                        </a:solidFill>
-                        <a:effectLst/>
-                        <a:latin typeface="Arial Narrow" panose="020B0606020202030204" pitchFamily="34" charset="0"/>
-                      </a:endParaRPr>
-                    </a:p>
-                  </a:txBody>
-                  <a:tcPr marL="5238" marR="5238" marT="5238" marB="0" anchor="ctr"/>
-                </a:tc>
-                <a:tc>
-                  <a:txBody>
-                    <a:bodyPr/>
-                    <a:lstStyle/>
-                    <a:p>
-                      <a:pPr algn="l" rtl="0" fontAlgn="ctr"/>
-                      <a:r>
-                        <a:rPr lang="es-PE" sz="800" u="none" strike="noStrike">
-                          <a:effectLst/>
-                        </a:rPr>
-                        <a:t>PROVINCIA DE ABANCAY</a:t>
-                      </a:r>
-                      <a:endParaRPr lang="es-PE" sz="800" b="0" i="0" u="none" strike="noStrike">
-                        <a:solidFill>
-                          <a:srgbClr val="000000"/>
-                        </a:solidFill>
-                        <a:effectLst/>
-                        <a:latin typeface="Arial Narrow" panose="020B0606020202030204" pitchFamily="34" charset="0"/>
-                      </a:endParaRPr>
-                    </a:p>
-                  </a:txBody>
-                  <a:tcPr marL="5238" marR="5238" marT="5238" marB="0" anchor="ctr"/>
-                </a:tc>
-                <a:tc>
-                  <a:txBody>
-                    <a:bodyPr/>
-                    <a:lstStyle/>
-                    <a:p>
-                      <a:pPr algn="ctr" rtl="0" fontAlgn="ctr"/>
-                      <a:r>
-                        <a:rPr lang="es-PE" sz="800" u="none" strike="noStrike">
-                          <a:effectLst/>
-                        </a:rPr>
-                        <a:t>2021</a:t>
-                      </a:r>
-                      <a:endParaRPr lang="es-PE" sz="800" b="0" i="0" u="none" strike="noStrike">
-                        <a:solidFill>
-                          <a:srgbClr val="000000"/>
-                        </a:solidFill>
-                        <a:effectLst/>
-                        <a:latin typeface="Arial Narrow" panose="020B0606020202030204" pitchFamily="34" charset="0"/>
-                      </a:endParaRPr>
-                    </a:p>
-                  </a:txBody>
-                  <a:tcPr marL="5238" marR="5238" marT="5238" marB="0" anchor="ctr"/>
-                </a:tc>
-                <a:extLst>
-                  <a:ext uri="{0D108BD9-81ED-4DB2-BD59-A6C34878D82A}">
-                    <a16:rowId xmlns:a16="http://schemas.microsoft.com/office/drawing/2014/main" val="522540618"/>
-                  </a:ext>
-                </a:extLst>
-              </a:tr>
-              <a:tr h="806678">
-                <a:tc>
-                  <a:txBody>
-                    <a:bodyPr/>
-                    <a:lstStyle/>
-                    <a:p>
-                      <a:pPr algn="ctr" fontAlgn="ctr"/>
-                      <a:r>
-                        <a:rPr lang="es-PE" sz="800" u="none" strike="noStrike">
-                          <a:effectLst/>
-                        </a:rPr>
-                        <a:t>9</a:t>
-                      </a:r>
-                      <a:endParaRPr lang="es-PE" sz="800" b="0" i="0" u="none" strike="noStrike">
-                        <a:solidFill>
-                          <a:srgbClr val="000000"/>
-                        </a:solidFill>
-                        <a:effectLst/>
-                        <a:latin typeface="Arial Narrow" panose="020B0606020202030204" pitchFamily="34" charset="0"/>
-                      </a:endParaRPr>
-                    </a:p>
-                  </a:txBody>
-                  <a:tcPr marL="5238" marR="5238" marT="5238" marB="0" anchor="ctr"/>
-                </a:tc>
-                <a:tc>
-                  <a:txBody>
-                    <a:bodyPr/>
-                    <a:lstStyle/>
-                    <a:p>
-                      <a:pPr algn="ctr" rtl="0" fontAlgn="ctr"/>
-                      <a:r>
-                        <a:rPr lang="es-PE" sz="800" u="none" strike="noStrike">
-                          <a:effectLst/>
-                        </a:rPr>
-                        <a:t>-</a:t>
-                      </a:r>
-                      <a:endParaRPr lang="es-PE" sz="800" b="0" i="0" u="none" strike="noStrike">
-                        <a:solidFill>
-                          <a:srgbClr val="000000"/>
-                        </a:solidFill>
-                        <a:effectLst/>
-                        <a:latin typeface="Arial Narrow" panose="020B0606020202030204" pitchFamily="34" charset="0"/>
-                      </a:endParaRPr>
-                    </a:p>
-                  </a:txBody>
-                  <a:tcPr marL="5238" marR="5238" marT="5238" marB="0" anchor="ctr"/>
-                </a:tc>
-                <a:tc>
-                  <a:txBody>
-                    <a:bodyPr/>
-                    <a:lstStyle/>
-                    <a:p>
-                      <a:pPr algn="ctr" rtl="0" fontAlgn="ctr"/>
-                      <a:r>
-                        <a:rPr lang="es-PE" sz="800" u="none" strike="noStrike">
-                          <a:effectLst/>
-                        </a:rPr>
-                        <a:t>75659</a:t>
-                      </a:r>
-                      <a:endParaRPr lang="es-PE" sz="800" b="0" i="0" u="none" strike="noStrike">
-                        <a:solidFill>
-                          <a:srgbClr val="000000"/>
-                        </a:solidFill>
-                        <a:effectLst/>
-                        <a:latin typeface="Arial Narrow" panose="020B0606020202030204" pitchFamily="34" charset="0"/>
-                      </a:endParaRPr>
-                    </a:p>
-                  </a:txBody>
-                  <a:tcPr marL="5238" marR="5238" marT="5238" marB="0" anchor="ctr"/>
-                </a:tc>
-                <a:tc>
-                  <a:txBody>
-                    <a:bodyPr/>
-                    <a:lstStyle/>
-                    <a:p>
-                      <a:pPr algn="just" fontAlgn="ctr"/>
-                      <a:r>
-                        <a:rPr lang="es-PE" sz="800" u="none" strike="noStrike">
-                          <a:effectLst/>
-                        </a:rPr>
-                        <a:t>“MEJORAMIENTO DE LOS SERVICIOS TURÍSTICOS EN EL CONJUNTO ARQUEOLÓGICO DE SAYWITE, DISTRITO DE CURAHUASI, PROVINCIA DE ABANCAY, REGIÓN APURÍMAC” </a:t>
-                      </a:r>
-                      <a:endParaRPr lang="es-PE" sz="800" b="0" i="0" u="none" strike="noStrike">
-                        <a:solidFill>
-                          <a:srgbClr val="000000"/>
-                        </a:solidFill>
-                        <a:effectLst/>
-                        <a:latin typeface="Arial Narrow" panose="020B0606020202030204" pitchFamily="34" charset="0"/>
-                      </a:endParaRPr>
-                    </a:p>
-                  </a:txBody>
-                  <a:tcPr marL="5238" marR="5238" marT="5238" marB="0" anchor="ctr"/>
-                </a:tc>
-                <a:tc>
-                  <a:txBody>
-                    <a:bodyPr/>
-                    <a:lstStyle/>
-                    <a:p>
-                      <a:pPr algn="l" rtl="0" fontAlgn="ctr"/>
-                      <a:r>
-                        <a:rPr lang="es-PE" sz="800" u="none" strike="noStrike">
-                          <a:effectLst/>
-                        </a:rPr>
-                        <a:t>S/.2,800,000.00</a:t>
-                      </a:r>
-                      <a:endParaRPr lang="es-PE" sz="800" b="0" i="0" u="none" strike="noStrike">
-                        <a:solidFill>
-                          <a:srgbClr val="000000"/>
-                        </a:solidFill>
-                        <a:effectLst/>
-                        <a:latin typeface="Arial Narrow" panose="020B0606020202030204" pitchFamily="34" charset="0"/>
-                      </a:endParaRPr>
-                    </a:p>
-                  </a:txBody>
-                  <a:tcPr marL="5238" marR="5238" marT="5238" marB="0" anchor="ctr"/>
-                </a:tc>
-                <a:tc>
-                  <a:txBody>
-                    <a:bodyPr/>
-                    <a:lstStyle/>
-                    <a:p>
-                      <a:pPr algn="ctr" rtl="0" fontAlgn="ctr"/>
-                      <a:r>
-                        <a:rPr lang="es-PE" sz="800" u="none" strike="noStrike">
-                          <a:effectLst/>
-                        </a:rPr>
-                        <a:t>FORMULACIÓN</a:t>
-                      </a:r>
-                      <a:endParaRPr lang="es-PE" sz="800" b="0" i="0" u="none" strike="noStrike">
-                        <a:solidFill>
-                          <a:srgbClr val="000000"/>
-                        </a:solidFill>
-                        <a:effectLst/>
-                        <a:latin typeface="Arial Narrow" panose="020B0606020202030204" pitchFamily="34" charset="0"/>
-                      </a:endParaRPr>
-                    </a:p>
-                  </a:txBody>
-                  <a:tcPr marL="5238" marR="5238" marT="5238" marB="0" anchor="ctr"/>
-                </a:tc>
-                <a:tc>
-                  <a:txBody>
-                    <a:bodyPr/>
-                    <a:lstStyle/>
-                    <a:p>
-                      <a:pPr algn="l" rtl="0" fontAlgn="ctr"/>
-                      <a:r>
-                        <a:rPr lang="es-PE" sz="800" u="none" strike="noStrike">
-                          <a:effectLst/>
-                        </a:rPr>
-                        <a:t>DISTRITO DE CURAHUASI DE LA PROVINCIA DE ABANCAY</a:t>
-                      </a:r>
-                      <a:endParaRPr lang="es-PE" sz="800" b="0" i="0" u="none" strike="noStrike">
-                        <a:solidFill>
-                          <a:srgbClr val="000000"/>
-                        </a:solidFill>
-                        <a:effectLst/>
-                        <a:latin typeface="Arial Narrow" panose="020B0606020202030204" pitchFamily="34" charset="0"/>
-                      </a:endParaRPr>
-                    </a:p>
-                  </a:txBody>
-                  <a:tcPr marL="5238" marR="5238" marT="5238" marB="0" anchor="ctr"/>
-                </a:tc>
-                <a:tc>
-                  <a:txBody>
-                    <a:bodyPr/>
-                    <a:lstStyle/>
-                    <a:p>
-                      <a:pPr algn="ctr" rtl="0" fontAlgn="ctr"/>
-                      <a:r>
-                        <a:rPr lang="es-PE" sz="800" u="none" strike="noStrike" dirty="0">
-                          <a:effectLst/>
-                        </a:rPr>
-                        <a:t>2021</a:t>
-                      </a:r>
-                      <a:endParaRPr lang="es-PE" sz="800" b="0" i="0" u="none" strike="noStrike" dirty="0">
-                        <a:solidFill>
-                          <a:srgbClr val="000000"/>
-                        </a:solidFill>
-                        <a:effectLst/>
-                        <a:latin typeface="Arial Narrow" panose="020B0606020202030204" pitchFamily="34" charset="0"/>
-                      </a:endParaRPr>
-                    </a:p>
-                  </a:txBody>
-                  <a:tcPr marL="5238" marR="5238" marT="5238" marB="0" anchor="ctr"/>
-                </a:tc>
-                <a:extLst>
-                  <a:ext uri="{0D108BD9-81ED-4DB2-BD59-A6C34878D82A}">
-                    <a16:rowId xmlns:a16="http://schemas.microsoft.com/office/drawing/2014/main" val="1654941949"/>
+                    <a16:rowId xmlns:a16="http://schemas.microsoft.com/office/drawing/2014/main" val="3701200701"/>
                   </a:ext>
                 </a:extLst>
               </a:tr>
@@ -7175,7 +8376,1185 @@
 </p:sld>
 </file>
 
-<file path=ppt/slides/slide4.xml><?xml version="1.0" encoding="utf-8"?>
+<file path=ppt/slides/slide5.xml><?xml version="1.0" encoding="utf-8"?>
+<p:sld xmlns:a="http://schemas.openxmlformats.org/drawingml/2006/main" xmlns:r="http://schemas.openxmlformats.org/officeDocument/2006/relationships" xmlns:p="http://schemas.openxmlformats.org/presentationml/2006/main">
+  <p:cSld>
+    <p:spTree>
+      <p:nvGrpSpPr>
+        <p:cNvPr id="1" name=""/>
+        <p:cNvGrpSpPr/>
+        <p:nvPr/>
+      </p:nvGrpSpPr>
+      <p:grpSpPr>
+        <a:xfrm>
+          <a:off x="0" y="0"/>
+          <a:ext cx="0" cy="0"/>
+          <a:chOff x="0" y="0"/>
+          <a:chExt cx="0" cy="0"/>
+        </a:xfrm>
+      </p:grpSpPr>
+      <p:sp>
+        <p:nvSpPr>
+          <p:cNvPr id="4" name="Google Shape;95;p13">
+            <a:extLst>
+              <a:ext uri="{FF2B5EF4-FFF2-40B4-BE49-F238E27FC236}">
+                <a16:creationId xmlns:a16="http://schemas.microsoft.com/office/drawing/2014/main" id="{DC31C518-627B-49DA-978B-33ADE33B497B}"/>
+              </a:ext>
+            </a:extLst>
+          </p:cNvPr>
+          <p:cNvSpPr txBox="1">
+            <a:spLocks/>
+          </p:cNvSpPr>
+          <p:nvPr/>
+        </p:nvSpPr>
+        <p:spPr>
+          <a:xfrm>
+            <a:off x="507847" y="347895"/>
+            <a:ext cx="7922056" cy="451505"/>
+          </a:xfrm>
+          <a:prstGeom prst="rect">
+            <a:avLst/>
+          </a:prstGeom>
+          <a:noFill/>
+          <a:ln>
+            <a:noFill/>
+          </a:ln>
+        </p:spPr>
+        <p:txBody>
+          <a:bodyPr spcFirstLastPara="1" wrap="square" lIns="0" tIns="0" rIns="0" bIns="0" anchor="b" anchorCtr="0">
+            <a:noAutofit/>
+          </a:bodyPr>
+          <a:lstStyle>
+            <a:defPPr marR="0" lvl="0" algn="l" rtl="0">
+              <a:lnSpc>
+                <a:spcPct val="100000"/>
+              </a:lnSpc>
+              <a:spcBef>
+                <a:spcPts val="0"/>
+              </a:spcBef>
+              <a:spcAft>
+                <a:spcPts val="0"/>
+              </a:spcAft>
+            </a:defPPr>
+            <a:lvl1pPr marR="0" lvl="0" algn="l" rtl="0">
+              <a:lnSpc>
+                <a:spcPct val="100000"/>
+              </a:lnSpc>
+              <a:spcBef>
+                <a:spcPts val="0"/>
+              </a:spcBef>
+              <a:spcAft>
+                <a:spcPts val="0"/>
+              </a:spcAft>
+              <a:buClr>
+                <a:schemeClr val="dk1"/>
+              </a:buClr>
+              <a:buSzPts val="5400"/>
+              <a:buFont typeface="Lato Black"/>
+              <a:buNone/>
+              <a:defRPr sz="5400" b="0" i="0" u="none" strike="noStrike" cap="none">
+                <a:solidFill>
+                  <a:schemeClr val="dk1"/>
+                </a:solidFill>
+                <a:latin typeface="Lato Black"/>
+                <a:ea typeface="Lato Black"/>
+                <a:cs typeface="Lato Black"/>
+                <a:sym typeface="Lato Black"/>
+              </a:defRPr>
+            </a:lvl1pPr>
+            <a:lvl2pPr marR="0" lvl="1" algn="l" rtl="0">
+              <a:lnSpc>
+                <a:spcPct val="100000"/>
+              </a:lnSpc>
+              <a:spcBef>
+                <a:spcPts val="0"/>
+              </a:spcBef>
+              <a:spcAft>
+                <a:spcPts val="0"/>
+              </a:spcAft>
+              <a:buClr>
+                <a:schemeClr val="dk1"/>
+              </a:buClr>
+              <a:buSzPts val="5400"/>
+              <a:buFont typeface="Lato Black"/>
+              <a:buNone/>
+              <a:defRPr sz="5400" b="0" i="0" u="none" strike="noStrike" cap="none">
+                <a:solidFill>
+                  <a:schemeClr val="dk1"/>
+                </a:solidFill>
+                <a:latin typeface="Lato Black"/>
+                <a:ea typeface="Lato Black"/>
+                <a:cs typeface="Lato Black"/>
+                <a:sym typeface="Lato Black"/>
+              </a:defRPr>
+            </a:lvl2pPr>
+            <a:lvl3pPr marR="0" lvl="2" algn="l" rtl="0">
+              <a:lnSpc>
+                <a:spcPct val="100000"/>
+              </a:lnSpc>
+              <a:spcBef>
+                <a:spcPts val="0"/>
+              </a:spcBef>
+              <a:spcAft>
+                <a:spcPts val="0"/>
+              </a:spcAft>
+              <a:buClr>
+                <a:schemeClr val="dk1"/>
+              </a:buClr>
+              <a:buSzPts val="5400"/>
+              <a:buFont typeface="Lato Black"/>
+              <a:buNone/>
+              <a:defRPr sz="5400" b="0" i="0" u="none" strike="noStrike" cap="none">
+                <a:solidFill>
+                  <a:schemeClr val="dk1"/>
+                </a:solidFill>
+                <a:latin typeface="Lato Black"/>
+                <a:ea typeface="Lato Black"/>
+                <a:cs typeface="Lato Black"/>
+                <a:sym typeface="Lato Black"/>
+              </a:defRPr>
+            </a:lvl3pPr>
+            <a:lvl4pPr marR="0" lvl="3" algn="l" rtl="0">
+              <a:lnSpc>
+                <a:spcPct val="100000"/>
+              </a:lnSpc>
+              <a:spcBef>
+                <a:spcPts val="0"/>
+              </a:spcBef>
+              <a:spcAft>
+                <a:spcPts val="0"/>
+              </a:spcAft>
+              <a:buClr>
+                <a:schemeClr val="dk1"/>
+              </a:buClr>
+              <a:buSzPts val="5400"/>
+              <a:buFont typeface="Lato Black"/>
+              <a:buNone/>
+              <a:defRPr sz="5400" b="0" i="0" u="none" strike="noStrike" cap="none">
+                <a:solidFill>
+                  <a:schemeClr val="dk1"/>
+                </a:solidFill>
+                <a:latin typeface="Lato Black"/>
+                <a:ea typeface="Lato Black"/>
+                <a:cs typeface="Lato Black"/>
+                <a:sym typeface="Lato Black"/>
+              </a:defRPr>
+            </a:lvl4pPr>
+            <a:lvl5pPr marR="0" lvl="4" algn="l" rtl="0">
+              <a:lnSpc>
+                <a:spcPct val="100000"/>
+              </a:lnSpc>
+              <a:spcBef>
+                <a:spcPts val="0"/>
+              </a:spcBef>
+              <a:spcAft>
+                <a:spcPts val="0"/>
+              </a:spcAft>
+              <a:buClr>
+                <a:schemeClr val="dk1"/>
+              </a:buClr>
+              <a:buSzPts val="5400"/>
+              <a:buFont typeface="Lato Black"/>
+              <a:buNone/>
+              <a:defRPr sz="5400" b="0" i="0" u="none" strike="noStrike" cap="none">
+                <a:solidFill>
+                  <a:schemeClr val="dk1"/>
+                </a:solidFill>
+                <a:latin typeface="Lato Black"/>
+                <a:ea typeface="Lato Black"/>
+                <a:cs typeface="Lato Black"/>
+                <a:sym typeface="Lato Black"/>
+              </a:defRPr>
+            </a:lvl5pPr>
+            <a:lvl6pPr marR="0" lvl="5" algn="l" rtl="0">
+              <a:lnSpc>
+                <a:spcPct val="100000"/>
+              </a:lnSpc>
+              <a:spcBef>
+                <a:spcPts val="0"/>
+              </a:spcBef>
+              <a:spcAft>
+                <a:spcPts val="0"/>
+              </a:spcAft>
+              <a:buClr>
+                <a:schemeClr val="dk1"/>
+              </a:buClr>
+              <a:buSzPts val="5400"/>
+              <a:buFont typeface="Lato Black"/>
+              <a:buNone/>
+              <a:defRPr sz="5400" b="0" i="0" u="none" strike="noStrike" cap="none">
+                <a:solidFill>
+                  <a:schemeClr val="dk1"/>
+                </a:solidFill>
+                <a:latin typeface="Lato Black"/>
+                <a:ea typeface="Lato Black"/>
+                <a:cs typeface="Lato Black"/>
+                <a:sym typeface="Lato Black"/>
+              </a:defRPr>
+            </a:lvl6pPr>
+            <a:lvl7pPr marR="0" lvl="6" algn="l" rtl="0">
+              <a:lnSpc>
+                <a:spcPct val="100000"/>
+              </a:lnSpc>
+              <a:spcBef>
+                <a:spcPts val="0"/>
+              </a:spcBef>
+              <a:spcAft>
+                <a:spcPts val="0"/>
+              </a:spcAft>
+              <a:buClr>
+                <a:schemeClr val="dk1"/>
+              </a:buClr>
+              <a:buSzPts val="5400"/>
+              <a:buFont typeface="Lato Black"/>
+              <a:buNone/>
+              <a:defRPr sz="5400" b="0" i="0" u="none" strike="noStrike" cap="none">
+                <a:solidFill>
+                  <a:schemeClr val="dk1"/>
+                </a:solidFill>
+                <a:latin typeface="Lato Black"/>
+                <a:ea typeface="Lato Black"/>
+                <a:cs typeface="Lato Black"/>
+                <a:sym typeface="Lato Black"/>
+              </a:defRPr>
+            </a:lvl7pPr>
+            <a:lvl8pPr marR="0" lvl="7" algn="l" rtl="0">
+              <a:lnSpc>
+                <a:spcPct val="100000"/>
+              </a:lnSpc>
+              <a:spcBef>
+                <a:spcPts val="0"/>
+              </a:spcBef>
+              <a:spcAft>
+                <a:spcPts val="0"/>
+              </a:spcAft>
+              <a:buClr>
+                <a:schemeClr val="dk1"/>
+              </a:buClr>
+              <a:buSzPts val="5400"/>
+              <a:buFont typeface="Lato Black"/>
+              <a:buNone/>
+              <a:defRPr sz="5400" b="0" i="0" u="none" strike="noStrike" cap="none">
+                <a:solidFill>
+                  <a:schemeClr val="dk1"/>
+                </a:solidFill>
+                <a:latin typeface="Lato Black"/>
+                <a:ea typeface="Lato Black"/>
+                <a:cs typeface="Lato Black"/>
+                <a:sym typeface="Lato Black"/>
+              </a:defRPr>
+            </a:lvl8pPr>
+            <a:lvl9pPr marR="0" lvl="8" algn="l" rtl="0">
+              <a:lnSpc>
+                <a:spcPct val="100000"/>
+              </a:lnSpc>
+              <a:spcBef>
+                <a:spcPts val="0"/>
+              </a:spcBef>
+              <a:spcAft>
+                <a:spcPts val="0"/>
+              </a:spcAft>
+              <a:buClr>
+                <a:schemeClr val="dk1"/>
+              </a:buClr>
+              <a:buSzPts val="5400"/>
+              <a:buFont typeface="Lato Black"/>
+              <a:buNone/>
+              <a:defRPr sz="5400" b="0" i="0" u="none" strike="noStrike" cap="none">
+                <a:solidFill>
+                  <a:schemeClr val="dk1"/>
+                </a:solidFill>
+                <a:latin typeface="Lato Black"/>
+                <a:ea typeface="Lato Black"/>
+                <a:cs typeface="Lato Black"/>
+                <a:sym typeface="Lato Black"/>
+              </a:defRPr>
+            </a:lvl9pPr>
+          </a:lstStyle>
+          <a:p>
+            <a:pPr algn="ctr"/>
+            <a:r>
+              <a:rPr lang="es-MX" sz="2800" dirty="0">
+                <a:effectLst>
+                  <a:outerShdw blurRad="38100" dist="38100" dir="2700000" algn="tl">
+                    <a:srgbClr val="000000">
+                      <a:alpha val="43137"/>
+                    </a:srgbClr>
+                  </a:outerShdw>
+                </a:effectLst>
+              </a:rPr>
+              <a:t>Proyectos de Inversión Formulados – 2019 - 2020</a:t>
+            </a:r>
+          </a:p>
+        </p:txBody>
+      </p:sp>
+      <p:graphicFrame>
+        <p:nvGraphicFramePr>
+          <p:cNvPr id="5" name="Tabla 4">
+            <a:extLst>
+              <a:ext uri="{FF2B5EF4-FFF2-40B4-BE49-F238E27FC236}">
+                <a16:creationId xmlns:a16="http://schemas.microsoft.com/office/drawing/2014/main" id="{917DFF7C-446E-4D80-8173-5F14D4D154CB}"/>
+              </a:ext>
+            </a:extLst>
+          </p:cNvPr>
+          <p:cNvGraphicFramePr>
+            <a:graphicFrameLocks noGrp="1"/>
+          </p:cNvGraphicFramePr>
+          <p:nvPr>
+            <p:extLst>
+              <p:ext uri="{D42A27DB-BD31-4B8C-83A1-F6EECF244321}">
+                <p14:modId xmlns:p14="http://schemas.microsoft.com/office/powerpoint/2010/main" val="4248683913"/>
+              </p:ext>
+            </p:extLst>
+          </p:nvPr>
+        </p:nvGraphicFramePr>
+        <p:xfrm>
+          <a:off x="507847" y="911109"/>
+          <a:ext cx="7922058" cy="3672837"/>
+        </p:xfrm>
+        <a:graphic>
+          <a:graphicData uri="http://schemas.openxmlformats.org/drawingml/2006/table">
+            <a:tbl>
+              <a:tblPr>
+                <a:tableStyleId>{B296C3B7-51D5-40FC-B7EA-EAF5845D4BE8}</a:tableStyleId>
+              </a:tblPr>
+              <a:tblGrid>
+                <a:gridCol w="533024">
+                  <a:extLst>
+                    <a:ext uri="{9D8B030D-6E8A-4147-A177-3AD203B41FA5}">
+                      <a16:colId xmlns:a16="http://schemas.microsoft.com/office/drawing/2014/main" val="3935348018"/>
+                    </a:ext>
+                  </a:extLst>
+                </a:gridCol>
+                <a:gridCol w="686267">
+                  <a:extLst>
+                    <a:ext uri="{9D8B030D-6E8A-4147-A177-3AD203B41FA5}">
+                      <a16:colId xmlns:a16="http://schemas.microsoft.com/office/drawing/2014/main" val="594195062"/>
+                    </a:ext>
+                  </a:extLst>
+                </a:gridCol>
+                <a:gridCol w="533024">
+                  <a:extLst>
+                    <a:ext uri="{9D8B030D-6E8A-4147-A177-3AD203B41FA5}">
+                      <a16:colId xmlns:a16="http://schemas.microsoft.com/office/drawing/2014/main" val="666123856"/>
+                    </a:ext>
+                  </a:extLst>
+                </a:gridCol>
+                <a:gridCol w="712918">
+                  <a:extLst>
+                    <a:ext uri="{9D8B030D-6E8A-4147-A177-3AD203B41FA5}">
+                      <a16:colId xmlns:a16="http://schemas.microsoft.com/office/drawing/2014/main" val="2645908959"/>
+                    </a:ext>
+                  </a:extLst>
+                </a:gridCol>
+                <a:gridCol w="1616837">
+                  <a:extLst>
+                    <a:ext uri="{9D8B030D-6E8A-4147-A177-3AD203B41FA5}">
+                      <a16:colId xmlns:a16="http://schemas.microsoft.com/office/drawing/2014/main" val="2585390242"/>
+                    </a:ext>
+                  </a:extLst>
+                </a:gridCol>
+                <a:gridCol w="595209">
+                  <a:extLst>
+                    <a:ext uri="{9D8B030D-6E8A-4147-A177-3AD203B41FA5}">
+                      <a16:colId xmlns:a16="http://schemas.microsoft.com/office/drawing/2014/main" val="2208528637"/>
+                    </a:ext>
+                  </a:extLst>
+                </a:gridCol>
+                <a:gridCol w="686267">
+                  <a:extLst>
+                    <a:ext uri="{9D8B030D-6E8A-4147-A177-3AD203B41FA5}">
+                      <a16:colId xmlns:a16="http://schemas.microsoft.com/office/drawing/2014/main" val="3816031137"/>
+                    </a:ext>
+                  </a:extLst>
+                </a:gridCol>
+                <a:gridCol w="843953">
+                  <a:extLst>
+                    <a:ext uri="{9D8B030D-6E8A-4147-A177-3AD203B41FA5}">
+                      <a16:colId xmlns:a16="http://schemas.microsoft.com/office/drawing/2014/main" val="2702131160"/>
+                    </a:ext>
+                  </a:extLst>
+                </a:gridCol>
+                <a:gridCol w="737349">
+                  <a:extLst>
+                    <a:ext uri="{9D8B030D-6E8A-4147-A177-3AD203B41FA5}">
+                      <a16:colId xmlns:a16="http://schemas.microsoft.com/office/drawing/2014/main" val="1302838389"/>
+                    </a:ext>
+                  </a:extLst>
+                </a:gridCol>
+                <a:gridCol w="977210">
+                  <a:extLst>
+                    <a:ext uri="{9D8B030D-6E8A-4147-A177-3AD203B41FA5}">
+                      <a16:colId xmlns:a16="http://schemas.microsoft.com/office/drawing/2014/main" val="2022521297"/>
+                    </a:ext>
+                  </a:extLst>
+                </a:gridCol>
+              </a:tblGrid>
+              <a:tr h="213326">
+                <a:tc>
+                  <a:txBody>
+                    <a:bodyPr/>
+                    <a:lstStyle/>
+                    <a:p>
+                      <a:pPr algn="ctr" rtl="0" fontAlgn="ctr"/>
+                      <a:r>
+                        <a:rPr lang="es-PE" sz="800" b="1" u="none" strike="noStrike" dirty="0" err="1">
+                          <a:effectLst/>
+                        </a:rPr>
+                        <a:t>N°</a:t>
+                      </a:r>
+                      <a:endParaRPr lang="es-PE" sz="800" b="1" i="0" u="none" strike="noStrike" dirty="0">
+                        <a:solidFill>
+                          <a:srgbClr val="000000"/>
+                        </a:solidFill>
+                        <a:effectLst/>
+                        <a:latin typeface="Arial Narrow" panose="020B0606020202030204" pitchFamily="34" charset="0"/>
+                      </a:endParaRPr>
+                    </a:p>
+                  </a:txBody>
+                  <a:tcPr marL="5079" marR="5079" marT="5079" marB="0" anchor="ctr"/>
+                </a:tc>
+                <a:tc>
+                  <a:txBody>
+                    <a:bodyPr/>
+                    <a:lstStyle/>
+                    <a:p>
+                      <a:pPr algn="ctr" rtl="0" fontAlgn="ctr"/>
+                      <a:r>
+                        <a:rPr lang="es-PE" sz="800" b="1" u="none" strike="noStrike" dirty="0">
+                          <a:effectLst/>
+                        </a:rPr>
+                        <a:t>CUI</a:t>
+                      </a:r>
+                      <a:endParaRPr lang="es-PE" sz="800" b="1" i="0" u="none" strike="noStrike" dirty="0">
+                        <a:solidFill>
+                          <a:srgbClr val="000000"/>
+                        </a:solidFill>
+                        <a:effectLst/>
+                        <a:latin typeface="Arial Narrow" panose="020B0606020202030204" pitchFamily="34" charset="0"/>
+                      </a:endParaRPr>
+                    </a:p>
+                  </a:txBody>
+                  <a:tcPr marL="5079" marR="5079" marT="5079" marB="0" anchor="ctr"/>
+                </a:tc>
+                <a:tc>
+                  <a:txBody>
+                    <a:bodyPr/>
+                    <a:lstStyle/>
+                    <a:p>
+                      <a:pPr algn="ctr" rtl="0" fontAlgn="ctr"/>
+                      <a:r>
+                        <a:rPr lang="es-PE" sz="800" b="1" u="none" strike="noStrike" dirty="0">
+                          <a:effectLst/>
+                        </a:rPr>
+                        <a:t>CÓDIGO DE IDEA</a:t>
+                      </a:r>
+                      <a:endParaRPr lang="es-PE" sz="800" b="1" i="0" u="none" strike="noStrike" dirty="0">
+                        <a:solidFill>
+                          <a:srgbClr val="000000"/>
+                        </a:solidFill>
+                        <a:effectLst/>
+                        <a:latin typeface="Arial Narrow" panose="020B0606020202030204" pitchFamily="34" charset="0"/>
+                      </a:endParaRPr>
+                    </a:p>
+                  </a:txBody>
+                  <a:tcPr marL="5079" marR="5079" marT="5079" marB="0" anchor="ctr"/>
+                </a:tc>
+                <a:tc>
+                  <a:txBody>
+                    <a:bodyPr/>
+                    <a:lstStyle/>
+                    <a:p>
+                      <a:pPr algn="ctr" rtl="0" fontAlgn="ctr"/>
+                      <a:r>
+                        <a:rPr lang="es-PE" sz="800" b="1" u="none" strike="noStrike" dirty="0">
+                          <a:effectLst/>
+                        </a:rPr>
+                        <a:t>FUNCIÓN</a:t>
+                      </a:r>
+                      <a:endParaRPr lang="es-PE" sz="800" b="1" i="0" u="none" strike="noStrike" dirty="0">
+                        <a:solidFill>
+                          <a:srgbClr val="000000"/>
+                        </a:solidFill>
+                        <a:effectLst/>
+                        <a:latin typeface="Arial Narrow" panose="020B0606020202030204" pitchFamily="34" charset="0"/>
+                      </a:endParaRPr>
+                    </a:p>
+                  </a:txBody>
+                  <a:tcPr marL="5079" marR="5079" marT="5079" marB="0" anchor="ctr"/>
+                </a:tc>
+                <a:tc>
+                  <a:txBody>
+                    <a:bodyPr/>
+                    <a:lstStyle/>
+                    <a:p>
+                      <a:pPr algn="ctr" rtl="0" fontAlgn="ctr"/>
+                      <a:r>
+                        <a:rPr lang="es-PE" sz="800" b="1" u="none" strike="noStrike" dirty="0">
+                          <a:effectLst/>
+                        </a:rPr>
+                        <a:t>NOMBRE DEL PROYECTO DE INVERSIÓN</a:t>
+                      </a:r>
+                      <a:endParaRPr lang="es-PE" sz="800" b="1" i="0" u="none" strike="noStrike" dirty="0">
+                        <a:solidFill>
+                          <a:srgbClr val="000000"/>
+                        </a:solidFill>
+                        <a:effectLst/>
+                        <a:latin typeface="Arial Narrow" panose="020B0606020202030204" pitchFamily="34" charset="0"/>
+                      </a:endParaRPr>
+                    </a:p>
+                  </a:txBody>
+                  <a:tcPr marL="5079" marR="5079" marT="5079" marB="0" anchor="ctr"/>
+                </a:tc>
+                <a:tc>
+                  <a:txBody>
+                    <a:bodyPr/>
+                    <a:lstStyle/>
+                    <a:p>
+                      <a:pPr algn="ctr" rtl="0" fontAlgn="ctr"/>
+                      <a:r>
+                        <a:rPr lang="es-PE" sz="800" b="1" u="none" strike="noStrike" dirty="0">
+                          <a:effectLst/>
+                        </a:rPr>
+                        <a:t>MONTO DE INVERSIÓN</a:t>
+                      </a:r>
+                      <a:endParaRPr lang="es-PE" sz="800" b="1" i="0" u="none" strike="noStrike" dirty="0">
+                        <a:solidFill>
+                          <a:srgbClr val="000000"/>
+                        </a:solidFill>
+                        <a:effectLst/>
+                        <a:latin typeface="Arial Narrow" panose="020B0606020202030204" pitchFamily="34" charset="0"/>
+                      </a:endParaRPr>
+                    </a:p>
+                  </a:txBody>
+                  <a:tcPr marL="5079" marR="5079" marT="5079" marB="0" anchor="ctr"/>
+                </a:tc>
+                <a:tc>
+                  <a:txBody>
+                    <a:bodyPr/>
+                    <a:lstStyle/>
+                    <a:p>
+                      <a:pPr algn="ctr" rtl="0" fontAlgn="ctr"/>
+                      <a:r>
+                        <a:rPr lang="es-PE" sz="800" b="1" u="none" strike="noStrike" dirty="0">
+                          <a:effectLst/>
+                        </a:rPr>
+                        <a:t>ESTADO SITUACIONAL</a:t>
+                      </a:r>
+                      <a:endParaRPr lang="es-PE" sz="800" b="1" i="0" u="none" strike="noStrike" dirty="0">
+                        <a:solidFill>
+                          <a:srgbClr val="000000"/>
+                        </a:solidFill>
+                        <a:effectLst/>
+                        <a:latin typeface="Arial Narrow" panose="020B0606020202030204" pitchFamily="34" charset="0"/>
+                      </a:endParaRPr>
+                    </a:p>
+                  </a:txBody>
+                  <a:tcPr marL="5079" marR="5079" marT="5079" marB="0" anchor="ctr"/>
+                </a:tc>
+                <a:tc>
+                  <a:txBody>
+                    <a:bodyPr/>
+                    <a:lstStyle/>
+                    <a:p>
+                      <a:pPr algn="ctr" rtl="0" fontAlgn="ctr"/>
+                      <a:r>
+                        <a:rPr lang="es-PE" sz="800" b="1" u="none" strike="noStrike" dirty="0">
+                          <a:effectLst/>
+                        </a:rPr>
+                        <a:t>ALCANCE</a:t>
+                      </a:r>
+                      <a:endParaRPr lang="es-PE" sz="800" b="1" i="0" u="none" strike="noStrike" dirty="0">
+                        <a:solidFill>
+                          <a:srgbClr val="000000"/>
+                        </a:solidFill>
+                        <a:effectLst/>
+                        <a:latin typeface="Arial Narrow" panose="020B0606020202030204" pitchFamily="34" charset="0"/>
+                      </a:endParaRPr>
+                    </a:p>
+                  </a:txBody>
+                  <a:tcPr marL="5079" marR="5079" marT="5079" marB="0" anchor="ctr"/>
+                </a:tc>
+                <a:tc>
+                  <a:txBody>
+                    <a:bodyPr/>
+                    <a:lstStyle/>
+                    <a:p>
+                      <a:pPr algn="ctr" rtl="0" fontAlgn="ctr"/>
+                      <a:r>
+                        <a:rPr lang="es-PE" sz="800" b="1" u="none" strike="noStrike" dirty="0">
+                          <a:effectLst/>
+                        </a:rPr>
+                        <a:t>EJECUCIÓN FÍSICA PROYECTADA</a:t>
+                      </a:r>
+                      <a:endParaRPr lang="es-PE" sz="800" b="1" i="0" u="none" strike="noStrike" dirty="0">
+                        <a:solidFill>
+                          <a:srgbClr val="000000"/>
+                        </a:solidFill>
+                        <a:effectLst/>
+                        <a:latin typeface="Arial Narrow" panose="020B0606020202030204" pitchFamily="34" charset="0"/>
+                      </a:endParaRPr>
+                    </a:p>
+                  </a:txBody>
+                  <a:tcPr marL="5079" marR="5079" marT="5079" marB="0" anchor="ctr"/>
+                </a:tc>
+                <a:tc>
+                  <a:txBody>
+                    <a:bodyPr/>
+                    <a:lstStyle/>
+                    <a:p>
+                      <a:pPr algn="ctr" rtl="0" fontAlgn="ctr"/>
+                      <a:r>
+                        <a:rPr lang="es-PE" sz="800" b="1" u="none" strike="noStrike" dirty="0">
+                          <a:effectLst/>
+                        </a:rPr>
+                        <a:t>OBSERVACIONES</a:t>
+                      </a:r>
+                      <a:endParaRPr lang="es-PE" sz="800" b="1" i="0" u="none" strike="noStrike" dirty="0">
+                        <a:solidFill>
+                          <a:srgbClr val="000000"/>
+                        </a:solidFill>
+                        <a:effectLst/>
+                        <a:latin typeface="Arial Narrow" panose="020B0606020202030204" pitchFamily="34" charset="0"/>
+                      </a:endParaRPr>
+                    </a:p>
+                  </a:txBody>
+                  <a:tcPr marL="5079" marR="5079" marT="5079" marB="0" anchor="ctr"/>
+                </a:tc>
+                <a:extLst>
+                  <a:ext uri="{0D108BD9-81ED-4DB2-BD59-A6C34878D82A}">
+                    <a16:rowId xmlns:a16="http://schemas.microsoft.com/office/drawing/2014/main" val="3320407961"/>
+                  </a:ext>
+                </a:extLst>
+              </a:tr>
+              <a:tr h="802513">
+                <a:tc>
+                  <a:txBody>
+                    <a:bodyPr/>
+                    <a:lstStyle/>
+                    <a:p>
+                      <a:pPr algn="ctr" fontAlgn="ctr"/>
+                      <a:r>
+                        <a:rPr lang="es-PE" sz="800" u="none" strike="noStrike" dirty="0">
+                          <a:effectLst/>
+                        </a:rPr>
+                        <a:t>10</a:t>
+                      </a:r>
+                      <a:endParaRPr lang="es-PE" sz="800" b="0" i="0" u="none" strike="noStrike" dirty="0">
+                        <a:solidFill>
+                          <a:srgbClr val="000000"/>
+                        </a:solidFill>
+                        <a:effectLst/>
+                        <a:latin typeface="Arial Narrow" panose="020B0606020202030204" pitchFamily="34" charset="0"/>
+                      </a:endParaRPr>
+                    </a:p>
+                  </a:txBody>
+                  <a:tcPr marL="5079" marR="5079" marT="5079" marB="0" anchor="ctr"/>
+                </a:tc>
+                <a:tc>
+                  <a:txBody>
+                    <a:bodyPr/>
+                    <a:lstStyle/>
+                    <a:p>
+                      <a:pPr algn="ctr" rtl="0" fontAlgn="ctr"/>
+                      <a:r>
+                        <a:rPr lang="es-PE" sz="800" u="none" strike="noStrike">
+                          <a:effectLst/>
+                        </a:rPr>
+                        <a:t>-</a:t>
+                      </a:r>
+                      <a:endParaRPr lang="es-PE" sz="800" b="0" i="0" u="none" strike="noStrike">
+                        <a:solidFill>
+                          <a:srgbClr val="000000"/>
+                        </a:solidFill>
+                        <a:effectLst/>
+                        <a:latin typeface="Arial Narrow" panose="020B0606020202030204" pitchFamily="34" charset="0"/>
+                      </a:endParaRPr>
+                    </a:p>
+                  </a:txBody>
+                  <a:tcPr marL="5079" marR="5079" marT="5079" marB="0" anchor="ctr"/>
+                </a:tc>
+                <a:tc>
+                  <a:txBody>
+                    <a:bodyPr/>
+                    <a:lstStyle/>
+                    <a:p>
+                      <a:pPr algn="ctr" rtl="0" fontAlgn="ctr"/>
+                      <a:r>
+                        <a:rPr lang="es-PE" sz="800" u="none" strike="noStrike">
+                          <a:effectLst/>
+                        </a:rPr>
+                        <a:t>49488</a:t>
+                      </a:r>
+                      <a:endParaRPr lang="es-PE" sz="800" b="0" i="0" u="none" strike="noStrike">
+                        <a:solidFill>
+                          <a:srgbClr val="000000"/>
+                        </a:solidFill>
+                        <a:effectLst/>
+                        <a:latin typeface="Arial Narrow" panose="020B0606020202030204" pitchFamily="34" charset="0"/>
+                      </a:endParaRPr>
+                    </a:p>
+                  </a:txBody>
+                  <a:tcPr marL="5079" marR="5079" marT="5079" marB="0" anchor="ctr"/>
+                </a:tc>
+                <a:tc>
+                  <a:txBody>
+                    <a:bodyPr/>
+                    <a:lstStyle/>
+                    <a:p>
+                      <a:pPr algn="ctr" rtl="0" fontAlgn="ctr"/>
+                      <a:r>
+                        <a:rPr lang="es-PE" sz="800" u="none" strike="noStrike">
+                          <a:effectLst/>
+                        </a:rPr>
+                        <a:t>TURISMO</a:t>
+                      </a:r>
+                      <a:endParaRPr lang="es-PE" sz="800" b="0" i="0" u="none" strike="noStrike">
+                        <a:solidFill>
+                          <a:srgbClr val="000000"/>
+                        </a:solidFill>
+                        <a:effectLst/>
+                        <a:latin typeface="Arial Narrow" panose="020B0606020202030204" pitchFamily="34" charset="0"/>
+                      </a:endParaRPr>
+                    </a:p>
+                  </a:txBody>
+                  <a:tcPr marL="5079" marR="5079" marT="5079" marB="0" anchor="ctr"/>
+                </a:tc>
+                <a:tc>
+                  <a:txBody>
+                    <a:bodyPr/>
+                    <a:lstStyle/>
+                    <a:p>
+                      <a:pPr algn="just" fontAlgn="ctr"/>
+                      <a:r>
+                        <a:rPr lang="es-PE" sz="800" u="none" strike="noStrike">
+                          <a:effectLst/>
+                        </a:rPr>
+                        <a:t>"MEJORAMIENTO Y CREACIÓN DE SERVICIOS TURÍSTICOS PÚBLICOS EN EL CAÑÓN DEL APURIMAC, DISTRITOS DE CURAHUASI, SAN PEDRO DE CACHORA, HUANIPACA, TAMBURCO Y ABANCAY - REGIÓN APURIMAC” </a:t>
+                      </a:r>
+                      <a:endParaRPr lang="es-PE" sz="800" b="0" i="0" u="none" strike="noStrike">
+                        <a:solidFill>
+                          <a:srgbClr val="000000"/>
+                        </a:solidFill>
+                        <a:effectLst/>
+                        <a:latin typeface="Arial Narrow" panose="020B0606020202030204" pitchFamily="34" charset="0"/>
+                      </a:endParaRPr>
+                    </a:p>
+                  </a:txBody>
+                  <a:tcPr marL="5079" marR="5079" marT="5079" marB="0" anchor="ctr"/>
+                </a:tc>
+                <a:tc>
+                  <a:txBody>
+                    <a:bodyPr/>
+                    <a:lstStyle/>
+                    <a:p>
+                      <a:pPr algn="l" rtl="0" fontAlgn="ctr"/>
+                      <a:r>
+                        <a:rPr lang="es-PE" sz="800" u="none" strike="noStrike">
+                          <a:effectLst/>
+                        </a:rPr>
+                        <a:t>S/.50,000,000.00</a:t>
+                      </a:r>
+                      <a:endParaRPr lang="es-PE" sz="800" b="0" i="0" u="none" strike="noStrike">
+                        <a:solidFill>
+                          <a:srgbClr val="000000"/>
+                        </a:solidFill>
+                        <a:effectLst/>
+                        <a:latin typeface="Arial Narrow" panose="020B0606020202030204" pitchFamily="34" charset="0"/>
+                      </a:endParaRPr>
+                    </a:p>
+                  </a:txBody>
+                  <a:tcPr marL="5079" marR="5079" marT="5079" marB="0" anchor="ctr"/>
+                </a:tc>
+                <a:tc>
+                  <a:txBody>
+                    <a:bodyPr/>
+                    <a:lstStyle/>
+                    <a:p>
+                      <a:pPr algn="ctr" rtl="0" fontAlgn="ctr"/>
+                      <a:r>
+                        <a:rPr lang="es-PE" sz="800" u="none" strike="noStrike">
+                          <a:effectLst/>
+                        </a:rPr>
+                        <a:t>FORMULACIÓN</a:t>
+                      </a:r>
+                      <a:endParaRPr lang="es-PE" sz="800" b="0" i="0" u="none" strike="noStrike">
+                        <a:solidFill>
+                          <a:srgbClr val="000000"/>
+                        </a:solidFill>
+                        <a:effectLst/>
+                        <a:latin typeface="Arial Narrow" panose="020B0606020202030204" pitchFamily="34" charset="0"/>
+                      </a:endParaRPr>
+                    </a:p>
+                  </a:txBody>
+                  <a:tcPr marL="5079" marR="5079" marT="5079" marB="0" anchor="ctr"/>
+                </a:tc>
+                <a:tc>
+                  <a:txBody>
+                    <a:bodyPr/>
+                    <a:lstStyle/>
+                    <a:p>
+                      <a:pPr algn="just" rtl="0" fontAlgn="ctr"/>
+                      <a:r>
+                        <a:rPr lang="es-PE" sz="800" u="none" strike="noStrike">
+                          <a:effectLst/>
+                        </a:rPr>
+                        <a:t>DISTRITOS DE CURAHUASI, SAN PEDRO DE CACHORA, HUANIPACA, TAMBURCO Y ABANCAY DE LA PROVINCIA DE ABANCAY</a:t>
+                      </a:r>
+                      <a:endParaRPr lang="es-PE" sz="800" b="0" i="0" u="none" strike="noStrike">
+                        <a:solidFill>
+                          <a:srgbClr val="000000"/>
+                        </a:solidFill>
+                        <a:effectLst/>
+                        <a:latin typeface="Arial Narrow" panose="020B0606020202030204" pitchFamily="34" charset="0"/>
+                      </a:endParaRPr>
+                    </a:p>
+                  </a:txBody>
+                  <a:tcPr marL="5079" marR="5079" marT="5079" marB="0" anchor="ctr"/>
+                </a:tc>
+                <a:tc>
+                  <a:txBody>
+                    <a:bodyPr/>
+                    <a:lstStyle/>
+                    <a:p>
+                      <a:pPr algn="ctr" rtl="0" fontAlgn="ctr"/>
+                      <a:r>
+                        <a:rPr lang="es-PE" sz="800" u="none" strike="noStrike">
+                          <a:effectLst/>
+                        </a:rPr>
+                        <a:t>2021</a:t>
+                      </a:r>
+                      <a:endParaRPr lang="es-PE" sz="800" b="0" i="0" u="none" strike="noStrike">
+                        <a:solidFill>
+                          <a:srgbClr val="000000"/>
+                        </a:solidFill>
+                        <a:effectLst/>
+                        <a:latin typeface="Arial Narrow" panose="020B0606020202030204" pitchFamily="34" charset="0"/>
+                      </a:endParaRPr>
+                    </a:p>
+                  </a:txBody>
+                  <a:tcPr marL="5079" marR="5079" marT="5079" marB="0" anchor="ctr"/>
+                </a:tc>
+                <a:tc>
+                  <a:txBody>
+                    <a:bodyPr/>
+                    <a:lstStyle/>
+                    <a:p>
+                      <a:pPr algn="just" fontAlgn="ctr"/>
+                      <a:r>
+                        <a:rPr lang="es-PE" sz="800" u="none" strike="noStrike">
+                          <a:effectLst/>
+                        </a:rPr>
+                        <a:t>La formulación del Proyecto de Inversión se concluyó al 100%, se evaluó y actualmente se presento para su registro en el aplicativo informático del banco de proyectos del Invierte.pe para su registro y viabilización.</a:t>
+                      </a:r>
+                      <a:endParaRPr lang="es-PE" sz="800" b="0" i="0" u="none" strike="noStrike">
+                        <a:solidFill>
+                          <a:srgbClr val="000000"/>
+                        </a:solidFill>
+                        <a:effectLst/>
+                        <a:latin typeface="Arial Narrow" panose="020B0606020202030204" pitchFamily="34" charset="0"/>
+                      </a:endParaRPr>
+                    </a:p>
+                  </a:txBody>
+                  <a:tcPr marL="5079" marR="5079" marT="5079" marB="0" anchor="ctr"/>
+                </a:tc>
+                <a:extLst>
+                  <a:ext uri="{0D108BD9-81ED-4DB2-BD59-A6C34878D82A}">
+                    <a16:rowId xmlns:a16="http://schemas.microsoft.com/office/drawing/2014/main" val="557894352"/>
+                  </a:ext>
+                </a:extLst>
+              </a:tr>
+              <a:tr h="782197">
+                <a:tc>
+                  <a:txBody>
+                    <a:bodyPr/>
+                    <a:lstStyle/>
+                    <a:p>
+                      <a:pPr algn="ctr" fontAlgn="ctr"/>
+                      <a:r>
+                        <a:rPr lang="es-PE" sz="800" u="none" strike="noStrike" dirty="0">
+                          <a:effectLst/>
+                        </a:rPr>
+                        <a:t>11</a:t>
+                      </a:r>
+                      <a:endParaRPr lang="es-PE" sz="800" b="0" i="0" u="none" strike="noStrike" dirty="0">
+                        <a:solidFill>
+                          <a:srgbClr val="000000"/>
+                        </a:solidFill>
+                        <a:effectLst/>
+                        <a:latin typeface="Arial Narrow" panose="020B0606020202030204" pitchFamily="34" charset="0"/>
+                      </a:endParaRPr>
+                    </a:p>
+                  </a:txBody>
+                  <a:tcPr marL="5079" marR="5079" marT="5079" marB="0" anchor="ctr"/>
+                </a:tc>
+                <a:tc>
+                  <a:txBody>
+                    <a:bodyPr/>
+                    <a:lstStyle/>
+                    <a:p>
+                      <a:pPr algn="ctr" rtl="0" fontAlgn="ctr"/>
+                      <a:r>
+                        <a:rPr lang="es-PE" sz="800" u="none" strike="noStrike">
+                          <a:effectLst/>
+                        </a:rPr>
+                        <a:t>-</a:t>
+                      </a:r>
+                      <a:endParaRPr lang="es-PE" sz="800" b="0" i="0" u="none" strike="noStrike">
+                        <a:solidFill>
+                          <a:srgbClr val="000000"/>
+                        </a:solidFill>
+                        <a:effectLst/>
+                        <a:latin typeface="Arial Narrow" panose="020B0606020202030204" pitchFamily="34" charset="0"/>
+                      </a:endParaRPr>
+                    </a:p>
+                  </a:txBody>
+                  <a:tcPr marL="5079" marR="5079" marT="5079" marB="0" anchor="ctr"/>
+                </a:tc>
+                <a:tc>
+                  <a:txBody>
+                    <a:bodyPr/>
+                    <a:lstStyle/>
+                    <a:p>
+                      <a:pPr algn="ctr" rtl="0" fontAlgn="ctr"/>
+                      <a:r>
+                        <a:rPr lang="es-PE" sz="800" u="none" strike="noStrike">
+                          <a:effectLst/>
+                        </a:rPr>
+                        <a:t>75659</a:t>
+                      </a:r>
+                      <a:endParaRPr lang="es-PE" sz="800" b="0" i="0" u="none" strike="noStrike">
+                        <a:solidFill>
+                          <a:srgbClr val="000000"/>
+                        </a:solidFill>
+                        <a:effectLst/>
+                        <a:latin typeface="Arial Narrow" panose="020B0606020202030204" pitchFamily="34" charset="0"/>
+                      </a:endParaRPr>
+                    </a:p>
+                  </a:txBody>
+                  <a:tcPr marL="5079" marR="5079" marT="5079" marB="0" anchor="ctr"/>
+                </a:tc>
+                <a:tc>
+                  <a:txBody>
+                    <a:bodyPr/>
+                    <a:lstStyle/>
+                    <a:p>
+                      <a:pPr algn="ctr" rtl="0" fontAlgn="ctr"/>
+                      <a:r>
+                        <a:rPr lang="es-PE" sz="800" u="none" strike="noStrike">
+                          <a:effectLst/>
+                        </a:rPr>
+                        <a:t>TURISMO</a:t>
+                      </a:r>
+                      <a:endParaRPr lang="es-PE" sz="800" b="0" i="0" u="none" strike="noStrike">
+                        <a:solidFill>
+                          <a:srgbClr val="000000"/>
+                        </a:solidFill>
+                        <a:effectLst/>
+                        <a:latin typeface="Arial Narrow" panose="020B0606020202030204" pitchFamily="34" charset="0"/>
+                      </a:endParaRPr>
+                    </a:p>
+                  </a:txBody>
+                  <a:tcPr marL="5079" marR="5079" marT="5079" marB="0" anchor="ctr"/>
+                </a:tc>
+                <a:tc>
+                  <a:txBody>
+                    <a:bodyPr/>
+                    <a:lstStyle/>
+                    <a:p>
+                      <a:pPr algn="just" fontAlgn="ctr"/>
+                      <a:r>
+                        <a:rPr lang="es-PE" sz="800" u="none" strike="noStrike">
+                          <a:effectLst/>
+                        </a:rPr>
+                        <a:t>“MEJORAMIENTO DE LOS SERVICIOS TURÍSTICOS EN EL CONJUNTO ARQUEOLÓGICO DE SAYWITE, DISTRITO DE CURAHUASI, PROVINCIA DE ABANCAY, REGIÓN APURÍMAC” </a:t>
+                      </a:r>
+                      <a:endParaRPr lang="es-PE" sz="800" b="0" i="0" u="none" strike="noStrike">
+                        <a:solidFill>
+                          <a:srgbClr val="000000"/>
+                        </a:solidFill>
+                        <a:effectLst/>
+                        <a:latin typeface="Arial Narrow" panose="020B0606020202030204" pitchFamily="34" charset="0"/>
+                      </a:endParaRPr>
+                    </a:p>
+                  </a:txBody>
+                  <a:tcPr marL="5079" marR="5079" marT="5079" marB="0" anchor="ctr"/>
+                </a:tc>
+                <a:tc>
+                  <a:txBody>
+                    <a:bodyPr/>
+                    <a:lstStyle/>
+                    <a:p>
+                      <a:pPr algn="l" rtl="0" fontAlgn="ctr"/>
+                      <a:r>
+                        <a:rPr lang="es-PE" sz="800" u="none" strike="noStrike">
+                          <a:effectLst/>
+                        </a:rPr>
+                        <a:t>S/.2,800,000.00</a:t>
+                      </a:r>
+                      <a:endParaRPr lang="es-PE" sz="800" b="0" i="0" u="none" strike="noStrike">
+                        <a:solidFill>
+                          <a:srgbClr val="000000"/>
+                        </a:solidFill>
+                        <a:effectLst/>
+                        <a:latin typeface="Arial Narrow" panose="020B0606020202030204" pitchFamily="34" charset="0"/>
+                      </a:endParaRPr>
+                    </a:p>
+                  </a:txBody>
+                  <a:tcPr marL="5079" marR="5079" marT="5079" marB="0" anchor="ctr"/>
+                </a:tc>
+                <a:tc>
+                  <a:txBody>
+                    <a:bodyPr/>
+                    <a:lstStyle/>
+                    <a:p>
+                      <a:pPr algn="ctr" rtl="0" fontAlgn="ctr"/>
+                      <a:r>
+                        <a:rPr lang="es-PE" sz="800" u="none" strike="noStrike">
+                          <a:effectLst/>
+                        </a:rPr>
+                        <a:t>FORMULACIÓN</a:t>
+                      </a:r>
+                      <a:endParaRPr lang="es-PE" sz="800" b="0" i="0" u="none" strike="noStrike">
+                        <a:solidFill>
+                          <a:srgbClr val="000000"/>
+                        </a:solidFill>
+                        <a:effectLst/>
+                        <a:latin typeface="Arial Narrow" panose="020B0606020202030204" pitchFamily="34" charset="0"/>
+                      </a:endParaRPr>
+                    </a:p>
+                  </a:txBody>
+                  <a:tcPr marL="5079" marR="5079" marT="5079" marB="0" anchor="ctr"/>
+                </a:tc>
+                <a:tc>
+                  <a:txBody>
+                    <a:bodyPr/>
+                    <a:lstStyle/>
+                    <a:p>
+                      <a:pPr algn="l" rtl="0" fontAlgn="ctr"/>
+                      <a:r>
+                        <a:rPr lang="es-PE" sz="800" u="none" strike="noStrike">
+                          <a:effectLst/>
+                        </a:rPr>
+                        <a:t>DISTRITO DE CURAHUASI DE LA PROVINCIA DE ABANCAY</a:t>
+                      </a:r>
+                      <a:endParaRPr lang="es-PE" sz="800" b="0" i="0" u="none" strike="noStrike">
+                        <a:solidFill>
+                          <a:srgbClr val="000000"/>
+                        </a:solidFill>
+                        <a:effectLst/>
+                        <a:latin typeface="Arial Narrow" panose="020B0606020202030204" pitchFamily="34" charset="0"/>
+                      </a:endParaRPr>
+                    </a:p>
+                  </a:txBody>
+                  <a:tcPr marL="5079" marR="5079" marT="5079" marB="0" anchor="ctr"/>
+                </a:tc>
+                <a:tc>
+                  <a:txBody>
+                    <a:bodyPr/>
+                    <a:lstStyle/>
+                    <a:p>
+                      <a:pPr algn="ctr" rtl="0" fontAlgn="ctr"/>
+                      <a:r>
+                        <a:rPr lang="es-PE" sz="800" u="none" strike="noStrike">
+                          <a:effectLst/>
+                        </a:rPr>
+                        <a:t>2021</a:t>
+                      </a:r>
+                      <a:endParaRPr lang="es-PE" sz="800" b="0" i="0" u="none" strike="noStrike">
+                        <a:solidFill>
+                          <a:srgbClr val="000000"/>
+                        </a:solidFill>
+                        <a:effectLst/>
+                        <a:latin typeface="Arial Narrow" panose="020B0606020202030204" pitchFamily="34" charset="0"/>
+                      </a:endParaRPr>
+                    </a:p>
+                  </a:txBody>
+                  <a:tcPr marL="5079" marR="5079" marT="5079" marB="0" anchor="ctr"/>
+                </a:tc>
+                <a:tc>
+                  <a:txBody>
+                    <a:bodyPr/>
+                    <a:lstStyle/>
+                    <a:p>
+                      <a:pPr algn="just" fontAlgn="ctr"/>
+                      <a:r>
+                        <a:rPr lang="es-PE" sz="800" u="none" strike="noStrike" dirty="0">
+                          <a:effectLst/>
+                        </a:rPr>
+                        <a:t>La formulación del Proyecto de Inversión se concluyó al 100%, y esta a la espera de los documentos de donación de parte de la comunidad de </a:t>
+                      </a:r>
+                      <a:r>
+                        <a:rPr lang="es-PE" sz="800" u="none" strike="noStrike" dirty="0" err="1">
+                          <a:effectLst/>
+                        </a:rPr>
+                        <a:t>Saywite</a:t>
+                      </a:r>
+                      <a:r>
+                        <a:rPr lang="es-PE" sz="800" u="none" strike="noStrike" dirty="0">
+                          <a:effectLst/>
+                        </a:rPr>
+                        <a:t> alto y de </a:t>
+                      </a:r>
+                      <a:r>
+                        <a:rPr lang="es-PE" sz="800" u="none" strike="noStrike" dirty="0" err="1">
+                          <a:effectLst/>
+                        </a:rPr>
+                        <a:t>Concacha</a:t>
+                      </a:r>
+                      <a:r>
+                        <a:rPr lang="es-PE" sz="800" u="none" strike="noStrike" dirty="0">
+                          <a:effectLst/>
+                        </a:rPr>
+                        <a:t>, una vez donado los terrenos se procederá a la aprobación y </a:t>
+                      </a:r>
+                      <a:r>
+                        <a:rPr lang="es-PE" sz="800" u="none" strike="noStrike" dirty="0" err="1">
+                          <a:effectLst/>
+                        </a:rPr>
+                        <a:t>viabilización</a:t>
+                      </a:r>
+                      <a:r>
+                        <a:rPr lang="es-PE" sz="800" u="none" strike="noStrike" dirty="0">
+                          <a:effectLst/>
+                        </a:rPr>
+                        <a:t>.</a:t>
+                      </a:r>
+                      <a:endParaRPr lang="es-PE" sz="800" b="0" i="0" u="none" strike="noStrike" dirty="0">
+                        <a:solidFill>
+                          <a:srgbClr val="000000"/>
+                        </a:solidFill>
+                        <a:effectLst/>
+                        <a:latin typeface="Arial Narrow" panose="020B0606020202030204" pitchFamily="34" charset="0"/>
+                      </a:endParaRPr>
+                    </a:p>
+                  </a:txBody>
+                  <a:tcPr marL="5079" marR="5079" marT="5079" marB="0" anchor="ctr"/>
+                </a:tc>
+                <a:extLst>
+                  <a:ext uri="{0D108BD9-81ED-4DB2-BD59-A6C34878D82A}">
+                    <a16:rowId xmlns:a16="http://schemas.microsoft.com/office/drawing/2014/main" val="4267081164"/>
+                  </a:ext>
+                </a:extLst>
+              </a:tr>
+            </a:tbl>
+          </a:graphicData>
+        </a:graphic>
+      </p:graphicFrame>
+    </p:spTree>
+    <p:extLst>
+      <p:ext uri="{BB962C8B-B14F-4D97-AF65-F5344CB8AC3E}">
+        <p14:creationId xmlns:p14="http://schemas.microsoft.com/office/powerpoint/2010/main" val="2270027262"/>
+      </p:ext>
+    </p:extLst>
+  </p:cSld>
+  <p:clrMapOvr>
+    <a:masterClrMapping/>
+  </p:clrMapOvr>
+</p:sld>
+</file>
+
+<file path=ppt/slides/slide6.xml><?xml version="1.0" encoding="utf-8"?>
 <p:sld xmlns:a="http://schemas.openxmlformats.org/drawingml/2006/main" xmlns:r="http://schemas.openxmlformats.org/officeDocument/2006/relationships" xmlns:p="http://schemas.openxmlformats.org/presentationml/2006/main">
   <p:cSld>
     <p:spTree>
@@ -7286,7 +9665,7 @@
             </a:pPr>
             <a:fld id="{00000000-1234-1234-1234-123412341234}" type="slidenum">
               <a:rPr lang="en"/>
-              <a:t>4</a:t>
+              <a:t>6</a:t>
             </a:fld>
             <a:endParaRPr/>
           </a:p>
@@ -7294,10 +9673,10 @@
       </p:sp>
       <p:graphicFrame>
         <p:nvGraphicFramePr>
-          <p:cNvPr id="2" name="Tabla 1">
+          <p:cNvPr id="3" name="Tabla 2">
             <a:extLst>
               <a:ext uri="{FF2B5EF4-FFF2-40B4-BE49-F238E27FC236}">
-                <a16:creationId xmlns:a16="http://schemas.microsoft.com/office/drawing/2014/main" id="{3B36C9A3-FD3A-4D14-A066-E2E13A658203}"/>
+                <a16:creationId xmlns:a16="http://schemas.microsoft.com/office/drawing/2014/main" id="{2A47BF93-7CB7-4781-AA82-B285D500DF30}"/>
               </a:ext>
             </a:extLst>
           </p:cNvPr>
@@ -7307,87 +9686,117 @@
           <p:nvPr>
             <p:extLst>
               <p:ext uri="{D42A27DB-BD31-4B8C-83A1-F6EECF244321}">
-                <p14:modId xmlns:p14="http://schemas.microsoft.com/office/powerpoint/2010/main" val="795340402"/>
+                <p14:modId xmlns:p14="http://schemas.microsoft.com/office/powerpoint/2010/main" val="504807907"/>
               </p:ext>
             </p:extLst>
           </p:nvPr>
         </p:nvGraphicFramePr>
         <p:xfrm>
-          <a:off x="473886" y="1461706"/>
-          <a:ext cx="8162853" cy="3043650"/>
+          <a:off x="594038" y="1635241"/>
+          <a:ext cx="7886547" cy="2829968"/>
         </p:xfrm>
         <a:graphic>
           <a:graphicData uri="http://schemas.openxmlformats.org/drawingml/2006/table">
             <a:tbl>
-              <a:tblPr firstRow="1" bandRow="1">
+              <a:tblPr>
                 <a:tableStyleId>{B296C3B7-51D5-40FC-B7EA-EAF5845D4BE8}</a:tableStyleId>
               </a:tblPr>
               <a:tblGrid>
-                <a:gridCol w="623516">
+                <a:gridCol w="530634">
                   <a:extLst>
                     <a:ext uri="{9D8B030D-6E8A-4147-A177-3AD203B41FA5}">
-                      <a16:colId xmlns:a16="http://schemas.microsoft.com/office/drawing/2014/main" val="842321193"/>
+                      <a16:colId xmlns:a16="http://schemas.microsoft.com/office/drawing/2014/main" val="1149053298"/>
                     </a:ext>
                   </a:extLst>
                 </a:gridCol>
-                <a:gridCol w="802776">
+                <a:gridCol w="683191">
                   <a:extLst>
                     <a:ext uri="{9D8B030D-6E8A-4147-A177-3AD203B41FA5}">
-                      <a16:colId xmlns:a16="http://schemas.microsoft.com/office/drawing/2014/main" val="1455337710"/>
+                      <a16:colId xmlns:a16="http://schemas.microsoft.com/office/drawing/2014/main" val="3265136901"/>
                     </a:ext>
                   </a:extLst>
                 </a:gridCol>
-                <a:gridCol w="623516">
+                <a:gridCol w="530634">
                   <a:extLst>
                     <a:ext uri="{9D8B030D-6E8A-4147-A177-3AD203B41FA5}">
-                      <a16:colId xmlns:a16="http://schemas.microsoft.com/office/drawing/2014/main" val="2044776553"/>
+                      <a16:colId xmlns:a16="http://schemas.microsoft.com/office/drawing/2014/main" val="541476674"/>
                     </a:ext>
                   </a:extLst>
                 </a:gridCol>
-                <a:gridCol w="1891329">
+                <a:gridCol w="709723">
                   <a:extLst>
                     <a:ext uri="{9D8B030D-6E8A-4147-A177-3AD203B41FA5}">
-                      <a16:colId xmlns:a16="http://schemas.microsoft.com/office/drawing/2014/main" val="2207195283"/>
+                      <a16:colId xmlns:a16="http://schemas.microsoft.com/office/drawing/2014/main" val="2809815218"/>
                     </a:ext>
                   </a:extLst>
                 </a:gridCol>
-                <a:gridCol w="818514">
+                <a:gridCol w="1609590">
                   <a:extLst>
                     <a:ext uri="{9D8B030D-6E8A-4147-A177-3AD203B41FA5}">
-                      <a16:colId xmlns:a16="http://schemas.microsoft.com/office/drawing/2014/main" val="854073882"/>
+                      <a16:colId xmlns:a16="http://schemas.microsoft.com/office/drawing/2014/main" val="3436427589"/>
                     </a:ext>
                   </a:extLst>
                 </a:gridCol>
-                <a:gridCol w="680520">
+                <a:gridCol w="592541">
                   <a:extLst>
                     <a:ext uri="{9D8B030D-6E8A-4147-A177-3AD203B41FA5}">
-                      <a16:colId xmlns:a16="http://schemas.microsoft.com/office/drawing/2014/main" val="3533749018"/>
+                      <a16:colId xmlns:a16="http://schemas.microsoft.com/office/drawing/2014/main" val="2737056336"/>
                     </a:ext>
                   </a:extLst>
                 </a:gridCol>
-                <a:gridCol w="987231">
+                <a:gridCol w="683191">
                   <a:extLst>
                     <a:ext uri="{9D8B030D-6E8A-4147-A177-3AD203B41FA5}">
-                      <a16:colId xmlns:a16="http://schemas.microsoft.com/office/drawing/2014/main" val="2131652511"/>
+                      <a16:colId xmlns:a16="http://schemas.microsoft.com/office/drawing/2014/main" val="3418132934"/>
                     </a:ext>
                   </a:extLst>
                 </a:gridCol>
-                <a:gridCol w="862529">
+                <a:gridCol w="840170">
                   <a:extLst>
                     <a:ext uri="{9D8B030D-6E8A-4147-A177-3AD203B41FA5}">
-                      <a16:colId xmlns:a16="http://schemas.microsoft.com/office/drawing/2014/main" val="1967094526"/>
+                      <a16:colId xmlns:a16="http://schemas.microsoft.com/office/drawing/2014/main" val="3543597421"/>
                     </a:ext>
                   </a:extLst>
                 </a:gridCol>
-                <a:gridCol w="872922">
+                <a:gridCol w="734044">
                   <a:extLst>
                     <a:ext uri="{9D8B030D-6E8A-4147-A177-3AD203B41FA5}">
-                      <a16:colId xmlns:a16="http://schemas.microsoft.com/office/drawing/2014/main" val="2207494539"/>
+                      <a16:colId xmlns:a16="http://schemas.microsoft.com/office/drawing/2014/main" val="2610258380"/>
+                    </a:ext>
+                  </a:extLst>
+                </a:gridCol>
+                <a:gridCol w="972829">
+                  <a:extLst>
+                    <a:ext uri="{9D8B030D-6E8A-4147-A177-3AD203B41FA5}">
+                      <a16:colId xmlns:a16="http://schemas.microsoft.com/office/drawing/2014/main" val="840716094"/>
                     </a:ext>
                   </a:extLst>
                 </a:gridCol>
               </a:tblGrid>
-              <a:tr h="624958">
+              <a:tr h="474914">
+                <a:tc>
+                  <a:txBody>
+                    <a:bodyPr/>
+                    <a:lstStyle/>
+                    <a:p>
+                      <a:pPr algn="ctr" rtl="0" fontAlgn="ctr"/>
+                      <a:r>
+                        <a:rPr lang="es-PE" sz="800" b="1" u="none" strike="noStrike" dirty="0" err="1">
+                          <a:effectLst/>
+                        </a:rPr>
+                        <a:t>N°</a:t>
+                      </a:r>
+                      <a:endParaRPr lang="es-PE" sz="800" b="1" i="0" u="none" strike="noStrike" dirty="0">
+                        <a:solidFill>
+                          <a:srgbClr val="000000"/>
+                        </a:solidFill>
+                        <a:effectLst/>
+                        <a:latin typeface="Arial Narrow" panose="020B0606020202030204" pitchFamily="34" charset="0"/>
+                      </a:endParaRPr>
+                    </a:p>
+                  </a:txBody>
+                  <a:tcPr marL="5079" marR="5079" marT="5079" marB="0" anchor="ctr"/>
+                </a:tc>
                 <a:tc>
                   <a:txBody>
                     <a:bodyPr/>
@@ -7398,7 +9807,7 @@
                         <a:rPr lang="es-PE" sz="800" b="1" u="none" strike="noStrike" dirty="0">
                           <a:effectLst/>
                         </a:rPr>
-                        <a:t>N°</a:t>
+                        <a:t>CUI</a:t>
                       </a:r>
                       <a:endParaRPr lang="es-PE" sz="800" b="1" i="0" u="none" strike="noStrike" dirty="0">
                         <a:solidFill>
@@ -7409,7 +9818,7 @@
                       </a:endParaRPr>
                     </a:p>
                   </a:txBody>
-                  <a:tcPr marL="5765" marR="5765" marT="5765" marB="0" anchor="ctr"/>
+                  <a:tcPr marL="5079" marR="5079" marT="5079" marB="0" anchor="ctr"/>
                 </a:tc>
                 <a:tc>
                   <a:txBody>
@@ -7421,7 +9830,7 @@
                         <a:rPr lang="es-PE" sz="800" b="1" u="none" strike="noStrike" dirty="0">
                           <a:effectLst/>
                         </a:rPr>
-                        <a:t>CUI</a:t>
+                        <a:t>CÓDIGO DE IDEA</a:t>
                       </a:r>
                       <a:endParaRPr lang="es-PE" sz="800" b="1" i="0" u="none" strike="noStrike" dirty="0">
                         <a:solidFill>
@@ -7432,7 +9841,7 @@
                       </a:endParaRPr>
                     </a:p>
                   </a:txBody>
-                  <a:tcPr marL="5765" marR="5765" marT="5765" marB="0" anchor="ctr"/>
+                  <a:tcPr marL="5079" marR="5079" marT="5079" marB="0" anchor="ctr"/>
                 </a:tc>
                 <a:tc>
                   <a:txBody>
@@ -7444,7 +9853,7 @@
                         <a:rPr lang="es-PE" sz="800" b="1" u="none" strike="noStrike" dirty="0">
                           <a:effectLst/>
                         </a:rPr>
-                        <a:t>CÓDIGO DE IDEA</a:t>
+                        <a:t>FUNCIÓN</a:t>
                       </a:r>
                       <a:endParaRPr lang="es-PE" sz="800" b="1" i="0" u="none" strike="noStrike" dirty="0">
                         <a:solidFill>
@@ -7455,7 +9864,7 @@
                       </a:endParaRPr>
                     </a:p>
                   </a:txBody>
-                  <a:tcPr marL="5765" marR="5765" marT="5765" marB="0" anchor="ctr"/>
+                  <a:tcPr marL="5079" marR="5079" marT="5079" marB="0" anchor="ctr"/>
                 </a:tc>
                 <a:tc>
                   <a:txBody>
@@ -7478,7 +9887,76 @@
                       </a:endParaRPr>
                     </a:p>
                   </a:txBody>
-                  <a:tcPr marL="5765" marR="5765" marT="5765" marB="0" anchor="ctr"/>
+                  <a:tcPr marL="5079" marR="5079" marT="5079" marB="0" anchor="ctr"/>
+                </a:tc>
+                <a:tc>
+                  <a:txBody>
+                    <a:bodyPr/>
+                    <a:lstStyle/>
+                    <a:p>
+                      <a:pPr algn="ctr" rtl="0" fontAlgn="ctr"/>
+                      <a:r>
+                        <a:rPr lang="es-PE" sz="800" b="1" u="none" strike="noStrike">
+                          <a:effectLst/>
+                        </a:rPr>
+                        <a:t>INVERSIÓN ESTIMADO s/.</a:t>
+                      </a:r>
+                      <a:endParaRPr lang="es-PE" sz="800" b="1" i="0" u="none" strike="noStrike">
+                        <a:solidFill>
+                          <a:srgbClr val="000000"/>
+                        </a:solidFill>
+                        <a:effectLst/>
+                        <a:latin typeface="Arial Narrow" panose="020B0606020202030204" pitchFamily="34" charset="0"/>
+                      </a:endParaRPr>
+                    </a:p>
+                  </a:txBody>
+                  <a:tcPr marL="5079" marR="5079" marT="5079" marB="0" anchor="ctr"/>
+                </a:tc>
+                <a:tc>
+                  <a:txBody>
+                    <a:bodyPr/>
+                    <a:lstStyle/>
+                    <a:p>
+                      <a:pPr algn="ctr" rtl="0" fontAlgn="ctr"/>
+                      <a:r>
+                        <a:rPr lang="es-PE" sz="800" b="1" u="none" strike="noStrike">
+                          <a:effectLst/>
+                        </a:rPr>
+                        <a:t>ESTADO SITUACIONAL</a:t>
+                      </a:r>
+                      <a:endParaRPr lang="es-PE" sz="800" b="1" i="0" u="none" strike="noStrike">
+                        <a:solidFill>
+                          <a:srgbClr val="000000"/>
+                        </a:solidFill>
+                        <a:effectLst/>
+                        <a:latin typeface="Arial Narrow" panose="020B0606020202030204" pitchFamily="34" charset="0"/>
+                      </a:endParaRPr>
+                    </a:p>
+                  </a:txBody>
+                  <a:tcPr marL="5079" marR="5079" marT="5079" marB="0" anchor="ctr"/>
+                </a:tc>
+                <a:tc>
+                  <a:txBody>
+                    <a:bodyPr/>
+                    <a:lstStyle/>
+                    <a:p>
+                      <a:pPr algn="ctr" rtl="0" fontAlgn="ctr"/>
+                      <a:r>
+                        <a:rPr lang="es-PE" sz="800" b="1" u="none" strike="noStrike">
+                          <a:effectLst/>
+                        </a:rPr>
+                        <a:t>DURACIÓN DE LA FORMULACIÓN</a:t>
+                      </a:r>
+                      <a:endParaRPr lang="es-PE" sz="800" b="1" i="0" u="none" strike="noStrike">
+                        <a:solidFill>
+                          <a:srgbClr val="000000"/>
+                        </a:solidFill>
+                        <a:effectLst/>
+                        <a:latin typeface="Arial Narrow" panose="020B0606020202030204" pitchFamily="34" charset="0"/>
+                      </a:endParaRPr>
+                    </a:p>
+                  </a:txBody>
+                  <a:tcPr marL="5079" marR="5079" marT="5079" marB="0" anchor="ctr"/>
                 </a:tc>
                 <a:tc>
                   <a:txBody>
@@ -7490,7 +9968,7 @@
                         <a:rPr lang="es-PE" sz="800" b="1" u="none" strike="noStrike" dirty="0">
                           <a:effectLst/>
                         </a:rPr>
-                        <a:t>INVERSIÓN ESTIMADO s/.</a:t>
+                        <a:t>ALCANCE</a:t>
                       </a:r>
                       <a:endParaRPr lang="es-PE" sz="800" b="1" i="0" u="none" strike="noStrike" dirty="0">
                         <a:solidFill>
@@ -7501,7 +9979,7 @@
                       </a:endParaRPr>
                     </a:p>
                   </a:txBody>
-                  <a:tcPr marL="5765" marR="5765" marT="5765" marB="0" anchor="ctr"/>
+                  <a:tcPr marL="5079" marR="5079" marT="5079" marB="0" anchor="ctr"/>
                 </a:tc>
                 <a:tc>
                   <a:txBody>
@@ -7513,7 +9991,7 @@
                         <a:rPr lang="es-PE" sz="800" b="1" u="none" strike="noStrike" dirty="0">
                           <a:effectLst/>
                         </a:rPr>
-                        <a:t>ESTADO SITUACIONAL</a:t>
+                        <a:t>MODALIDAD DE LA FORMULACIÓN</a:t>
                       </a:r>
                       <a:endParaRPr lang="es-PE" sz="800" b="1" i="0" u="none" strike="noStrike" dirty="0">
                         <a:solidFill>
@@ -7524,84 +10002,15 @@
                       </a:endParaRPr>
                     </a:p>
                   </a:txBody>
-                  <a:tcPr marL="5765" marR="5765" marT="5765" marB="0" anchor="ctr"/>
-                </a:tc>
-                <a:tc>
-                  <a:txBody>
-                    <a:bodyPr/>
-                    <a:lstStyle/>
-                    <a:p>
-                      <a:pPr algn="ctr" rtl="0" fontAlgn="ctr"/>
-                      <a:r>
-                        <a:rPr lang="es-PE" sz="800" b="1" u="none" strike="noStrike" dirty="0">
-                          <a:effectLst/>
-                        </a:rPr>
-                        <a:t>DURACIÓN DE LA FORMULACIÓN</a:t>
-                      </a:r>
-                      <a:endParaRPr lang="es-PE" sz="800" b="1" i="0" u="none" strike="noStrike" dirty="0">
-                        <a:solidFill>
-                          <a:srgbClr val="000000"/>
-                        </a:solidFill>
-                        <a:effectLst/>
-                        <a:latin typeface="Arial Narrow" panose="020B0606020202030204" pitchFamily="34" charset="0"/>
-                      </a:endParaRPr>
-                    </a:p>
-                  </a:txBody>
-                  <a:tcPr marL="5765" marR="5765" marT="5765" marB="0" anchor="ctr"/>
-                </a:tc>
-                <a:tc>
-                  <a:txBody>
-                    <a:bodyPr/>
-                    <a:lstStyle/>
-                    <a:p>
-                      <a:pPr algn="ctr" rtl="0" fontAlgn="ctr"/>
-                      <a:r>
-                        <a:rPr lang="es-PE" sz="800" b="1" u="none" strike="noStrike" dirty="0">
-                          <a:effectLst/>
-                        </a:rPr>
-                        <a:t>ALCANCE</a:t>
-                      </a:r>
-                      <a:endParaRPr lang="es-PE" sz="800" b="1" i="0" u="none" strike="noStrike" dirty="0">
-                        <a:solidFill>
-                          <a:srgbClr val="000000"/>
-                        </a:solidFill>
-                        <a:effectLst/>
-                        <a:latin typeface="Arial Narrow" panose="020B0606020202030204" pitchFamily="34" charset="0"/>
-                      </a:endParaRPr>
-                    </a:p>
-                  </a:txBody>
-                  <a:tcPr marL="5765" marR="5765" marT="5765" marB="0" anchor="ctr"/>
-                </a:tc>
-                <a:tc>
-                  <a:txBody>
-                    <a:bodyPr/>
-                    <a:lstStyle/>
-                    <a:p>
-                      <a:pPr algn="ctr" rtl="0" fontAlgn="ctr"/>
-                      <a:r>
-                        <a:rPr lang="es-PE" sz="800" b="1" u="none" strike="noStrike" dirty="0">
-                          <a:effectLst/>
-                        </a:rPr>
-                        <a:t>MODALIDAD DE LA FORMULACIÓN</a:t>
-                      </a:r>
-                      <a:endParaRPr lang="es-PE" sz="800" b="1" i="0" u="none" strike="noStrike" dirty="0">
-                        <a:solidFill>
-                          <a:srgbClr val="000000"/>
-                        </a:solidFill>
-                        <a:effectLst/>
-                        <a:latin typeface="Arial Narrow" panose="020B0606020202030204" pitchFamily="34" charset="0"/>
-                      </a:endParaRPr>
-                    </a:p>
-                  </a:txBody>
-                  <a:tcPr marL="5765" marR="5765" marT="5765" marB="0" anchor="ctr"/>
+                  <a:tcPr marL="5079" marR="5079" marT="5079" marB="0" anchor="ctr"/>
                 </a:tc>
                 <a:extLst>
                   <a:ext uri="{0D108BD9-81ED-4DB2-BD59-A6C34878D82A}">
-                    <a16:rowId xmlns:a16="http://schemas.microsoft.com/office/drawing/2014/main" val="3308654660"/>
+                    <a16:rowId xmlns:a16="http://schemas.microsoft.com/office/drawing/2014/main" val="3216576694"/>
                   </a:ext>
                 </a:extLst>
               </a:tr>
-              <a:tr h="1329406">
+              <a:tr h="1255595">
                 <a:tc>
                   <a:txBody>
                     <a:bodyPr/>
@@ -7623,7 +10032,53 @@
                       </a:endParaRPr>
                     </a:p>
                   </a:txBody>
-                  <a:tcPr marL="5765" marR="5765" marT="5765" marB="0" anchor="ctr"/>
+                  <a:tcPr marL="5079" marR="5079" marT="5079" marB="0" anchor="ctr"/>
+                </a:tc>
+                <a:tc>
+                  <a:txBody>
+                    <a:bodyPr/>
+                    <a:lstStyle/>
+                    <a:p>
+                      <a:pPr algn="ctr" rtl="0" fontAlgn="ctr"/>
+                      <a:r>
+                        <a:rPr lang="es-PE" sz="800" u="none" strike="noStrike">
+                          <a:effectLst/>
+                        </a:rPr>
+                        <a:t>-</a:t>
+                      </a:r>
+                      <a:endParaRPr lang="es-PE" sz="800" b="0" i="0" u="none" strike="noStrike">
+                        <a:solidFill>
+                          <a:srgbClr val="000000"/>
+                        </a:solidFill>
+                        <a:effectLst/>
+                        <a:latin typeface="Arial Narrow" panose="020B0606020202030204" pitchFamily="34" charset="0"/>
+                      </a:endParaRPr>
+                    </a:p>
+                  </a:txBody>
+                  <a:tcPr marL="5079" marR="5079" marT="5079" marB="0" anchor="ctr"/>
+                </a:tc>
+                <a:tc>
+                  <a:txBody>
+                    <a:bodyPr/>
+                    <a:lstStyle/>
+                    <a:p>
+                      <a:pPr algn="ctr" rtl="0" fontAlgn="ctr"/>
+                      <a:r>
+                        <a:rPr lang="es-PE" sz="800" u="none" strike="noStrike">
+                          <a:effectLst/>
+                        </a:rPr>
+                        <a:t>49533</a:t>
+                      </a:r>
+                      <a:endParaRPr lang="es-PE" sz="800" b="0" i="0" u="none" strike="noStrike">
+                        <a:solidFill>
+                          <a:srgbClr val="000000"/>
+                        </a:solidFill>
+                        <a:effectLst/>
+                        <a:latin typeface="Arial Narrow" panose="020B0606020202030204" pitchFamily="34" charset="0"/>
+                      </a:endParaRPr>
+                    </a:p>
+                  </a:txBody>
+                  <a:tcPr marL="5079" marR="5079" marT="5079" marB="0" anchor="ctr"/>
                 </a:tc>
                 <a:tc>
                   <a:txBody>
@@ -7635,7 +10090,7 @@
                         <a:rPr lang="es-PE" sz="800" u="none" strike="noStrike" dirty="0">
                           <a:effectLst/>
                         </a:rPr>
-                        <a:t>-</a:t>
+                        <a:t>PLANEAMIENTO GESTIÓN Y RESERVA DE LA CONTINGENCIA</a:t>
                       </a:r>
                       <a:endParaRPr lang="es-PE" sz="800" b="0" i="0" u="none" strike="noStrike" dirty="0">
                         <a:solidFill>
@@ -7646,19 +10101,134 @@
                       </a:endParaRPr>
                     </a:p>
                   </a:txBody>
-                  <a:tcPr marL="5765" marR="5765" marT="5765" marB="0" anchor="ctr"/>
-                </a:tc>
-                <a:tc>
-                  <a:txBody>
-                    <a:bodyPr/>
-                    <a:lstStyle/>
-                    <a:p>
-                      <a:pPr algn="ctr" rtl="0" fontAlgn="ctr"/>
-                      <a:r>
-                        <a:rPr lang="es-PE" sz="800" u="none" strike="noStrike">
-                          <a:effectLst/>
-                        </a:rPr>
-                        <a:t>49533</a:t>
+                  <a:tcPr marL="5079" marR="5079" marT="5079" marB="0" anchor="ctr"/>
+                </a:tc>
+                <a:tc>
+                  <a:txBody>
+                    <a:bodyPr/>
+                    <a:lstStyle/>
+                    <a:p>
+                      <a:pPr algn="just" fontAlgn="ctr"/>
+                      <a:r>
+                        <a:rPr lang="es-PE" sz="800" u="none" strike="noStrike" dirty="0">
+                          <a:effectLst/>
+                        </a:rPr>
+                        <a:t>"MEJORAMIENTO DEL SERVICIO DE APOYO PARA LA PRODUCCION DE HONGOS COMESTIBLES 5 PROVINCIAS DEL DEPARTAMENTO DE APURIMAC</a:t>
+                      </a:r>
+                      <a:endParaRPr lang="es-PE" sz="800" b="0" i="0" u="none" strike="noStrike" dirty="0">
+                        <a:solidFill>
+                          <a:srgbClr val="000000"/>
+                        </a:solidFill>
+                        <a:effectLst/>
+                        <a:latin typeface="Arial Narrow" panose="020B0606020202030204" pitchFamily="34" charset="0"/>
+                      </a:endParaRPr>
+                    </a:p>
+                  </a:txBody>
+                  <a:tcPr marL="5079" marR="5079" marT="5079" marB="0" anchor="ctr"/>
+                </a:tc>
+                <a:tc>
+                  <a:txBody>
+                    <a:bodyPr/>
+                    <a:lstStyle/>
+                    <a:p>
+                      <a:pPr algn="l" rtl="0" fontAlgn="ctr"/>
+                      <a:r>
+                        <a:rPr lang="es-PE" sz="800" u="none" strike="noStrike" dirty="0">
+                          <a:effectLst/>
+                        </a:rPr>
+                        <a:t>S/.5,185,155.00</a:t>
+                      </a:r>
+                      <a:endParaRPr lang="es-PE" sz="800" b="0" i="0" u="none" strike="noStrike" dirty="0">
+                        <a:solidFill>
+                          <a:srgbClr val="000000"/>
+                        </a:solidFill>
+                        <a:effectLst/>
+                        <a:latin typeface="Arial Narrow" panose="020B0606020202030204" pitchFamily="34" charset="0"/>
+                      </a:endParaRPr>
+                    </a:p>
+                  </a:txBody>
+                  <a:tcPr marL="5079" marR="5079" marT="5079" marB="0" anchor="ctr"/>
+                </a:tc>
+                <a:tc>
+                  <a:txBody>
+                    <a:bodyPr/>
+                    <a:lstStyle/>
+                    <a:p>
+                      <a:pPr algn="ctr" rtl="0" fontAlgn="ctr"/>
+                      <a:r>
+                        <a:rPr lang="es-PE" sz="800" u="none" strike="noStrike" dirty="0">
+                          <a:effectLst/>
+                        </a:rPr>
+                        <a:t>IDEA</a:t>
+                      </a:r>
+                      <a:endParaRPr lang="es-PE" sz="800" b="0" i="0" u="none" strike="noStrike" dirty="0">
+                        <a:solidFill>
+                          <a:srgbClr val="222222"/>
+                        </a:solidFill>
+                        <a:effectLst/>
+                        <a:latin typeface="Arial" panose="020B0604020202020204" pitchFamily="34" charset="0"/>
+                      </a:endParaRPr>
+                    </a:p>
+                  </a:txBody>
+                  <a:tcPr marL="5079" marR="5079" marT="5079" marB="0" anchor="ctr"/>
+                </a:tc>
+                <a:tc>
+                  <a:txBody>
+                    <a:bodyPr/>
+                    <a:lstStyle/>
+                    <a:p>
+                      <a:pPr algn="ctr" rtl="0" fontAlgn="ctr"/>
+                      <a:r>
+                        <a:rPr lang="es-PE" sz="800" u="none" strike="noStrike" dirty="0">
+                          <a:effectLst/>
+                        </a:rPr>
+                        <a:t>5 MESES</a:t>
+                      </a:r>
+                      <a:endParaRPr lang="es-PE" sz="800" b="0" i="0" u="none" strike="noStrike" dirty="0">
+                        <a:solidFill>
+                          <a:srgbClr val="222222"/>
+                        </a:solidFill>
+                        <a:effectLst/>
+                        <a:latin typeface="Arial" panose="020B0604020202020204" pitchFamily="34" charset="0"/>
+                      </a:endParaRPr>
+                    </a:p>
+                  </a:txBody>
+                  <a:tcPr marL="5079" marR="5079" marT="5079" marB="0" anchor="ctr"/>
+                </a:tc>
+                <a:tc>
+                  <a:txBody>
+                    <a:bodyPr/>
+                    <a:lstStyle/>
+                    <a:p>
+                      <a:pPr algn="just" rtl="0" fontAlgn="ctr"/>
+                      <a:r>
+                        <a:rPr lang="es-PE" sz="800" u="none" strike="noStrike" dirty="0">
+                          <a:effectLst/>
+                        </a:rPr>
+                        <a:t>PROVINCIAS DE ABANCAY, AYMARAES, ANDAHUAYLAS, CHINCHEROS Y COTABAMBAS</a:t>
+                      </a:r>
+                      <a:endParaRPr lang="es-PE" sz="800" b="0" i="0" u="none" strike="noStrike" dirty="0">
+                        <a:solidFill>
+                          <a:srgbClr val="000000"/>
+                        </a:solidFill>
+                        <a:effectLst/>
+                        <a:latin typeface="Arial Narrow" panose="020B0606020202030204" pitchFamily="34" charset="0"/>
+                      </a:endParaRPr>
+                    </a:p>
+                  </a:txBody>
+                  <a:tcPr marL="5079" marR="5079" marT="5079" marB="0" anchor="ctr"/>
+                </a:tc>
+                <a:tc>
+                  <a:txBody>
+                    <a:bodyPr/>
+                    <a:lstStyle/>
+                    <a:p>
+                      <a:pPr algn="just" rtl="0" fontAlgn="ctr"/>
+                      <a:r>
+                        <a:rPr lang="es-PE" sz="800" u="none" strike="noStrike">
+                          <a:effectLst/>
+                        </a:rPr>
+                        <a:t>ADMINISTRACIÓN DIRECTA</a:t>
                       </a:r>
                       <a:endParaRPr lang="es-PE" sz="800" b="0" i="0" u="none" strike="noStrike">
                         <a:solidFill>
@@ -7669,157 +10239,15 @@
                       </a:endParaRPr>
                     </a:p>
                   </a:txBody>
-                  <a:tcPr marL="5765" marR="5765" marT="5765" marB="0" anchor="ctr"/>
-                </a:tc>
-                <a:tc>
-                  <a:txBody>
-                    <a:bodyPr/>
-                    <a:lstStyle/>
-                    <a:p>
-                      <a:pPr algn="just" fontAlgn="ctr"/>
-                      <a:r>
-                        <a:rPr lang="es-PE" sz="800" u="none" strike="noStrike" dirty="0">
-                          <a:effectLst/>
-                        </a:rPr>
-                        <a:t>"MEJORAMIENTO DEL SERVICIO DE APOYO PARA LA PRODUCCION DE HONGOS COMESTIBLES 5 PROVINCIAS DEL DEPARTAMENTO DE APURIMAC</a:t>
-                      </a:r>
-                      <a:endParaRPr lang="es-PE" sz="800" b="0" i="0" u="none" strike="noStrike" dirty="0">
-                        <a:solidFill>
-                          <a:srgbClr val="000000"/>
-                        </a:solidFill>
-                        <a:effectLst/>
-                        <a:latin typeface="Arial Narrow" panose="020B0606020202030204" pitchFamily="34" charset="0"/>
-                      </a:endParaRPr>
-                    </a:p>
-                  </a:txBody>
-                  <a:tcPr marL="5765" marR="5765" marT="5765" marB="0" anchor="ctr"/>
-                </a:tc>
-                <a:tc>
-                  <a:txBody>
-                    <a:bodyPr/>
-                    <a:lstStyle/>
-                    <a:p>
-                      <a:pPr algn="l" rtl="0" fontAlgn="ctr"/>
-                      <a:r>
-                        <a:rPr lang="es-PE" sz="800" u="none" strike="noStrike" dirty="0">
-                          <a:effectLst/>
-                        </a:rPr>
-                        <a:t>S/.5,185,155.00</a:t>
-                      </a:r>
-                      <a:endParaRPr lang="es-PE" sz="800" b="0" i="0" u="none" strike="noStrike" dirty="0">
-                        <a:solidFill>
-                          <a:srgbClr val="000000"/>
-                        </a:solidFill>
-                        <a:effectLst/>
-                        <a:latin typeface="Arial Narrow" panose="020B0606020202030204" pitchFamily="34" charset="0"/>
-                      </a:endParaRPr>
-                    </a:p>
-                  </a:txBody>
-                  <a:tcPr marL="5765" marR="5765" marT="5765" marB="0" anchor="ctr"/>
-                </a:tc>
-                <a:tc>
-                  <a:txBody>
-                    <a:bodyPr/>
-                    <a:lstStyle/>
-                    <a:p>
-                      <a:pPr algn="ctr" rtl="0" fontAlgn="ctr"/>
-                      <a:r>
-                        <a:rPr lang="es-PE" sz="800" u="none" strike="noStrike">
-                          <a:effectLst/>
-                        </a:rPr>
-                        <a:t>IDEA</a:t>
-                      </a:r>
-                      <a:endParaRPr lang="es-PE" sz="800" b="0" i="0" u="none" strike="noStrike">
-                        <a:solidFill>
-                          <a:srgbClr val="222222"/>
-                        </a:solidFill>
-                        <a:effectLst/>
-                        <a:latin typeface="Arial" panose="020B0604020202020204" pitchFamily="34" charset="0"/>
-                      </a:endParaRPr>
-                    </a:p>
-                  </a:txBody>
-                  <a:tcPr marL="5765" marR="5765" marT="5765" marB="0" anchor="ctr"/>
-                </a:tc>
-                <a:tc>
-                  <a:txBody>
-                    <a:bodyPr/>
-                    <a:lstStyle/>
-                    <a:p>
-                      <a:pPr algn="ctr" rtl="0" fontAlgn="ctr"/>
-                      <a:r>
-                        <a:rPr lang="es-PE" sz="800" u="none" strike="noStrike">
-                          <a:effectLst/>
-                        </a:rPr>
-                        <a:t>5 MESES</a:t>
-                      </a:r>
-                      <a:endParaRPr lang="es-PE" sz="800" b="0" i="0" u="none" strike="noStrike">
-                        <a:solidFill>
-                          <a:srgbClr val="222222"/>
-                        </a:solidFill>
-                        <a:effectLst/>
-                        <a:latin typeface="Arial" panose="020B0604020202020204" pitchFamily="34" charset="0"/>
-                      </a:endParaRPr>
-                    </a:p>
-                  </a:txBody>
-                  <a:tcPr marL="5765" marR="5765" marT="5765" marB="0" anchor="ctr"/>
-                </a:tc>
-                <a:tc>
-                  <a:txBody>
-                    <a:bodyPr/>
-                    <a:lstStyle/>
-                    <a:p>
-                      <a:pPr algn="just" rtl="0" fontAlgn="ctr">
-                        <a:buClr>
-                          <a:srgbClr val="000000"/>
-                        </a:buClr>
-                        <a:buSzPts val="1000"/>
-                        <a:buFont typeface="Arial Narrow" panose="020B0606020202030204" pitchFamily="34" charset="0"/>
-                        <a:buNone/>
-                      </a:pPr>
-                      <a:r>
-                        <a:rPr lang="es-PE" sz="800" b="0" i="0" u="none" strike="noStrike" dirty="0">
-                          <a:solidFill>
-                            <a:schemeClr val="tx1"/>
-                          </a:solidFill>
-                          <a:effectLst/>
-                          <a:latin typeface="Arial Narrow" panose="020B0606020202030204" pitchFamily="34" charset="0"/>
-                        </a:rPr>
-                        <a:t>PROVINCIAS DE ABANCAY, AYMARAES, ANDAHUAYLAS, CHINCHEROS Y COTABAMBAS</a:t>
-                      </a:r>
-                    </a:p>
-                  </a:txBody>
-                  <a:tcPr marL="5765" marR="5765" marT="5765" marB="0" anchor="ctr"/>
-                </a:tc>
-                <a:tc>
-                  <a:txBody>
-                    <a:bodyPr/>
-                    <a:lstStyle/>
-                    <a:p>
-                      <a:pPr algn="just" rtl="0" fontAlgn="ctr"/>
-                      <a:r>
-                        <a:rPr lang="es-PE" sz="800" u="none" strike="noStrike" dirty="0">
-                          <a:effectLst/>
-                        </a:rPr>
-                        <a:t>ADMINISTRACIÓN DIRECTA</a:t>
-                      </a:r>
-                      <a:endParaRPr lang="es-PE" sz="800" b="0" i="0" u="none" strike="noStrike" dirty="0">
-                        <a:solidFill>
-                          <a:srgbClr val="000000"/>
-                        </a:solidFill>
-                        <a:effectLst/>
-                        <a:latin typeface="Arial Narrow" panose="020B0606020202030204" pitchFamily="34" charset="0"/>
-                      </a:endParaRPr>
-                    </a:p>
-                  </a:txBody>
-                  <a:tcPr marL="5765" marR="5765" marT="5765" marB="0" anchor="ctr"/>
+                  <a:tcPr marL="5079" marR="5079" marT="5079" marB="0" anchor="ctr"/>
                 </a:tc>
                 <a:extLst>
                   <a:ext uri="{0D108BD9-81ED-4DB2-BD59-A6C34878D82A}">
-                    <a16:rowId xmlns:a16="http://schemas.microsoft.com/office/drawing/2014/main" val="2995058976"/>
+                    <a16:rowId xmlns:a16="http://schemas.microsoft.com/office/drawing/2014/main" val="2630986103"/>
                   </a:ext>
                 </a:extLst>
               </a:tr>
-              <a:tr h="1089286">
+              <a:tr h="1099459">
                 <a:tc>
                   <a:txBody>
                     <a:bodyPr/>
@@ -7841,7 +10269,7 @@
                       </a:endParaRPr>
                     </a:p>
                   </a:txBody>
-                  <a:tcPr marL="5765" marR="5765" marT="5765" marB="0" anchor="ctr"/>
+                  <a:tcPr marL="5079" marR="5079" marT="5079" marB="0" anchor="ctr"/>
                 </a:tc>
                 <a:tc>
                   <a:txBody>
@@ -7864,7 +10292,7 @@
                       </a:endParaRPr>
                     </a:p>
                   </a:txBody>
-                  <a:tcPr marL="5765" marR="5765" marT="5765" marB="0" anchor="ctr"/>
+                  <a:tcPr marL="5079" marR="5079" marT="5079" marB="0" anchor="ctr"/>
                 </a:tc>
                 <a:tc>
                   <a:txBody>
@@ -7887,7 +10315,30 @@
                       </a:endParaRPr>
                     </a:p>
                   </a:txBody>
-                  <a:tcPr marL="5765" marR="5765" marT="5765" marB="0" anchor="ctr"/>
+                  <a:tcPr marL="5079" marR="5079" marT="5079" marB="0" anchor="ctr"/>
+                </a:tc>
+                <a:tc>
+                  <a:txBody>
+                    <a:bodyPr/>
+                    <a:lstStyle/>
+                    <a:p>
+                      <a:pPr algn="ctr" rtl="0" fontAlgn="ctr"/>
+                      <a:r>
+                        <a:rPr lang="es-PE" sz="800" u="none" strike="noStrike">
+                          <a:effectLst/>
+                        </a:rPr>
+                        <a:t>PLANEAMIENTO GESTIÓN Y RESERVA DE LA CONTINGENCIA</a:t>
+                      </a:r>
+                      <a:endParaRPr lang="es-PE" sz="800" b="0" i="0" u="none" strike="noStrike">
+                        <a:solidFill>
+                          <a:srgbClr val="000000"/>
+                        </a:solidFill>
+                        <a:effectLst/>
+                        <a:latin typeface="Arial Narrow" panose="020B0606020202030204" pitchFamily="34" charset="0"/>
+                      </a:endParaRPr>
+                    </a:p>
+                  </a:txBody>
+                  <a:tcPr marL="5079" marR="5079" marT="5079" marB="0" anchor="ctr"/>
                 </a:tc>
                 <a:tc>
                   <a:txBody>
@@ -7910,7 +10361,7 @@
                       </a:endParaRPr>
                     </a:p>
                   </a:txBody>
-                  <a:tcPr marL="5765" marR="5765" marT="5765" marB="0" anchor="ctr"/>
+                  <a:tcPr marL="5079" marR="5079" marT="5079" marB="0" anchor="ctr"/>
                 </a:tc>
                 <a:tc>
                   <a:txBody>
@@ -7919,10 +10370,102 @@
                     <a:p>
                       <a:pPr algn="l" rtl="0" fontAlgn="ctr"/>
                       <a:r>
+                        <a:rPr lang="es-PE" sz="800" u="none" strike="noStrike">
+                          <a:effectLst/>
+                        </a:rPr>
+                        <a:t>S/.15,613,021.57</a:t>
+                      </a:r>
+                      <a:endParaRPr lang="es-PE" sz="800" b="0" i="0" u="none" strike="noStrike">
+                        <a:solidFill>
+                          <a:srgbClr val="000000"/>
+                        </a:solidFill>
+                        <a:effectLst/>
+                        <a:latin typeface="Arial Narrow" panose="020B0606020202030204" pitchFamily="34" charset="0"/>
+                      </a:endParaRPr>
+                    </a:p>
+                  </a:txBody>
+                  <a:tcPr marL="5079" marR="5079" marT="5079" marB="0" anchor="ctr"/>
+                </a:tc>
+                <a:tc>
+                  <a:txBody>
+                    <a:bodyPr/>
+                    <a:lstStyle/>
+                    <a:p>
+                      <a:pPr algn="ctr" rtl="0" fontAlgn="ctr"/>
+                      <a:r>
+                        <a:rPr lang="es-PE" sz="800" u="none" strike="noStrike">
+                          <a:effectLst/>
+                        </a:rPr>
+                        <a:t>IDEA</a:t>
+                      </a:r>
+                      <a:endParaRPr lang="es-PE" sz="800" b="0" i="0" u="none" strike="noStrike">
+                        <a:solidFill>
+                          <a:srgbClr val="222222"/>
+                        </a:solidFill>
+                        <a:effectLst/>
+                        <a:latin typeface="Arial" panose="020B0604020202020204" pitchFamily="34" charset="0"/>
+                      </a:endParaRPr>
+                    </a:p>
+                  </a:txBody>
+                  <a:tcPr marL="5079" marR="5079" marT="5079" marB="0" anchor="ctr"/>
+                </a:tc>
+                <a:tc>
+                  <a:txBody>
+                    <a:bodyPr/>
+                    <a:lstStyle/>
+                    <a:p>
+                      <a:pPr algn="ctr" rtl="0" fontAlgn="ctr"/>
+                      <a:r>
+                        <a:rPr lang="es-PE" sz="800" u="none" strike="noStrike">
+                          <a:effectLst/>
+                        </a:rPr>
+                        <a:t>6 MESES</a:t>
+                      </a:r>
+                      <a:endParaRPr lang="es-PE" sz="800" b="0" i="0" u="none" strike="noStrike">
+                        <a:solidFill>
+                          <a:srgbClr val="222222"/>
+                        </a:solidFill>
+                        <a:effectLst/>
+                        <a:latin typeface="Arial" panose="020B0604020202020204" pitchFamily="34" charset="0"/>
+                      </a:endParaRPr>
+                    </a:p>
+                  </a:txBody>
+                  <a:tcPr marL="5079" marR="5079" marT="5079" marB="0" anchor="ctr"/>
+                </a:tc>
+                <a:tc>
+                  <a:txBody>
+                    <a:bodyPr/>
+                    <a:lstStyle/>
+                    <a:p>
+                      <a:pPr algn="just" rtl="0" fontAlgn="ctr"/>
+                      <a:r>
+                        <a:rPr lang="es-PE" sz="800" u="none" strike="noStrike">
+                          <a:effectLst/>
+                        </a:rPr>
+                        <a:t>LAS 07 PROVINCIAS DE LA REGIÓN APURÍMAC</a:t>
+                      </a:r>
+                      <a:endParaRPr lang="es-PE" sz="800" b="0" i="0" u="none" strike="noStrike">
+                        <a:solidFill>
+                          <a:srgbClr val="000000"/>
+                        </a:solidFill>
+                        <a:effectLst/>
+                        <a:latin typeface="Arial Narrow" panose="020B0606020202030204" pitchFamily="34" charset="0"/>
+                      </a:endParaRPr>
+                    </a:p>
+                  </a:txBody>
+                  <a:tcPr marL="5079" marR="5079" marT="5079" marB="0" anchor="ctr"/>
+                </a:tc>
+                <a:tc>
+                  <a:txBody>
+                    <a:bodyPr/>
+                    <a:lstStyle/>
+                    <a:p>
+                      <a:pPr algn="just" rtl="0" fontAlgn="ctr"/>
+                      <a:r>
                         <a:rPr lang="es-PE" sz="800" u="none" strike="noStrike" dirty="0">
                           <a:effectLst/>
                         </a:rPr>
-                        <a:t>S/.15,613,021.57</a:t>
+                        <a:t>ADMINISTRACIÓN DIRECTA</a:t>
                       </a:r>
                       <a:endParaRPr lang="es-PE" sz="800" b="0" i="0" u="none" strike="noStrike" dirty="0">
                         <a:solidFill>
@@ -7933,107 +10476,11 @@
                       </a:endParaRPr>
                     </a:p>
                   </a:txBody>
-                  <a:tcPr marL="5765" marR="5765" marT="5765" marB="0" anchor="ctr"/>
-                </a:tc>
-                <a:tc>
-                  <a:txBody>
-                    <a:bodyPr/>
-                    <a:lstStyle/>
-                    <a:p>
-                      <a:pPr algn="ctr" rtl="0" fontAlgn="ctr"/>
-                      <a:r>
-                        <a:rPr lang="es-PE" sz="800" u="none" strike="noStrike">
-                          <a:effectLst/>
-                        </a:rPr>
-                        <a:t>IDEA</a:t>
-                      </a:r>
-                      <a:endParaRPr lang="es-PE" sz="800" b="0" i="0" u="none" strike="noStrike">
-                        <a:solidFill>
-                          <a:srgbClr val="222222"/>
-                        </a:solidFill>
-                        <a:effectLst/>
-                        <a:latin typeface="Arial" panose="020B0604020202020204" pitchFamily="34" charset="0"/>
-                      </a:endParaRPr>
-                    </a:p>
-                  </a:txBody>
-                  <a:tcPr marL="5765" marR="5765" marT="5765" marB="0" anchor="ctr"/>
-                </a:tc>
-                <a:tc>
-                  <a:txBody>
-                    <a:bodyPr/>
-                    <a:lstStyle/>
-                    <a:p>
-                      <a:pPr algn="ctr" rtl="0" fontAlgn="ctr"/>
-                      <a:r>
-                        <a:rPr lang="es-PE" sz="800" u="none" strike="noStrike">
-                          <a:effectLst/>
-                        </a:rPr>
-                        <a:t>6 MESES</a:t>
-                      </a:r>
-                      <a:endParaRPr lang="es-PE" sz="800" b="0" i="0" u="none" strike="noStrike">
-                        <a:solidFill>
-                          <a:srgbClr val="222222"/>
-                        </a:solidFill>
-                        <a:effectLst/>
-                        <a:latin typeface="Arial" panose="020B0604020202020204" pitchFamily="34" charset="0"/>
-                      </a:endParaRPr>
-                    </a:p>
-                  </a:txBody>
-                  <a:tcPr marL="5765" marR="5765" marT="5765" marB="0" anchor="ctr"/>
-                </a:tc>
-                <a:tc>
-                  <a:txBody>
-                    <a:bodyPr/>
-                    <a:lstStyle/>
-                    <a:p>
-                      <a:pPr algn="just" rtl="0" fontAlgn="ctr">
-                        <a:buClr>
-                          <a:srgbClr val="000000"/>
-                        </a:buClr>
-                        <a:buSzPts val="1000"/>
-                        <a:buFont typeface="Arial Narrow" panose="020B0606020202030204" pitchFamily="34" charset="0"/>
-                        <a:buNone/>
-                      </a:pPr>
-                      <a:r>
-                        <a:rPr lang="es-PE" sz="800" b="0" i="0" u="none" strike="noStrike" dirty="0">
-                          <a:solidFill>
-                            <a:schemeClr val="tx1"/>
-                          </a:solidFill>
-                          <a:effectLst/>
-                          <a:latin typeface="Arial Narrow" panose="020B0606020202030204" pitchFamily="34" charset="0"/>
-                        </a:rPr>
-                        <a:t>LAS 07 PROVINCIAS DE LA REGIÓN APURÍMAC</a:t>
-                      </a:r>
-                    </a:p>
-                  </a:txBody>
-                  <a:tcPr marL="5765" marR="5765" marT="5765" marB="0" anchor="ctr"/>
-                </a:tc>
-                <a:tc>
-                  <a:txBody>
-                    <a:bodyPr/>
-                    <a:lstStyle/>
-                    <a:p>
-                      <a:pPr algn="just" rtl="0" fontAlgn="ctr"/>
-                      <a:r>
-                        <a:rPr lang="es-PE" sz="800" u="none" strike="noStrike" dirty="0">
-                          <a:effectLst/>
-                        </a:rPr>
-                        <a:t>ADMINISTRACIÓN DIRECTA</a:t>
-                      </a:r>
-                      <a:endParaRPr lang="es-PE" sz="800" b="0" i="0" u="none" strike="noStrike" dirty="0">
-                        <a:solidFill>
-                          <a:srgbClr val="000000"/>
-                        </a:solidFill>
-                        <a:effectLst/>
-                        <a:latin typeface="Arial Narrow" panose="020B0606020202030204" pitchFamily="34" charset="0"/>
-                      </a:endParaRPr>
-                    </a:p>
-                  </a:txBody>
-                  <a:tcPr marL="5765" marR="5765" marT="5765" marB="0" anchor="ctr"/>
+                  <a:tcPr marL="5079" marR="5079" marT="5079" marB="0" anchor="ctr"/>
                 </a:tc>
                 <a:extLst>
                   <a:ext uri="{0D108BD9-81ED-4DB2-BD59-A6C34878D82A}">
-                    <a16:rowId xmlns:a16="http://schemas.microsoft.com/office/drawing/2014/main" val="726645582"/>
+                    <a16:rowId xmlns:a16="http://schemas.microsoft.com/office/drawing/2014/main" val="970051627"/>
                   </a:ext>
                 </a:extLst>
               </a:tr>

--- a/Proyectos Funcion - PRODUCCIÓN.pptx
+++ b/Proyectos Funcion - PRODUCCIÓN.pptx
@@ -7629,11 +7629,11 @@
             </a:pPr>
             <a:r>
               <a:rPr lang="en" sz="4000" b="1" dirty="0"/>
-              <a:t>Proyectos de inversion Función - </a:t>
+              <a:t>Proyectos de inversion Función – </a:t>
             </a:r>
             <a:r>
-              <a:rPr lang="es-PE" sz="4000" b="1" dirty="0"/>
-              <a:t>Producción</a:t>
+              <a:rPr lang="es-PE" sz="4000" b="1"/>
+              <a:t>Producción y turismo </a:t>
             </a:r>
             <a:endParaRPr sz="4000" b="1" dirty="0"/>
           </a:p>

--- a/Proyectos Funcion - PRODUCCIÓN.pptx
+++ b/Proyectos Funcion - PRODUCCIÓN.pptx
@@ -4247,14 +4247,14 @@
           <p:nvPr>
             <p:extLst>
               <p:ext uri="{D42A27DB-BD31-4B8C-83A1-F6EECF244321}">
-                <p14:modId xmlns:p14="http://schemas.microsoft.com/office/powerpoint/2010/main" val="3769237222"/>
+                <p14:modId xmlns:p14="http://schemas.microsoft.com/office/powerpoint/2010/main" val="4147584871"/>
               </p:ext>
             </p:extLst>
           </p:nvPr>
         </p:nvGraphicFramePr>
         <p:xfrm>
-          <a:off x="507846" y="974470"/>
-          <a:ext cx="7922054" cy="3991387"/>
+          <a:off x="507845" y="974470"/>
+          <a:ext cx="7922056" cy="3821135"/>
         </p:xfrm>
         <a:graphic>
           <a:graphicData uri="http://schemas.openxmlformats.org/drawingml/2006/table">
@@ -4263,63 +4263,49 @@
                 <a:tableStyleId>{B296C3B7-51D5-40FC-B7EA-EAF5845D4BE8}</a:tableStyleId>
               </a:tblPr>
               <a:tblGrid>
-                <a:gridCol w="551098">
+                <a:gridCol w="646257">
                   <a:extLst>
                     <a:ext uri="{9D8B030D-6E8A-4147-A177-3AD203B41FA5}">
                       <a16:colId xmlns:a16="http://schemas.microsoft.com/office/drawing/2014/main" val="1274137272"/>
                     </a:ext>
                   </a:extLst>
                 </a:gridCol>
-                <a:gridCol w="709541">
+                <a:gridCol w="832059">
                   <a:extLst>
                     <a:ext uri="{9D8B030D-6E8A-4147-A177-3AD203B41FA5}">
                       <a16:colId xmlns:a16="http://schemas.microsoft.com/office/drawing/2014/main" val="290256903"/>
                     </a:ext>
                   </a:extLst>
                 </a:gridCol>
-                <a:gridCol w="551098">
-                  <a:extLst>
-                    <a:ext uri="{9D8B030D-6E8A-4147-A177-3AD203B41FA5}">
-                      <a16:colId xmlns:a16="http://schemas.microsoft.com/office/drawing/2014/main" val="3068254422"/>
-                    </a:ext>
-                  </a:extLst>
-                </a:gridCol>
-                <a:gridCol w="1910479">
+                <a:gridCol w="2240364">
                   <a:extLst>
                     <a:ext uri="{9D8B030D-6E8A-4147-A177-3AD203B41FA5}">
                       <a16:colId xmlns:a16="http://schemas.microsoft.com/office/drawing/2014/main" val="2056464295"/>
                     </a:ext>
                   </a:extLst>
                 </a:gridCol>
-                <a:gridCol w="709541">
+                <a:gridCol w="832059">
                   <a:extLst>
                     <a:ext uri="{9D8B030D-6E8A-4147-A177-3AD203B41FA5}">
                       <a16:colId xmlns:a16="http://schemas.microsoft.com/office/drawing/2014/main" val="182926518"/>
                     </a:ext>
                   </a:extLst>
                 </a:gridCol>
-                <a:gridCol w="615394">
+                <a:gridCol w="721655">
                   <a:extLst>
                     <a:ext uri="{9D8B030D-6E8A-4147-A177-3AD203B41FA5}">
                       <a16:colId xmlns:a16="http://schemas.microsoft.com/office/drawing/2014/main" val="3649626484"/>
                     </a:ext>
                   </a:extLst>
                 </a:gridCol>
-                <a:gridCol w="615394">
-                  <a:extLst>
-                    <a:ext uri="{9D8B030D-6E8A-4147-A177-3AD203B41FA5}">
-                      <a16:colId xmlns:a16="http://schemas.microsoft.com/office/drawing/2014/main" val="2196583795"/>
-                    </a:ext>
-                  </a:extLst>
-                </a:gridCol>
-                <a:gridCol w="863389">
+                <a:gridCol w="1012472">
                   <a:extLst>
                     <a:ext uri="{9D8B030D-6E8A-4147-A177-3AD203B41FA5}">
                       <a16:colId xmlns:a16="http://schemas.microsoft.com/office/drawing/2014/main" val="1804485331"/>
                     </a:ext>
                   </a:extLst>
                 </a:gridCol>
-                <a:gridCol w="1396120">
+                <a:gridCol w="1637190">
                   <a:extLst>
                     <a:ext uri="{9D8B030D-6E8A-4147-A177-3AD203B41FA5}">
                       <a16:colId xmlns:a16="http://schemas.microsoft.com/office/drawing/2014/main" val="3370959102"/>
@@ -4384,7 +4370,7 @@
                         <a:rPr lang="es-PE" sz="800" b="1" u="none" strike="noStrike" dirty="0">
                           <a:effectLst/>
                         </a:rPr>
-                        <a:t>CÓDIGO DE IDEA</a:t>
+                        <a:t>NOMBRE DEL PROYECTO DE INVERSIÓN</a:t>
                       </a:r>
                       <a:endParaRPr lang="es-PE" sz="800" b="1" i="0" u="none" strike="noStrike" dirty="0">
                         <a:solidFill>
@@ -4407,7 +4393,7 @@
                         <a:rPr lang="es-PE" sz="800" b="1" u="none" strike="noStrike" dirty="0">
                           <a:effectLst/>
                         </a:rPr>
-                        <a:t>NOMBRE DEL PROYECTO DE INVERSIÓN</a:t>
+                        <a:t>MONTO DE INVERSIÓN (s/.)</a:t>
                       </a:r>
                       <a:endParaRPr lang="es-PE" sz="800" b="1" i="0" u="none" strike="noStrike" dirty="0">
                         <a:solidFill>
@@ -4430,53 +4416,7 @@
                         <a:rPr lang="es-PE" sz="800" b="1" u="none" strike="noStrike" dirty="0">
                           <a:effectLst/>
                         </a:rPr>
-                        <a:t>MONTO DE INVERSIÓN (s/.)</a:t>
-                      </a:r>
-                      <a:endParaRPr lang="es-PE" sz="800" b="1" i="0" u="none" strike="noStrike" dirty="0">
-                        <a:solidFill>
-                          <a:srgbClr val="000000"/>
-                        </a:solidFill>
-                        <a:effectLst/>
-                        <a:latin typeface="Arial Narrow" panose="020B0606020202030204" pitchFamily="34" charset="0"/>
-                      </a:endParaRPr>
-                    </a:p>
-                  </a:txBody>
-                  <a:tcPr marL="5250" marR="5250" marT="5250" marB="0" anchor="ctr"/>
-                </a:tc>
-                <a:tc>
-                  <a:txBody>
-                    <a:bodyPr/>
-                    <a:lstStyle/>
-                    <a:p>
-                      <a:pPr algn="ctr" rtl="0" fontAlgn="ctr"/>
-                      <a:r>
-                        <a:rPr lang="es-PE" sz="800" b="1" u="none" strike="noStrike" dirty="0">
-                          <a:effectLst/>
-                        </a:rPr>
                         <a:t>ESTADO SITUACIONAL</a:t>
-                      </a:r>
-                      <a:endParaRPr lang="es-PE" sz="800" b="1" i="0" u="none" strike="noStrike" dirty="0">
-                        <a:solidFill>
-                          <a:srgbClr val="000000"/>
-                        </a:solidFill>
-                        <a:effectLst/>
-                        <a:latin typeface="Arial Narrow" panose="020B0606020202030204" pitchFamily="34" charset="0"/>
-                      </a:endParaRPr>
-                    </a:p>
-                  </a:txBody>
-                  <a:tcPr marL="5250" marR="5250" marT="5250" marB="0" anchor="ctr"/>
-                </a:tc>
-                <a:tc>
-                  <a:txBody>
-                    <a:bodyPr/>
-                    <a:lstStyle/>
-                    <a:p>
-                      <a:pPr algn="ctr" rtl="0" fontAlgn="ctr"/>
-                      <a:r>
-                        <a:rPr lang="es-PE" sz="800" b="1" u="none" strike="noStrike" dirty="0">
-                          <a:effectLst/>
-                        </a:rPr>
-                        <a:t>DURACIÓN</a:t>
                       </a:r>
                       <a:endParaRPr lang="es-PE" sz="800" b="1" i="0" u="none" strike="noStrike" dirty="0">
                         <a:solidFill>
@@ -4572,10 +4512,36 @@
                     <a:p>
                       <a:pPr algn="ctr" rtl="0" fontAlgn="ctr"/>
                       <a:r>
+                        <a:rPr lang="es-PE" sz="800" u="none" strike="noStrike" dirty="0">
+                          <a:effectLst/>
+                        </a:rPr>
+                        <a:t>2234047</a:t>
+                      </a:r>
+                    </a:p>
+                    <a:p>
+                      <a:pPr algn="ctr" rtl="0" fontAlgn="ctr"/>
+                      <a:endParaRPr lang="es-PE" sz="800" b="0" i="0" u="none" strike="noStrike" dirty="0">
+                        <a:solidFill>
+                          <a:srgbClr val="000000"/>
+                        </a:solidFill>
+                        <a:effectLst/>
+                        <a:latin typeface="Arial Narrow" panose="020B0606020202030204" pitchFamily="34" charset="0"/>
+                      </a:endParaRPr>
+                    </a:p>
+                  </a:txBody>
+                  <a:tcPr marL="5250" marR="5250" marT="5250" marB="0" anchor="ctr"/>
+                </a:tc>
+                <a:tc>
+                  <a:txBody>
+                    <a:bodyPr/>
+                    <a:lstStyle/>
+                    <a:p>
+                      <a:pPr algn="l" rtl="0" fontAlgn="ctr"/>
+                      <a:r>
                         <a:rPr lang="es-PE" sz="800" u="none" strike="noStrike">
                           <a:effectLst/>
                         </a:rPr>
-                        <a:t>2234047</a:t>
+                        <a:t>“MEJORAMIENTO DE LA COMPETITIVIDAD DE LA CADENA PRODUCTIVA DE LACTEOS EN 62 COMUNIDADES DE 22 DISTRITOS DE LAS PROVINCIAS DE ANDAHUAYLAS Y CHINCHEROS, REGION APURIMAC”.</a:t>
                       </a:r>
                       <a:endParaRPr lang="es-PE" sz="800" b="0" i="0" u="none" strike="noStrike">
                         <a:solidFill>
@@ -4593,12 +4559,35 @@
                     <a:bodyPr/>
                     <a:lstStyle/>
                     <a:p>
+                      <a:pPr algn="r" rtl="0" fontAlgn="ctr"/>
+                      <a:r>
+                        <a:rPr lang="es-PE" sz="800" u="none" strike="noStrike" dirty="0">
+                          <a:effectLst/>
+                        </a:rPr>
+                        <a:t>10865904.69</a:t>
+                      </a:r>
+                      <a:endParaRPr lang="es-PE" sz="800" b="0" i="0" u="none" strike="noStrike" dirty="0">
+                        <a:solidFill>
+                          <a:srgbClr val="000000"/>
+                        </a:solidFill>
+                        <a:effectLst/>
+                        <a:latin typeface="Arial Narrow" panose="020B0606020202030204" pitchFamily="34" charset="0"/>
+                      </a:endParaRPr>
+                    </a:p>
+                  </a:txBody>
+                  <a:tcPr marL="5250" marR="5250" marT="5250" marB="0" anchor="ctr"/>
+                </a:tc>
+                <a:tc>
+                  <a:txBody>
+                    <a:bodyPr/>
+                    <a:lstStyle/>
+                    <a:p>
                       <a:pPr algn="ctr" rtl="0" fontAlgn="ctr"/>
                       <a:r>
                         <a:rPr lang="es-PE" sz="800" u="none" strike="noStrike">
                           <a:effectLst/>
                         </a:rPr>
-                        <a:t>-</a:t>
+                        <a:t>VIABLE</a:t>
                       </a:r>
                       <a:endParaRPr lang="es-PE" sz="800" b="0" i="0" u="none" strike="noStrike">
                         <a:solidFill>
@@ -4616,14 +4605,14 @@
                     <a:bodyPr/>
                     <a:lstStyle/>
                     <a:p>
-                      <a:pPr algn="just" rtl="0" fontAlgn="ctr"/>
-                      <a:r>
-                        <a:rPr lang="es-PE" sz="800" u="none" strike="noStrike">
-                          <a:effectLst/>
-                        </a:rPr>
-                        <a:t>“MEJORAMIENTO DE LA COMPETITIVIDAD DE LA CADENA PRODUCTIVA DE LACTEOS EN 62 COMUNIDADES DE 22 DISTRITOS DE LAS PROVINCIAS DE ANDAHUAYLAS Y CHINCHEROS, REGION APURIMAC”.</a:t>
-                      </a:r>
-                      <a:endParaRPr lang="es-PE" sz="800" b="0" i="0" u="none" strike="noStrike">
+                      <a:pPr algn="l" rtl="0" fontAlgn="ctr"/>
+                      <a:r>
+                        <a:rPr lang="es-PE" sz="800" u="none" strike="noStrike" dirty="0">
+                          <a:effectLst/>
+                        </a:rPr>
+                        <a:t>22 DISTRITOS (62 comunidades)</a:t>
+                      </a:r>
+                      <a:endParaRPr lang="es-PE" sz="800" b="0" i="0" u="none" strike="noStrike" dirty="0">
                         <a:solidFill>
                           <a:srgbClr val="000000"/>
                         </a:solidFill>
@@ -4639,112 +4628,17 @@
                     <a:bodyPr/>
                     <a:lstStyle/>
                     <a:p>
-                      <a:pPr algn="r" rtl="0" fontAlgn="ctr"/>
-                      <a:r>
-                        <a:rPr lang="es-PE" sz="800" u="none" strike="noStrike" dirty="0">
-                          <a:effectLst/>
-                        </a:rPr>
-                        <a:t>10865904.69</a:t>
-                      </a:r>
-                      <a:endParaRPr lang="es-PE" sz="800" b="0" i="0" u="none" strike="noStrike" dirty="0">
-                        <a:solidFill>
-                          <a:srgbClr val="000000"/>
-                        </a:solidFill>
-                        <a:effectLst/>
-                        <a:latin typeface="Arial Narrow" panose="020B0606020202030204" pitchFamily="34" charset="0"/>
-                      </a:endParaRPr>
-                    </a:p>
-                  </a:txBody>
-                  <a:tcPr marL="5250" marR="5250" marT="5250" marB="0" anchor="ctr"/>
-                </a:tc>
-                <a:tc>
-                  <a:txBody>
-                    <a:bodyPr/>
-                    <a:lstStyle/>
-                    <a:p>
-                      <a:pPr algn="ctr" rtl="0" fontAlgn="ctr"/>
-                      <a:r>
-                        <a:rPr lang="es-PE" sz="800" u="none" strike="noStrike">
-                          <a:effectLst/>
-                        </a:rPr>
-                        <a:t>VIABLE</a:t>
-                      </a:r>
-                      <a:endParaRPr lang="es-PE" sz="800" b="0" i="0" u="none" strike="noStrike">
-                        <a:solidFill>
-                          <a:srgbClr val="000000"/>
-                        </a:solidFill>
-                        <a:effectLst/>
-                        <a:latin typeface="Arial Narrow" panose="020B0606020202030204" pitchFamily="34" charset="0"/>
-                      </a:endParaRPr>
-                    </a:p>
-                  </a:txBody>
-                  <a:tcPr marL="5250" marR="5250" marT="5250" marB="0" anchor="ctr"/>
-                </a:tc>
-                <a:tc>
-                  <a:txBody>
-                    <a:bodyPr/>
-                    <a:lstStyle/>
-                    <a:p>
-                      <a:pPr algn="ctr" rtl="0" fontAlgn="ctr"/>
-                      <a:r>
-                        <a:rPr lang="es-PE" sz="800" u="none" strike="noStrike">
-                          <a:effectLst/>
-                        </a:rPr>
-                        <a:t>03 MESES</a:t>
-                      </a:r>
-                      <a:endParaRPr lang="es-PE" sz="800" b="0" i="0" u="none" strike="noStrike">
-                        <a:solidFill>
-                          <a:srgbClr val="000000"/>
-                        </a:solidFill>
-                        <a:effectLst/>
-                        <a:latin typeface="Arial Narrow" panose="020B0606020202030204" pitchFamily="34" charset="0"/>
-                      </a:endParaRPr>
-                    </a:p>
-                  </a:txBody>
-                  <a:tcPr marL="5250" marR="5250" marT="5250" marB="0" anchor="ctr"/>
-                </a:tc>
-                <a:tc>
-                  <a:txBody>
-                    <a:bodyPr/>
-                    <a:lstStyle/>
-                    <a:p>
-                      <a:pPr algn="l" rtl="0" fontAlgn="ctr"/>
-                      <a:r>
-                        <a:rPr lang="es-PE" sz="800" u="none" strike="noStrike">
-                          <a:effectLst/>
-                        </a:rPr>
-                        <a:t>62 COMUNIDADES DE 22 DISTRITOS DE LAS PROVINCIAS DE ANDAHUAYLAS Y CHINCHEROS,</a:t>
-                      </a:r>
-                      <a:endParaRPr lang="es-PE" sz="800" b="0" i="0" u="none" strike="noStrike">
-                        <a:solidFill>
-                          <a:srgbClr val="000000"/>
-                        </a:solidFill>
-                        <a:effectLst/>
-                        <a:latin typeface="Arial Narrow" panose="020B0606020202030204" pitchFamily="34" charset="0"/>
-                      </a:endParaRPr>
-                    </a:p>
-                  </a:txBody>
-                  <a:tcPr marL="5250" marR="5250" marT="5250" marB="0" anchor="ctr"/>
-                </a:tc>
-                <a:tc>
-                  <a:txBody>
-                    <a:bodyPr/>
-                    <a:lstStyle/>
-                    <a:p>
                       <a:pPr algn="ctr" fontAlgn="ctr"/>
                       <a:r>
-                        <a:rPr lang="es-PE" sz="800" u="none" strike="noStrike">
-                          <a:effectLst/>
-                        </a:rPr>
-                        <a:t>-</a:t>
-                      </a:r>
-                      <a:endParaRPr lang="es-PE" sz="800" b="0" i="0" u="none" strike="noStrike">
-                        <a:solidFill>
-                          <a:srgbClr val="000000"/>
-                        </a:solidFill>
-                        <a:effectLst/>
-                        <a:latin typeface="Arial Narrow" panose="020B0606020202030204" pitchFamily="34" charset="0"/>
-                      </a:endParaRPr>
+                        <a:rPr lang="es-PE" sz="800" b="0" i="0" u="none" strike="noStrike" dirty="0">
+                          <a:solidFill>
+                            <a:srgbClr val="000000"/>
+                          </a:solidFill>
+                          <a:effectLst/>
+                          <a:latin typeface="Arial Narrow" panose="020B0606020202030204" pitchFamily="34" charset="0"/>
+                        </a:rPr>
+                        <a:t>GRDE</a:t>
+                      </a:r>
                     </a:p>
                   </a:txBody>
                   <a:tcPr marL="5250" marR="5250" marT="5250" marB="0" anchor="ctr"/>
@@ -4786,10 +4680,36 @@
                     <a:p>
                       <a:pPr algn="ctr" rtl="0" fontAlgn="ctr"/>
                       <a:r>
+                        <a:rPr lang="es-PE" sz="800" u="none" strike="noStrike" dirty="0">
+                          <a:effectLst/>
+                        </a:rPr>
+                        <a:t>2462399</a:t>
+                      </a:r>
+                    </a:p>
+                    <a:p>
+                      <a:pPr algn="ctr" rtl="0" fontAlgn="ctr"/>
+                      <a:endParaRPr lang="es-PE" sz="800" b="0" i="0" u="none" strike="noStrike" dirty="0">
+                        <a:solidFill>
+                          <a:srgbClr val="000000"/>
+                        </a:solidFill>
+                        <a:effectLst/>
+                        <a:latin typeface="Arial Narrow" panose="020B0606020202030204" pitchFamily="34" charset="0"/>
+                      </a:endParaRPr>
+                    </a:p>
+                  </a:txBody>
+                  <a:tcPr marL="5250" marR="5250" marT="5250" marB="0" anchor="ctr"/>
+                </a:tc>
+                <a:tc>
+                  <a:txBody>
+                    <a:bodyPr/>
+                    <a:lstStyle/>
+                    <a:p>
+                      <a:pPr algn="l" rtl="0" fontAlgn="ctr"/>
+                      <a:r>
                         <a:rPr lang="es-PE" sz="800" u="none" strike="noStrike">
                           <a:effectLst/>
                         </a:rPr>
-                        <a:t>2462399</a:t>
+                        <a:t>“MEJORAMIENTO DE LA COMPETITIVIDAD DE LA CADENA DE VALOR DE LA PAPA EN 50 DISTRITOS DE LAS 7 PROVINCIAS DE LA REGIÓN APURÍMAC”.  </a:t>
                       </a:r>
                       <a:endParaRPr lang="es-PE" sz="800" b="0" i="0" u="none" strike="noStrike">
                         <a:solidFill>
@@ -4807,12 +4727,35 @@
                     <a:bodyPr/>
                     <a:lstStyle/>
                     <a:p>
+                      <a:pPr algn="r" rtl="0" fontAlgn="ctr"/>
+                      <a:r>
+                        <a:rPr lang="es-PE" sz="800" u="none" strike="noStrike" dirty="0">
+                          <a:effectLst/>
+                        </a:rPr>
+                        <a:t>31,603,109.84</a:t>
+                      </a:r>
+                      <a:endParaRPr lang="es-PE" sz="800" b="0" i="0" u="none" strike="noStrike" dirty="0">
+                        <a:solidFill>
+                          <a:srgbClr val="000000"/>
+                        </a:solidFill>
+                        <a:effectLst/>
+                        <a:latin typeface="Arial Narrow" panose="020B0606020202030204" pitchFamily="34" charset="0"/>
+                      </a:endParaRPr>
+                    </a:p>
+                  </a:txBody>
+                  <a:tcPr marL="5250" marR="5250" marT="5250" marB="0" anchor="ctr"/>
+                </a:tc>
+                <a:tc>
+                  <a:txBody>
+                    <a:bodyPr/>
+                    <a:lstStyle/>
+                    <a:p>
                       <a:pPr algn="ctr" rtl="0" fontAlgn="ctr"/>
                       <a:r>
                         <a:rPr lang="es-PE" sz="800" u="none" strike="noStrike">
                           <a:effectLst/>
                         </a:rPr>
-                        <a:t>-</a:t>
+                        <a:t>VIABLE</a:t>
                       </a:r>
                       <a:endParaRPr lang="es-PE" sz="800" b="0" i="0" u="none" strike="noStrike">
                         <a:solidFill>
@@ -4830,14 +4773,14 @@
                     <a:bodyPr/>
                     <a:lstStyle/>
                     <a:p>
-                      <a:pPr algn="just" rtl="0" fontAlgn="ctr"/>
-                      <a:r>
-                        <a:rPr lang="es-PE" sz="800" u="none" strike="noStrike">
-                          <a:effectLst/>
-                        </a:rPr>
-                        <a:t>“MEJORAMIENTO DE LA COMPETITIVIDAD DE LA CADENA DE VALOR DE LA PAPA EN 50 DISTRITOS DE LAS 7 PROVINCIAS DE LA REGIÓN APURÍMAC”.  </a:t>
-                      </a:r>
-                      <a:endParaRPr lang="es-PE" sz="800" b="0" i="0" u="none" strike="noStrike">
+                      <a:pPr algn="l" rtl="0" fontAlgn="ctr"/>
+                      <a:r>
+                        <a:rPr lang="es-PE" sz="800" u="none" strike="noStrike" dirty="0">
+                          <a:effectLst/>
+                        </a:rPr>
+                        <a:t>50 DISTRITOS </a:t>
+                      </a:r>
+                      <a:endParaRPr lang="es-PE" sz="800" b="0" i="0" u="none" strike="noStrike" dirty="0">
                         <a:solidFill>
                           <a:srgbClr val="000000"/>
                         </a:solidFill>
@@ -4853,112 +4796,17 @@
                     <a:bodyPr/>
                     <a:lstStyle/>
                     <a:p>
-                      <a:pPr algn="r" rtl="0" fontAlgn="ctr"/>
-                      <a:r>
-                        <a:rPr lang="es-PE" sz="800" u="none" strike="noStrike" dirty="0">
-                          <a:effectLst/>
-                        </a:rPr>
-                        <a:t>31,603,109.84</a:t>
-                      </a:r>
-                      <a:endParaRPr lang="es-PE" sz="800" b="0" i="0" u="none" strike="noStrike" dirty="0">
-                        <a:solidFill>
-                          <a:srgbClr val="000000"/>
-                        </a:solidFill>
-                        <a:effectLst/>
-                        <a:latin typeface="Arial Narrow" panose="020B0606020202030204" pitchFamily="34" charset="0"/>
-                      </a:endParaRPr>
-                    </a:p>
-                  </a:txBody>
-                  <a:tcPr marL="5250" marR="5250" marT="5250" marB="0" anchor="ctr"/>
-                </a:tc>
-                <a:tc>
-                  <a:txBody>
-                    <a:bodyPr/>
-                    <a:lstStyle/>
-                    <a:p>
-                      <a:pPr algn="ctr" rtl="0" fontAlgn="ctr"/>
-                      <a:r>
-                        <a:rPr lang="es-PE" sz="800" u="none" strike="noStrike">
-                          <a:effectLst/>
-                        </a:rPr>
-                        <a:t>VIABLE</a:t>
-                      </a:r>
-                      <a:endParaRPr lang="es-PE" sz="800" b="0" i="0" u="none" strike="noStrike">
-                        <a:solidFill>
-                          <a:srgbClr val="000000"/>
-                        </a:solidFill>
-                        <a:effectLst/>
-                        <a:latin typeface="Arial Narrow" panose="020B0606020202030204" pitchFamily="34" charset="0"/>
-                      </a:endParaRPr>
-                    </a:p>
-                  </a:txBody>
-                  <a:tcPr marL="5250" marR="5250" marT="5250" marB="0" anchor="ctr"/>
-                </a:tc>
-                <a:tc>
-                  <a:txBody>
-                    <a:bodyPr/>
-                    <a:lstStyle/>
-                    <a:p>
-                      <a:pPr algn="ctr" rtl="0" fontAlgn="ctr"/>
-                      <a:r>
-                        <a:rPr lang="es-PE" sz="800" u="none" strike="noStrike">
-                          <a:effectLst/>
-                        </a:rPr>
-                        <a:t>06 MESES</a:t>
-                      </a:r>
-                      <a:endParaRPr lang="es-PE" sz="800" b="0" i="0" u="none" strike="noStrike">
-                        <a:solidFill>
-                          <a:srgbClr val="000000"/>
-                        </a:solidFill>
-                        <a:effectLst/>
-                        <a:latin typeface="Arial Narrow" panose="020B0606020202030204" pitchFamily="34" charset="0"/>
-                      </a:endParaRPr>
-                    </a:p>
-                  </a:txBody>
-                  <a:tcPr marL="5250" marR="5250" marT="5250" marB="0" anchor="ctr"/>
-                </a:tc>
-                <a:tc>
-                  <a:txBody>
-                    <a:bodyPr/>
-                    <a:lstStyle/>
-                    <a:p>
-                      <a:pPr algn="l" rtl="0" fontAlgn="ctr"/>
-                      <a:r>
-                        <a:rPr lang="es-PE" sz="800" u="none" strike="noStrike">
-                          <a:effectLst/>
-                        </a:rPr>
-                        <a:t>50 DISTRITOS DE LAS 07 PROVINCIAS DE LA REGIÓN APURÍMAC</a:t>
-                      </a:r>
-                      <a:endParaRPr lang="es-PE" sz="800" b="0" i="0" u="none" strike="noStrike">
-                        <a:solidFill>
-                          <a:srgbClr val="000000"/>
-                        </a:solidFill>
-                        <a:effectLst/>
-                        <a:latin typeface="Arial Narrow" panose="020B0606020202030204" pitchFamily="34" charset="0"/>
-                      </a:endParaRPr>
-                    </a:p>
-                  </a:txBody>
-                  <a:tcPr marL="5250" marR="5250" marT="5250" marB="0" anchor="ctr"/>
-                </a:tc>
-                <a:tc>
-                  <a:txBody>
-                    <a:bodyPr/>
-                    <a:lstStyle/>
-                    <a:p>
                       <a:pPr algn="ctr" fontAlgn="ctr"/>
                       <a:r>
-                        <a:rPr lang="es-PE" sz="800" u="none" strike="noStrike">
-                          <a:effectLst/>
-                        </a:rPr>
-                        <a:t>-</a:t>
-                      </a:r>
-                      <a:endParaRPr lang="es-PE" sz="800" b="0" i="0" u="none" strike="noStrike">
-                        <a:solidFill>
-                          <a:srgbClr val="000000"/>
-                        </a:solidFill>
-                        <a:effectLst/>
-                        <a:latin typeface="Arial Narrow" panose="020B0606020202030204" pitchFamily="34" charset="0"/>
-                      </a:endParaRPr>
+                        <a:rPr lang="es-PE" sz="800" b="0" i="0" u="none" strike="noStrike" dirty="0">
+                          <a:solidFill>
+                            <a:srgbClr val="000000"/>
+                          </a:solidFill>
+                          <a:effectLst/>
+                          <a:latin typeface="Arial Narrow" panose="020B0606020202030204" pitchFamily="34" charset="0"/>
+                        </a:rPr>
+                        <a:t>GRDE</a:t>
+                      </a:r>
                     </a:p>
                   </a:txBody>
                   <a:tcPr marL="5250" marR="5250" marT="5250" marB="0" anchor="ctr"/>
@@ -5021,12 +4869,58 @@
                     <a:bodyPr/>
                     <a:lstStyle/>
                     <a:p>
+                      <a:pPr algn="l" fontAlgn="ctr"/>
+                      <a:r>
+                        <a:rPr lang="es-PE" sz="800" u="none" strike="noStrike">
+                          <a:effectLst/>
+                        </a:rPr>
+                        <a:t>“MEJORAMIENTO DE LA COMPETITIVIDAD DE LA CADENA PRODUCTIVA DE LA MIEL DE ABEJAS EN LAS 7 PROVINCIAS DEL DEPARTAMENTO DE APURIMAC”.</a:t>
+                      </a:r>
+                      <a:endParaRPr lang="es-PE" sz="800" b="0" i="0" u="none" strike="noStrike">
+                        <a:solidFill>
+                          <a:srgbClr val="000000"/>
+                        </a:solidFill>
+                        <a:effectLst/>
+                        <a:latin typeface="Arial Narrow" panose="020B0606020202030204" pitchFamily="34" charset="0"/>
+                      </a:endParaRPr>
+                    </a:p>
+                  </a:txBody>
+                  <a:tcPr marL="5250" marR="5250" marT="5250" marB="0" anchor="ctr"/>
+                </a:tc>
+                <a:tc>
+                  <a:txBody>
+                    <a:bodyPr/>
+                    <a:lstStyle/>
+                    <a:p>
+                      <a:pPr algn="r" rtl="0" fontAlgn="ctr"/>
+                      <a:r>
+                        <a:rPr lang="es-PE" sz="800" u="none" strike="noStrike" dirty="0">
+                          <a:effectLst/>
+                        </a:rPr>
+                        <a:t>12,533,519.83</a:t>
+                      </a:r>
+                      <a:endParaRPr lang="es-PE" sz="800" b="0" i="0" u="none" strike="noStrike" dirty="0">
+                        <a:solidFill>
+                          <a:srgbClr val="000000"/>
+                        </a:solidFill>
+                        <a:effectLst/>
+                        <a:latin typeface="Arial Narrow" panose="020B0606020202030204" pitchFamily="34" charset="0"/>
+                      </a:endParaRPr>
+                    </a:p>
+                  </a:txBody>
+                  <a:tcPr marL="5250" marR="5250" marT="5250" marB="0" anchor="ctr"/>
+                </a:tc>
+                <a:tc>
+                  <a:txBody>
+                    <a:bodyPr/>
+                    <a:lstStyle/>
+                    <a:p>
                       <a:pPr algn="ctr" rtl="0" fontAlgn="ctr"/>
                       <a:r>
                         <a:rPr lang="es-PE" sz="800" u="none" strike="noStrike">
                           <a:effectLst/>
                         </a:rPr>
-                        <a:t>-</a:t>
+                        <a:t>VIABLE</a:t>
                       </a:r>
                       <a:endParaRPr lang="es-PE" sz="800" b="0" i="0" u="none" strike="noStrike">
                         <a:solidFill>
@@ -5044,14 +4938,14 @@
                     <a:bodyPr/>
                     <a:lstStyle/>
                     <a:p>
-                      <a:pPr algn="just" fontAlgn="ctr"/>
-                      <a:r>
-                        <a:rPr lang="es-PE" sz="800" u="none" strike="noStrike">
-                          <a:effectLst/>
-                        </a:rPr>
-                        <a:t>“MEJORAMIENTO DE LA COMPETITIVIDAD DE LA CADENA PRODUCTIVA DE LA MIEL DE ABEJAS EN LAS 7 PROVINCIAS DEL DEPARTAMENTO DE APURIMAC”.</a:t>
-                      </a:r>
-                      <a:endParaRPr lang="es-PE" sz="800" b="0" i="0" u="none" strike="noStrike">
+                      <a:pPr algn="l" rtl="0" fontAlgn="ctr"/>
+                      <a:r>
+                        <a:rPr lang="es-PE" sz="800" u="none" strike="noStrike" dirty="0">
+                          <a:effectLst/>
+                        </a:rPr>
+                        <a:t>07 PROVINCIAS</a:t>
+                      </a:r>
+                      <a:endParaRPr lang="es-PE" sz="800" b="0" i="0" u="none" strike="noStrike" dirty="0">
                         <a:solidFill>
                           <a:srgbClr val="000000"/>
                         </a:solidFill>
@@ -5067,112 +4961,17 @@
                     <a:bodyPr/>
                     <a:lstStyle/>
                     <a:p>
-                      <a:pPr algn="r" rtl="0" fontAlgn="ctr"/>
-                      <a:r>
-                        <a:rPr lang="es-PE" sz="800" u="none" strike="noStrike" dirty="0">
-                          <a:effectLst/>
-                        </a:rPr>
-                        <a:t>12,533,519.83</a:t>
-                      </a:r>
-                      <a:endParaRPr lang="es-PE" sz="800" b="0" i="0" u="none" strike="noStrike" dirty="0">
-                        <a:solidFill>
-                          <a:srgbClr val="000000"/>
-                        </a:solidFill>
-                        <a:effectLst/>
-                        <a:latin typeface="Arial Narrow" panose="020B0606020202030204" pitchFamily="34" charset="0"/>
-                      </a:endParaRPr>
-                    </a:p>
-                  </a:txBody>
-                  <a:tcPr marL="5250" marR="5250" marT="5250" marB="0" anchor="ctr"/>
-                </a:tc>
-                <a:tc>
-                  <a:txBody>
-                    <a:bodyPr/>
-                    <a:lstStyle/>
-                    <a:p>
-                      <a:pPr algn="ctr" rtl="0" fontAlgn="ctr"/>
-                      <a:r>
-                        <a:rPr lang="es-PE" sz="800" u="none" strike="noStrike">
-                          <a:effectLst/>
-                        </a:rPr>
-                        <a:t>VIABLE</a:t>
-                      </a:r>
-                      <a:endParaRPr lang="es-PE" sz="800" b="0" i="0" u="none" strike="noStrike">
-                        <a:solidFill>
-                          <a:srgbClr val="000000"/>
-                        </a:solidFill>
-                        <a:effectLst/>
-                        <a:latin typeface="Arial Narrow" panose="020B0606020202030204" pitchFamily="34" charset="0"/>
-                      </a:endParaRPr>
-                    </a:p>
-                  </a:txBody>
-                  <a:tcPr marL="5250" marR="5250" marT="5250" marB="0" anchor="ctr"/>
-                </a:tc>
-                <a:tc>
-                  <a:txBody>
-                    <a:bodyPr/>
-                    <a:lstStyle/>
-                    <a:p>
-                      <a:pPr algn="ctr" rtl="0" fontAlgn="ctr"/>
-                      <a:r>
-                        <a:rPr lang="es-PE" sz="800" u="none" strike="noStrike">
-                          <a:effectLst/>
-                        </a:rPr>
-                        <a:t>04 MESES</a:t>
-                      </a:r>
-                      <a:endParaRPr lang="es-PE" sz="800" b="0" i="0" u="none" strike="noStrike">
-                        <a:solidFill>
-                          <a:srgbClr val="000000"/>
-                        </a:solidFill>
-                        <a:effectLst/>
-                        <a:latin typeface="Arial Narrow" panose="020B0606020202030204" pitchFamily="34" charset="0"/>
-                      </a:endParaRPr>
-                    </a:p>
-                  </a:txBody>
-                  <a:tcPr marL="5250" marR="5250" marT="5250" marB="0" anchor="ctr"/>
-                </a:tc>
-                <a:tc>
-                  <a:txBody>
-                    <a:bodyPr/>
-                    <a:lstStyle/>
-                    <a:p>
-                      <a:pPr algn="l" rtl="0" fontAlgn="ctr"/>
-                      <a:r>
-                        <a:rPr lang="es-PE" sz="800" u="none" strike="noStrike">
-                          <a:effectLst/>
-                        </a:rPr>
-                        <a:t>LAS 07 PROVINCIAS DE LA REGIÓN APURÍMAC</a:t>
-                      </a:r>
-                      <a:endParaRPr lang="es-PE" sz="800" b="0" i="0" u="none" strike="noStrike">
-                        <a:solidFill>
-                          <a:srgbClr val="000000"/>
-                        </a:solidFill>
-                        <a:effectLst/>
-                        <a:latin typeface="Arial Narrow" panose="020B0606020202030204" pitchFamily="34" charset="0"/>
-                      </a:endParaRPr>
-                    </a:p>
-                  </a:txBody>
-                  <a:tcPr marL="5250" marR="5250" marT="5250" marB="0" anchor="ctr"/>
-                </a:tc>
-                <a:tc>
-                  <a:txBody>
-                    <a:bodyPr/>
-                    <a:lstStyle/>
-                    <a:p>
                       <a:pPr algn="ctr" fontAlgn="ctr"/>
                       <a:r>
-                        <a:rPr lang="es-PE" sz="800" u="none" strike="noStrike">
-                          <a:effectLst/>
-                        </a:rPr>
-                        <a:t>-</a:t>
-                      </a:r>
-                      <a:endParaRPr lang="es-PE" sz="800" b="0" i="0" u="none" strike="noStrike">
-                        <a:solidFill>
-                          <a:srgbClr val="000000"/>
-                        </a:solidFill>
-                        <a:effectLst/>
-                        <a:latin typeface="Arial Narrow" panose="020B0606020202030204" pitchFamily="34" charset="0"/>
-                      </a:endParaRPr>
+                        <a:rPr lang="es-PE" sz="800" b="0" i="0" u="none" strike="noStrike" dirty="0">
+                          <a:solidFill>
+                            <a:srgbClr val="000000"/>
+                          </a:solidFill>
+                          <a:effectLst/>
+                          <a:latin typeface="Arial Narrow" panose="020B0606020202030204" pitchFamily="34" charset="0"/>
+                        </a:rPr>
+                        <a:t>GRDE</a:t>
+                      </a:r>
                     </a:p>
                   </a:txBody>
                   <a:tcPr marL="5250" marR="5250" marT="5250" marB="0" anchor="ctr"/>
@@ -5235,12 +5034,80 @@
                     <a:bodyPr/>
                     <a:lstStyle/>
                     <a:p>
+                      <a:pPr algn="l" fontAlgn="ctr"/>
+                      <a:r>
+                        <a:rPr lang="es-PE" sz="800" u="none" strike="noStrike" dirty="0">
+                          <a:effectLst/>
+                        </a:rPr>
+                        <a:t>“MEJORAMIENTO DE LA</a:t>
+                      </a:r>
+                      <a:br>
+                        <a:rPr lang="es-PE" sz="800" u="none" strike="noStrike" dirty="0">
+                          <a:effectLst/>
+                        </a:rPr>
+                      </a:br>
+                      <a:r>
+                        <a:rPr lang="es-PE" sz="800" u="none" strike="noStrike" dirty="0">
+                          <a:effectLst/>
+                        </a:rPr>
+                        <a:t>PRESTACIÓN DE SERVICIOS DE LA DIRECCIÓN REGIONAL DE TRABAJO Y PROMOCIÓN DEL EMPLEO EN LAS 7 PROVINCIAS DEL DEPARTAMENTO DE</a:t>
+                      </a:r>
+                      <a:br>
+                        <a:rPr lang="es-PE" sz="800" u="none" strike="noStrike" dirty="0">
+                          <a:effectLst/>
+                        </a:rPr>
+                      </a:br>
+                      <a:r>
+                        <a:rPr lang="es-PE" sz="800" u="none" strike="noStrike" dirty="0">
+                          <a:effectLst/>
+                        </a:rPr>
+                        <a:t>APURIMAC”.</a:t>
+                      </a:r>
+                      <a:endParaRPr lang="es-PE" sz="800" b="0" i="0" u="none" strike="noStrike" dirty="0">
+                        <a:solidFill>
+                          <a:srgbClr val="000000"/>
+                        </a:solidFill>
+                        <a:effectLst/>
+                        <a:latin typeface="Arial Narrow" panose="020B0606020202030204" pitchFamily="34" charset="0"/>
+                      </a:endParaRPr>
+                    </a:p>
+                  </a:txBody>
+                  <a:tcPr marL="5250" marR="5250" marT="5250" marB="0" anchor="ctr"/>
+                </a:tc>
+                <a:tc>
+                  <a:txBody>
+                    <a:bodyPr/>
+                    <a:lstStyle/>
+                    <a:p>
+                      <a:pPr algn="r" rtl="0" fontAlgn="ctr"/>
+                      <a:r>
+                        <a:rPr lang="es-PE" sz="800" u="none" strike="noStrike" dirty="0">
+                          <a:effectLst/>
+                        </a:rPr>
+                        <a:t>3,839,134.33</a:t>
+                      </a:r>
+                      <a:endParaRPr lang="es-PE" sz="800" b="0" i="0" u="none" strike="noStrike" dirty="0">
+                        <a:solidFill>
+                          <a:srgbClr val="000000"/>
+                        </a:solidFill>
+                        <a:effectLst/>
+                        <a:latin typeface="Arial Narrow" panose="020B0606020202030204" pitchFamily="34" charset="0"/>
+                      </a:endParaRPr>
+                    </a:p>
+                  </a:txBody>
+                  <a:tcPr marL="5250" marR="5250" marT="5250" marB="0" anchor="ctr"/>
+                </a:tc>
+                <a:tc>
+                  <a:txBody>
+                    <a:bodyPr/>
+                    <a:lstStyle/>
+                    <a:p>
                       <a:pPr algn="ctr" rtl="0" fontAlgn="ctr"/>
                       <a:r>
                         <a:rPr lang="es-PE" sz="800" u="none" strike="noStrike">
                           <a:effectLst/>
                         </a:rPr>
-                        <a:t>-</a:t>
+                        <a:t>VIABLE</a:t>
                       </a:r>
                       <a:endParaRPr lang="es-PE" sz="800" b="0" i="0" u="none" strike="noStrike">
                         <a:solidFill>
@@ -5258,36 +5125,14 @@
                     <a:bodyPr/>
                     <a:lstStyle/>
                     <a:p>
-                      <a:pPr algn="just" fontAlgn="ctr"/>
-                      <a:r>
-                        <a:rPr lang="es-PE" sz="800" u="none" strike="noStrike">
-                          <a:effectLst/>
-                        </a:rPr>
-                        <a:t>“MEJORAMIENTO DE LA</a:t>
-                      </a:r>
-                      <a:br>
-                        <a:rPr lang="es-PE" sz="800" u="none" strike="noStrike">
-                          <a:effectLst/>
-                        </a:rPr>
-                      </a:br>
-                      <a:r>
-                        <a:rPr lang="es-PE" sz="800" u="none" strike="noStrike">
-                          <a:effectLst/>
-                        </a:rPr>
-                        <a:t>PRESTACIÓN DE SERVICIOS DE LA DIRECCIÓN REGIONAL DE TRABAJO Y PROMOCIÓN DEL EMPLEO EN LAS 7 PROVINCIAS DEL DEPARTAMENTO DE</a:t>
-                      </a:r>
-                      <a:br>
-                        <a:rPr lang="es-PE" sz="800" u="none" strike="noStrike">
-                          <a:effectLst/>
-                        </a:rPr>
-                      </a:br>
-                      <a:r>
-                        <a:rPr lang="es-PE" sz="800" u="none" strike="noStrike">
-                          <a:effectLst/>
-                        </a:rPr>
-                        <a:t>APURIMAC”.</a:t>
-                      </a:r>
-                      <a:endParaRPr lang="es-PE" sz="800" b="0" i="0" u="none" strike="noStrike">
+                      <a:pPr algn="l" rtl="0" fontAlgn="ctr"/>
+                      <a:r>
+                        <a:rPr lang="es-PE" sz="800" u="none" strike="noStrike" dirty="0">
+                          <a:effectLst/>
+                        </a:rPr>
+                        <a:t>07 PROVINCIAS</a:t>
+                      </a:r>
+                      <a:endParaRPr lang="es-PE" sz="800" b="0" i="0" u="none" strike="noStrike" dirty="0">
                         <a:solidFill>
                           <a:srgbClr val="000000"/>
                         </a:solidFill>
@@ -5303,104 +5148,12 @@
                     <a:bodyPr/>
                     <a:lstStyle/>
                     <a:p>
-                      <a:pPr algn="r" rtl="0" fontAlgn="ctr"/>
+                      <a:pPr algn="ctr" fontAlgn="ctr"/>
                       <a:r>
                         <a:rPr lang="es-PE" sz="800" u="none" strike="noStrike" dirty="0">
                           <a:effectLst/>
                         </a:rPr>
-                        <a:t>3,839,134.33</a:t>
-                      </a:r>
-                      <a:endParaRPr lang="es-PE" sz="800" b="0" i="0" u="none" strike="noStrike" dirty="0">
-                        <a:solidFill>
-                          <a:srgbClr val="000000"/>
-                        </a:solidFill>
-                        <a:effectLst/>
-                        <a:latin typeface="Arial Narrow" panose="020B0606020202030204" pitchFamily="34" charset="0"/>
-                      </a:endParaRPr>
-                    </a:p>
-                  </a:txBody>
-                  <a:tcPr marL="5250" marR="5250" marT="5250" marB="0" anchor="ctr"/>
-                </a:tc>
-                <a:tc>
-                  <a:txBody>
-                    <a:bodyPr/>
-                    <a:lstStyle/>
-                    <a:p>
-                      <a:pPr algn="ctr" rtl="0" fontAlgn="ctr"/>
-                      <a:r>
-                        <a:rPr lang="es-PE" sz="800" u="none" strike="noStrike">
-                          <a:effectLst/>
-                        </a:rPr>
-                        <a:t>VIABLE</a:t>
-                      </a:r>
-                      <a:endParaRPr lang="es-PE" sz="800" b="0" i="0" u="none" strike="noStrike">
-                        <a:solidFill>
-                          <a:srgbClr val="000000"/>
-                        </a:solidFill>
-                        <a:effectLst/>
-                        <a:latin typeface="Arial Narrow" panose="020B0606020202030204" pitchFamily="34" charset="0"/>
-                      </a:endParaRPr>
-                    </a:p>
-                  </a:txBody>
-                  <a:tcPr marL="5250" marR="5250" marT="5250" marB="0" anchor="ctr"/>
-                </a:tc>
-                <a:tc>
-                  <a:txBody>
-                    <a:bodyPr/>
-                    <a:lstStyle/>
-                    <a:p>
-                      <a:pPr algn="ctr" rtl="0" fontAlgn="ctr"/>
-                      <a:r>
-                        <a:rPr lang="es-PE" sz="800" u="none" strike="noStrike">
-                          <a:effectLst/>
-                        </a:rPr>
-                        <a:t>03 MESES</a:t>
-                      </a:r>
-                      <a:endParaRPr lang="es-PE" sz="800" b="0" i="0" u="none" strike="noStrike">
-                        <a:solidFill>
-                          <a:srgbClr val="000000"/>
-                        </a:solidFill>
-                        <a:effectLst/>
-                        <a:latin typeface="Arial Narrow" panose="020B0606020202030204" pitchFamily="34" charset="0"/>
-                      </a:endParaRPr>
-                    </a:p>
-                  </a:txBody>
-                  <a:tcPr marL="5250" marR="5250" marT="5250" marB="0" anchor="ctr"/>
-                </a:tc>
-                <a:tc>
-                  <a:txBody>
-                    <a:bodyPr/>
-                    <a:lstStyle/>
-                    <a:p>
-                      <a:pPr algn="l" rtl="0" fontAlgn="ctr"/>
-                      <a:r>
-                        <a:rPr lang="es-PE" sz="800" u="none" strike="noStrike">
-                          <a:effectLst/>
-                        </a:rPr>
-                        <a:t>LAS 07 PROVINCIAS DE LA REGIÓN APURÍMAC</a:t>
-                      </a:r>
-                      <a:endParaRPr lang="es-PE" sz="800" b="0" i="0" u="none" strike="noStrike">
-                        <a:solidFill>
-                          <a:srgbClr val="000000"/>
-                        </a:solidFill>
-                        <a:effectLst/>
-                        <a:latin typeface="Arial Narrow" panose="020B0606020202030204" pitchFamily="34" charset="0"/>
-                      </a:endParaRPr>
-                    </a:p>
-                  </a:txBody>
-                  <a:tcPr marL="5250" marR="5250" marT="5250" marB="0" anchor="ctr"/>
-                </a:tc>
-                <a:tc>
-                  <a:txBody>
-                    <a:bodyPr/>
-                    <a:lstStyle/>
-                    <a:p>
-                      <a:pPr algn="ctr" fontAlgn="ctr"/>
-                      <a:r>
-                        <a:rPr lang="es-PE" sz="800" u="none" strike="noStrike" dirty="0">
-                          <a:effectLst/>
-                        </a:rPr>
-                        <a:t>-</a:t>
+                        <a:t>GRI</a:t>
                       </a:r>
                       <a:endParaRPr lang="es-PE" sz="800" b="0" i="0" u="none" strike="noStrike" dirty="0">
                         <a:solidFill>
@@ -5715,6 +5468,18 @@
               </a:rPr>
               <a:t>Proyectos de Inversión Formulados - 2019 </a:t>
             </a:r>
+            <a:endParaRPr lang="es-PE" sz="2000" dirty="0">
+              <a:effectLst>
+                <a:outerShdw blurRad="38100" dist="38100" dir="2700000" algn="tl">
+                  <a:srgbClr val="000000">
+                    <a:alpha val="43137"/>
+                  </a:srgbClr>
+                </a:outerShdw>
+              </a:effectLst>
+            </a:endParaRPr>
+          </a:p>
+          <a:p>
+            <a:pPr algn="ctr"/>
             <a:r>
               <a:rPr lang="es-PE" sz="2000" dirty="0">
                 <a:effectLst>
@@ -5725,7 +5490,7 @@
                   </a:outerShdw>
                 </a:effectLst>
               </a:rPr>
-              <a:t>- Función Planeamiento gestión y Reserva de la Contingencia</a:t>
+              <a:t>Función Planeamiento gestión y Reserva de la Contingencia</a:t>
             </a:r>
             <a:endParaRPr lang="es-MX" sz="2000" dirty="0">
               <a:effectLst>
@@ -6098,8 +5863,11 @@
                   </a:outerShdw>
                 </a:effectLst>
               </a:rPr>
-              <a:t>Proyectos de Inversión Formulados - 2019 </a:t>
+              <a:t>Proyectos de Inversión Formulados – 2019</a:t>
             </a:r>
+          </a:p>
+          <a:p>
+            <a:pPr algn="ctr"/>
             <a:r>
               <a:rPr lang="es-PE" sz="2000" dirty="0">
                 <a:effectLst>
@@ -6110,7 +5878,7 @@
                   </a:outerShdw>
                 </a:effectLst>
               </a:rPr>
-              <a:t>- Función Ambiente</a:t>
+              <a:t>Función Ambiente</a:t>
             </a:r>
             <a:endParaRPr lang="es-MX" sz="2000" dirty="0">
               <a:effectLst>
@@ -6139,14 +5907,14 @@
           <p:nvPr>
             <p:extLst>
               <p:ext uri="{D42A27DB-BD31-4B8C-83A1-F6EECF244321}">
-                <p14:modId xmlns:p14="http://schemas.microsoft.com/office/powerpoint/2010/main" val="1513659675"/>
+                <p14:modId xmlns:p14="http://schemas.microsoft.com/office/powerpoint/2010/main" val="974334441"/>
               </p:ext>
             </p:extLst>
           </p:nvPr>
         </p:nvGraphicFramePr>
         <p:xfrm>
           <a:off x="507846" y="961098"/>
-          <a:ext cx="7922056" cy="1107780"/>
+          <a:ext cx="7922057" cy="742020"/>
         </p:xfrm>
         <a:graphic>
           <a:graphicData uri="http://schemas.openxmlformats.org/drawingml/2006/table">
@@ -6155,63 +5923,49 @@
                 <a:tableStyleId>{B296C3B7-51D5-40FC-B7EA-EAF5845D4BE8}</a:tableStyleId>
               </a:tblPr>
               <a:tblGrid>
-                <a:gridCol w="551099">
+                <a:gridCol w="646258">
                   <a:extLst>
                     <a:ext uri="{9D8B030D-6E8A-4147-A177-3AD203B41FA5}">
                       <a16:colId xmlns:a16="http://schemas.microsoft.com/office/drawing/2014/main" val="4220281528"/>
                     </a:ext>
                   </a:extLst>
                 </a:gridCol>
-                <a:gridCol w="709540">
+                <a:gridCol w="832058">
                   <a:extLst>
                     <a:ext uri="{9D8B030D-6E8A-4147-A177-3AD203B41FA5}">
                       <a16:colId xmlns:a16="http://schemas.microsoft.com/office/drawing/2014/main" val="3601205520"/>
                     </a:ext>
                   </a:extLst>
                 </a:gridCol>
-                <a:gridCol w="551099">
-                  <a:extLst>
-                    <a:ext uri="{9D8B030D-6E8A-4147-A177-3AD203B41FA5}">
-                      <a16:colId xmlns:a16="http://schemas.microsoft.com/office/drawing/2014/main" val="902561310"/>
-                    </a:ext>
-                  </a:extLst>
-                </a:gridCol>
-                <a:gridCol w="1910479">
+                <a:gridCol w="2413154">
                   <a:extLst>
                     <a:ext uri="{9D8B030D-6E8A-4147-A177-3AD203B41FA5}">
                       <a16:colId xmlns:a16="http://schemas.microsoft.com/office/drawing/2014/main" val="1514331444"/>
                     </a:ext>
                   </a:extLst>
                 </a:gridCol>
-                <a:gridCol w="709540">
+                <a:gridCol w="798180">
                   <a:extLst>
                     <a:ext uri="{9D8B030D-6E8A-4147-A177-3AD203B41FA5}">
                       <a16:colId xmlns:a16="http://schemas.microsoft.com/office/drawing/2014/main" val="1715828736"/>
                     </a:ext>
                   </a:extLst>
                 </a:gridCol>
-                <a:gridCol w="615395">
+                <a:gridCol w="724502">
                   <a:extLst>
                     <a:ext uri="{9D8B030D-6E8A-4147-A177-3AD203B41FA5}">
                       <a16:colId xmlns:a16="http://schemas.microsoft.com/office/drawing/2014/main" val="2486837586"/>
                     </a:ext>
                   </a:extLst>
                 </a:gridCol>
-                <a:gridCol w="615395">
-                  <a:extLst>
-                    <a:ext uri="{9D8B030D-6E8A-4147-A177-3AD203B41FA5}">
-                      <a16:colId xmlns:a16="http://schemas.microsoft.com/office/drawing/2014/main" val="1425293402"/>
-                    </a:ext>
-                  </a:extLst>
-                </a:gridCol>
-                <a:gridCol w="863389">
+                <a:gridCol w="1006936">
                   <a:extLst>
                     <a:ext uri="{9D8B030D-6E8A-4147-A177-3AD203B41FA5}">
                       <a16:colId xmlns:a16="http://schemas.microsoft.com/office/drawing/2014/main" val="1071117381"/>
                     </a:ext>
                   </a:extLst>
                 </a:gridCol>
-                <a:gridCol w="1396120">
+                <a:gridCol w="1500969">
                   <a:extLst>
                     <a:ext uri="{9D8B030D-6E8A-4147-A177-3AD203B41FA5}">
                       <a16:colId xmlns:a16="http://schemas.microsoft.com/office/drawing/2014/main" val="1799753953"/>
@@ -6276,7 +6030,7 @@
                         <a:rPr lang="es-PE" sz="800" b="1" u="none" strike="noStrike" dirty="0">
                           <a:effectLst/>
                         </a:rPr>
-                        <a:t>CÓDIGO DE IDEA</a:t>
+                        <a:t>NOMBRE DEL PROYECTO DE INVERSIÓN</a:t>
                       </a:r>
                       <a:endParaRPr lang="es-PE" sz="800" b="1" i="0" u="none" strike="noStrike" dirty="0">
                         <a:solidFill>
@@ -6299,7 +6053,7 @@
                         <a:rPr lang="es-PE" sz="800" b="1" u="none" strike="noStrike" dirty="0">
                           <a:effectLst/>
                         </a:rPr>
-                        <a:t>NOMBRE DEL PROYECTO DE INVERSIÓN</a:t>
+                        <a:t>MONTO DE INVERSIÓN (s/.)</a:t>
                       </a:r>
                       <a:endParaRPr lang="es-PE" sz="800" b="1" i="0" u="none" strike="noStrike" dirty="0">
                         <a:solidFill>
@@ -6322,53 +6076,7 @@
                         <a:rPr lang="es-PE" sz="800" b="1" u="none" strike="noStrike" dirty="0">
                           <a:effectLst/>
                         </a:rPr>
-                        <a:t>MONTO DE INVERSIÓN (s/.)</a:t>
-                      </a:r>
-                      <a:endParaRPr lang="es-PE" sz="800" b="1" i="0" u="none" strike="noStrike" dirty="0">
-                        <a:solidFill>
-                          <a:srgbClr val="000000"/>
-                        </a:solidFill>
-                        <a:effectLst/>
-                        <a:latin typeface="Arial Narrow" panose="020B0606020202030204" pitchFamily="34" charset="0"/>
-                      </a:endParaRPr>
-                    </a:p>
-                  </a:txBody>
-                  <a:tcPr marL="5250" marR="5250" marT="5250" marB="0" anchor="ctr"/>
-                </a:tc>
-                <a:tc>
-                  <a:txBody>
-                    <a:bodyPr/>
-                    <a:lstStyle/>
-                    <a:p>
-                      <a:pPr algn="ctr" rtl="0" fontAlgn="ctr"/>
-                      <a:r>
-                        <a:rPr lang="es-PE" sz="800" b="1" u="none" strike="noStrike" dirty="0">
-                          <a:effectLst/>
-                        </a:rPr>
                         <a:t>ESTADO SITUACIONAL</a:t>
-                      </a:r>
-                      <a:endParaRPr lang="es-PE" sz="800" b="1" i="0" u="none" strike="noStrike" dirty="0">
-                        <a:solidFill>
-                          <a:srgbClr val="000000"/>
-                        </a:solidFill>
-                        <a:effectLst/>
-                        <a:latin typeface="Arial Narrow" panose="020B0606020202030204" pitchFamily="34" charset="0"/>
-                      </a:endParaRPr>
-                    </a:p>
-                  </a:txBody>
-                  <a:tcPr marL="5250" marR="5250" marT="5250" marB="0" anchor="ctr"/>
-                </a:tc>
-                <a:tc>
-                  <a:txBody>
-                    <a:bodyPr/>
-                    <a:lstStyle/>
-                    <a:p>
-                      <a:pPr algn="ctr" rtl="0" fontAlgn="ctr"/>
-                      <a:r>
-                        <a:rPr lang="es-PE" sz="800" b="1" u="none" strike="noStrike" dirty="0">
-                          <a:effectLst/>
-                        </a:rPr>
-                        <a:t>DURACIÓN</a:t>
                       </a:r>
                       <a:endParaRPr lang="es-PE" sz="800" b="1" i="0" u="none" strike="noStrike" dirty="0">
                         <a:solidFill>
@@ -6485,12 +6193,58 @@
                     <a:bodyPr/>
                     <a:lstStyle/>
                     <a:p>
+                      <a:pPr algn="just" rtl="0" fontAlgn="ctr"/>
+                      <a:r>
+                        <a:rPr lang="es-PE" sz="800" u="none" strike="noStrike" dirty="0">
+                          <a:effectLst/>
+                        </a:rPr>
+                        <a:t>“MEJORAMIENTO DE LOS SERVICIOS DE INFORMACIÓN Y REGULACIÓN PARA EL ORDENAMIENTO TERRITORIAL PARA LAS 7 PROVINCIAS DE LA REGION APURIMAC".</a:t>
+                      </a:r>
+                      <a:endParaRPr lang="es-PE" sz="800" b="0" i="0" u="none" strike="noStrike" dirty="0">
+                        <a:solidFill>
+                          <a:srgbClr val="000000"/>
+                        </a:solidFill>
+                        <a:effectLst/>
+                        <a:latin typeface="Arial Narrow" panose="020B0606020202030204" pitchFamily="34" charset="0"/>
+                      </a:endParaRPr>
+                    </a:p>
+                  </a:txBody>
+                  <a:tcPr marL="5250" marR="5250" marT="5250" marB="0" anchor="ctr"/>
+                </a:tc>
+                <a:tc>
+                  <a:txBody>
+                    <a:bodyPr/>
+                    <a:lstStyle/>
+                    <a:p>
+                      <a:pPr algn="r" rtl="0" fontAlgn="ctr"/>
+                      <a:r>
+                        <a:rPr lang="es-PE" sz="800" u="none" strike="noStrike" dirty="0">
+                          <a:effectLst/>
+                        </a:rPr>
+                        <a:t>3,583,745.32</a:t>
+                      </a:r>
+                      <a:endParaRPr lang="es-PE" sz="800" b="0" i="0" u="none" strike="noStrike" dirty="0">
+                        <a:solidFill>
+                          <a:srgbClr val="000000"/>
+                        </a:solidFill>
+                        <a:effectLst/>
+                        <a:latin typeface="Arial Narrow" panose="020B0606020202030204" pitchFamily="34" charset="0"/>
+                      </a:endParaRPr>
+                    </a:p>
+                  </a:txBody>
+                  <a:tcPr marL="5250" marR="5250" marT="5250" marB="0" anchor="ctr"/>
+                </a:tc>
+                <a:tc>
+                  <a:txBody>
+                    <a:bodyPr/>
+                    <a:lstStyle/>
+                    <a:p>
                       <a:pPr algn="ctr" rtl="0" fontAlgn="ctr"/>
                       <a:r>
                         <a:rPr lang="es-PE" sz="800" u="none" strike="noStrike">
                           <a:effectLst/>
                         </a:rPr>
-                        <a:t>-</a:t>
+                        <a:t>VIABLE</a:t>
                       </a:r>
                       <a:endParaRPr lang="es-PE" sz="800" b="0" i="0" u="none" strike="noStrike">
                         <a:solidFill>
@@ -6508,14 +6262,14 @@
                     <a:bodyPr/>
                     <a:lstStyle/>
                     <a:p>
-                      <a:pPr algn="just" rtl="0" fontAlgn="ctr"/>
-                      <a:r>
-                        <a:rPr lang="es-PE" sz="800" u="none" strike="noStrike">
-                          <a:effectLst/>
-                        </a:rPr>
-                        <a:t>“MEJORAMIENTO DE LOS SERVICIOS DE INFORMACIÓN Y REGULACIÓN PARA EL ORDENAMIENTO TERRITORIAL PARA LAS 7 PROVINCIAS DE LA REGION APURIMAC".</a:t>
-                      </a:r>
-                      <a:endParaRPr lang="es-PE" sz="800" b="0" i="0" u="none" strike="noStrike">
+                      <a:pPr algn="l" rtl="0" fontAlgn="ctr"/>
+                      <a:r>
+                        <a:rPr lang="es-PE" sz="800" u="none" strike="noStrike" dirty="0">
+                          <a:effectLst/>
+                        </a:rPr>
+                        <a:t>07 PROVINCIAS</a:t>
+                      </a:r>
+                      <a:endParaRPr lang="es-PE" sz="800" b="0" i="0" u="none" strike="noStrike" dirty="0">
                         <a:solidFill>
                           <a:srgbClr val="000000"/>
                         </a:solidFill>
@@ -6531,104 +6285,12 @@
                     <a:bodyPr/>
                     <a:lstStyle/>
                     <a:p>
-                      <a:pPr algn="r" rtl="0" fontAlgn="ctr"/>
+                      <a:pPr algn="ctr" rtl="0" fontAlgn="ctr"/>
                       <a:r>
                         <a:rPr lang="es-PE" sz="800" u="none" strike="noStrike" dirty="0">
                           <a:effectLst/>
                         </a:rPr>
-                        <a:t>3,583,745.32</a:t>
-                      </a:r>
-                      <a:endParaRPr lang="es-PE" sz="800" b="0" i="0" u="none" strike="noStrike" dirty="0">
-                        <a:solidFill>
-                          <a:srgbClr val="000000"/>
-                        </a:solidFill>
-                        <a:effectLst/>
-                        <a:latin typeface="Arial Narrow" panose="020B0606020202030204" pitchFamily="34" charset="0"/>
-                      </a:endParaRPr>
-                    </a:p>
-                  </a:txBody>
-                  <a:tcPr marL="5250" marR="5250" marT="5250" marB="0" anchor="ctr"/>
-                </a:tc>
-                <a:tc>
-                  <a:txBody>
-                    <a:bodyPr/>
-                    <a:lstStyle/>
-                    <a:p>
-                      <a:pPr algn="ctr" rtl="0" fontAlgn="ctr"/>
-                      <a:r>
-                        <a:rPr lang="es-PE" sz="800" u="none" strike="noStrike">
-                          <a:effectLst/>
-                        </a:rPr>
-                        <a:t>VIABLE</a:t>
-                      </a:r>
-                      <a:endParaRPr lang="es-PE" sz="800" b="0" i="0" u="none" strike="noStrike">
-                        <a:solidFill>
-                          <a:srgbClr val="000000"/>
-                        </a:solidFill>
-                        <a:effectLst/>
-                        <a:latin typeface="Arial Narrow" panose="020B0606020202030204" pitchFamily="34" charset="0"/>
-                      </a:endParaRPr>
-                    </a:p>
-                  </a:txBody>
-                  <a:tcPr marL="5250" marR="5250" marT="5250" marB="0" anchor="ctr"/>
-                </a:tc>
-                <a:tc>
-                  <a:txBody>
-                    <a:bodyPr/>
-                    <a:lstStyle/>
-                    <a:p>
-                      <a:pPr algn="ctr" rtl="0" fontAlgn="ctr"/>
-                      <a:r>
-                        <a:rPr lang="es-PE" sz="800" u="none" strike="noStrike">
-                          <a:effectLst/>
-                        </a:rPr>
-                        <a:t>02 MESES</a:t>
-                      </a:r>
-                      <a:endParaRPr lang="es-PE" sz="800" b="0" i="0" u="none" strike="noStrike">
-                        <a:solidFill>
-                          <a:srgbClr val="000000"/>
-                        </a:solidFill>
-                        <a:effectLst/>
-                        <a:latin typeface="Arial Narrow" panose="020B0606020202030204" pitchFamily="34" charset="0"/>
-                      </a:endParaRPr>
-                    </a:p>
-                  </a:txBody>
-                  <a:tcPr marL="5250" marR="5250" marT="5250" marB="0" anchor="ctr"/>
-                </a:tc>
-                <a:tc>
-                  <a:txBody>
-                    <a:bodyPr/>
-                    <a:lstStyle/>
-                    <a:p>
-                      <a:pPr algn="l" rtl="0" fontAlgn="ctr"/>
-                      <a:r>
-                        <a:rPr lang="es-PE" sz="800" u="none" strike="noStrike">
-                          <a:effectLst/>
-                        </a:rPr>
-                        <a:t>LAS 07 PROVINCIAS DE LA REGIÓN APURÍMAC</a:t>
-                      </a:r>
-                      <a:endParaRPr lang="es-PE" sz="800" b="0" i="0" u="none" strike="noStrike">
-                        <a:solidFill>
-                          <a:srgbClr val="000000"/>
-                        </a:solidFill>
-                        <a:effectLst/>
-                        <a:latin typeface="Arial Narrow" panose="020B0606020202030204" pitchFamily="34" charset="0"/>
-                      </a:endParaRPr>
-                    </a:p>
-                  </a:txBody>
-                  <a:tcPr marL="5250" marR="5250" marT="5250" marB="0" anchor="ctr"/>
-                </a:tc>
-                <a:tc>
-                  <a:txBody>
-                    <a:bodyPr/>
-                    <a:lstStyle/>
-                    <a:p>
-                      <a:pPr algn="ctr" rtl="0" fontAlgn="ctr"/>
-                      <a:r>
-                        <a:rPr lang="es-PE" sz="800" u="none" strike="noStrike" dirty="0">
-                          <a:effectLst/>
-                        </a:rPr>
-                        <a:t>-</a:t>
+                        <a:t>G.R.RR.NN.</a:t>
                       </a:r>
                       <a:endParaRPr lang="es-PE" sz="800" b="0" i="0" u="none" strike="noStrike" dirty="0">
                         <a:solidFill>
@@ -6941,8 +6603,11 @@
                   </a:outerShdw>
                 </a:effectLst>
               </a:rPr>
-              <a:t>Proyectos de Inversión Formulados - 2019 </a:t>
+              <a:t>Proyectos de Inversión Formulados – 2019</a:t>
             </a:r>
+          </a:p>
+          <a:p>
+            <a:pPr algn="ctr"/>
             <a:r>
               <a:rPr lang="es-PE" sz="2000" dirty="0">
                 <a:effectLst>
@@ -6953,7 +6618,7 @@
                   </a:outerShdw>
                 </a:effectLst>
               </a:rPr>
-              <a:t>- Turismo</a:t>
+              <a:t>Turismo</a:t>
             </a:r>
             <a:endParaRPr lang="es-MX" sz="2000" dirty="0">
               <a:effectLst>
@@ -6982,14 +6647,14 @@
           <p:nvPr>
             <p:extLst>
               <p:ext uri="{D42A27DB-BD31-4B8C-83A1-F6EECF244321}">
-                <p14:modId xmlns:p14="http://schemas.microsoft.com/office/powerpoint/2010/main" val="2379991139"/>
+                <p14:modId xmlns:p14="http://schemas.microsoft.com/office/powerpoint/2010/main" val="4129794694"/>
               </p:ext>
             </p:extLst>
           </p:nvPr>
         </p:nvGraphicFramePr>
         <p:xfrm>
           <a:off x="507846" y="2879807"/>
-          <a:ext cx="8025184" cy="1107780"/>
+          <a:ext cx="7922056" cy="868599"/>
         </p:xfrm>
         <a:graphic>
           <a:graphicData uri="http://schemas.openxmlformats.org/drawingml/2006/table">
@@ -6998,63 +6663,49 @@
                 <a:tableStyleId>{B296C3B7-51D5-40FC-B7EA-EAF5845D4BE8}</a:tableStyleId>
               </a:tblPr>
               <a:tblGrid>
-                <a:gridCol w="558273">
+                <a:gridCol w="646258">
                   <a:extLst>
                     <a:ext uri="{9D8B030D-6E8A-4147-A177-3AD203B41FA5}">
                       <a16:colId xmlns:a16="http://schemas.microsoft.com/office/drawing/2014/main" val="492273078"/>
                     </a:ext>
                   </a:extLst>
                 </a:gridCol>
-                <a:gridCol w="718777">
+                <a:gridCol w="832058">
                   <a:extLst>
                     <a:ext uri="{9D8B030D-6E8A-4147-A177-3AD203B41FA5}">
                       <a16:colId xmlns:a16="http://schemas.microsoft.com/office/drawing/2014/main" val="4129395746"/>
                     </a:ext>
                   </a:extLst>
                 </a:gridCol>
-                <a:gridCol w="558273">
-                  <a:extLst>
-                    <a:ext uri="{9D8B030D-6E8A-4147-A177-3AD203B41FA5}">
-                      <a16:colId xmlns:a16="http://schemas.microsoft.com/office/drawing/2014/main" val="3272377669"/>
-                    </a:ext>
-                  </a:extLst>
-                </a:gridCol>
-                <a:gridCol w="1935349">
+                <a:gridCol w="2240364">
                   <a:extLst>
                     <a:ext uri="{9D8B030D-6E8A-4147-A177-3AD203B41FA5}">
                       <a16:colId xmlns:a16="http://schemas.microsoft.com/office/drawing/2014/main" val="3401359816"/>
                     </a:ext>
                   </a:extLst>
                 </a:gridCol>
-                <a:gridCol w="718777">
+                <a:gridCol w="832058">
                   <a:extLst>
                     <a:ext uri="{9D8B030D-6E8A-4147-A177-3AD203B41FA5}">
                       <a16:colId xmlns:a16="http://schemas.microsoft.com/office/drawing/2014/main" val="1145883863"/>
                     </a:ext>
                   </a:extLst>
                 </a:gridCol>
-                <a:gridCol w="623406">
+                <a:gridCol w="721656">
                   <a:extLst>
                     <a:ext uri="{9D8B030D-6E8A-4147-A177-3AD203B41FA5}">
                       <a16:colId xmlns:a16="http://schemas.microsoft.com/office/drawing/2014/main" val="3286233602"/>
                     </a:ext>
                   </a:extLst>
                 </a:gridCol>
-                <a:gridCol w="623406">
-                  <a:extLst>
-                    <a:ext uri="{9D8B030D-6E8A-4147-A177-3AD203B41FA5}">
-                      <a16:colId xmlns:a16="http://schemas.microsoft.com/office/drawing/2014/main" val="2139603696"/>
-                    </a:ext>
-                  </a:extLst>
-                </a:gridCol>
-                <a:gridCol w="874629">
+                <a:gridCol w="1012472">
                   <a:extLst>
                     <a:ext uri="{9D8B030D-6E8A-4147-A177-3AD203B41FA5}">
                       <a16:colId xmlns:a16="http://schemas.microsoft.com/office/drawing/2014/main" val="2271948457"/>
                     </a:ext>
                   </a:extLst>
                 </a:gridCol>
-                <a:gridCol w="1414294">
+                <a:gridCol w="1637190">
                   <a:extLst>
                     <a:ext uri="{9D8B030D-6E8A-4147-A177-3AD203B41FA5}">
                       <a16:colId xmlns:a16="http://schemas.microsoft.com/office/drawing/2014/main" val="814366412"/>
@@ -7116,10 +6767,33 @@
                     <a:p>
                       <a:pPr algn="ctr" rtl="0" fontAlgn="ctr"/>
                       <a:r>
+                        <a:rPr lang="es-PE" sz="800" b="1" u="none" strike="noStrike">
+                          <a:effectLst/>
+                        </a:rPr>
+                        <a:t>NOMBRE DEL PROYECTO DE INVERSIÓN</a:t>
+                      </a:r>
+                      <a:endParaRPr lang="es-PE" sz="800" b="1" i="0" u="none" strike="noStrike">
+                        <a:solidFill>
+                          <a:srgbClr val="000000"/>
+                        </a:solidFill>
+                        <a:effectLst/>
+                        <a:latin typeface="Arial Narrow" panose="020B0606020202030204" pitchFamily="34" charset="0"/>
+                      </a:endParaRPr>
+                    </a:p>
+                  </a:txBody>
+                  <a:tcPr marL="5250" marR="5250" marT="5250" marB="0" anchor="ctr"/>
+                </a:tc>
+                <a:tc>
+                  <a:txBody>
+                    <a:bodyPr/>
+                    <a:lstStyle/>
+                    <a:p>
+                      <a:pPr algn="ctr" rtl="0" fontAlgn="ctr"/>
+                      <a:r>
                         <a:rPr lang="es-PE" sz="800" b="1" u="none" strike="noStrike" dirty="0">
                           <a:effectLst/>
                         </a:rPr>
-                        <a:t>CÓDIGO DE IDEA</a:t>
+                        <a:t>MONTO DE INVERSIÓN (s/.)</a:t>
                       </a:r>
                       <a:endParaRPr lang="es-PE" sz="800" b="1" i="0" u="none" strike="noStrike" dirty="0">
                         <a:solidFill>
@@ -7142,76 +6816,7 @@
                         <a:rPr lang="es-PE" sz="800" b="1" u="none" strike="noStrike">
                           <a:effectLst/>
                         </a:rPr>
-                        <a:t>NOMBRE DEL PROYECTO DE INVERSIÓN</a:t>
-                      </a:r>
-                      <a:endParaRPr lang="es-PE" sz="800" b="1" i="0" u="none" strike="noStrike">
-                        <a:solidFill>
-                          <a:srgbClr val="000000"/>
-                        </a:solidFill>
-                        <a:effectLst/>
-                        <a:latin typeface="Arial Narrow" panose="020B0606020202030204" pitchFamily="34" charset="0"/>
-                      </a:endParaRPr>
-                    </a:p>
-                  </a:txBody>
-                  <a:tcPr marL="5250" marR="5250" marT="5250" marB="0" anchor="ctr"/>
-                </a:tc>
-                <a:tc>
-                  <a:txBody>
-                    <a:bodyPr/>
-                    <a:lstStyle/>
-                    <a:p>
-                      <a:pPr algn="ctr" rtl="0" fontAlgn="ctr"/>
-                      <a:r>
-                        <a:rPr lang="es-PE" sz="800" b="1" u="none" strike="noStrike" dirty="0">
-                          <a:effectLst/>
-                        </a:rPr>
-                        <a:t>MONTO DE INVERSIÓN (s/.)</a:t>
-                      </a:r>
-                      <a:endParaRPr lang="es-PE" sz="800" b="1" i="0" u="none" strike="noStrike" dirty="0">
-                        <a:solidFill>
-                          <a:srgbClr val="000000"/>
-                        </a:solidFill>
-                        <a:effectLst/>
-                        <a:latin typeface="Arial Narrow" panose="020B0606020202030204" pitchFamily="34" charset="0"/>
-                      </a:endParaRPr>
-                    </a:p>
-                  </a:txBody>
-                  <a:tcPr marL="5250" marR="5250" marT="5250" marB="0" anchor="ctr"/>
-                </a:tc>
-                <a:tc>
-                  <a:txBody>
-                    <a:bodyPr/>
-                    <a:lstStyle/>
-                    <a:p>
-                      <a:pPr algn="ctr" rtl="0" fontAlgn="ctr"/>
-                      <a:r>
-                        <a:rPr lang="es-PE" sz="800" b="1" u="none" strike="noStrike">
-                          <a:effectLst/>
-                        </a:rPr>
                         <a:t>ESTADO SITUACIONAL</a:t>
-                      </a:r>
-                      <a:endParaRPr lang="es-PE" sz="800" b="1" i="0" u="none" strike="noStrike">
-                        <a:solidFill>
-                          <a:srgbClr val="000000"/>
-                        </a:solidFill>
-                        <a:effectLst/>
-                        <a:latin typeface="Arial Narrow" panose="020B0606020202030204" pitchFamily="34" charset="0"/>
-                      </a:endParaRPr>
-                    </a:p>
-                  </a:txBody>
-                  <a:tcPr marL="5250" marR="5250" marT="5250" marB="0" anchor="ctr"/>
-                </a:tc>
-                <a:tc>
-                  <a:txBody>
-                    <a:bodyPr/>
-                    <a:lstStyle/>
-                    <a:p>
-                      <a:pPr algn="ctr" rtl="0" fontAlgn="ctr"/>
-                      <a:r>
-                        <a:rPr lang="es-PE" sz="800" b="1" u="none" strike="noStrike">
-                          <a:effectLst/>
-                        </a:rPr>
-                        <a:t>DURACIÓN</a:t>
                       </a:r>
                       <a:endParaRPr lang="es-PE" sz="800" b="1" i="0" u="none" strike="noStrike">
                         <a:solidFill>
@@ -7328,12 +6933,58 @@
                     <a:bodyPr/>
                     <a:lstStyle/>
                     <a:p>
+                      <a:pPr algn="just" fontAlgn="ctr"/>
+                      <a:r>
+                        <a:rPr lang="es-PE" sz="800" u="none" strike="noStrike" dirty="0">
+                          <a:effectLst/>
+                        </a:rPr>
+                        <a:t>MEJORAMIENTO SERVICIO PARA LA PRODUCTIVIDAD Y LA COMPETITIVIDAD DE LOS ARTESANOS DE LA LINEA ARTESANAL TEXTIL 7 PROVINCIAS DEL DEPARTAMENTO DE APURIMAC</a:t>
+                      </a:r>
+                      <a:endParaRPr lang="es-PE" sz="800" b="0" i="0" u="none" strike="noStrike" dirty="0">
+                        <a:solidFill>
+                          <a:srgbClr val="000000"/>
+                        </a:solidFill>
+                        <a:effectLst/>
+                        <a:latin typeface="Arial Narrow" panose="020B0606020202030204" pitchFamily="34" charset="0"/>
+                      </a:endParaRPr>
+                    </a:p>
+                  </a:txBody>
+                  <a:tcPr marL="5250" marR="5250" marT="5250" marB="0" anchor="ctr"/>
+                </a:tc>
+                <a:tc>
+                  <a:txBody>
+                    <a:bodyPr/>
+                    <a:lstStyle/>
+                    <a:p>
+                      <a:pPr algn="r" rtl="0" fontAlgn="ctr"/>
+                      <a:r>
+                        <a:rPr lang="es-PE" sz="800" u="none" strike="noStrike" dirty="0">
+                          <a:effectLst/>
+                        </a:rPr>
+                        <a:t>2,966,681.12</a:t>
+                      </a:r>
+                      <a:endParaRPr lang="es-PE" sz="800" b="0" i="0" u="none" strike="noStrike" dirty="0">
+                        <a:solidFill>
+                          <a:srgbClr val="000000"/>
+                        </a:solidFill>
+                        <a:effectLst/>
+                        <a:latin typeface="Arial Narrow" panose="020B0606020202030204" pitchFamily="34" charset="0"/>
+                      </a:endParaRPr>
+                    </a:p>
+                  </a:txBody>
+                  <a:tcPr marL="5250" marR="5250" marT="5250" marB="0" anchor="ctr"/>
+                </a:tc>
+                <a:tc>
+                  <a:txBody>
+                    <a:bodyPr/>
+                    <a:lstStyle/>
+                    <a:p>
                       <a:pPr algn="ctr" rtl="0" fontAlgn="ctr"/>
                       <a:r>
                         <a:rPr lang="es-PE" sz="800" u="none" strike="noStrike" dirty="0">
                           <a:effectLst/>
                         </a:rPr>
-                        <a:t>-</a:t>
+                        <a:t>VIABLE</a:t>
                       </a:r>
                       <a:endParaRPr lang="es-PE" sz="800" b="0" i="0" u="none" strike="noStrike" dirty="0">
                         <a:solidFill>
@@ -7351,12 +7002,12 @@
                     <a:bodyPr/>
                     <a:lstStyle/>
                     <a:p>
-                      <a:pPr algn="just" fontAlgn="ctr"/>
+                      <a:pPr algn="l" rtl="0" fontAlgn="ctr"/>
                       <a:r>
                         <a:rPr lang="es-PE" sz="800" u="none" strike="noStrike" dirty="0">
                           <a:effectLst/>
                         </a:rPr>
-                        <a:t>MEJORAMIENTO SERVICIO PARA LA PRODUCTIVIDAD Y LA COMPETITIVIDAD DE LOS ARTESANOS DE LA LINEA ARTESANAL TEXTIL 7 PROVINCIAS DEL DEPARTAMENTO DE APURIMAC</a:t>
+                        <a:t>07 PROVINCIAS </a:t>
                       </a:r>
                       <a:endParaRPr lang="es-PE" sz="800" b="0" i="0" u="none" strike="noStrike" dirty="0">
                         <a:solidFill>
@@ -7374,112 +7025,17 @@
                     <a:bodyPr/>
                     <a:lstStyle/>
                     <a:p>
-                      <a:pPr algn="r" rtl="0" fontAlgn="ctr"/>
-                      <a:r>
-                        <a:rPr lang="es-PE" sz="800" u="none" strike="noStrike" dirty="0">
-                          <a:effectLst/>
-                        </a:rPr>
-                        <a:t>2,966,681.12</a:t>
-                      </a:r>
-                      <a:endParaRPr lang="es-PE" sz="800" b="0" i="0" u="none" strike="noStrike" dirty="0">
-                        <a:solidFill>
-                          <a:srgbClr val="000000"/>
-                        </a:solidFill>
-                        <a:effectLst/>
-                        <a:latin typeface="Arial Narrow" panose="020B0606020202030204" pitchFamily="34" charset="0"/>
-                      </a:endParaRPr>
-                    </a:p>
-                  </a:txBody>
-                  <a:tcPr marL="5250" marR="5250" marT="5250" marB="0" anchor="ctr"/>
-                </a:tc>
-                <a:tc>
-                  <a:txBody>
-                    <a:bodyPr/>
-                    <a:lstStyle/>
-                    <a:p>
                       <a:pPr algn="ctr" rtl="0" fontAlgn="ctr"/>
                       <a:r>
-                        <a:rPr lang="es-PE" sz="800" u="none" strike="noStrike" dirty="0">
-                          <a:effectLst/>
-                        </a:rPr>
-                        <a:t>VIABLE</a:t>
-                      </a:r>
-                      <a:endParaRPr lang="es-PE" sz="800" b="0" i="0" u="none" strike="noStrike" dirty="0">
-                        <a:solidFill>
-                          <a:srgbClr val="000000"/>
-                        </a:solidFill>
-                        <a:effectLst/>
-                        <a:latin typeface="Arial Narrow" panose="020B0606020202030204" pitchFamily="34" charset="0"/>
-                      </a:endParaRPr>
-                    </a:p>
-                  </a:txBody>
-                  <a:tcPr marL="5250" marR="5250" marT="5250" marB="0" anchor="ctr"/>
-                </a:tc>
-                <a:tc>
-                  <a:txBody>
-                    <a:bodyPr/>
-                    <a:lstStyle/>
-                    <a:p>
-                      <a:pPr algn="ctr" rtl="0" fontAlgn="ctr"/>
-                      <a:r>
-                        <a:rPr lang="es-PE" sz="800" u="none" strike="noStrike" dirty="0">
-                          <a:effectLst/>
-                        </a:rPr>
-                        <a:t>02 MESES</a:t>
-                      </a:r>
-                      <a:endParaRPr lang="es-PE" sz="800" b="0" i="0" u="none" strike="noStrike" dirty="0">
-                        <a:solidFill>
-                          <a:srgbClr val="000000"/>
-                        </a:solidFill>
-                        <a:effectLst/>
-                        <a:latin typeface="Arial Narrow" panose="020B0606020202030204" pitchFamily="34" charset="0"/>
-                      </a:endParaRPr>
-                    </a:p>
-                  </a:txBody>
-                  <a:tcPr marL="5250" marR="5250" marT="5250" marB="0" anchor="ctr"/>
-                </a:tc>
-                <a:tc>
-                  <a:txBody>
-                    <a:bodyPr/>
-                    <a:lstStyle/>
-                    <a:p>
-                      <a:pPr algn="l" rtl="0" fontAlgn="ctr"/>
-                      <a:r>
-                        <a:rPr lang="es-PE" sz="800" u="none" strike="noStrike" dirty="0">
-                          <a:effectLst/>
-                        </a:rPr>
-                        <a:t>LAS 07 PROVINCIAS DE LA REGIÓN APURÍMAC</a:t>
-                      </a:r>
-                      <a:endParaRPr lang="es-PE" sz="800" b="0" i="0" u="none" strike="noStrike" dirty="0">
-                        <a:solidFill>
-                          <a:srgbClr val="000000"/>
-                        </a:solidFill>
-                        <a:effectLst/>
-                        <a:latin typeface="Arial Narrow" panose="020B0606020202030204" pitchFamily="34" charset="0"/>
-                      </a:endParaRPr>
-                    </a:p>
-                  </a:txBody>
-                  <a:tcPr marL="5250" marR="5250" marT="5250" marB="0" anchor="ctr"/>
-                </a:tc>
-                <a:tc>
-                  <a:txBody>
-                    <a:bodyPr/>
-                    <a:lstStyle/>
-                    <a:p>
-                      <a:pPr algn="ctr" rtl="0" fontAlgn="ctr"/>
-                      <a:r>
-                        <a:rPr lang="es-PE" sz="800" u="none" strike="noStrike" dirty="0">
-                          <a:effectLst/>
-                        </a:rPr>
-                        <a:t>-</a:t>
-                      </a:r>
-                      <a:endParaRPr lang="es-PE" sz="800" b="0" i="0" u="none" strike="noStrike" dirty="0">
-                        <a:solidFill>
-                          <a:srgbClr val="000000"/>
-                        </a:solidFill>
-                        <a:effectLst/>
-                        <a:latin typeface="Arial Narrow" panose="020B0606020202030204" pitchFamily="34" charset="0"/>
-                      </a:endParaRPr>
+                        <a:rPr lang="es-PE" sz="800" b="0" i="0" u="none" strike="noStrike" dirty="0">
+                          <a:solidFill>
+                            <a:srgbClr val="000000"/>
+                          </a:solidFill>
+                          <a:effectLst/>
+                          <a:latin typeface="Arial Narrow" panose="020B0606020202030204" pitchFamily="34" charset="0"/>
+                        </a:rPr>
+                        <a:t>GRDE</a:t>
+                      </a:r>
                     </a:p>
                   </a:txBody>
                   <a:tcPr marL="5250" marR="5250" marT="5250" marB="0" anchor="ctr"/>
@@ -7933,14 +7489,14 @@
           <p:nvPr>
             <p:extLst>
               <p:ext uri="{D42A27DB-BD31-4B8C-83A1-F6EECF244321}">
-                <p14:modId xmlns:p14="http://schemas.microsoft.com/office/powerpoint/2010/main" val="2905986558"/>
+                <p14:modId xmlns:p14="http://schemas.microsoft.com/office/powerpoint/2010/main" val="3101389726"/>
               </p:ext>
             </p:extLst>
           </p:nvPr>
         </p:nvGraphicFramePr>
         <p:xfrm>
           <a:off x="113466" y="914395"/>
-          <a:ext cx="8823625" cy="3933144"/>
+          <a:ext cx="8376437" cy="3797770"/>
         </p:xfrm>
         <a:graphic>
           <a:graphicData uri="http://schemas.openxmlformats.org/drawingml/2006/table">
@@ -7949,63 +7505,49 @@
                 <a:tableStyleId>{B296C3B7-51D5-40FC-B7EA-EAF5845D4BE8}</a:tableStyleId>
               </a:tblPr>
               <a:tblGrid>
-                <a:gridCol w="494760">
+                <a:gridCol w="540351">
                   <a:extLst>
                     <a:ext uri="{9D8B030D-6E8A-4147-A177-3AD203B41FA5}">
                       <a16:colId xmlns:a16="http://schemas.microsoft.com/office/drawing/2014/main" val="1085187846"/>
                     </a:ext>
                   </a:extLst>
                 </a:gridCol>
-                <a:gridCol w="637003">
-                  <a:extLst>
-                    <a:ext uri="{9D8B030D-6E8A-4147-A177-3AD203B41FA5}">
-                      <a16:colId xmlns:a16="http://schemas.microsoft.com/office/drawing/2014/main" val="3874210250"/>
-                    </a:ext>
-                  </a:extLst>
-                </a:gridCol>
-                <a:gridCol w="494760">
+                <a:gridCol w="540351">
                   <a:extLst>
                     <a:ext uri="{9D8B030D-6E8A-4147-A177-3AD203B41FA5}">
                       <a16:colId xmlns:a16="http://schemas.microsoft.com/office/drawing/2014/main" val="3382332351"/>
                     </a:ext>
                   </a:extLst>
                 </a:gridCol>
-                <a:gridCol w="1590563">
+                <a:gridCol w="1737130">
                   <a:extLst>
                     <a:ext uri="{9D8B030D-6E8A-4147-A177-3AD203B41FA5}">
                       <a16:colId xmlns:a16="http://schemas.microsoft.com/office/drawing/2014/main" val="339421810"/>
                     </a:ext>
                   </a:extLst>
                 </a:gridCol>
-                <a:gridCol w="761608">
+                <a:gridCol w="831789">
                   <a:extLst>
                     <a:ext uri="{9D8B030D-6E8A-4147-A177-3AD203B41FA5}">
                       <a16:colId xmlns:a16="http://schemas.microsoft.com/office/drawing/2014/main" val="2675732284"/>
                     </a:ext>
                   </a:extLst>
                 </a:gridCol>
-                <a:gridCol w="552482">
+                <a:gridCol w="906924">
                   <a:extLst>
                     <a:ext uri="{9D8B030D-6E8A-4147-A177-3AD203B41FA5}">
                       <a16:colId xmlns:a16="http://schemas.microsoft.com/office/drawing/2014/main" val="960248990"/>
                     </a:ext>
                   </a:extLst>
                 </a:gridCol>
-                <a:gridCol w="552482">
-                  <a:extLst>
-                    <a:ext uri="{9D8B030D-6E8A-4147-A177-3AD203B41FA5}">
-                      <a16:colId xmlns:a16="http://schemas.microsoft.com/office/drawing/2014/main" val="4200821617"/>
-                    </a:ext>
-                  </a:extLst>
-                </a:gridCol>
-                <a:gridCol w="775124">
+                <a:gridCol w="974597">
                   <a:extLst>
                     <a:ext uri="{9D8B030D-6E8A-4147-A177-3AD203B41FA5}">
                       <a16:colId xmlns:a16="http://schemas.microsoft.com/office/drawing/2014/main" val="839605886"/>
                     </a:ext>
                   </a:extLst>
                 </a:gridCol>
-                <a:gridCol w="2964843">
+                <a:gridCol w="2845295">
                   <a:extLst>
                     <a:ext uri="{9D8B030D-6E8A-4147-A177-3AD203B41FA5}">
                       <a16:colId xmlns:a16="http://schemas.microsoft.com/office/drawing/2014/main" val="3776074727"/>
@@ -8044,12 +7586,12 @@
                     <a:p>
                       <a:pPr algn="ctr" rtl="0" fontAlgn="ctr"/>
                       <a:r>
-                        <a:rPr lang="es-PE" sz="800" b="1" u="none" strike="noStrike">
-                          <a:effectLst/>
-                        </a:rPr>
-                        <a:t>CUI</a:t>
-                      </a:r>
-                      <a:endParaRPr lang="es-PE" sz="800" b="1" i="0" u="none" strike="noStrike">
+                        <a:rPr lang="es-PE" sz="800" b="1" u="none" strike="noStrike" dirty="0">
+                          <a:effectLst/>
+                        </a:rPr>
+                        <a:t>CÓDIGO DE IDEA</a:t>
+                      </a:r>
+                      <a:endParaRPr lang="es-PE" sz="800" b="1" i="0" u="none" strike="noStrike" dirty="0">
                         <a:solidFill>
                           <a:srgbClr val="000000"/>
                         </a:solidFill>
@@ -8070,7 +7612,7 @@
                         <a:rPr lang="es-PE" sz="800" b="1" u="none" strike="noStrike" dirty="0">
                           <a:effectLst/>
                         </a:rPr>
-                        <a:t>CÓDIGO DE IDEA</a:t>
+                        <a:t>NOMBRE DEL PROYECTO DE INVERSIÓN</a:t>
                       </a:r>
                       <a:endParaRPr lang="es-PE" sz="800" b="1" i="0" u="none" strike="noStrike" dirty="0">
                         <a:solidFill>
@@ -8093,7 +7635,7 @@
                         <a:rPr lang="es-PE" sz="800" b="1" u="none" strike="noStrike" dirty="0">
                           <a:effectLst/>
                         </a:rPr>
-                        <a:t>NOMBRE DEL PROYECTO DE INVERSIÓN</a:t>
+                        <a:t>MONTO DE INVERSIÓN (s/.)</a:t>
                       </a:r>
                       <a:endParaRPr lang="es-PE" sz="800" b="1" i="0" u="none" strike="noStrike" dirty="0">
                         <a:solidFill>
@@ -8116,53 +7658,7 @@
                         <a:rPr lang="es-PE" sz="800" b="1" u="none" strike="noStrike" dirty="0">
                           <a:effectLst/>
                         </a:rPr>
-                        <a:t>MONTO DE INVERSIÓN (s/.)</a:t>
-                      </a:r>
-                      <a:endParaRPr lang="es-PE" sz="800" b="1" i="0" u="none" strike="noStrike" dirty="0">
-                        <a:solidFill>
-                          <a:srgbClr val="000000"/>
-                        </a:solidFill>
-                        <a:effectLst/>
-                        <a:latin typeface="Arial Narrow" panose="020B0606020202030204" pitchFamily="34" charset="0"/>
-                      </a:endParaRPr>
-                    </a:p>
-                  </a:txBody>
-                  <a:tcPr marL="4542" marR="4542" marT="4542" marB="0" anchor="ctr"/>
-                </a:tc>
-                <a:tc>
-                  <a:txBody>
-                    <a:bodyPr/>
-                    <a:lstStyle/>
-                    <a:p>
-                      <a:pPr algn="ctr" rtl="0" fontAlgn="ctr"/>
-                      <a:r>
-                        <a:rPr lang="es-PE" sz="800" b="1" u="none" strike="noStrike" dirty="0">
-                          <a:effectLst/>
-                        </a:rPr>
                         <a:t>ESTADO SITUACIONAL</a:t>
-                      </a:r>
-                      <a:endParaRPr lang="es-PE" sz="800" b="1" i="0" u="none" strike="noStrike" dirty="0">
-                        <a:solidFill>
-                          <a:srgbClr val="000000"/>
-                        </a:solidFill>
-                        <a:effectLst/>
-                        <a:latin typeface="Arial Narrow" panose="020B0606020202030204" pitchFamily="34" charset="0"/>
-                      </a:endParaRPr>
-                    </a:p>
-                  </a:txBody>
-                  <a:tcPr marL="4542" marR="4542" marT="4542" marB="0" anchor="ctr"/>
-                </a:tc>
-                <a:tc>
-                  <a:txBody>
-                    <a:bodyPr/>
-                    <a:lstStyle/>
-                    <a:p>
-                      <a:pPr algn="ctr" rtl="0" fontAlgn="ctr"/>
-                      <a:r>
-                        <a:rPr lang="es-PE" sz="800" b="1" u="none" strike="noStrike" dirty="0">
-                          <a:effectLst/>
-                        </a:rPr>
-                        <a:t>DURACIÓN</a:t>
                       </a:r>
                       <a:endParaRPr lang="es-PE" sz="800" b="1" i="0" u="none" strike="noStrike" dirty="0">
                         <a:solidFill>
@@ -8261,7 +7757,7 @@
                         <a:rPr lang="es-PE" sz="800" u="none" strike="noStrike">
                           <a:effectLst/>
                         </a:rPr>
-                        <a:t>-</a:t>
+                        <a:t>49512</a:t>
                       </a:r>
                       <a:endParaRPr lang="es-PE" sz="800" b="0" i="0" u="none" strike="noStrike">
                         <a:solidFill>
@@ -8279,14 +7775,60 @@
                     <a:bodyPr/>
                     <a:lstStyle/>
                     <a:p>
+                      <a:pPr algn="l" fontAlgn="ctr"/>
+                      <a:r>
+                        <a:rPr lang="es-PE" sz="800" u="none" strike="noStrike">
+                          <a:effectLst/>
+                        </a:rPr>
+                        <a:t>Inversión “MEJORAMIENTO DE LA PRESTACIÓN DE LOS SERVICIO DE LA DIRECCIÓN REGIONAL DE PESQUERÍA/DIREPRO EN 22 DISTRITOS DE LAS 7 PROVINCIAS DE LA REGIÓN APURÍMAC” </a:t>
+                      </a:r>
+                      <a:endParaRPr lang="es-PE" sz="800" b="0" i="0" u="none" strike="noStrike">
+                        <a:solidFill>
+                          <a:srgbClr val="000000"/>
+                        </a:solidFill>
+                        <a:effectLst/>
+                        <a:latin typeface="Arial Narrow" panose="020B0606020202030204" pitchFamily="34" charset="0"/>
+                      </a:endParaRPr>
+                    </a:p>
+                  </a:txBody>
+                  <a:tcPr marL="4542" marR="4542" marT="4542" marB="0" anchor="ctr"/>
+                </a:tc>
+                <a:tc>
+                  <a:txBody>
+                    <a:bodyPr/>
+                    <a:lstStyle/>
+                    <a:p>
+                      <a:pPr algn="r" rtl="0" fontAlgn="ctr"/>
+                      <a:r>
+                        <a:rPr lang="es-PE" sz="800" u="none" strike="noStrike" dirty="0">
+                          <a:effectLst/>
+                        </a:rPr>
+                        <a:t>3,433,062.38</a:t>
+                      </a:r>
+                      <a:endParaRPr lang="es-PE" sz="800" b="0" i="0" u="none" strike="noStrike" dirty="0">
+                        <a:solidFill>
+                          <a:srgbClr val="000000"/>
+                        </a:solidFill>
+                        <a:effectLst/>
+                        <a:latin typeface="Arial Narrow" panose="020B0606020202030204" pitchFamily="34" charset="0"/>
+                      </a:endParaRPr>
+                    </a:p>
+                  </a:txBody>
+                  <a:tcPr marL="4542" marR="4542" marT="4542" marB="0" anchor="ctr"/>
+                </a:tc>
+                <a:tc>
+                  <a:txBody>
+                    <a:bodyPr/>
+                    <a:lstStyle/>
+                    <a:p>
                       <a:pPr algn="ctr" rtl="0" fontAlgn="ctr"/>
                       <a:r>
-                        <a:rPr lang="es-PE" sz="800" u="none" strike="noStrike">
-                          <a:effectLst/>
-                        </a:rPr>
-                        <a:t>49512</a:t>
-                      </a:r>
-                      <a:endParaRPr lang="es-PE" sz="800" b="0" i="0" u="none" strike="noStrike">
+                        <a:rPr lang="es-PE" sz="800" u="none" strike="noStrike" dirty="0">
+                          <a:effectLst/>
+                        </a:rPr>
+                        <a:t>CONCLUID0</a:t>
+                      </a:r>
+                      <a:endParaRPr lang="es-PE" sz="800" b="0" i="0" u="none" strike="noStrike" dirty="0">
                         <a:solidFill>
                           <a:srgbClr val="000000"/>
                         </a:solidFill>
@@ -8302,135 +7844,40 @@
                     <a:bodyPr/>
                     <a:lstStyle/>
                     <a:p>
+                      <a:pPr algn="l" rtl="0" fontAlgn="ctr"/>
+                      <a:r>
+                        <a:rPr lang="es-PE" sz="800" u="none" strike="noStrike" dirty="0">
+                          <a:effectLst/>
+                        </a:rPr>
+                        <a:t>7 PROVINCIAS (22 DISTRITOS)</a:t>
+                      </a:r>
+                      <a:endParaRPr lang="es-PE" sz="800" b="0" i="0" u="none" strike="noStrike" dirty="0">
+                        <a:solidFill>
+                          <a:srgbClr val="000000"/>
+                        </a:solidFill>
+                        <a:effectLst/>
+                        <a:latin typeface="Arial Narrow" panose="020B0606020202030204" pitchFamily="34" charset="0"/>
+                      </a:endParaRPr>
+                    </a:p>
+                  </a:txBody>
+                  <a:tcPr marL="4542" marR="4542" marT="4542" marB="0" anchor="ctr"/>
+                </a:tc>
+                <a:tc>
+                  <a:txBody>
+                    <a:bodyPr/>
+                    <a:lstStyle/>
+                    <a:p>
                       <a:pPr algn="just" fontAlgn="ctr"/>
                       <a:r>
-                        <a:rPr lang="es-PE" sz="800" u="none" strike="noStrike">
-                          <a:effectLst/>
-                        </a:rPr>
-                        <a:t>Inversión “MEJORAMIENTO DE LA PRESTACIÓN DE LOS SERVICIO DE LA DIRECCIÓN REGIONAL DE PESQUERÍA/DIREPRO EN 22 DISTRITOS DE LAS 7 PROVINCIAS DE LA REGIÓN APURÍMAC” </a:t>
-                      </a:r>
-                      <a:endParaRPr lang="es-PE" sz="800" b="0" i="0" u="none" strike="noStrike">
-                        <a:solidFill>
-                          <a:srgbClr val="000000"/>
-                        </a:solidFill>
-                        <a:effectLst/>
-                        <a:latin typeface="Arial Narrow" panose="020B0606020202030204" pitchFamily="34" charset="0"/>
-                      </a:endParaRPr>
-                    </a:p>
-                  </a:txBody>
-                  <a:tcPr marL="4542" marR="4542" marT="4542" marB="0" anchor="ctr"/>
-                </a:tc>
-                <a:tc>
-                  <a:txBody>
-                    <a:bodyPr/>
-                    <a:lstStyle/>
-                    <a:p>
-                      <a:pPr algn="r" rtl="0" fontAlgn="ctr"/>
-                      <a:r>
-                        <a:rPr lang="es-PE" sz="800" u="none" strike="noStrike" dirty="0">
-                          <a:effectLst/>
-                        </a:rPr>
-                        <a:t>3,433,062.38</a:t>
-                      </a:r>
-                      <a:endParaRPr lang="es-PE" sz="800" b="0" i="0" u="none" strike="noStrike" dirty="0">
-                        <a:solidFill>
-                          <a:srgbClr val="000000"/>
-                        </a:solidFill>
-                        <a:effectLst/>
-                        <a:latin typeface="Arial Narrow" panose="020B0606020202030204" pitchFamily="34" charset="0"/>
-                      </a:endParaRPr>
-                    </a:p>
-                  </a:txBody>
-                  <a:tcPr marL="4542" marR="4542" marT="4542" marB="0" anchor="ctr"/>
-                </a:tc>
-                <a:tc>
-                  <a:txBody>
-                    <a:bodyPr/>
-                    <a:lstStyle/>
-                    <a:p>
-                      <a:pPr algn="ctr" rtl="0" fontAlgn="ctr"/>
-                      <a:r>
-                        <a:rPr lang="es-PE" sz="800" u="none" strike="noStrike">
-                          <a:effectLst/>
-                        </a:rPr>
-                        <a:t>FORMULACIÓN</a:t>
-                      </a:r>
-                      <a:endParaRPr lang="es-PE" sz="800" b="0" i="0" u="none" strike="noStrike">
-                        <a:solidFill>
-                          <a:srgbClr val="000000"/>
-                        </a:solidFill>
-                        <a:effectLst/>
-                        <a:latin typeface="Arial Narrow" panose="020B0606020202030204" pitchFamily="34" charset="0"/>
-                      </a:endParaRPr>
-                    </a:p>
-                  </a:txBody>
-                  <a:tcPr marL="4542" marR="4542" marT="4542" marB="0" anchor="ctr"/>
-                </a:tc>
-                <a:tc>
-                  <a:txBody>
-                    <a:bodyPr/>
-                    <a:lstStyle/>
-                    <a:p>
-                      <a:pPr algn="ctr" rtl="0" fontAlgn="ctr"/>
-                      <a:r>
-                        <a:rPr lang="es-PE" sz="800" u="none" strike="noStrike">
-                          <a:effectLst/>
-                        </a:rPr>
-                        <a:t>04 MESES</a:t>
-                      </a:r>
-                      <a:endParaRPr lang="es-PE" sz="800" b="0" i="0" u="none" strike="noStrike">
-                        <a:solidFill>
-                          <a:srgbClr val="000000"/>
-                        </a:solidFill>
-                        <a:effectLst/>
-                        <a:latin typeface="Arial Narrow" panose="020B0606020202030204" pitchFamily="34" charset="0"/>
-                      </a:endParaRPr>
-                    </a:p>
-                  </a:txBody>
-                  <a:tcPr marL="4542" marR="4542" marT="4542" marB="0" anchor="ctr"/>
-                </a:tc>
-                <a:tc>
-                  <a:txBody>
-                    <a:bodyPr/>
-                    <a:lstStyle/>
-                    <a:p>
-                      <a:pPr algn="l" rtl="0" fontAlgn="ctr"/>
-                      <a:r>
-                        <a:rPr lang="es-PE" sz="800" u="none" strike="noStrike">
-                          <a:effectLst/>
-                        </a:rPr>
-                        <a:t> 22 DISTRITOS DE LAS 7 PROVINCIAS DE LA REGIÓN APURÍMAC</a:t>
-                      </a:r>
-                      <a:endParaRPr lang="es-PE" sz="800" b="0" i="0" u="none" strike="noStrike">
-                        <a:solidFill>
-                          <a:srgbClr val="000000"/>
-                        </a:solidFill>
-                        <a:effectLst/>
-                        <a:latin typeface="Arial Narrow" panose="020B0606020202030204" pitchFamily="34" charset="0"/>
-                      </a:endParaRPr>
-                    </a:p>
-                  </a:txBody>
-                  <a:tcPr marL="4542" marR="4542" marT="4542" marB="0" anchor="ctr"/>
-                </a:tc>
-                <a:tc>
-                  <a:txBody>
-                    <a:bodyPr/>
-                    <a:lstStyle/>
-                    <a:p>
-                      <a:pPr algn="just" fontAlgn="ctr"/>
-                      <a:r>
-                        <a:rPr lang="es-PE" sz="800" u="none" strike="noStrike" dirty="0">
-                          <a:effectLst/>
-                        </a:rPr>
-                        <a:t>Proyecto de Inversión en continuidad, a la fecha la formulación se concluyó al 100%, se evaluó y actualmente se presento para su registro en el aplicativo informático del banco de proyectos del Invierte.pe. para su registro y viabilización.</a:t>
-                      </a:r>
-                      <a:endParaRPr lang="es-PE" sz="800" b="0" i="0" u="none" strike="noStrike" dirty="0">
-                        <a:solidFill>
-                          <a:srgbClr val="000000"/>
-                        </a:solidFill>
-                        <a:effectLst/>
-                        <a:latin typeface="Arial Narrow" panose="020B0606020202030204" pitchFamily="34" charset="0"/>
-                      </a:endParaRPr>
+                        <a:rPr lang="es-PE" sz="800" b="0" i="0" u="none" strike="noStrike" dirty="0">
+                          <a:solidFill>
+                            <a:srgbClr val="000000"/>
+                          </a:solidFill>
+                          <a:effectLst/>
+                          <a:latin typeface="Arial Narrow" panose="020B0606020202030204" pitchFamily="34" charset="0"/>
+                        </a:rPr>
+                        <a:t>En registro para su viabilidad.</a:t>
+                      </a:r>
                     </a:p>
                   </a:txBody>
                   <a:tcPr marL="4542" marR="4542" marT="4542" marB="0" anchor="ctr"/>
@@ -8472,12 +7919,12 @@
                     <a:p>
                       <a:pPr algn="ctr" rtl="0" fontAlgn="ctr"/>
                       <a:r>
-                        <a:rPr lang="es-PE" sz="800" u="none" strike="noStrike">
-                          <a:effectLst/>
-                        </a:rPr>
-                        <a:t>-</a:t>
-                      </a:r>
-                      <a:endParaRPr lang="es-PE" sz="800" b="0" i="0" u="none" strike="noStrike">
+                        <a:rPr lang="es-PE" sz="800" u="none" strike="noStrike" dirty="0">
+                          <a:effectLst/>
+                        </a:rPr>
+                        <a:t>49546</a:t>
+                      </a:r>
+                      <a:endParaRPr lang="es-PE" sz="800" b="0" i="0" u="none" strike="noStrike" dirty="0">
                         <a:solidFill>
                           <a:srgbClr val="000000"/>
                         </a:solidFill>
@@ -8493,12 +7940,58 @@
                     <a:bodyPr/>
                     <a:lstStyle/>
                     <a:p>
+                      <a:pPr algn="l" fontAlgn="ctr"/>
+                      <a:r>
+                        <a:rPr lang="es-PE" sz="800" u="none" strike="noStrike" dirty="0">
+                          <a:effectLst/>
+                        </a:rPr>
+                        <a:t>"MEJORAMIENTO Y AMPLIACIÓN DE LOS SERVICIOS DE LA DIRECCION REGIONAL DE LA PRODUCCION - DIRECCION DE INDUSTRIA, DE LA PROVINCIA DE ABANCAY DEL DEPARTAMENTO DE APURÍMAC"</a:t>
+                      </a:r>
+                      <a:endParaRPr lang="es-PE" sz="800" b="0" i="0" u="none" strike="noStrike" dirty="0">
+                        <a:solidFill>
+                          <a:srgbClr val="000000"/>
+                        </a:solidFill>
+                        <a:effectLst/>
+                        <a:latin typeface="Arial Narrow" panose="020B0606020202030204" pitchFamily="34" charset="0"/>
+                      </a:endParaRPr>
+                    </a:p>
+                  </a:txBody>
+                  <a:tcPr marL="4542" marR="4542" marT="4542" marB="0" anchor="ctr"/>
+                </a:tc>
+                <a:tc>
+                  <a:txBody>
+                    <a:bodyPr/>
+                    <a:lstStyle/>
+                    <a:p>
+                      <a:pPr algn="r" rtl="0" fontAlgn="ctr"/>
+                      <a:r>
+                        <a:rPr lang="es-PE" sz="800" u="none" strike="noStrike" dirty="0">
+                          <a:effectLst/>
+                        </a:rPr>
+                        <a:t>11,042,405.06</a:t>
+                      </a:r>
+                      <a:endParaRPr lang="es-PE" sz="800" b="0" i="0" u="none" strike="noStrike" dirty="0">
+                        <a:solidFill>
+                          <a:srgbClr val="000000"/>
+                        </a:solidFill>
+                        <a:effectLst/>
+                        <a:latin typeface="Arial Narrow" panose="020B0606020202030204" pitchFamily="34" charset="0"/>
+                      </a:endParaRPr>
+                    </a:p>
+                  </a:txBody>
+                  <a:tcPr marL="4542" marR="4542" marT="4542" marB="0" anchor="ctr"/>
+                </a:tc>
+                <a:tc>
+                  <a:txBody>
+                    <a:bodyPr/>
+                    <a:lstStyle/>
+                    <a:p>
                       <a:pPr algn="ctr" rtl="0" fontAlgn="ctr"/>
                       <a:r>
                         <a:rPr lang="es-PE" sz="800" u="none" strike="noStrike" dirty="0">
                           <a:effectLst/>
                         </a:rPr>
-                        <a:t>49546</a:t>
+                        <a:t>CONCLUID0</a:t>
                       </a:r>
                       <a:endParaRPr lang="es-PE" sz="800" b="0" i="0" u="none" strike="noStrike" dirty="0">
                         <a:solidFill>
@@ -8516,12 +8009,12 @@
                     <a:bodyPr/>
                     <a:lstStyle/>
                     <a:p>
-                      <a:pPr algn="just" fontAlgn="ctr"/>
+                      <a:pPr algn="l" rtl="0" fontAlgn="ctr"/>
                       <a:r>
                         <a:rPr lang="es-PE" sz="800" u="none" strike="noStrike" dirty="0">
                           <a:effectLst/>
                         </a:rPr>
-                        <a:t>"MEJORAMIENTO Y AMPLIACIÓN DE LOS SERVICIOS DE LA DIRECCION REGIONAL DE LA PRODUCCION - DIRECCION DE INDUSTRIA, DE LA PROVINCIA DE ABANCAY DEL DEPARTAMENTO DE APURÍMAC"</a:t>
+                        <a:t>PROVINCIA DE ABANCAY</a:t>
                       </a:r>
                       <a:endParaRPr lang="es-PE" sz="800" b="0" i="0" u="none" strike="noStrike" dirty="0">
                         <a:solidFill>
@@ -8539,104 +8032,30 @@
                     <a:bodyPr/>
                     <a:lstStyle/>
                     <a:p>
-                      <a:pPr algn="r" rtl="0" fontAlgn="ctr"/>
+                      <a:pPr marL="0" marR="0" lvl="0" indent="0" algn="just" defTabSz="914400" rtl="0" eaLnBrk="1" fontAlgn="ctr" latinLnBrk="0" hangingPunct="1">
+                        <a:lnSpc>
+                          <a:spcPct val="100000"/>
+                        </a:lnSpc>
+                        <a:spcBef>
+                          <a:spcPts val="0"/>
+                        </a:spcBef>
+                        <a:spcAft>
+                          <a:spcPts val="0"/>
+                        </a:spcAft>
+                        <a:buClr>
+                          <a:srgbClr val="000000"/>
+                        </a:buClr>
+                        <a:buSzTx/>
+                        <a:buFont typeface="Arial"/>
+                        <a:buNone/>
+                        <a:tabLst/>
+                        <a:defRPr/>
+                      </a:pPr>
                       <a:r>
                         <a:rPr lang="es-PE" sz="800" u="none" strike="noStrike" dirty="0">
                           <a:effectLst/>
                         </a:rPr>
-                        <a:t>11,042,405.06</a:t>
-                      </a:r>
-                      <a:endParaRPr lang="es-PE" sz="800" b="0" i="0" u="none" strike="noStrike" dirty="0">
-                        <a:solidFill>
-                          <a:srgbClr val="000000"/>
-                        </a:solidFill>
-                        <a:effectLst/>
-                        <a:latin typeface="Arial Narrow" panose="020B0606020202030204" pitchFamily="34" charset="0"/>
-                      </a:endParaRPr>
-                    </a:p>
-                  </a:txBody>
-                  <a:tcPr marL="4542" marR="4542" marT="4542" marB="0" anchor="ctr"/>
-                </a:tc>
-                <a:tc>
-                  <a:txBody>
-                    <a:bodyPr/>
-                    <a:lstStyle/>
-                    <a:p>
-                      <a:pPr algn="ctr" rtl="0" fontAlgn="ctr"/>
-                      <a:r>
-                        <a:rPr lang="es-PE" sz="800" u="none" strike="noStrike" dirty="0">
-                          <a:effectLst/>
-                        </a:rPr>
-                        <a:t>FORMULACIÓN</a:t>
-                      </a:r>
-                      <a:endParaRPr lang="es-PE" sz="800" b="0" i="0" u="none" strike="noStrike" dirty="0">
-                        <a:solidFill>
-                          <a:srgbClr val="000000"/>
-                        </a:solidFill>
-                        <a:effectLst/>
-                        <a:latin typeface="Arial Narrow" panose="020B0606020202030204" pitchFamily="34" charset="0"/>
-                      </a:endParaRPr>
-                    </a:p>
-                  </a:txBody>
-                  <a:tcPr marL="4542" marR="4542" marT="4542" marB="0" anchor="ctr"/>
-                </a:tc>
-                <a:tc>
-                  <a:txBody>
-                    <a:bodyPr/>
-                    <a:lstStyle/>
-                    <a:p>
-                      <a:pPr algn="ctr" rtl="0" fontAlgn="ctr"/>
-                      <a:r>
-                        <a:rPr lang="es-PE" sz="800" u="none" strike="noStrike">
-                          <a:effectLst/>
-                        </a:rPr>
-                        <a:t>04 MESES</a:t>
-                      </a:r>
-                      <a:endParaRPr lang="es-PE" sz="800" b="0" i="0" u="none" strike="noStrike">
-                        <a:solidFill>
-                          <a:srgbClr val="000000"/>
-                        </a:solidFill>
-                        <a:effectLst/>
-                        <a:latin typeface="Arial Narrow" panose="020B0606020202030204" pitchFamily="34" charset="0"/>
-                      </a:endParaRPr>
-                    </a:p>
-                  </a:txBody>
-                  <a:tcPr marL="4542" marR="4542" marT="4542" marB="0" anchor="ctr"/>
-                </a:tc>
-                <a:tc>
-                  <a:txBody>
-                    <a:bodyPr/>
-                    <a:lstStyle/>
-                    <a:p>
-                      <a:pPr algn="l" rtl="0" fontAlgn="ctr"/>
-                      <a:r>
-                        <a:rPr lang="es-PE" sz="800" u="none" strike="noStrike">
-                          <a:effectLst/>
-                        </a:rPr>
-                        <a:t>PROVINCIA DE ABANCAY</a:t>
-                      </a:r>
-                      <a:endParaRPr lang="es-PE" sz="800" b="0" i="0" u="none" strike="noStrike">
-                        <a:solidFill>
-                          <a:srgbClr val="000000"/>
-                        </a:solidFill>
-                        <a:effectLst/>
-                        <a:latin typeface="Arial Narrow" panose="020B0606020202030204" pitchFamily="34" charset="0"/>
-                      </a:endParaRPr>
-                    </a:p>
-                  </a:txBody>
-                  <a:tcPr marL="4542" marR="4542" marT="4542" marB="0" anchor="ctr"/>
-                </a:tc>
-                <a:tc>
-                  <a:txBody>
-                    <a:bodyPr/>
-                    <a:lstStyle/>
-                    <a:p>
-                      <a:pPr algn="just" fontAlgn="ctr"/>
-                      <a:r>
-                        <a:rPr lang="es-PE" sz="800" u="none" strike="noStrike" dirty="0">
-                          <a:effectLst/>
-                        </a:rPr>
-                        <a:t>Proyecto de Inversión en continuidad, a la fecha la formulación se concluyó al 100%, quedando pendiente la subsanación de algunas observaciones y la consolidación de documentos; a la espera de la firma del convenio entre el Gobierno Regional de Apurímac y la Dirección Regional de Educación Apurímac para la sesión de uso del terreno para la instalación de la planta de producción y procesamiento de la Espirulina en polvo. Una vez teniendo el convenio se procederá al registro en el aplicativo informático del banco de proyectos del Invierte.pe., para su aprobación y viabilización del estudio. </a:t>
+                        <a:t>En espere del convenio DREA - GORE para el proceso de revisión y aprobación correspondiente.</a:t>
                       </a:r>
                       <a:endParaRPr lang="es-PE" sz="800" b="0" i="0" u="none" strike="noStrike" dirty="0">
                         <a:solidFill>
@@ -8686,12 +8105,12 @@
                     <a:p>
                       <a:pPr algn="ctr" rtl="0" fontAlgn="ctr"/>
                       <a:r>
-                        <a:rPr lang="es-PE" sz="800" u="none" strike="noStrike">
-                          <a:effectLst/>
-                        </a:rPr>
-                        <a:t>-</a:t>
-                      </a:r>
-                      <a:endParaRPr lang="es-PE" sz="800" b="0" i="0" u="none" strike="noStrike">
+                        <a:rPr lang="es-PE" sz="800" u="none" strike="noStrike" dirty="0">
+                          <a:effectLst/>
+                        </a:rPr>
+                        <a:t>49521</a:t>
+                      </a:r>
+                      <a:endParaRPr lang="es-PE" sz="800" b="0" i="0" u="none" strike="noStrike" dirty="0">
                         <a:solidFill>
                           <a:srgbClr val="000000"/>
                         </a:solidFill>
@@ -8707,14 +8126,60 @@
                     <a:bodyPr/>
                     <a:lstStyle/>
                     <a:p>
+                      <a:pPr algn="l" fontAlgn="ctr"/>
+                      <a:r>
+                        <a:rPr lang="es-PE" sz="800" u="none" strike="noStrike" dirty="0">
+                          <a:effectLst/>
+                        </a:rPr>
+                        <a:t>“MEJORAMIENTO DE LOS SERVICIOS DE ASISTENCIA TÉCNICA Y PROMOCIÓN DE LA CADENA PRODUCTIVA DE LECHE DE CABRA EN 4 PROVINCIAS DEL DEPARTAMENTO DE APURIMAC”.</a:t>
+                      </a:r>
+                      <a:endParaRPr lang="es-PE" sz="800" b="0" i="0" u="none" strike="noStrike" dirty="0">
+                        <a:solidFill>
+                          <a:srgbClr val="000000"/>
+                        </a:solidFill>
+                        <a:effectLst/>
+                        <a:latin typeface="Arial Narrow" panose="020B0606020202030204" pitchFamily="34" charset="0"/>
+                      </a:endParaRPr>
+                    </a:p>
+                  </a:txBody>
+                  <a:tcPr marL="4542" marR="4542" marT="4542" marB="0" anchor="ctr"/>
+                </a:tc>
+                <a:tc>
+                  <a:txBody>
+                    <a:bodyPr/>
+                    <a:lstStyle/>
+                    <a:p>
+                      <a:pPr algn="r" rtl="0" fontAlgn="ctr"/>
+                      <a:r>
+                        <a:rPr lang="es-PE" sz="800" u="none" strike="noStrike" dirty="0">
+                          <a:effectLst/>
+                        </a:rPr>
+                        <a:t>3,606,589.76</a:t>
+                      </a:r>
+                      <a:endParaRPr lang="es-PE" sz="800" b="0" i="0" u="none" strike="noStrike" dirty="0">
+                        <a:solidFill>
+                          <a:srgbClr val="000000"/>
+                        </a:solidFill>
+                        <a:effectLst/>
+                        <a:latin typeface="Arial Narrow" panose="020B0606020202030204" pitchFamily="34" charset="0"/>
+                      </a:endParaRPr>
+                    </a:p>
+                  </a:txBody>
+                  <a:tcPr marL="4542" marR="4542" marT="4542" marB="0" anchor="ctr"/>
+                </a:tc>
+                <a:tc>
+                  <a:txBody>
+                    <a:bodyPr/>
+                    <a:lstStyle/>
+                    <a:p>
                       <a:pPr algn="ctr" rtl="0" fontAlgn="ctr"/>
                       <a:r>
-                        <a:rPr lang="es-PE" sz="800" u="none" strike="noStrike">
-                          <a:effectLst/>
-                        </a:rPr>
-                        <a:t>49521</a:t>
-                      </a:r>
-                      <a:endParaRPr lang="es-PE" sz="800" b="0" i="0" u="none" strike="noStrike">
+                        <a:rPr lang="es-PE" sz="800" u="none" strike="noStrike" dirty="0">
+                          <a:effectLst/>
+                        </a:rPr>
+                        <a:t>CONCLUID0</a:t>
+                      </a:r>
+                      <a:endParaRPr lang="es-PE" sz="800" b="0" i="0" u="none" strike="noStrike" dirty="0">
                         <a:solidFill>
                           <a:srgbClr val="000000"/>
                         </a:solidFill>
@@ -8730,128 +8195,64 @@
                     <a:bodyPr/>
                     <a:lstStyle/>
                     <a:p>
+                      <a:pPr algn="l" rtl="0" fontAlgn="ctr"/>
+                      <a:r>
+                        <a:rPr lang="es-PE" sz="800" u="none" strike="noStrike" dirty="0">
+                          <a:effectLst/>
+                        </a:rPr>
+                        <a:t>LAS PROVINCIAS DE AYMARAES, ABANCAY, ANDAHUAYLAS Y CHICNHEROS.</a:t>
+                      </a:r>
+                      <a:endParaRPr lang="es-PE" sz="800" b="0" i="0" u="none" strike="noStrike" dirty="0">
+                        <a:solidFill>
+                          <a:srgbClr val="000000"/>
+                        </a:solidFill>
+                        <a:effectLst/>
+                        <a:latin typeface="Arial Narrow" panose="020B0606020202030204" pitchFamily="34" charset="0"/>
+                      </a:endParaRPr>
+                    </a:p>
+                  </a:txBody>
+                  <a:tcPr marL="4542" marR="4542" marT="4542" marB="0" anchor="ctr"/>
+                </a:tc>
+                <a:tc>
+                  <a:txBody>
+                    <a:bodyPr/>
+                    <a:lstStyle/>
+                    <a:p>
+                      <a:pPr marL="0" marR="0" lvl="0" indent="0" algn="just" defTabSz="914400" rtl="0" eaLnBrk="1" fontAlgn="ctr" latinLnBrk="0" hangingPunct="1">
+                        <a:lnSpc>
+                          <a:spcPct val="100000"/>
+                        </a:lnSpc>
+                        <a:spcBef>
+                          <a:spcPts val="0"/>
+                        </a:spcBef>
+                        <a:spcAft>
+                          <a:spcPts val="0"/>
+                        </a:spcAft>
+                        <a:buClr>
+                          <a:srgbClr val="000000"/>
+                        </a:buClr>
+                        <a:buSzTx/>
+                        <a:buFont typeface="Arial"/>
+                        <a:buNone/>
+                        <a:tabLst/>
+                        <a:defRPr/>
+                      </a:pPr>
+                      <a:r>
+                        <a:rPr lang="es-PE" sz="800" u="none" strike="noStrike" dirty="0">
+                          <a:effectLst/>
+                        </a:rPr>
+                        <a:t>En espere del convenio INIA - GORE para el proceso de revisión y aprobación correspondiente.</a:t>
+                      </a:r>
+                      <a:endParaRPr lang="es-PE" sz="800" b="0" i="0" u="none" strike="noStrike" dirty="0">
+                        <a:solidFill>
+                          <a:srgbClr val="000000"/>
+                        </a:solidFill>
+                        <a:effectLst/>
+                        <a:latin typeface="Arial Narrow" panose="020B0606020202030204" pitchFamily="34" charset="0"/>
+                      </a:endParaRPr>
+                    </a:p>
+                    <a:p>
                       <a:pPr algn="just" fontAlgn="ctr"/>
-                      <a:r>
-                        <a:rPr lang="es-PE" sz="800" u="none" strike="noStrike">
-                          <a:effectLst/>
-                        </a:rPr>
-                        <a:t>“MEJORAMIENTO DE LOS SERVICIOS DE ASISTENCIA TÉCNICA Y PROMOCIÓN DE LA CADENA PRODUCTIVA DE LECHE DE CABRA EN 4 PROVINCIAS DEL DEPARTAMENTO DE APURIMAC”.</a:t>
-                      </a:r>
-                      <a:endParaRPr lang="es-PE" sz="800" b="0" i="0" u="none" strike="noStrike">
-                        <a:solidFill>
-                          <a:srgbClr val="000000"/>
-                        </a:solidFill>
-                        <a:effectLst/>
-                        <a:latin typeface="Arial Narrow" panose="020B0606020202030204" pitchFamily="34" charset="0"/>
-                      </a:endParaRPr>
-                    </a:p>
-                  </a:txBody>
-                  <a:tcPr marL="4542" marR="4542" marT="4542" marB="0" anchor="ctr"/>
-                </a:tc>
-                <a:tc>
-                  <a:txBody>
-                    <a:bodyPr/>
-                    <a:lstStyle/>
-                    <a:p>
-                      <a:pPr algn="r" rtl="0" fontAlgn="ctr"/>
-                      <a:r>
-                        <a:rPr lang="es-PE" sz="800" u="none" strike="noStrike" dirty="0">
-                          <a:effectLst/>
-                        </a:rPr>
-                        <a:t>3,606,589.76</a:t>
-                      </a:r>
-                      <a:endParaRPr lang="es-PE" sz="800" b="0" i="0" u="none" strike="noStrike" dirty="0">
-                        <a:solidFill>
-                          <a:srgbClr val="000000"/>
-                        </a:solidFill>
-                        <a:effectLst/>
-                        <a:latin typeface="Arial Narrow" panose="020B0606020202030204" pitchFamily="34" charset="0"/>
-                      </a:endParaRPr>
-                    </a:p>
-                  </a:txBody>
-                  <a:tcPr marL="4542" marR="4542" marT="4542" marB="0" anchor="ctr"/>
-                </a:tc>
-                <a:tc>
-                  <a:txBody>
-                    <a:bodyPr/>
-                    <a:lstStyle/>
-                    <a:p>
-                      <a:pPr algn="ctr" rtl="0" fontAlgn="ctr"/>
-                      <a:r>
-                        <a:rPr lang="es-PE" sz="800" u="none" strike="noStrike" dirty="0">
-                          <a:effectLst/>
-                        </a:rPr>
-                        <a:t>FORMULACIÓN</a:t>
-                      </a:r>
-                      <a:endParaRPr lang="es-PE" sz="800" b="0" i="0" u="none" strike="noStrike" dirty="0">
-                        <a:solidFill>
-                          <a:srgbClr val="000000"/>
-                        </a:solidFill>
-                        <a:effectLst/>
-                        <a:latin typeface="Arial Narrow" panose="020B0606020202030204" pitchFamily="34" charset="0"/>
-                      </a:endParaRPr>
-                    </a:p>
-                  </a:txBody>
-                  <a:tcPr marL="4542" marR="4542" marT="4542" marB="0" anchor="ctr"/>
-                </a:tc>
-                <a:tc>
-                  <a:txBody>
-                    <a:bodyPr/>
-                    <a:lstStyle/>
-                    <a:p>
-                      <a:pPr algn="ctr" rtl="0" fontAlgn="ctr"/>
-                      <a:r>
-                        <a:rPr lang="es-PE" sz="800" u="none" strike="noStrike" dirty="0">
-                          <a:effectLst/>
-                        </a:rPr>
-                        <a:t>03 MESES</a:t>
-                      </a:r>
-                      <a:endParaRPr lang="es-PE" sz="800" b="0" i="0" u="none" strike="noStrike" dirty="0">
-                        <a:solidFill>
-                          <a:srgbClr val="000000"/>
-                        </a:solidFill>
-                        <a:effectLst/>
-                        <a:latin typeface="Arial Narrow" panose="020B0606020202030204" pitchFamily="34" charset="0"/>
-                      </a:endParaRPr>
-                    </a:p>
-                  </a:txBody>
-                  <a:tcPr marL="4542" marR="4542" marT="4542" marB="0" anchor="ctr"/>
-                </a:tc>
-                <a:tc>
-                  <a:txBody>
-                    <a:bodyPr/>
-                    <a:lstStyle/>
-                    <a:p>
-                      <a:pPr algn="l" rtl="0" fontAlgn="ctr"/>
-                      <a:r>
-                        <a:rPr lang="es-PE" sz="800" u="none" strike="noStrike">
-                          <a:effectLst/>
-                        </a:rPr>
-                        <a:t>LAS PROVINCIAS DE AYMARAES, ABANCAY, ANDAHUAYLAS Y CHICNHEROS.</a:t>
-                      </a:r>
-                      <a:endParaRPr lang="es-PE" sz="800" b="0" i="0" u="none" strike="noStrike">
-                        <a:solidFill>
-                          <a:srgbClr val="000000"/>
-                        </a:solidFill>
-                        <a:effectLst/>
-                        <a:latin typeface="Arial Narrow" panose="020B0606020202030204" pitchFamily="34" charset="0"/>
-                      </a:endParaRPr>
-                    </a:p>
-                  </a:txBody>
-                  <a:tcPr marL="4542" marR="4542" marT="4542" marB="0" anchor="ctr"/>
-                </a:tc>
-                <a:tc>
-                  <a:txBody>
-                    <a:bodyPr/>
-                    <a:lstStyle/>
-                    <a:p>
-                      <a:pPr algn="just" fontAlgn="ctr"/>
-                      <a:r>
-                        <a:rPr lang="es-PE" sz="800" u="none" strike="noStrike" dirty="0">
-                          <a:effectLst/>
-                        </a:rPr>
-                        <a:t>Proyecto de Inversión en continuidad, a la fecha la formulación se concluyo al 100%. Pero esta a la espera de la firma del convenio entre el Gobierno Regional de Apurímac y el INIA, para la sesión de uso del terreno de parte del INIA. El documento del convenio actualmente se encuentra en la sede central del INIA Lima. Una vez teniendo el convenio se procederá al registro en el aplicativo informático del banco de proyectos del Invierte.pe., para su aprobación y viabilización del estudio. </a:t>
-                      </a:r>
                       <a:endParaRPr lang="es-PE" sz="800" b="0" i="0" u="none" strike="noStrike" dirty="0">
                         <a:solidFill>
                           <a:srgbClr val="000000"/>
@@ -9273,6 +8674,18 @@
               </a:rPr>
               <a:t>Proyectos de Inversión Formulados – 2020 </a:t>
             </a:r>
+            <a:endParaRPr lang="es-PE" sz="2000" dirty="0">
+              <a:effectLst>
+                <a:outerShdw blurRad="38100" dist="38100" dir="2700000" algn="tl">
+                  <a:srgbClr val="000000">
+                    <a:alpha val="43137"/>
+                  </a:srgbClr>
+                </a:outerShdw>
+              </a:effectLst>
+            </a:endParaRPr>
+          </a:p>
+          <a:p>
+            <a:pPr algn="ctr"/>
             <a:r>
               <a:rPr lang="es-PE" sz="2000" dirty="0">
                 <a:effectLst>
@@ -9283,7 +8696,7 @@
                   </a:outerShdw>
                 </a:effectLst>
               </a:rPr>
-              <a:t>- Función Planeamiento gestión y Reserva de la Contingencia</a:t>
+              <a:t>Función Planeamiento Gestión y Reserva de la Contingencia</a:t>
             </a:r>
             <a:endParaRPr lang="es-MX" sz="2000" dirty="0">
               <a:effectLst>
@@ -9312,14 +8725,14 @@
           <p:nvPr>
             <p:extLst>
               <p:ext uri="{D42A27DB-BD31-4B8C-83A1-F6EECF244321}">
-                <p14:modId xmlns:p14="http://schemas.microsoft.com/office/powerpoint/2010/main" val="1876157580"/>
+                <p14:modId xmlns:p14="http://schemas.microsoft.com/office/powerpoint/2010/main" val="327224921"/>
               </p:ext>
             </p:extLst>
           </p:nvPr>
         </p:nvGraphicFramePr>
         <p:xfrm>
-          <a:off x="240280" y="1329435"/>
-          <a:ext cx="8563323" cy="2454150"/>
+          <a:off x="240279" y="1329435"/>
+          <a:ext cx="8249623" cy="2109198"/>
         </p:xfrm>
         <a:graphic>
           <a:graphicData uri="http://schemas.openxmlformats.org/drawingml/2006/table">
@@ -9328,63 +8741,49 @@
                 <a:tableStyleId>{B296C3B7-51D5-40FC-B7EA-EAF5845D4BE8}</a:tableStyleId>
               </a:tblPr>
               <a:tblGrid>
-                <a:gridCol w="419762">
+                <a:gridCol w="470792">
                   <a:extLst>
                     <a:ext uri="{9D8B030D-6E8A-4147-A177-3AD203B41FA5}">
                       <a16:colId xmlns:a16="http://schemas.microsoft.com/office/drawing/2014/main" val="446179087"/>
                     </a:ext>
                   </a:extLst>
                 </a:gridCol>
-                <a:gridCol w="540444">
-                  <a:extLst>
-                    <a:ext uri="{9D8B030D-6E8A-4147-A177-3AD203B41FA5}">
-                      <a16:colId xmlns:a16="http://schemas.microsoft.com/office/drawing/2014/main" val="1795523580"/>
-                    </a:ext>
-                  </a:extLst>
-                </a:gridCol>
-                <a:gridCol w="419762">
+                <a:gridCol w="470792">
                   <a:extLst>
                     <a:ext uri="{9D8B030D-6E8A-4147-A177-3AD203B41FA5}">
                       <a16:colId xmlns:a16="http://schemas.microsoft.com/office/drawing/2014/main" val="3115742257"/>
                     </a:ext>
                   </a:extLst>
                 </a:gridCol>
-                <a:gridCol w="1455177">
+                <a:gridCol w="1632081">
                   <a:extLst>
                     <a:ext uri="{9D8B030D-6E8A-4147-A177-3AD203B41FA5}">
                       <a16:colId xmlns:a16="http://schemas.microsoft.com/office/drawing/2014/main" val="2738659876"/>
                     </a:ext>
                   </a:extLst>
                 </a:gridCol>
-                <a:gridCol w="682292">
+                <a:gridCol w="765237">
                   <a:extLst>
                     <a:ext uri="{9D8B030D-6E8A-4147-A177-3AD203B41FA5}">
                       <a16:colId xmlns:a16="http://schemas.microsoft.com/office/drawing/2014/main" val="232004499"/>
                     </a:ext>
                   </a:extLst>
                 </a:gridCol>
-                <a:gridCol w="634073">
+                <a:gridCol w="711156">
                   <a:extLst>
                     <a:ext uri="{9D8B030D-6E8A-4147-A177-3AD203B41FA5}">
                       <a16:colId xmlns:a16="http://schemas.microsoft.com/office/drawing/2014/main" val="1471070637"/>
                     </a:ext>
                   </a:extLst>
                 </a:gridCol>
-                <a:gridCol w="667445">
-                  <a:extLst>
-                    <a:ext uri="{9D8B030D-6E8A-4147-A177-3AD203B41FA5}">
-                      <a16:colId xmlns:a16="http://schemas.microsoft.com/office/drawing/2014/main" val="2109599238"/>
-                    </a:ext>
-                  </a:extLst>
-                </a:gridCol>
-                <a:gridCol w="1121308">
+                <a:gridCol w="1257624">
                   <a:extLst>
                     <a:ext uri="{9D8B030D-6E8A-4147-A177-3AD203B41FA5}">
                       <a16:colId xmlns:a16="http://schemas.microsoft.com/office/drawing/2014/main" val="150527510"/>
                     </a:ext>
                   </a:extLst>
                 </a:gridCol>
-                <a:gridCol w="2623060">
+                <a:gridCol w="2941941">
                   <a:extLst>
                     <a:ext uri="{9D8B030D-6E8A-4147-A177-3AD203B41FA5}">
                       <a16:colId xmlns:a16="http://schemas.microsoft.com/office/drawing/2014/main" val="22190611"/>
@@ -9426,7 +8825,7 @@
                         <a:rPr lang="es-PE" sz="800" b="1" u="none" strike="noStrike" dirty="0">
                           <a:effectLst/>
                         </a:rPr>
-                        <a:t>CUI</a:t>
+                        <a:t>CÓDIGO DE IDEA</a:t>
                       </a:r>
                       <a:endParaRPr lang="es-PE" sz="800" b="1" i="0" u="none" strike="noStrike" dirty="0">
                         <a:solidFill>
@@ -9449,7 +8848,7 @@
                         <a:rPr lang="es-PE" sz="800" b="1" u="none" strike="noStrike" dirty="0">
                           <a:effectLst/>
                         </a:rPr>
-                        <a:t>CÓDIGO DE IDEA</a:t>
+                        <a:t>NOMBRE DEL PROYECTO DE INVERSIÓN</a:t>
                       </a:r>
                       <a:endParaRPr lang="es-PE" sz="800" b="1" i="0" u="none" strike="noStrike" dirty="0">
                         <a:solidFill>
@@ -9472,7 +8871,7 @@
                         <a:rPr lang="es-PE" sz="800" b="1" u="none" strike="noStrike" dirty="0">
                           <a:effectLst/>
                         </a:rPr>
-                        <a:t>NOMBRE DEL PROYECTO DE INVERSIÓN</a:t>
+                        <a:t>MONTO DE INVERSIÓN (s/.)</a:t>
                       </a:r>
                       <a:endParaRPr lang="es-PE" sz="800" b="1" i="0" u="none" strike="noStrike" dirty="0">
                         <a:solidFill>
@@ -9495,53 +8894,7 @@
                         <a:rPr lang="es-PE" sz="800" b="1" u="none" strike="noStrike" dirty="0">
                           <a:effectLst/>
                         </a:rPr>
-                        <a:t>MONTO DE INVERSIÓN (s/.)</a:t>
-                      </a:r>
-                      <a:endParaRPr lang="es-PE" sz="800" b="1" i="0" u="none" strike="noStrike" dirty="0">
-                        <a:solidFill>
-                          <a:srgbClr val="000000"/>
-                        </a:solidFill>
-                        <a:effectLst/>
-                        <a:latin typeface="Arial Narrow" panose="020B0606020202030204" pitchFamily="34" charset="0"/>
-                      </a:endParaRPr>
-                    </a:p>
-                  </a:txBody>
-                  <a:tcPr marL="5250" marR="5250" marT="5250" marB="0" anchor="ctr"/>
-                </a:tc>
-                <a:tc>
-                  <a:txBody>
-                    <a:bodyPr/>
-                    <a:lstStyle/>
-                    <a:p>
-                      <a:pPr algn="ctr" rtl="0" fontAlgn="ctr"/>
-                      <a:r>
-                        <a:rPr lang="es-PE" sz="800" b="1" u="none" strike="noStrike" dirty="0">
-                          <a:effectLst/>
-                        </a:rPr>
                         <a:t>ESTADO SITUACIONAL</a:t>
-                      </a:r>
-                      <a:endParaRPr lang="es-PE" sz="800" b="1" i="0" u="none" strike="noStrike" dirty="0">
-                        <a:solidFill>
-                          <a:srgbClr val="000000"/>
-                        </a:solidFill>
-                        <a:effectLst/>
-                        <a:latin typeface="Arial Narrow" panose="020B0606020202030204" pitchFamily="34" charset="0"/>
-                      </a:endParaRPr>
-                    </a:p>
-                  </a:txBody>
-                  <a:tcPr marL="5250" marR="5250" marT="5250" marB="0" anchor="ctr"/>
-                </a:tc>
-                <a:tc>
-                  <a:txBody>
-                    <a:bodyPr/>
-                    <a:lstStyle/>
-                    <a:p>
-                      <a:pPr algn="ctr" rtl="0" fontAlgn="ctr"/>
-                      <a:r>
-                        <a:rPr lang="es-PE" sz="800" b="1" u="none" strike="noStrike" dirty="0">
-                          <a:effectLst/>
-                        </a:rPr>
-                        <a:t>DURACIÓN</a:t>
                       </a:r>
                       <a:endParaRPr lang="es-PE" sz="800" b="1" i="0" u="none" strike="noStrike" dirty="0">
                         <a:solidFill>
@@ -9640,7 +8993,7 @@
                         <a:rPr lang="es-PE" sz="800" u="none" strike="noStrike">
                           <a:effectLst/>
                         </a:rPr>
-                        <a:t>-</a:t>
+                        <a:t>49488</a:t>
                       </a:r>
                       <a:endParaRPr lang="es-PE" sz="800" b="0" i="0" u="none" strike="noStrike">
                         <a:solidFill>
@@ -9658,14 +9011,60 @@
                     <a:bodyPr/>
                     <a:lstStyle/>
                     <a:p>
+                      <a:pPr algn="l" fontAlgn="ctr"/>
+                      <a:r>
+                        <a:rPr lang="es-PE" sz="800" u="none" strike="noStrike">
+                          <a:effectLst/>
+                        </a:rPr>
+                        <a:t>"MEJORAMIENTO Y CREACIÓN DE SERVICIOS TURÍSTICOS PÚBLICOS EN EL CAÑÓN DEL APURIMAC, DISTRITOS DE CURAHUASI, SAN PEDRO DE CACHORA, HUANIPACA, TAMBURCO Y ABANCAY - REGIÓN APURIMAC” </a:t>
+                      </a:r>
+                      <a:endParaRPr lang="es-PE" sz="800" b="0" i="0" u="none" strike="noStrike">
+                        <a:solidFill>
+                          <a:srgbClr val="000000"/>
+                        </a:solidFill>
+                        <a:effectLst/>
+                        <a:latin typeface="Arial Narrow" panose="020B0606020202030204" pitchFamily="34" charset="0"/>
+                      </a:endParaRPr>
+                    </a:p>
+                  </a:txBody>
+                  <a:tcPr marL="5250" marR="5250" marT="5250" marB="0" anchor="ctr"/>
+                </a:tc>
+                <a:tc>
+                  <a:txBody>
+                    <a:bodyPr/>
+                    <a:lstStyle/>
+                    <a:p>
+                      <a:pPr algn="r" rtl="0" fontAlgn="ctr"/>
+                      <a:r>
+                        <a:rPr lang="es-PE" sz="800" u="none" strike="noStrike" dirty="0">
+                          <a:effectLst/>
+                        </a:rPr>
+                        <a:t>50,000,000.00</a:t>
+                      </a:r>
+                      <a:endParaRPr lang="es-PE" sz="800" b="0" i="0" u="none" strike="noStrike" dirty="0">
+                        <a:solidFill>
+                          <a:srgbClr val="000000"/>
+                        </a:solidFill>
+                        <a:effectLst/>
+                        <a:latin typeface="Arial Narrow" panose="020B0606020202030204" pitchFamily="34" charset="0"/>
+                      </a:endParaRPr>
+                    </a:p>
+                  </a:txBody>
+                  <a:tcPr marL="5250" marR="5250" marT="5250" marB="0" anchor="ctr"/>
+                </a:tc>
+                <a:tc>
+                  <a:txBody>
+                    <a:bodyPr/>
+                    <a:lstStyle/>
+                    <a:p>
                       <a:pPr algn="ctr" rtl="0" fontAlgn="ctr"/>
                       <a:r>
-                        <a:rPr lang="es-PE" sz="800" u="none" strike="noStrike">
-                          <a:effectLst/>
-                        </a:rPr>
-                        <a:t>49488</a:t>
-                      </a:r>
-                      <a:endParaRPr lang="es-PE" sz="800" b="0" i="0" u="none" strike="noStrike">
+                        <a:rPr lang="es-PE" sz="800" u="none" strike="noStrike" dirty="0">
+                          <a:effectLst/>
+                        </a:rPr>
+                        <a:t>CONCLUIDO</a:t>
+                      </a:r>
+                      <a:endParaRPr lang="es-PE" sz="800" b="0" i="0" u="none" strike="noStrike" dirty="0">
                         <a:solidFill>
                           <a:srgbClr val="000000"/>
                         </a:solidFill>
@@ -9681,14 +9080,14 @@
                     <a:bodyPr/>
                     <a:lstStyle/>
                     <a:p>
-                      <a:pPr algn="just" fontAlgn="ctr"/>
-                      <a:r>
-                        <a:rPr lang="es-PE" sz="800" u="none" strike="noStrike">
-                          <a:effectLst/>
-                        </a:rPr>
-                        <a:t>"MEJORAMIENTO Y CREACIÓN DE SERVICIOS TURÍSTICOS PÚBLICOS EN EL CAÑÓN DEL APURIMAC, DISTRITOS DE CURAHUASI, SAN PEDRO DE CACHORA, HUANIPACA, TAMBURCO Y ABANCAY - REGIÓN APURIMAC” </a:t>
-                      </a:r>
-                      <a:endParaRPr lang="es-PE" sz="800" b="0" i="0" u="none" strike="noStrike">
+                      <a:pPr algn="l" rtl="0" fontAlgn="ctr"/>
+                      <a:r>
+                        <a:rPr lang="es-PE" sz="800" u="none" strike="noStrike" dirty="0">
+                          <a:effectLst/>
+                        </a:rPr>
+                        <a:t>05 DISTRITOS</a:t>
+                      </a:r>
+                      <a:endParaRPr lang="es-PE" sz="800" b="0" i="0" u="none" strike="noStrike" dirty="0">
                         <a:solidFill>
                           <a:srgbClr val="000000"/>
                         </a:solidFill>
@@ -9704,104 +9103,27 @@
                     <a:bodyPr/>
                     <a:lstStyle/>
                     <a:p>
-                      <a:pPr algn="l" rtl="0" fontAlgn="ctr"/>
+                      <a:pPr marL="171450" indent="-171450" algn="just" fontAlgn="ctr">
+                        <a:buFont typeface="Arial" panose="020B0604020202020204" pitchFamily="34" charset="0"/>
+                        <a:buChar char="•"/>
+                      </a:pPr>
                       <a:r>
                         <a:rPr lang="es-PE" sz="800" u="none" strike="noStrike" dirty="0">
                           <a:effectLst/>
                         </a:rPr>
-                        <a:t>50,000,000.00</a:t>
-                      </a:r>
-                      <a:endParaRPr lang="es-PE" sz="800" b="0" i="0" u="none" strike="noStrike" dirty="0">
-                        <a:solidFill>
-                          <a:srgbClr val="000000"/>
-                        </a:solidFill>
-                        <a:effectLst/>
-                        <a:latin typeface="Arial Narrow" panose="020B0606020202030204" pitchFamily="34" charset="0"/>
-                      </a:endParaRPr>
-                    </a:p>
-                  </a:txBody>
-                  <a:tcPr marL="5250" marR="5250" marT="5250" marB="0" anchor="ctr"/>
-                </a:tc>
-                <a:tc>
-                  <a:txBody>
-                    <a:bodyPr/>
-                    <a:lstStyle/>
-                    <a:p>
-                      <a:pPr algn="ctr" rtl="0" fontAlgn="ctr"/>
-                      <a:r>
-                        <a:rPr lang="es-PE" sz="800" u="none" strike="noStrike">
-                          <a:effectLst/>
-                        </a:rPr>
-                        <a:t>FORMULACIÓN</a:t>
-                      </a:r>
-                      <a:endParaRPr lang="es-PE" sz="800" b="0" i="0" u="none" strike="noStrike">
-                        <a:solidFill>
-                          <a:srgbClr val="000000"/>
-                        </a:solidFill>
-                        <a:effectLst/>
-                        <a:latin typeface="Arial Narrow" panose="020B0606020202030204" pitchFamily="34" charset="0"/>
-                      </a:endParaRPr>
-                    </a:p>
-                  </a:txBody>
-                  <a:tcPr marL="5250" marR="5250" marT="5250" marB="0" anchor="ctr"/>
-                </a:tc>
-                <a:tc>
-                  <a:txBody>
-                    <a:bodyPr/>
-                    <a:lstStyle/>
-                    <a:p>
-                      <a:pPr algn="ctr" rtl="0" fontAlgn="ctr"/>
-                      <a:r>
-                        <a:rPr lang="es-PE" sz="800" u="none" strike="noStrike">
-                          <a:effectLst/>
-                        </a:rPr>
-                        <a:t>05 MESES</a:t>
-                      </a:r>
-                      <a:endParaRPr lang="es-PE" sz="800" b="0" i="0" u="none" strike="noStrike">
-                        <a:solidFill>
-                          <a:srgbClr val="000000"/>
-                        </a:solidFill>
-                        <a:effectLst/>
-                        <a:latin typeface="Arial Narrow" panose="020B0606020202030204" pitchFamily="34" charset="0"/>
-                      </a:endParaRPr>
-                    </a:p>
-                  </a:txBody>
-                  <a:tcPr marL="5250" marR="5250" marT="5250" marB="0" anchor="ctr"/>
-                </a:tc>
-                <a:tc>
-                  <a:txBody>
-                    <a:bodyPr/>
-                    <a:lstStyle/>
-                    <a:p>
-                      <a:pPr algn="just" rtl="0" fontAlgn="ctr"/>
-                      <a:r>
-                        <a:rPr lang="es-PE" sz="800" u="none" strike="noStrike">
-                          <a:effectLst/>
-                        </a:rPr>
-                        <a:t>DISTRITOS DE CURAHUASI, SAN PEDRO DE CACHORA, HUANIPACA, TAMBURCO Y ABANCAY DE LA PROVINCIA DE ABANCAY</a:t>
-                      </a:r>
-                      <a:endParaRPr lang="es-PE" sz="800" b="0" i="0" u="none" strike="noStrike">
-                        <a:solidFill>
-                          <a:srgbClr val="000000"/>
-                        </a:solidFill>
-                        <a:effectLst/>
-                        <a:latin typeface="Arial Narrow" panose="020B0606020202030204" pitchFamily="34" charset="0"/>
-                      </a:endParaRPr>
-                    </a:p>
-                  </a:txBody>
-                  <a:tcPr marL="5250" marR="5250" marT="5250" marB="0" anchor="ctr"/>
-                </a:tc>
-                <a:tc>
-                  <a:txBody>
-                    <a:bodyPr/>
-                    <a:lstStyle/>
-                    <a:p>
-                      <a:pPr algn="just" fontAlgn="ctr"/>
+                        <a:t>En elaboración de informe de aprobación para su correspondiente registro en el banco de inversiones y </a:t>
+                      </a:r>
+                      <a:r>
+                        <a:rPr lang="es-PE" sz="800" u="none" strike="noStrike" dirty="0" err="1">
+                          <a:effectLst/>
+                        </a:rPr>
+                        <a:t>viabilizacion</a:t>
+                      </a:r>
                       <a:r>
                         <a:rPr lang="es-PE" sz="800" u="none" strike="noStrike" dirty="0">
                           <a:effectLst/>
                         </a:rPr>
-                        <a:t>Proyecto de Inversión en continuidad, a la fecha la formulación se concluyó al 100%, se evaluó y actualmente se presento para su registro en el aplicativo informático del banco de proyectos del Invierte.pe para su registro Aprobación y viabilización.</a:t>
+                        <a:t>.</a:t>
                       </a:r>
                       <a:endParaRPr lang="es-PE" sz="800" b="0" i="0" u="none" strike="noStrike" dirty="0">
                         <a:solidFill>
@@ -9820,7 +9142,7 @@
                   </a:ext>
                 </a:extLst>
               </a:tr>
-              <a:tr h="850512">
+              <a:tr h="757578">
                 <a:tc>
                   <a:txBody>
                     <a:bodyPr/>
@@ -9851,12 +9173,12 @@
                     <a:p>
                       <a:pPr algn="ctr" rtl="0" fontAlgn="ctr"/>
                       <a:r>
-                        <a:rPr lang="es-PE" sz="800" u="none" strike="noStrike">
-                          <a:effectLst/>
-                        </a:rPr>
-                        <a:t>-</a:t>
-                      </a:r>
-                      <a:endParaRPr lang="es-PE" sz="800" b="0" i="0" u="none" strike="noStrike">
+                        <a:rPr lang="es-PE" sz="800" u="none" strike="noStrike" dirty="0">
+                          <a:effectLst/>
+                        </a:rPr>
+                        <a:t>75659</a:t>
+                      </a:r>
+                      <a:endParaRPr lang="es-PE" sz="800" b="0" i="0" u="none" strike="noStrike" dirty="0">
                         <a:solidFill>
                           <a:srgbClr val="000000"/>
                         </a:solidFill>
@@ -9872,14 +9194,60 @@
                     <a:bodyPr/>
                     <a:lstStyle/>
                     <a:p>
+                      <a:pPr algn="l" fontAlgn="ctr"/>
+                      <a:r>
+                        <a:rPr lang="es-PE" sz="800" u="none" strike="noStrike" dirty="0">
+                          <a:effectLst/>
+                        </a:rPr>
+                        <a:t>“MEJORAMIENTO DE LOS SERVICIOS TURÍSTICOS EN EL CONJUNTO ARQUEOLÓGICO DE SAYWITE, DISTRITO DE CURAHUASI, PROVINCIA DE ABANCAY, REGIÓN APURÍMAC” </a:t>
+                      </a:r>
+                      <a:endParaRPr lang="es-PE" sz="800" b="0" i="0" u="none" strike="noStrike" dirty="0">
+                        <a:solidFill>
+                          <a:srgbClr val="000000"/>
+                        </a:solidFill>
+                        <a:effectLst/>
+                        <a:latin typeface="Arial Narrow" panose="020B0606020202030204" pitchFamily="34" charset="0"/>
+                      </a:endParaRPr>
+                    </a:p>
+                  </a:txBody>
+                  <a:tcPr marL="5250" marR="5250" marT="5250" marB="0" anchor="ctr"/>
+                </a:tc>
+                <a:tc>
+                  <a:txBody>
+                    <a:bodyPr/>
+                    <a:lstStyle/>
+                    <a:p>
+                      <a:pPr algn="r" rtl="0" fontAlgn="ctr"/>
+                      <a:r>
+                        <a:rPr lang="es-PE" sz="800" u="none" strike="noStrike" dirty="0">
+                          <a:effectLst/>
+                        </a:rPr>
+                        <a:t>2,800,000.00</a:t>
+                      </a:r>
+                      <a:endParaRPr lang="es-PE" sz="800" b="0" i="0" u="none" strike="noStrike" dirty="0">
+                        <a:solidFill>
+                          <a:srgbClr val="000000"/>
+                        </a:solidFill>
+                        <a:effectLst/>
+                        <a:latin typeface="Arial Narrow" panose="020B0606020202030204" pitchFamily="34" charset="0"/>
+                      </a:endParaRPr>
+                    </a:p>
+                  </a:txBody>
+                  <a:tcPr marL="5250" marR="5250" marT="5250" marB="0" anchor="ctr"/>
+                </a:tc>
+                <a:tc>
+                  <a:txBody>
+                    <a:bodyPr/>
+                    <a:lstStyle/>
+                    <a:p>
                       <a:pPr algn="ctr" rtl="0" fontAlgn="ctr"/>
                       <a:r>
-                        <a:rPr lang="es-PE" sz="800" u="none" strike="noStrike">
-                          <a:effectLst/>
-                        </a:rPr>
-                        <a:t>75659</a:t>
-                      </a:r>
-                      <a:endParaRPr lang="es-PE" sz="800" b="0" i="0" u="none" strike="noStrike">
+                        <a:rPr lang="es-PE" sz="800" u="none" strike="noStrike" dirty="0">
+                          <a:effectLst/>
+                        </a:rPr>
+                        <a:t>CONCLUIDO</a:t>
+                      </a:r>
+                      <a:endParaRPr lang="es-PE" sz="800" b="0" i="0" u="none" strike="noStrike" dirty="0">
                         <a:solidFill>
                           <a:srgbClr val="000000"/>
                         </a:solidFill>
@@ -9895,151 +9263,47 @@
                     <a:bodyPr/>
                     <a:lstStyle/>
                     <a:p>
+                      <a:pPr algn="l" rtl="0" fontAlgn="ctr"/>
+                      <a:r>
+                        <a:rPr lang="es-PE" sz="800" u="none" strike="noStrike" dirty="0">
+                          <a:effectLst/>
+                        </a:rPr>
+                        <a:t>DISTRITO DE CURAHUASI DE LA PROVINCIA DE ABANCAY</a:t>
+                      </a:r>
+                      <a:endParaRPr lang="es-PE" sz="800" b="0" i="0" u="none" strike="noStrike" dirty="0">
+                        <a:solidFill>
+                          <a:srgbClr val="000000"/>
+                        </a:solidFill>
+                        <a:effectLst/>
+                        <a:latin typeface="Arial Narrow" panose="020B0606020202030204" pitchFamily="34" charset="0"/>
+                      </a:endParaRPr>
+                    </a:p>
+                  </a:txBody>
+                  <a:tcPr marL="5250" marR="5250" marT="5250" marB="0" anchor="ctr"/>
+                </a:tc>
+                <a:tc>
+                  <a:txBody>
+                    <a:bodyPr/>
+                    <a:lstStyle/>
+                    <a:p>
                       <a:pPr algn="just" fontAlgn="ctr"/>
                       <a:r>
-                        <a:rPr lang="es-PE" sz="800" u="none" strike="noStrike">
-                          <a:effectLst/>
-                        </a:rPr>
-                        <a:t>“MEJORAMIENTO DE LOS SERVICIOS TURÍSTICOS EN EL CONJUNTO ARQUEOLÓGICO DE SAYWITE, DISTRITO DE CURAHUASI, PROVINCIA DE ABANCAY, REGIÓN APURÍMAC” </a:t>
-                      </a:r>
-                      <a:endParaRPr lang="es-PE" sz="800" b="0" i="0" u="none" strike="noStrike">
-                        <a:solidFill>
-                          <a:srgbClr val="000000"/>
-                        </a:solidFill>
-                        <a:effectLst/>
-                        <a:latin typeface="Arial Narrow" panose="020B0606020202030204" pitchFamily="34" charset="0"/>
-                      </a:endParaRPr>
-                    </a:p>
-                  </a:txBody>
-                  <a:tcPr marL="5250" marR="5250" marT="5250" marB="0" anchor="ctr"/>
-                </a:tc>
-                <a:tc>
-                  <a:txBody>
-                    <a:bodyPr/>
-                    <a:lstStyle/>
-                    <a:p>
-                      <a:pPr algn="l" rtl="0" fontAlgn="ctr"/>
-                      <a:r>
                         <a:rPr lang="es-PE" sz="800" u="none" strike="noStrike" dirty="0">
                           <a:effectLst/>
                         </a:rPr>
-                        <a:t>2,800,000.00</a:t>
-                      </a:r>
-                      <a:endParaRPr lang="es-PE" sz="800" b="0" i="0" u="none" strike="noStrike" dirty="0">
-                        <a:solidFill>
-                          <a:srgbClr val="000000"/>
-                        </a:solidFill>
-                        <a:effectLst/>
-                        <a:latin typeface="Arial Narrow" panose="020B0606020202030204" pitchFamily="34" charset="0"/>
-                      </a:endParaRPr>
-                    </a:p>
-                  </a:txBody>
-                  <a:tcPr marL="5250" marR="5250" marT="5250" marB="0" anchor="ctr"/>
-                </a:tc>
-                <a:tc>
-                  <a:txBody>
-                    <a:bodyPr/>
-                    <a:lstStyle/>
-                    <a:p>
-                      <a:pPr algn="ctr" rtl="0" fontAlgn="ctr"/>
-                      <a:r>
-                        <a:rPr lang="es-PE" sz="800" u="none" strike="noStrike">
-                          <a:effectLst/>
-                        </a:rPr>
-                        <a:t>FORMULACIÓN</a:t>
-                      </a:r>
-                      <a:endParaRPr lang="es-PE" sz="800" b="0" i="0" u="none" strike="noStrike">
-                        <a:solidFill>
-                          <a:srgbClr val="000000"/>
-                        </a:solidFill>
-                        <a:effectLst/>
-                        <a:latin typeface="Arial Narrow" panose="020B0606020202030204" pitchFamily="34" charset="0"/>
-                      </a:endParaRPr>
-                    </a:p>
-                  </a:txBody>
-                  <a:tcPr marL="5250" marR="5250" marT="5250" marB="0" anchor="ctr"/>
-                </a:tc>
-                <a:tc>
-                  <a:txBody>
-                    <a:bodyPr/>
-                    <a:lstStyle/>
-                    <a:p>
-                      <a:pPr algn="ctr" rtl="0" fontAlgn="ctr"/>
-                      <a:r>
-                        <a:rPr lang="es-PE" sz="800" u="none" strike="noStrike">
-                          <a:effectLst/>
-                        </a:rPr>
-                        <a:t>03 MESES</a:t>
-                      </a:r>
-                      <a:endParaRPr lang="es-PE" sz="800" b="0" i="0" u="none" strike="noStrike">
-                        <a:solidFill>
-                          <a:srgbClr val="000000"/>
-                        </a:solidFill>
-                        <a:effectLst/>
-                        <a:latin typeface="Arial Narrow" panose="020B0606020202030204" pitchFamily="34" charset="0"/>
-                      </a:endParaRPr>
-                    </a:p>
-                  </a:txBody>
-                  <a:tcPr marL="5250" marR="5250" marT="5250" marB="0" anchor="ctr"/>
-                </a:tc>
-                <a:tc>
-                  <a:txBody>
-                    <a:bodyPr/>
-                    <a:lstStyle/>
-                    <a:p>
-                      <a:pPr algn="l" rtl="0" fontAlgn="ctr"/>
-                      <a:r>
-                        <a:rPr lang="es-PE" sz="800" u="none" strike="noStrike">
-                          <a:effectLst/>
-                        </a:rPr>
-                        <a:t>DISTRITO DE CURAHUASI DE LA PROVINCIA DE ABANCAY</a:t>
-                      </a:r>
-                      <a:endParaRPr lang="es-PE" sz="800" b="0" i="0" u="none" strike="noStrike">
-                        <a:solidFill>
-                          <a:srgbClr val="000000"/>
-                        </a:solidFill>
-                        <a:effectLst/>
-                        <a:latin typeface="Arial Narrow" panose="020B0606020202030204" pitchFamily="34" charset="0"/>
-                      </a:endParaRPr>
-                    </a:p>
-                  </a:txBody>
-                  <a:tcPr marL="5250" marR="5250" marT="5250" marB="0" anchor="ctr"/>
-                </a:tc>
-                <a:tc>
-                  <a:txBody>
-                    <a:bodyPr/>
-                    <a:lstStyle/>
-                    <a:p>
-                      <a:pPr algn="just" fontAlgn="ctr"/>
+                        <a:t>En espera de la formalización de la donación de terreno para su aprobación, registro en el banco de proyectos y </a:t>
+                      </a:r>
+                      <a:r>
+                        <a:rPr lang="es-PE" sz="800" u="none" strike="noStrike" dirty="0" err="1">
+                          <a:effectLst/>
+                        </a:rPr>
+                        <a:t>viabilizacion</a:t>
+                      </a:r>
                       <a:r>
                         <a:rPr lang="es-PE" sz="800" u="none" strike="noStrike" dirty="0">
                           <a:effectLst/>
                         </a:rPr>
-                        <a:t>Proyecto de Inversión en continuidad, a la fecha la formulación se concluyó  al 100%, y esta a la espera de los documentos de donación de parte de la comunidad de </a:t>
-                      </a:r>
-                      <a:r>
-                        <a:rPr lang="es-PE" sz="800" u="none" strike="noStrike" dirty="0" err="1">
-                          <a:effectLst/>
-                        </a:rPr>
-                        <a:t>Saywite</a:t>
-                      </a:r>
-                      <a:r>
-                        <a:rPr lang="es-PE" sz="800" u="none" strike="noStrike" dirty="0">
-                          <a:effectLst/>
-                        </a:rPr>
-                        <a:t> alto y de </a:t>
-                      </a:r>
-                      <a:r>
-                        <a:rPr lang="es-PE" sz="800" u="none" strike="noStrike" dirty="0" err="1">
-                          <a:effectLst/>
-                        </a:rPr>
-                        <a:t>concacha</a:t>
-                      </a:r>
-                      <a:r>
-                        <a:rPr lang="es-PE" sz="800" u="none" strike="noStrike" dirty="0">
-                          <a:effectLst/>
-                        </a:rPr>
-                        <a:t>, una vez donado los terrenos se procederá al registro en el aplicativo informático del banco de proyectos del Invierte.pe., para su aprobación y viabilización del estudio. </a:t>
+                        <a:t>.</a:t>
                       </a:r>
                       <a:endParaRPr lang="es-PE" sz="800" b="0" i="0" u="none" strike="noStrike" dirty="0">
                         <a:solidFill>
@@ -10206,8 +9470,19 @@
                   </a:outerShdw>
                 </a:effectLst>
               </a:rPr>
-              <a:t>Proyectos de Inversion Programados para su Formulacion -2020 </a:t>
+              <a:t>Proyectos de Inversion en Proceso de Formulacion -2020 </a:t>
             </a:r>
+            <a:br>
+              <a:rPr lang="en" sz="2400" dirty="0">
+                <a:effectLst>
+                  <a:outerShdw blurRad="38100" dist="38100" dir="2700000" algn="tl">
+                    <a:srgbClr val="000000">
+                      <a:alpha val="43137"/>
+                    </a:srgbClr>
+                  </a:outerShdw>
+                </a:effectLst>
+              </a:rPr>
+            </a:br>
             <a:r>
               <a:rPr lang="es-PE" sz="2400" dirty="0">
                 <a:effectLst>
@@ -10218,7 +9493,7 @@
                   </a:outerShdw>
                 </a:effectLst>
               </a:rPr>
-              <a:t>- Función Planeamiento gestión y Reserva de la Contingencia</a:t>
+              <a:t>Función: Planeamiento Gestión y Reserva de la Contingencia</a:t>
             </a:r>
             <a:endParaRPr sz="2400" dirty="0">
               <a:effectLst>
@@ -10289,14 +9564,14 @@
           <p:nvPr>
             <p:extLst>
               <p:ext uri="{D42A27DB-BD31-4B8C-83A1-F6EECF244321}">
-                <p14:modId xmlns:p14="http://schemas.microsoft.com/office/powerpoint/2010/main" val="2745002258"/>
+                <p14:modId xmlns:p14="http://schemas.microsoft.com/office/powerpoint/2010/main" val="3761169461"/>
               </p:ext>
             </p:extLst>
           </p:nvPr>
         </p:nvGraphicFramePr>
         <p:xfrm>
-          <a:off x="594038" y="1802102"/>
-          <a:ext cx="7886546" cy="1844550"/>
+          <a:off x="418642" y="1802102"/>
+          <a:ext cx="7374071" cy="1432865"/>
         </p:xfrm>
         <a:graphic>
           <a:graphicData uri="http://schemas.openxmlformats.org/drawingml/2006/table">
@@ -10305,63 +9580,49 @@
                 <a:tableStyleId>{B296C3B7-51D5-40FC-B7EA-EAF5845D4BE8}</a:tableStyleId>
               </a:tblPr>
               <a:tblGrid>
-                <a:gridCol w="548629">
+                <a:gridCol w="616003">
                   <a:extLst>
                     <a:ext uri="{9D8B030D-6E8A-4147-A177-3AD203B41FA5}">
                       <a16:colId xmlns:a16="http://schemas.microsoft.com/office/drawing/2014/main" val="156231042"/>
                     </a:ext>
                   </a:extLst>
                 </a:gridCol>
-                <a:gridCol w="706360">
-                  <a:extLst>
-                    <a:ext uri="{9D8B030D-6E8A-4147-A177-3AD203B41FA5}">
-                      <a16:colId xmlns:a16="http://schemas.microsoft.com/office/drawing/2014/main" val="1585776013"/>
-                    </a:ext>
-                  </a:extLst>
-                </a:gridCol>
-                <a:gridCol w="548629">
+                <a:gridCol w="616003">
                   <a:extLst>
                     <a:ext uri="{9D8B030D-6E8A-4147-A177-3AD203B41FA5}">
                       <a16:colId xmlns:a16="http://schemas.microsoft.com/office/drawing/2014/main" val="138441859"/>
                     </a:ext>
                   </a:extLst>
                 </a:gridCol>
-                <a:gridCol w="1901915">
+                <a:gridCol w="2135478">
                   <a:extLst>
                     <a:ext uri="{9D8B030D-6E8A-4147-A177-3AD203B41FA5}">
                       <a16:colId xmlns:a16="http://schemas.microsoft.com/office/drawing/2014/main" val="1799249950"/>
                     </a:ext>
                   </a:extLst>
                 </a:gridCol>
-                <a:gridCol w="706360">
+                <a:gridCol w="793104">
                   <a:extLst>
                     <a:ext uri="{9D8B030D-6E8A-4147-A177-3AD203B41FA5}">
                       <a16:colId xmlns:a16="http://schemas.microsoft.com/office/drawing/2014/main" val="3118874975"/>
                     </a:ext>
                   </a:extLst>
                 </a:gridCol>
-                <a:gridCol w="612636">
+                <a:gridCol w="752934">
                   <a:extLst>
                     <a:ext uri="{9D8B030D-6E8A-4147-A177-3AD203B41FA5}">
                       <a16:colId xmlns:a16="http://schemas.microsoft.com/office/drawing/2014/main" val="2376116277"/>
                     </a:ext>
                   </a:extLst>
                 </a:gridCol>
-                <a:gridCol w="612636">
-                  <a:extLst>
-                    <a:ext uri="{9D8B030D-6E8A-4147-A177-3AD203B41FA5}">
-                      <a16:colId xmlns:a16="http://schemas.microsoft.com/office/drawing/2014/main" val="2833776975"/>
-                    </a:ext>
-                  </a:extLst>
-                </a:gridCol>
-                <a:gridCol w="859519">
+                <a:gridCol w="900007">
                   <a:extLst>
                     <a:ext uri="{9D8B030D-6E8A-4147-A177-3AD203B41FA5}">
                       <a16:colId xmlns:a16="http://schemas.microsoft.com/office/drawing/2014/main" val="2671898009"/>
                     </a:ext>
                   </a:extLst>
                 </a:gridCol>
-                <a:gridCol w="1389862">
+                <a:gridCol w="1560542">
                   <a:extLst>
                     <a:ext uri="{9D8B030D-6E8A-4147-A177-3AD203B41FA5}">
                       <a16:colId xmlns:a16="http://schemas.microsoft.com/office/drawing/2014/main" val="3789969515"/>
@@ -10403,7 +9664,7 @@
                         <a:rPr lang="es-PE" sz="800" b="1" u="none" strike="noStrike" dirty="0">
                           <a:effectLst/>
                         </a:rPr>
-                        <a:t>CUI</a:t>
+                        <a:t>CÓDIGO DE IDEA</a:t>
                       </a:r>
                       <a:endParaRPr lang="es-PE" sz="800" b="1" i="0" u="none" strike="noStrike" dirty="0">
                         <a:solidFill>
@@ -10426,7 +9687,7 @@
                         <a:rPr lang="es-PE" sz="800" b="1" u="none" strike="noStrike" dirty="0">
                           <a:effectLst/>
                         </a:rPr>
-                        <a:t>CÓDIGO DE IDEA</a:t>
+                        <a:t>NOMBRE DEL PROYECTO DE INVERSIÓN</a:t>
                       </a:r>
                       <a:endParaRPr lang="es-PE" sz="800" b="1" i="0" u="none" strike="noStrike" dirty="0">
                         <a:solidFill>
@@ -10449,7 +9710,7 @@
                         <a:rPr lang="es-PE" sz="800" b="1" u="none" strike="noStrike" dirty="0">
                           <a:effectLst/>
                         </a:rPr>
-                        <a:t>NOMBRE DEL PROYECTO DE INVERSIÓN</a:t>
+                        <a:t>INVERSIÓN ESTIMADO (s/.)</a:t>
                       </a:r>
                       <a:endParaRPr lang="es-PE" sz="800" b="1" i="0" u="none" strike="noStrike" dirty="0">
                         <a:solidFill>
@@ -10472,7 +9733,7 @@
                         <a:rPr lang="es-PE" sz="800" b="1" u="none" strike="noStrike" dirty="0">
                           <a:effectLst/>
                         </a:rPr>
-                        <a:t>INVERSIÓN ESTIMADO (s/.)</a:t>
+                        <a:t>ESTADO SITUACIONAL</a:t>
                       </a:r>
                       <a:endParaRPr lang="es-PE" sz="800" b="1" i="0" u="none" strike="noStrike" dirty="0">
                         <a:solidFill>
@@ -10495,7 +9756,7 @@
                         <a:rPr lang="es-PE" sz="800" b="1" u="none" strike="noStrike" dirty="0">
                           <a:effectLst/>
                         </a:rPr>
-                        <a:t>ESTADO SITUACIONAL</a:t>
+                        <a:t>ALCANCE</a:t>
                       </a:r>
                       <a:endParaRPr lang="es-PE" sz="800" b="1" i="0" u="none" strike="noStrike" dirty="0">
                         <a:solidFill>
@@ -10518,53 +9779,7 @@
                         <a:rPr lang="es-PE" sz="800" b="1" u="none" strike="noStrike" dirty="0">
                           <a:effectLst/>
                         </a:rPr>
-                        <a:t>DURACIÓN DE LA FORMULACIÓN</a:t>
-                      </a:r>
-                      <a:endParaRPr lang="es-PE" sz="800" b="1" i="0" u="none" strike="noStrike" dirty="0">
-                        <a:solidFill>
-                          <a:srgbClr val="000000"/>
-                        </a:solidFill>
-                        <a:effectLst/>
-                        <a:latin typeface="Arial Narrow" panose="020B0606020202030204" pitchFamily="34" charset="0"/>
-                      </a:endParaRPr>
-                    </a:p>
-                  </a:txBody>
-                  <a:tcPr marL="5250" marR="5250" marT="5250" marB="0" anchor="ctr"/>
-                </a:tc>
-                <a:tc>
-                  <a:txBody>
-                    <a:bodyPr/>
-                    <a:lstStyle/>
-                    <a:p>
-                      <a:pPr algn="ctr" rtl="0" fontAlgn="ctr"/>
-                      <a:r>
-                        <a:rPr lang="es-PE" sz="800" b="1" u="none" strike="noStrike" dirty="0">
-                          <a:effectLst/>
-                        </a:rPr>
-                        <a:t>ALCANCE</a:t>
-                      </a:r>
-                      <a:endParaRPr lang="es-PE" sz="800" b="1" i="0" u="none" strike="noStrike" dirty="0">
-                        <a:solidFill>
-                          <a:srgbClr val="000000"/>
-                        </a:solidFill>
-                        <a:effectLst/>
-                        <a:latin typeface="Arial Narrow" panose="020B0606020202030204" pitchFamily="34" charset="0"/>
-                      </a:endParaRPr>
-                    </a:p>
-                  </a:txBody>
-                  <a:tcPr marL="5250" marR="5250" marT="5250" marB="0" anchor="ctr"/>
-                </a:tc>
-                <a:tc>
-                  <a:txBody>
-                    <a:bodyPr/>
-                    <a:lstStyle/>
-                    <a:p>
-                      <a:pPr algn="ctr" rtl="0" fontAlgn="ctr"/>
-                      <a:r>
-                        <a:rPr lang="es-PE" sz="800" b="1" u="none" strike="noStrike" dirty="0">
-                          <a:effectLst/>
-                        </a:rPr>
-                        <a:t>MODALIDAD DE LA FORMULACIÓN</a:t>
+                        <a:t>Observaciones</a:t>
                       </a:r>
                       <a:endParaRPr lang="es-PE" sz="800" b="1" i="0" u="none" strike="noStrike" dirty="0">
                         <a:solidFill>
@@ -10617,7 +9832,7 @@
                         <a:rPr lang="es-PE" sz="800" u="none" strike="noStrike">
                           <a:effectLst/>
                         </a:rPr>
-                        <a:t>-</a:t>
+                        <a:t>49533</a:t>
                       </a:r>
                       <a:endParaRPr lang="es-PE" sz="800" b="0" i="0" u="none" strike="noStrike">
                         <a:solidFill>
@@ -10635,19 +9850,65 @@
                     <a:bodyPr/>
                     <a:lstStyle/>
                     <a:p>
+                      <a:pPr algn="just" fontAlgn="ctr"/>
+                      <a:r>
+                        <a:rPr lang="es-PE" sz="800" u="none" strike="noStrike">
+                          <a:effectLst/>
+                        </a:rPr>
+                        <a:t>"MEJORAMIENTO DEL SERVICIO DE APOYO PARA LA PRODUCCION DE HONGOS COMESTIBLES 5 PROVINCIAS DEL DEPARTAMENTO DE APURIMAC</a:t>
+                      </a:r>
+                      <a:endParaRPr lang="es-PE" sz="800" b="0" i="0" u="none" strike="noStrike">
+                        <a:solidFill>
+                          <a:srgbClr val="000000"/>
+                        </a:solidFill>
+                        <a:effectLst/>
+                        <a:latin typeface="Arial Narrow" panose="020B0606020202030204" pitchFamily="34" charset="0"/>
+                      </a:endParaRPr>
+                    </a:p>
+                  </a:txBody>
+                  <a:tcPr marL="5250" marR="5250" marT="5250" marB="0" anchor="ctr"/>
+                </a:tc>
+                <a:tc>
+                  <a:txBody>
+                    <a:bodyPr/>
+                    <a:lstStyle/>
+                    <a:p>
+                      <a:pPr algn="r" rtl="0" fontAlgn="ctr"/>
+                      <a:r>
+                        <a:rPr lang="es-PE" sz="800" u="none" strike="noStrike" dirty="0">
+                          <a:effectLst/>
+                        </a:rPr>
+                        <a:t>5,185,155.00</a:t>
+                      </a:r>
+                      <a:endParaRPr lang="es-PE" sz="800" b="0" i="0" u="none" strike="noStrike" dirty="0">
+                        <a:solidFill>
+                          <a:srgbClr val="000000"/>
+                        </a:solidFill>
+                        <a:effectLst/>
+                        <a:latin typeface="Arial Narrow" panose="020B0606020202030204" pitchFamily="34" charset="0"/>
+                      </a:endParaRPr>
+                    </a:p>
+                  </a:txBody>
+                  <a:tcPr marL="5250" marR="5250" marT="5250" marB="0" anchor="ctr"/>
+                </a:tc>
+                <a:tc>
+                  <a:txBody>
+                    <a:bodyPr/>
+                    <a:lstStyle/>
+                    <a:p>
                       <a:pPr algn="ctr" rtl="0" fontAlgn="ctr"/>
                       <a:r>
                         <a:rPr lang="es-PE" sz="800" u="none" strike="noStrike">
                           <a:effectLst/>
                         </a:rPr>
-                        <a:t>49533</a:t>
+                        <a:t>IDEA</a:t>
                       </a:r>
                       <a:endParaRPr lang="es-PE" sz="800" b="0" i="0" u="none" strike="noStrike">
                         <a:solidFill>
-                          <a:srgbClr val="000000"/>
-                        </a:solidFill>
-                        <a:effectLst/>
-                        <a:latin typeface="Arial Narrow" panose="020B0606020202030204" pitchFamily="34" charset="0"/>
+                          <a:srgbClr val="222222"/>
+                        </a:solidFill>
+                        <a:effectLst/>
+                        <a:latin typeface="Arial" panose="020B0604020202020204" pitchFamily="34" charset="0"/>
                       </a:endParaRPr>
                     </a:p>
                   </a:txBody>
@@ -10658,14 +9919,14 @@
                     <a:bodyPr/>
                     <a:lstStyle/>
                     <a:p>
-                      <a:pPr algn="just" fontAlgn="ctr"/>
-                      <a:r>
-                        <a:rPr lang="es-PE" sz="800" u="none" strike="noStrike">
-                          <a:effectLst/>
-                        </a:rPr>
-                        <a:t>"MEJORAMIENTO DEL SERVICIO DE APOYO PARA LA PRODUCCION DE HONGOS COMESTIBLES 5 PROVINCIAS DEL DEPARTAMENTO DE APURIMAC</a:t>
-                      </a:r>
-                      <a:endParaRPr lang="es-PE" sz="800" b="0" i="0" u="none" strike="noStrike">
+                      <a:pPr algn="l" rtl="0" fontAlgn="ctr"/>
+                      <a:r>
+                        <a:rPr lang="es-PE" sz="800" u="none" strike="noStrike" dirty="0">
+                          <a:effectLst/>
+                        </a:rPr>
+                        <a:t>05 provincias</a:t>
+                      </a:r>
+                      <a:endParaRPr lang="es-PE" sz="800" b="0" i="0" u="none" strike="noStrike" dirty="0">
                         <a:solidFill>
                           <a:srgbClr val="000000"/>
                         </a:solidFill>
@@ -10681,106 +9942,14 @@
                     <a:bodyPr/>
                     <a:lstStyle/>
                     <a:p>
-                      <a:pPr algn="l" rtl="0" fontAlgn="ctr"/>
+                      <a:pPr algn="just" rtl="0" fontAlgn="ctr"/>
                       <a:r>
                         <a:rPr lang="es-PE" sz="800" u="none" strike="noStrike" dirty="0">
                           <a:effectLst/>
                         </a:rPr>
-                        <a:t>5,185,155.00</a:t>
+                        <a:t>Elaboración del PDT.</a:t>
                       </a:r>
                       <a:endParaRPr lang="es-PE" sz="800" b="0" i="0" u="none" strike="noStrike" dirty="0">
-                        <a:solidFill>
-                          <a:srgbClr val="000000"/>
-                        </a:solidFill>
-                        <a:effectLst/>
-                        <a:latin typeface="Arial Narrow" panose="020B0606020202030204" pitchFamily="34" charset="0"/>
-                      </a:endParaRPr>
-                    </a:p>
-                  </a:txBody>
-                  <a:tcPr marL="5250" marR="5250" marT="5250" marB="0" anchor="ctr"/>
-                </a:tc>
-                <a:tc>
-                  <a:txBody>
-                    <a:bodyPr/>
-                    <a:lstStyle/>
-                    <a:p>
-                      <a:pPr algn="ctr" rtl="0" fontAlgn="ctr"/>
-                      <a:r>
-                        <a:rPr lang="es-PE" sz="800" u="none" strike="noStrike">
-                          <a:effectLst/>
-                        </a:rPr>
-                        <a:t>IDEA</a:t>
-                      </a:r>
-                      <a:endParaRPr lang="es-PE" sz="800" b="0" i="0" u="none" strike="noStrike">
-                        <a:solidFill>
-                          <a:srgbClr val="222222"/>
-                        </a:solidFill>
-                        <a:effectLst/>
-                        <a:latin typeface="Arial" panose="020B0604020202020204" pitchFamily="34" charset="0"/>
-                      </a:endParaRPr>
-                    </a:p>
-                  </a:txBody>
-                  <a:tcPr marL="5250" marR="5250" marT="5250" marB="0" anchor="ctr"/>
-                </a:tc>
-                <a:tc>
-                  <a:txBody>
-                    <a:bodyPr/>
-                    <a:lstStyle/>
-                    <a:p>
-                      <a:pPr algn="ctr" rtl="0" fontAlgn="ctr"/>
-                      <a:r>
-                        <a:rPr lang="es-PE" sz="800" u="none" strike="noStrike">
-                          <a:effectLst/>
-                        </a:rPr>
-                        <a:t>5 MESES</a:t>
-                      </a:r>
-                      <a:endParaRPr lang="es-PE" sz="800" b="0" i="0" u="none" strike="noStrike">
-                        <a:solidFill>
-                          <a:srgbClr val="222222"/>
-                        </a:solidFill>
-                        <a:effectLst/>
-                        <a:latin typeface="Arial" panose="020B0604020202020204" pitchFamily="34" charset="0"/>
-                      </a:endParaRPr>
-                    </a:p>
-                  </a:txBody>
-                  <a:tcPr marL="5250" marR="5250" marT="5250" marB="0" anchor="ctr"/>
-                </a:tc>
-                <a:tc>
-                  <a:txBody>
-                    <a:bodyPr/>
-                    <a:lstStyle/>
-                    <a:p>
-                      <a:pPr algn="just" rtl="0" fontAlgn="ctr"/>
-                      <a:r>
-                        <a:rPr lang="es-PE" sz="800" u="none" strike="noStrike">
-                          <a:effectLst/>
-                        </a:rPr>
-                        <a:t>PROVINCIAS DE ABANCAY, AYMARAES, ANDAHUAYLAS, CHINCHEROS Y COTABAMBAS</a:t>
-                      </a:r>
-                      <a:endParaRPr lang="es-PE" sz="800" b="0" i="0" u="none" strike="noStrike">
-                        <a:solidFill>
-                          <a:srgbClr val="000000"/>
-                        </a:solidFill>
-                        <a:effectLst/>
-                        <a:latin typeface="Arial Narrow" panose="020B0606020202030204" pitchFamily="34" charset="0"/>
-                      </a:endParaRPr>
-                    </a:p>
-                  </a:txBody>
-                  <a:tcPr marL="5250" marR="5250" marT="5250" marB="0" anchor="ctr"/>
-                </a:tc>
-                <a:tc>
-                  <a:txBody>
-                    <a:bodyPr/>
-                    <a:lstStyle/>
-                    <a:p>
-                      <a:pPr algn="just" rtl="0" fontAlgn="ctr"/>
-                      <a:r>
-                        <a:rPr lang="es-PE" sz="800" u="none" strike="noStrike">
-                          <a:effectLst/>
-                        </a:rPr>
-                        <a:t>ADMINISTRACIÓN DIRECTA</a:t>
-                      </a:r>
-                      <a:endParaRPr lang="es-PE" sz="800" b="0" i="0" u="none" strike="noStrike">
                         <a:solidFill>
                           <a:srgbClr val="000000"/>
                         </a:solidFill>
@@ -10828,10 +9997,33 @@
                     <a:p>
                       <a:pPr algn="ctr" rtl="0" fontAlgn="ctr"/>
                       <a:r>
+                        <a:rPr lang="es-PE" sz="800" u="none" strike="noStrike" dirty="0">
+                          <a:effectLst/>
+                        </a:rPr>
+                        <a:t>49538</a:t>
+                      </a:r>
+                      <a:endParaRPr lang="es-PE" sz="800" b="0" i="0" u="none" strike="noStrike" dirty="0">
+                        <a:solidFill>
+                          <a:srgbClr val="000000"/>
+                        </a:solidFill>
+                        <a:effectLst/>
+                        <a:latin typeface="Arial Narrow" panose="020B0606020202030204" pitchFamily="34" charset="0"/>
+                      </a:endParaRPr>
+                    </a:p>
+                  </a:txBody>
+                  <a:tcPr marL="5250" marR="5250" marT="5250" marB="0" anchor="ctr"/>
+                </a:tc>
+                <a:tc>
+                  <a:txBody>
+                    <a:bodyPr/>
+                    <a:lstStyle/>
+                    <a:p>
+                      <a:pPr algn="just" fontAlgn="ctr"/>
+                      <a:r>
                         <a:rPr lang="es-PE" sz="800" u="none" strike="noStrike">
                           <a:effectLst/>
                         </a:rPr>
-                        <a:t>-</a:t>
+                        <a:t>"CREACION DE SERVICIOS DEL CENTRO DE INNOVACIÓN TECNOLÓGICA - CITE ACUÍCOLA EN LAS 7 PROVINCIAS DEL DEPARTAMENTO DE APURIMAC"</a:t>
                       </a:r>
                       <a:endParaRPr lang="es-PE" sz="800" b="0" i="0" u="none" strike="noStrike">
                         <a:solidFill>
@@ -10849,19 +10041,42 @@
                     <a:bodyPr/>
                     <a:lstStyle/>
                     <a:p>
+                      <a:pPr algn="r" rtl="0" fontAlgn="ctr"/>
+                      <a:r>
+                        <a:rPr lang="es-PE" sz="800" u="none" strike="noStrike" dirty="0">
+                          <a:effectLst/>
+                        </a:rPr>
+                        <a:t>15,613,021.57</a:t>
+                      </a:r>
+                      <a:endParaRPr lang="es-PE" sz="800" b="0" i="0" u="none" strike="noStrike" dirty="0">
+                        <a:solidFill>
+                          <a:srgbClr val="000000"/>
+                        </a:solidFill>
+                        <a:effectLst/>
+                        <a:latin typeface="Arial Narrow" panose="020B0606020202030204" pitchFamily="34" charset="0"/>
+                      </a:endParaRPr>
+                    </a:p>
+                  </a:txBody>
+                  <a:tcPr marL="5250" marR="5250" marT="5250" marB="0" anchor="ctr"/>
+                </a:tc>
+                <a:tc>
+                  <a:txBody>
+                    <a:bodyPr/>
+                    <a:lstStyle/>
+                    <a:p>
                       <a:pPr algn="ctr" rtl="0" fontAlgn="ctr"/>
                       <a:r>
                         <a:rPr lang="es-PE" sz="800" u="none" strike="noStrike">
                           <a:effectLst/>
                         </a:rPr>
-                        <a:t>49538</a:t>
+                        <a:t>IDEA</a:t>
                       </a:r>
                       <a:endParaRPr lang="es-PE" sz="800" b="0" i="0" u="none" strike="noStrike">
                         <a:solidFill>
-                          <a:srgbClr val="000000"/>
-                        </a:solidFill>
-                        <a:effectLst/>
-                        <a:latin typeface="Arial Narrow" panose="020B0606020202030204" pitchFamily="34" charset="0"/>
+                          <a:srgbClr val="222222"/>
+                        </a:solidFill>
+                        <a:effectLst/>
+                        <a:latin typeface="Arial" panose="020B0604020202020204" pitchFamily="34" charset="0"/>
                       </a:endParaRPr>
                     </a:p>
                   </a:txBody>
@@ -10872,127 +10087,35 @@
                     <a:bodyPr/>
                     <a:lstStyle/>
                     <a:p>
-                      <a:pPr algn="just" fontAlgn="ctr"/>
+                      <a:pPr algn="l" rtl="0" fontAlgn="ctr"/>
+                      <a:r>
+                        <a:rPr lang="es-PE" sz="800" u="none" strike="noStrike" dirty="0">
+                          <a:effectLst/>
+                        </a:rPr>
+                        <a:t>07 PROVINCIAS</a:t>
+                      </a:r>
+                      <a:endParaRPr lang="es-PE" sz="800" b="0" i="0" u="none" strike="noStrike" dirty="0">
+                        <a:solidFill>
+                          <a:srgbClr val="000000"/>
+                        </a:solidFill>
+                        <a:effectLst/>
+                        <a:latin typeface="Arial Narrow" panose="020B0606020202030204" pitchFamily="34" charset="0"/>
+                      </a:endParaRPr>
+                    </a:p>
+                  </a:txBody>
+                  <a:tcPr marL="5250" marR="5250" marT="5250" marB="0" anchor="ctr"/>
+                </a:tc>
+                <a:tc>
+                  <a:txBody>
+                    <a:bodyPr/>
+                    <a:lstStyle/>
+                    <a:p>
+                      <a:pPr algn="just" rtl="0" fontAlgn="ctr"/>
                       <a:r>
                         <a:rPr lang="es-PE" sz="800" u="none" strike="noStrike">
                           <a:effectLst/>
                         </a:rPr>
-                        <a:t>"CREACION DE SERVICIOS DEL CENTRO DE INNOVACIÓN TECNOLÓGICA - CITE ACUÍCOLA EN LAS 7 PROVINCIAS DEL DEPARTAMENTO DE APURIMAC"</a:t>
-                      </a:r>
-                      <a:endParaRPr lang="es-PE" sz="800" b="0" i="0" u="none" strike="noStrike">
-                        <a:solidFill>
-                          <a:srgbClr val="000000"/>
-                        </a:solidFill>
-                        <a:effectLst/>
-                        <a:latin typeface="Arial Narrow" panose="020B0606020202030204" pitchFamily="34" charset="0"/>
-                      </a:endParaRPr>
-                    </a:p>
-                  </a:txBody>
-                  <a:tcPr marL="5250" marR="5250" marT="5250" marB="0" anchor="ctr"/>
-                </a:tc>
-                <a:tc>
-                  <a:txBody>
-                    <a:bodyPr/>
-                    <a:lstStyle/>
-                    <a:p>
-                      <a:pPr algn="l" rtl="0" fontAlgn="ctr"/>
-                      <a:r>
-                        <a:rPr lang="es-PE" sz="800" u="none" strike="noStrike" dirty="0">
-                          <a:effectLst/>
-                        </a:rPr>
-                        <a:t>15,613,021.57</a:t>
-                      </a:r>
-                      <a:endParaRPr lang="es-PE" sz="800" b="0" i="0" u="none" strike="noStrike" dirty="0">
-                        <a:solidFill>
-                          <a:srgbClr val="000000"/>
-                        </a:solidFill>
-                        <a:effectLst/>
-                        <a:latin typeface="Arial Narrow" panose="020B0606020202030204" pitchFamily="34" charset="0"/>
-                      </a:endParaRPr>
-                    </a:p>
-                  </a:txBody>
-                  <a:tcPr marL="5250" marR="5250" marT="5250" marB="0" anchor="ctr"/>
-                </a:tc>
-                <a:tc>
-                  <a:txBody>
-                    <a:bodyPr/>
-                    <a:lstStyle/>
-                    <a:p>
-                      <a:pPr algn="ctr" rtl="0" fontAlgn="ctr"/>
-                      <a:r>
-                        <a:rPr lang="es-PE" sz="800" u="none" strike="noStrike">
-                          <a:effectLst/>
-                        </a:rPr>
-                        <a:t>IDEA</a:t>
-                      </a:r>
-                      <a:endParaRPr lang="es-PE" sz="800" b="0" i="0" u="none" strike="noStrike">
-                        <a:solidFill>
-                          <a:srgbClr val="222222"/>
-                        </a:solidFill>
-                        <a:effectLst/>
-                        <a:latin typeface="Arial" panose="020B0604020202020204" pitchFamily="34" charset="0"/>
-                      </a:endParaRPr>
-                    </a:p>
-                  </a:txBody>
-                  <a:tcPr marL="5250" marR="5250" marT="5250" marB="0" anchor="ctr"/>
-                </a:tc>
-                <a:tc>
-                  <a:txBody>
-                    <a:bodyPr/>
-                    <a:lstStyle/>
-                    <a:p>
-                      <a:pPr algn="ctr" rtl="0" fontAlgn="ctr"/>
-                      <a:r>
-                        <a:rPr lang="es-PE" sz="800" u="none" strike="noStrike">
-                          <a:effectLst/>
-                        </a:rPr>
-                        <a:t>6 MESES</a:t>
-                      </a:r>
-                      <a:endParaRPr lang="es-PE" sz="800" b="0" i="0" u="none" strike="noStrike">
-                        <a:solidFill>
-                          <a:srgbClr val="222222"/>
-                        </a:solidFill>
-                        <a:effectLst/>
-                        <a:latin typeface="Arial" panose="020B0604020202020204" pitchFamily="34" charset="0"/>
-                      </a:endParaRPr>
-                    </a:p>
-                  </a:txBody>
-                  <a:tcPr marL="5250" marR="5250" marT="5250" marB="0" anchor="ctr"/>
-                </a:tc>
-                <a:tc>
-                  <a:txBody>
-                    <a:bodyPr/>
-                    <a:lstStyle/>
-                    <a:p>
-                      <a:pPr algn="just" rtl="0" fontAlgn="ctr"/>
-                      <a:r>
-                        <a:rPr lang="es-PE" sz="800" u="none" strike="noStrike">
-                          <a:effectLst/>
-                        </a:rPr>
-                        <a:t>LAS 07 PROVINCIAS DE LA REGIÓN APURÍMAC</a:t>
-                      </a:r>
-                      <a:endParaRPr lang="es-PE" sz="800" b="0" i="0" u="none" strike="noStrike">
-                        <a:solidFill>
-                          <a:srgbClr val="000000"/>
-                        </a:solidFill>
-                        <a:effectLst/>
-                        <a:latin typeface="Arial Narrow" panose="020B0606020202030204" pitchFamily="34" charset="0"/>
-                      </a:endParaRPr>
-                    </a:p>
-                  </a:txBody>
-                  <a:tcPr marL="5250" marR="5250" marT="5250" marB="0" anchor="ctr"/>
-                </a:tc>
-                <a:tc>
-                  <a:txBody>
-                    <a:bodyPr/>
-                    <a:lstStyle/>
-                    <a:p>
-                      <a:pPr algn="just" rtl="0" fontAlgn="ctr"/>
-                      <a:r>
-                        <a:rPr lang="es-PE" sz="800" u="none" strike="noStrike" dirty="0">
-                          <a:effectLst/>
-                        </a:rPr>
-                        <a:t>ADMINISTRACIÓN DIRECTA</a:t>
+                        <a:t>Elaboración del PDT.</a:t>
                       </a:r>
                       <a:endParaRPr lang="es-PE" sz="800" b="0" i="0" u="none" strike="noStrike" dirty="0">
                         <a:solidFill>
